--- a/docs/apresentacao/Apresentação - Sprint 4.pptx
+++ b/docs/apresentacao/Apresentação - Sprint 4.pptx
@@ -22,8 +22,8 @@
     <p:sldId id="297" r:id="rId13"/>
     <p:sldId id="265" r:id="rId14"/>
     <p:sldId id="301" r:id="rId15"/>
-    <p:sldId id="304" r:id="rId16"/>
-    <p:sldId id="271" r:id="rId17"/>
+    <p:sldId id="305" r:id="rId16"/>
+    <p:sldId id="304" r:id="rId17"/>
     <p:sldId id="289" r:id="rId18"/>
   </p:sldIdLst>
   <p:sldSz cx="12192000" cy="6858000"/>
@@ -183,13 +183,812 @@
 <file path=ppt/revisionInfo.xml><?xml version="1.0" encoding="utf-8"?>
 <p1510:revInfo xmlns:a="http://schemas.openxmlformats.org/drawingml/2006/main" xmlns:r="http://schemas.openxmlformats.org/officeDocument/2006/relationships" xmlns:p1510="http://schemas.microsoft.com/office/powerpoint/2015/10/main">
   <p1510:revLst>
-    <p1510:client id="{E2F8200A-1438-4883-B976-5D75DF02623E}" v="122" dt="2022-11-28T19:21:07.857"/>
+    <p1510:client id="{957C50AA-5744-4113-8340-ECEE95D7512C}" v="79" dt="2022-12-04T14:38:09.512"/>
   </p1510:revLst>
 </p1510:revInfo>
 </file>
 
 <file path=ppt/changesInfos/changesInfo1.xml><?xml version="1.0" encoding="utf-8"?>
 <pc:chgInfo xmlns:a="http://schemas.openxmlformats.org/drawingml/2006/main" xmlns:r="http://schemas.openxmlformats.org/officeDocument/2006/relationships" xmlns:ac="http://schemas.microsoft.com/office/drawing/2013/main/command" xmlns:pc="http://schemas.microsoft.com/office/powerpoint/2013/main/command">
+  <pc:docChgLst>
+    <pc:chgData name="Guilherme Lage da Costa" userId="e66f0b7e9f7bd981" providerId="LiveId" clId="{957C50AA-5744-4113-8340-ECEE95D7512C}"/>
+    <pc:docChg chg="undo custSel addSld delSld modSld">
+      <pc:chgData name="Guilherme Lage da Costa" userId="e66f0b7e9f7bd981" providerId="LiveId" clId="{957C50AA-5744-4113-8340-ECEE95D7512C}" dt="2022-12-04T14:58:47.807" v="279" actId="255"/>
+      <pc:docMkLst>
+        <pc:docMk/>
+      </pc:docMkLst>
+      <pc:sldChg chg="modSp mod modTransition">
+        <pc:chgData name="Guilherme Lage da Costa" userId="e66f0b7e9f7bd981" providerId="LiveId" clId="{957C50AA-5744-4113-8340-ECEE95D7512C}" dt="2022-12-04T14:27:52.728" v="116"/>
+        <pc:sldMkLst>
+          <pc:docMk/>
+          <pc:sldMk cId="1426289195" sldId="261"/>
+        </pc:sldMkLst>
+        <pc:spChg chg="mod">
+          <ac:chgData name="Guilherme Lage da Costa" userId="e66f0b7e9f7bd981" providerId="LiveId" clId="{957C50AA-5744-4113-8340-ECEE95D7512C}" dt="2022-12-04T14:23:57.118" v="107" actId="1076"/>
+          <ac:spMkLst>
+            <pc:docMk/>
+            <pc:sldMk cId="1426289195" sldId="261"/>
+            <ac:spMk id="26" creationId="{D72FFC9A-0170-7500-31A5-861BAAC1B80B}"/>
+          </ac:spMkLst>
+        </pc:spChg>
+      </pc:sldChg>
+      <pc:sldChg chg="modTransition">
+        <pc:chgData name="Guilherme Lage da Costa" userId="e66f0b7e9f7bd981" providerId="LiveId" clId="{957C50AA-5744-4113-8340-ECEE95D7512C}" dt="2022-12-04T14:27:52.728" v="116"/>
+        <pc:sldMkLst>
+          <pc:docMk/>
+          <pc:sldMk cId="4036799441" sldId="263"/>
+        </pc:sldMkLst>
+      </pc:sldChg>
+      <pc:sldChg chg="modTransition">
+        <pc:chgData name="Guilherme Lage da Costa" userId="e66f0b7e9f7bd981" providerId="LiveId" clId="{957C50AA-5744-4113-8340-ECEE95D7512C}" dt="2022-12-04T14:27:52.728" v="116"/>
+        <pc:sldMkLst>
+          <pc:docMk/>
+          <pc:sldMk cId="2045565893" sldId="265"/>
+        </pc:sldMkLst>
+      </pc:sldChg>
+      <pc:sldChg chg="modSp mod modTransition">
+        <pc:chgData name="Guilherme Lage da Costa" userId="e66f0b7e9f7bd981" providerId="LiveId" clId="{957C50AA-5744-4113-8340-ECEE95D7512C}" dt="2022-12-04T14:27:52.728" v="116"/>
+        <pc:sldMkLst>
+          <pc:docMk/>
+          <pc:sldMk cId="414694147" sldId="267"/>
+        </pc:sldMkLst>
+        <pc:spChg chg="mod">
+          <ac:chgData name="Guilherme Lage da Costa" userId="e66f0b7e9f7bd981" providerId="LiveId" clId="{957C50AA-5744-4113-8340-ECEE95D7512C}" dt="2022-12-04T14:02:53.809" v="5" actId="403"/>
+          <ac:spMkLst>
+            <pc:docMk/>
+            <pc:sldMk cId="414694147" sldId="267"/>
+            <ac:spMk id="10" creationId="{980CE54D-9520-7596-2B1D-B61F698E3B00}"/>
+          </ac:spMkLst>
+        </pc:spChg>
+        <pc:spChg chg="mod">
+          <ac:chgData name="Guilherme Lage da Costa" userId="e66f0b7e9f7bd981" providerId="LiveId" clId="{957C50AA-5744-4113-8340-ECEE95D7512C}" dt="2022-12-04T14:03:00.111" v="8" actId="255"/>
+          <ac:spMkLst>
+            <pc:docMk/>
+            <pc:sldMk cId="414694147" sldId="267"/>
+            <ac:spMk id="12" creationId="{21D901EE-ADC3-69A8-EB8E-5C599F6B583F}"/>
+          </ac:spMkLst>
+        </pc:spChg>
+        <pc:spChg chg="mod">
+          <ac:chgData name="Guilherme Lage da Costa" userId="e66f0b7e9f7bd981" providerId="LiveId" clId="{957C50AA-5744-4113-8340-ECEE95D7512C}" dt="2022-12-04T14:03:20.731" v="15" actId="14100"/>
+          <ac:spMkLst>
+            <pc:docMk/>
+            <pc:sldMk cId="414694147" sldId="267"/>
+            <ac:spMk id="19" creationId="{DA13C255-C6B2-7AC3-CB02-CDFB189E06F3}"/>
+          </ac:spMkLst>
+        </pc:spChg>
+        <pc:picChg chg="mod">
+          <ac:chgData name="Guilherme Lage da Costa" userId="e66f0b7e9f7bd981" providerId="LiveId" clId="{957C50AA-5744-4113-8340-ECEE95D7512C}" dt="2022-12-04T14:03:11.682" v="10" actId="1076"/>
+          <ac:picMkLst>
+            <pc:docMk/>
+            <pc:sldMk cId="414694147" sldId="267"/>
+            <ac:picMk id="20" creationId="{617927B8-2FAA-127F-127F-E9D52A779BD2}"/>
+          </ac:picMkLst>
+        </pc:picChg>
+      </pc:sldChg>
+      <pc:sldChg chg="modSp mod modTransition">
+        <pc:chgData name="Guilherme Lage da Costa" userId="e66f0b7e9f7bd981" providerId="LiveId" clId="{957C50AA-5744-4113-8340-ECEE95D7512C}" dt="2022-12-04T14:27:52.728" v="116"/>
+        <pc:sldMkLst>
+          <pc:docMk/>
+          <pc:sldMk cId="1189825655" sldId="270"/>
+        </pc:sldMkLst>
+        <pc:spChg chg="mod">
+          <ac:chgData name="Guilherme Lage da Costa" userId="e66f0b7e9f7bd981" providerId="LiveId" clId="{957C50AA-5744-4113-8340-ECEE95D7512C}" dt="2022-12-04T14:04:36.634" v="24" actId="403"/>
+          <ac:spMkLst>
+            <pc:docMk/>
+            <pc:sldMk cId="1189825655" sldId="270"/>
+            <ac:spMk id="11" creationId="{6B5EED77-242F-2AAA-1BE6-3B9E6303A2D6}"/>
+          </ac:spMkLst>
+        </pc:spChg>
+        <pc:grpChg chg="mod">
+          <ac:chgData name="Guilherme Lage da Costa" userId="e66f0b7e9f7bd981" providerId="LiveId" clId="{957C50AA-5744-4113-8340-ECEE95D7512C}" dt="2022-12-04T14:04:47.092" v="27" actId="1076"/>
+          <ac:grpSpMkLst>
+            <pc:docMk/>
+            <pc:sldMk cId="1189825655" sldId="270"/>
+            <ac:grpSpMk id="65" creationId="{C31D3C33-EB84-F528-DE6C-98F2EB3B3539}"/>
+          </ac:grpSpMkLst>
+        </pc:grpChg>
+        <pc:grpChg chg="mod">
+          <ac:chgData name="Guilherme Lage da Costa" userId="e66f0b7e9f7bd981" providerId="LiveId" clId="{957C50AA-5744-4113-8340-ECEE95D7512C}" dt="2022-12-04T14:04:47.092" v="27" actId="1076"/>
+          <ac:grpSpMkLst>
+            <pc:docMk/>
+            <pc:sldMk cId="1189825655" sldId="270"/>
+            <ac:grpSpMk id="85" creationId="{59A62FBD-3CD1-54F9-3916-51F042C7789B}"/>
+          </ac:grpSpMkLst>
+        </pc:grpChg>
+        <pc:grpChg chg="mod">
+          <ac:chgData name="Guilherme Lage da Costa" userId="e66f0b7e9f7bd981" providerId="LiveId" clId="{957C50AA-5744-4113-8340-ECEE95D7512C}" dt="2022-12-04T14:04:47.092" v="27" actId="1076"/>
+          <ac:grpSpMkLst>
+            <pc:docMk/>
+            <pc:sldMk cId="1189825655" sldId="270"/>
+            <ac:grpSpMk id="97" creationId="{2A0976A2-7632-AEA8-2656-F0A3C93763F5}"/>
+          </ac:grpSpMkLst>
+        </pc:grpChg>
+        <pc:grpChg chg="mod">
+          <ac:chgData name="Guilherme Lage da Costa" userId="e66f0b7e9f7bd981" providerId="LiveId" clId="{957C50AA-5744-4113-8340-ECEE95D7512C}" dt="2022-12-04T14:04:47.092" v="27" actId="1076"/>
+          <ac:grpSpMkLst>
+            <pc:docMk/>
+            <pc:sldMk cId="1189825655" sldId="270"/>
+            <ac:grpSpMk id="102" creationId="{E8D46085-70B6-EBC9-F7EB-E1AD4035C048}"/>
+          </ac:grpSpMkLst>
+        </pc:grpChg>
+        <pc:grpChg chg="mod">
+          <ac:chgData name="Guilherme Lage da Costa" userId="e66f0b7e9f7bd981" providerId="LiveId" clId="{957C50AA-5744-4113-8340-ECEE95D7512C}" dt="2022-12-04T14:04:47.092" v="27" actId="1076"/>
+          <ac:grpSpMkLst>
+            <pc:docMk/>
+            <pc:sldMk cId="1189825655" sldId="270"/>
+            <ac:grpSpMk id="107" creationId="{41CF52BA-7B16-8F1F-43C4-867FACE9865F}"/>
+          </ac:grpSpMkLst>
+        </pc:grpChg>
+        <pc:grpChg chg="mod">
+          <ac:chgData name="Guilherme Lage da Costa" userId="e66f0b7e9f7bd981" providerId="LiveId" clId="{957C50AA-5744-4113-8340-ECEE95D7512C}" dt="2022-12-04T14:04:47.092" v="27" actId="1076"/>
+          <ac:grpSpMkLst>
+            <pc:docMk/>
+            <pc:sldMk cId="1189825655" sldId="270"/>
+            <ac:grpSpMk id="112" creationId="{810E5248-31F0-A668-C87F-72EFBBBC4CE1}"/>
+          </ac:grpSpMkLst>
+        </pc:grpChg>
+        <pc:grpChg chg="mod">
+          <ac:chgData name="Guilherme Lage da Costa" userId="e66f0b7e9f7bd981" providerId="LiveId" clId="{957C50AA-5744-4113-8340-ECEE95D7512C}" dt="2022-12-04T14:04:47.092" v="27" actId="1076"/>
+          <ac:grpSpMkLst>
+            <pc:docMk/>
+            <pc:sldMk cId="1189825655" sldId="270"/>
+            <ac:grpSpMk id="135" creationId="{135F568D-F1E1-2F5E-49C2-B83F1A23F4F3}"/>
+          </ac:grpSpMkLst>
+        </pc:grpChg>
+        <pc:grpChg chg="mod">
+          <ac:chgData name="Guilherme Lage da Costa" userId="e66f0b7e9f7bd981" providerId="LiveId" clId="{957C50AA-5744-4113-8340-ECEE95D7512C}" dt="2022-12-04T14:04:47.092" v="27" actId="1076"/>
+          <ac:grpSpMkLst>
+            <pc:docMk/>
+            <pc:sldMk cId="1189825655" sldId="270"/>
+            <ac:grpSpMk id="140" creationId="{D90C418E-F5F6-6D64-0683-73A4A83C6E99}"/>
+          </ac:grpSpMkLst>
+        </pc:grpChg>
+        <pc:grpChg chg="mod">
+          <ac:chgData name="Guilherme Lage da Costa" userId="e66f0b7e9f7bd981" providerId="LiveId" clId="{957C50AA-5744-4113-8340-ECEE95D7512C}" dt="2022-12-04T14:04:47.092" v="27" actId="1076"/>
+          <ac:grpSpMkLst>
+            <pc:docMk/>
+            <pc:sldMk cId="1189825655" sldId="270"/>
+            <ac:grpSpMk id="143" creationId="{1AD9BD0B-9B94-0C41-BECD-81DED113C8E9}"/>
+          </ac:grpSpMkLst>
+        </pc:grpChg>
+        <pc:grpChg chg="mod">
+          <ac:chgData name="Guilherme Lage da Costa" userId="e66f0b7e9f7bd981" providerId="LiveId" clId="{957C50AA-5744-4113-8340-ECEE95D7512C}" dt="2022-12-04T14:04:47.092" v="27" actId="1076"/>
+          <ac:grpSpMkLst>
+            <pc:docMk/>
+            <pc:sldMk cId="1189825655" sldId="270"/>
+            <ac:grpSpMk id="148" creationId="{9D7430F1-D7DD-97A9-96A6-77BE65264019}"/>
+          </ac:grpSpMkLst>
+        </pc:grpChg>
+        <pc:picChg chg="mod">
+          <ac:chgData name="Guilherme Lage da Costa" userId="e66f0b7e9f7bd981" providerId="LiveId" clId="{957C50AA-5744-4113-8340-ECEE95D7512C}" dt="2022-12-04T14:04:47.092" v="27" actId="1076"/>
+          <ac:picMkLst>
+            <pc:docMk/>
+            <pc:sldMk cId="1189825655" sldId="270"/>
+            <ac:picMk id="10" creationId="{69E1B59E-4C27-C3AF-DAA3-37B017CCB40C}"/>
+          </ac:picMkLst>
+        </pc:picChg>
+        <pc:picChg chg="mod">
+          <ac:chgData name="Guilherme Lage da Costa" userId="e66f0b7e9f7bd981" providerId="LiveId" clId="{957C50AA-5744-4113-8340-ECEE95D7512C}" dt="2022-12-04T14:04:47.092" v="27" actId="1076"/>
+          <ac:picMkLst>
+            <pc:docMk/>
+            <pc:sldMk cId="1189825655" sldId="270"/>
+            <ac:picMk id="12" creationId="{C93D1AEB-8021-B9D3-062E-52B1D003E2F6}"/>
+          </ac:picMkLst>
+        </pc:picChg>
+        <pc:picChg chg="mod">
+          <ac:chgData name="Guilherme Lage da Costa" userId="e66f0b7e9f7bd981" providerId="LiveId" clId="{957C50AA-5744-4113-8340-ECEE95D7512C}" dt="2022-12-04T14:04:47.092" v="27" actId="1076"/>
+          <ac:picMkLst>
+            <pc:docMk/>
+            <pc:sldMk cId="1189825655" sldId="270"/>
+            <ac:picMk id="13" creationId="{3BC97CD4-7717-ACF7-25A0-464690BC19A7}"/>
+          </ac:picMkLst>
+        </pc:picChg>
+      </pc:sldChg>
+      <pc:sldChg chg="del">
+        <pc:chgData name="Guilherme Lage da Costa" userId="e66f0b7e9f7bd981" providerId="LiveId" clId="{957C50AA-5744-4113-8340-ECEE95D7512C}" dt="2022-12-04T14:24:59.836" v="108" actId="47"/>
+        <pc:sldMkLst>
+          <pc:docMk/>
+          <pc:sldMk cId="2772420948" sldId="271"/>
+        </pc:sldMkLst>
+      </pc:sldChg>
+      <pc:sldChg chg="addSp modSp mod modTransition">
+        <pc:chgData name="Guilherme Lage da Costa" userId="e66f0b7e9f7bd981" providerId="LiveId" clId="{957C50AA-5744-4113-8340-ECEE95D7512C}" dt="2022-12-04T14:27:52.728" v="116"/>
+        <pc:sldMkLst>
+          <pc:docMk/>
+          <pc:sldMk cId="2587181406" sldId="275"/>
+        </pc:sldMkLst>
+        <pc:spChg chg="mod">
+          <ac:chgData name="Guilherme Lage da Costa" userId="e66f0b7e9f7bd981" providerId="LiveId" clId="{957C50AA-5744-4113-8340-ECEE95D7512C}" dt="2022-12-04T14:04:01.317" v="20" actId="403"/>
+          <ac:spMkLst>
+            <pc:docMk/>
+            <pc:sldMk cId="2587181406" sldId="275"/>
+            <ac:spMk id="10" creationId="{980CE54D-9520-7596-2B1D-B61F698E3B00}"/>
+          </ac:spMkLst>
+        </pc:spChg>
+        <pc:spChg chg="mod">
+          <ac:chgData name="Guilherme Lage da Costa" userId="e66f0b7e9f7bd981" providerId="LiveId" clId="{957C50AA-5744-4113-8340-ECEE95D7512C}" dt="2022-12-04T14:04:05.508" v="21" actId="255"/>
+          <ac:spMkLst>
+            <pc:docMk/>
+            <pc:sldMk cId="2587181406" sldId="275"/>
+            <ac:spMk id="12" creationId="{21D901EE-ADC3-69A8-EB8E-5C599F6B583F}"/>
+          </ac:spMkLst>
+        </pc:spChg>
+        <pc:spChg chg="mod">
+          <ac:chgData name="Guilherme Lage da Costa" userId="e66f0b7e9f7bd981" providerId="LiveId" clId="{957C50AA-5744-4113-8340-ECEE95D7512C}" dt="2022-12-04T14:04:11.435" v="23" actId="164"/>
+          <ac:spMkLst>
+            <pc:docMk/>
+            <pc:sldMk cId="2587181406" sldId="275"/>
+            <ac:spMk id="17" creationId="{1965A6CA-2224-FFBE-65B1-D2E98CE5B4ED}"/>
+          </ac:spMkLst>
+        </pc:spChg>
+        <pc:spChg chg="mod">
+          <ac:chgData name="Guilherme Lage da Costa" userId="e66f0b7e9f7bd981" providerId="LiveId" clId="{957C50AA-5744-4113-8340-ECEE95D7512C}" dt="2022-12-04T14:04:11.435" v="23" actId="164"/>
+          <ac:spMkLst>
+            <pc:docMk/>
+            <pc:sldMk cId="2587181406" sldId="275"/>
+            <ac:spMk id="31" creationId="{5D3CB144-C77C-64AD-3F71-0BC7812A3CED}"/>
+          </ac:spMkLst>
+        </pc:spChg>
+        <pc:spChg chg="mod">
+          <ac:chgData name="Guilherme Lage da Costa" userId="e66f0b7e9f7bd981" providerId="LiveId" clId="{957C50AA-5744-4113-8340-ECEE95D7512C}" dt="2022-12-04T14:04:11.435" v="23" actId="164"/>
+          <ac:spMkLst>
+            <pc:docMk/>
+            <pc:sldMk cId="2587181406" sldId="275"/>
+            <ac:spMk id="32" creationId="{6678C3E0-0AF0-2D3D-1C6F-A682B6EF17FB}"/>
+          </ac:spMkLst>
+        </pc:spChg>
+        <pc:grpChg chg="add mod">
+          <ac:chgData name="Guilherme Lage da Costa" userId="e66f0b7e9f7bd981" providerId="LiveId" clId="{957C50AA-5744-4113-8340-ECEE95D7512C}" dt="2022-12-04T14:04:11.435" v="23" actId="164"/>
+          <ac:grpSpMkLst>
+            <pc:docMk/>
+            <pc:sldMk cId="2587181406" sldId="275"/>
+            <ac:grpSpMk id="3" creationId="{6FEAABB7-0F7A-C1D4-E811-069355BC5A3B}"/>
+          </ac:grpSpMkLst>
+        </pc:grpChg>
+        <pc:grpChg chg="mod">
+          <ac:chgData name="Guilherme Lage da Costa" userId="e66f0b7e9f7bd981" providerId="LiveId" clId="{957C50AA-5744-4113-8340-ECEE95D7512C}" dt="2022-12-04T14:04:11.435" v="23" actId="164"/>
+          <ac:grpSpMkLst>
+            <pc:docMk/>
+            <pc:sldMk cId="2587181406" sldId="275"/>
+            <ac:grpSpMk id="16" creationId="{968310F6-65FB-0A0F-C5CB-47EEA3F284EF}"/>
+          </ac:grpSpMkLst>
+        </pc:grpChg>
+      </pc:sldChg>
+      <pc:sldChg chg="modSp mod modTransition">
+        <pc:chgData name="Guilherme Lage da Costa" userId="e66f0b7e9f7bd981" providerId="LiveId" clId="{957C50AA-5744-4113-8340-ECEE95D7512C}" dt="2022-12-04T14:58:38.948" v="275" actId="255"/>
+        <pc:sldMkLst>
+          <pc:docMk/>
+          <pc:sldMk cId="575937306" sldId="289"/>
+        </pc:sldMkLst>
+        <pc:spChg chg="mod">
+          <ac:chgData name="Guilherme Lage da Costa" userId="e66f0b7e9f7bd981" providerId="LiveId" clId="{957C50AA-5744-4113-8340-ECEE95D7512C}" dt="2022-12-04T14:38:42.690" v="242"/>
+          <ac:spMkLst>
+            <pc:docMk/>
+            <pc:sldMk cId="575937306" sldId="289"/>
+            <ac:spMk id="4" creationId="{E04C7952-57DC-46E9-E136-2F022066A217}"/>
+          </ac:spMkLst>
+        </pc:spChg>
+        <pc:spChg chg="mod">
+          <ac:chgData name="Guilherme Lage da Costa" userId="e66f0b7e9f7bd981" providerId="LiveId" clId="{957C50AA-5744-4113-8340-ECEE95D7512C}" dt="2022-12-04T14:39:04.051" v="273" actId="20577"/>
+          <ac:spMkLst>
+            <pc:docMk/>
+            <pc:sldMk cId="575937306" sldId="289"/>
+            <ac:spMk id="5" creationId="{9565DBA7-51CE-BB4F-5614-5E7D8C23877B}"/>
+          </ac:spMkLst>
+        </pc:spChg>
+        <pc:spChg chg="mod">
+          <ac:chgData name="Guilherme Lage da Costa" userId="e66f0b7e9f7bd981" providerId="LiveId" clId="{957C50AA-5744-4113-8340-ECEE95D7512C}" dt="2022-12-04T14:58:38.948" v="275" actId="255"/>
+          <ac:spMkLst>
+            <pc:docMk/>
+            <pc:sldMk cId="575937306" sldId="289"/>
+            <ac:spMk id="9" creationId="{FB6C57B6-64CE-9C72-0BB2-089270A67C81}"/>
+          </ac:spMkLst>
+        </pc:spChg>
+      </pc:sldChg>
+      <pc:sldChg chg="modSp mod modTransition">
+        <pc:chgData name="Guilherme Lage da Costa" userId="e66f0b7e9f7bd981" providerId="LiveId" clId="{957C50AA-5744-4113-8340-ECEE95D7512C}" dt="2022-12-04T14:27:52.728" v="116"/>
+        <pc:sldMkLst>
+          <pc:docMk/>
+          <pc:sldMk cId="839103730" sldId="291"/>
+        </pc:sldMkLst>
+        <pc:spChg chg="mod">
+          <ac:chgData name="Guilherme Lage da Costa" userId="e66f0b7e9f7bd981" providerId="LiveId" clId="{957C50AA-5744-4113-8340-ECEE95D7512C}" dt="2022-12-04T14:06:30.573" v="49" actId="14100"/>
+          <ac:spMkLst>
+            <pc:docMk/>
+            <pc:sldMk cId="839103730" sldId="291"/>
+            <ac:spMk id="11" creationId="{6B5EED77-242F-2AAA-1BE6-3B9E6303A2D6}"/>
+          </ac:spMkLst>
+        </pc:spChg>
+      </pc:sldChg>
+      <pc:sldChg chg="delSp modSp mod modTransition">
+        <pc:chgData name="Guilherme Lage da Costa" userId="e66f0b7e9f7bd981" providerId="LiveId" clId="{957C50AA-5744-4113-8340-ECEE95D7512C}" dt="2022-12-04T14:58:47.807" v="279" actId="255"/>
+        <pc:sldMkLst>
+          <pc:docMk/>
+          <pc:sldMk cId="2739091331" sldId="297"/>
+        </pc:sldMkLst>
+        <pc:spChg chg="mod">
+          <ac:chgData name="Guilherme Lage da Costa" userId="e66f0b7e9f7bd981" providerId="LiveId" clId="{957C50AA-5744-4113-8340-ECEE95D7512C}" dt="2022-12-04T14:06:38.469" v="50" actId="403"/>
+          <ac:spMkLst>
+            <pc:docMk/>
+            <pc:sldMk cId="2739091331" sldId="297"/>
+            <ac:spMk id="11" creationId="{6B5EED77-242F-2AAA-1BE6-3B9E6303A2D6}"/>
+          </ac:spMkLst>
+        </pc:spChg>
+        <pc:spChg chg="mod">
+          <ac:chgData name="Guilherme Lage da Costa" userId="e66f0b7e9f7bd981" providerId="LiveId" clId="{957C50AA-5744-4113-8340-ECEE95D7512C}" dt="2022-12-04T14:58:47.807" v="279" actId="255"/>
+          <ac:spMkLst>
+            <pc:docMk/>
+            <pc:sldMk cId="2739091331" sldId="297"/>
+            <ac:spMk id="26" creationId="{09DC7993-50AD-55F3-B927-8380BAD96454}"/>
+          </ac:spMkLst>
+        </pc:spChg>
+        <pc:spChg chg="del mod">
+          <ac:chgData name="Guilherme Lage da Costa" userId="e66f0b7e9f7bd981" providerId="LiveId" clId="{957C50AA-5744-4113-8340-ECEE95D7512C}" dt="2022-12-04T14:06:56.724" v="55" actId="478"/>
+          <ac:spMkLst>
+            <pc:docMk/>
+            <pc:sldMk cId="2739091331" sldId="297"/>
+            <ac:spMk id="27" creationId="{F5B25ABC-F70A-0957-E833-E31D5A1AC839}"/>
+          </ac:spMkLst>
+        </pc:spChg>
+        <pc:spChg chg="del mod">
+          <ac:chgData name="Guilherme Lage da Costa" userId="e66f0b7e9f7bd981" providerId="LiveId" clId="{957C50AA-5744-4113-8340-ECEE95D7512C}" dt="2022-12-04T14:06:58.366" v="56" actId="478"/>
+          <ac:spMkLst>
+            <pc:docMk/>
+            <pc:sldMk cId="2739091331" sldId="297"/>
+            <ac:spMk id="28" creationId="{C61DDD41-4F0A-CFAC-35A4-ACB9D3DF99C0}"/>
+          </ac:spMkLst>
+        </pc:spChg>
+        <pc:spChg chg="del mod">
+          <ac:chgData name="Guilherme Lage da Costa" userId="e66f0b7e9f7bd981" providerId="LiveId" clId="{957C50AA-5744-4113-8340-ECEE95D7512C}" dt="2022-12-04T14:06:59.382" v="57" actId="478"/>
+          <ac:spMkLst>
+            <pc:docMk/>
+            <pc:sldMk cId="2739091331" sldId="297"/>
+            <ac:spMk id="31" creationId="{C2EA745E-6EE4-4FEA-6CC0-6AD947946D89}"/>
+          </ac:spMkLst>
+        </pc:spChg>
+        <pc:spChg chg="del mod">
+          <ac:chgData name="Guilherme Lage da Costa" userId="e66f0b7e9f7bd981" providerId="LiveId" clId="{957C50AA-5744-4113-8340-ECEE95D7512C}" dt="2022-12-04T14:07:01.025" v="59" actId="478"/>
+          <ac:spMkLst>
+            <pc:docMk/>
+            <pc:sldMk cId="2739091331" sldId="297"/>
+            <ac:spMk id="33" creationId="{04C921E0-A11A-4701-B132-F8C0F116F001}"/>
+          </ac:spMkLst>
+        </pc:spChg>
+        <pc:spChg chg="del mod">
+          <ac:chgData name="Guilherme Lage da Costa" userId="e66f0b7e9f7bd981" providerId="LiveId" clId="{957C50AA-5744-4113-8340-ECEE95D7512C}" dt="2022-12-04T14:07:03.500" v="61" actId="478"/>
+          <ac:spMkLst>
+            <pc:docMk/>
+            <pc:sldMk cId="2739091331" sldId="297"/>
+            <ac:spMk id="35" creationId="{8E993CF8-A0DB-D304-F139-CCF72291EAD8}"/>
+          </ac:spMkLst>
+        </pc:spChg>
+        <pc:spChg chg="del mod">
+          <ac:chgData name="Guilherme Lage da Costa" userId="e66f0b7e9f7bd981" providerId="LiveId" clId="{957C50AA-5744-4113-8340-ECEE95D7512C}" dt="2022-12-04T14:07:02.311" v="60" actId="478"/>
+          <ac:spMkLst>
+            <pc:docMk/>
+            <pc:sldMk cId="2739091331" sldId="297"/>
+            <ac:spMk id="36" creationId="{FB06995D-6323-BA34-1F3F-1CB8687D04C0}"/>
+          </ac:spMkLst>
+        </pc:spChg>
+        <pc:picChg chg="mod">
+          <ac:chgData name="Guilherme Lage da Costa" userId="e66f0b7e9f7bd981" providerId="LiveId" clId="{957C50AA-5744-4113-8340-ECEE95D7512C}" dt="2022-12-04T14:07:07.779" v="64" actId="1076"/>
+          <ac:picMkLst>
+            <pc:docMk/>
+            <pc:sldMk cId="2739091331" sldId="297"/>
+            <ac:picMk id="3075" creationId="{DE16C1C4-5D8F-14B3-5C34-2B5087DA31FF}"/>
+          </ac:picMkLst>
+        </pc:picChg>
+        <pc:picChg chg="mod">
+          <ac:chgData name="Guilherme Lage da Costa" userId="e66f0b7e9f7bd981" providerId="LiveId" clId="{957C50AA-5744-4113-8340-ECEE95D7512C}" dt="2022-12-04T14:07:12.234" v="67" actId="14100"/>
+          <ac:picMkLst>
+            <pc:docMk/>
+            <pc:sldMk cId="2739091331" sldId="297"/>
+            <ac:picMk id="3077" creationId="{B8616282-E037-46F7-6284-3E687369FD7B}"/>
+          </ac:picMkLst>
+        </pc:picChg>
+        <pc:picChg chg="mod">
+          <ac:chgData name="Guilherme Lage da Costa" userId="e66f0b7e9f7bd981" providerId="LiveId" clId="{957C50AA-5744-4113-8340-ECEE95D7512C}" dt="2022-12-04T14:07:27.610" v="77" actId="14100"/>
+          <ac:picMkLst>
+            <pc:docMk/>
+            <pc:sldMk cId="2739091331" sldId="297"/>
+            <ac:picMk id="3079" creationId="{33F8A097-0995-22C5-26C9-1D1D646DFAE9}"/>
+          </ac:picMkLst>
+        </pc:picChg>
+        <pc:picChg chg="mod">
+          <ac:chgData name="Guilherme Lage da Costa" userId="e66f0b7e9f7bd981" providerId="LiveId" clId="{957C50AA-5744-4113-8340-ECEE95D7512C}" dt="2022-12-04T14:07:49.168" v="84" actId="1076"/>
+          <ac:picMkLst>
+            <pc:docMk/>
+            <pc:sldMk cId="2739091331" sldId="297"/>
+            <ac:picMk id="3081" creationId="{E2DF541E-6132-0121-0DFE-D8C409780C7B}"/>
+          </ac:picMkLst>
+        </pc:picChg>
+        <pc:picChg chg="mod">
+          <ac:chgData name="Guilherme Lage da Costa" userId="e66f0b7e9f7bd981" providerId="LiveId" clId="{957C50AA-5744-4113-8340-ECEE95D7512C}" dt="2022-12-04T14:07:45.082" v="83" actId="1076"/>
+          <ac:picMkLst>
+            <pc:docMk/>
+            <pc:sldMk cId="2739091331" sldId="297"/>
+            <ac:picMk id="3083" creationId="{094FD707-CB62-FA05-6785-28AC0C4A5571}"/>
+          </ac:picMkLst>
+        </pc:picChg>
+        <pc:picChg chg="mod">
+          <ac:chgData name="Guilherme Lage da Costa" userId="e66f0b7e9f7bd981" providerId="LiveId" clId="{957C50AA-5744-4113-8340-ECEE95D7512C}" dt="2022-12-04T14:07:25.461" v="76" actId="14100"/>
+          <ac:picMkLst>
+            <pc:docMk/>
+            <pc:sldMk cId="2739091331" sldId="297"/>
+            <ac:picMk id="3085" creationId="{CC66D1FE-B702-6262-2419-11618CE271C7}"/>
+          </ac:picMkLst>
+        </pc:picChg>
+        <pc:picChg chg="mod">
+          <ac:chgData name="Guilherme Lage da Costa" userId="e66f0b7e9f7bd981" providerId="LiveId" clId="{957C50AA-5744-4113-8340-ECEE95D7512C}" dt="2022-12-04T14:07:35.036" v="82" actId="1076"/>
+          <ac:picMkLst>
+            <pc:docMk/>
+            <pc:sldMk cId="2739091331" sldId="297"/>
+            <ac:picMk id="3087" creationId="{819E0D92-2F8F-FD5A-370E-1F067547D2A3}"/>
+          </ac:picMkLst>
+        </pc:picChg>
+      </pc:sldChg>
+      <pc:sldChg chg="modTransition">
+        <pc:chgData name="Guilherme Lage da Costa" userId="e66f0b7e9f7bd981" providerId="LiveId" clId="{957C50AA-5744-4113-8340-ECEE95D7512C}" dt="2022-12-04T14:27:52.728" v="116"/>
+        <pc:sldMkLst>
+          <pc:docMk/>
+          <pc:sldMk cId="704496943" sldId="298"/>
+        </pc:sldMkLst>
+      </pc:sldChg>
+      <pc:sldChg chg="modSp mod modTransition">
+        <pc:chgData name="Guilherme Lage da Costa" userId="e66f0b7e9f7bd981" providerId="LiveId" clId="{957C50AA-5744-4113-8340-ECEE95D7512C}" dt="2022-12-04T14:27:52.728" v="116"/>
+        <pc:sldMkLst>
+          <pc:docMk/>
+          <pc:sldMk cId="2866599713" sldId="299"/>
+        </pc:sldMkLst>
+        <pc:spChg chg="mod">
+          <ac:chgData name="Guilherme Lage da Costa" userId="e66f0b7e9f7bd981" providerId="LiveId" clId="{957C50AA-5744-4113-8340-ECEE95D7512C}" dt="2022-12-04T14:03:32.260" v="16" actId="403"/>
+          <ac:spMkLst>
+            <pc:docMk/>
+            <pc:sldMk cId="2866599713" sldId="299"/>
+            <ac:spMk id="10" creationId="{980CE54D-9520-7596-2B1D-B61F698E3B00}"/>
+          </ac:spMkLst>
+        </pc:spChg>
+        <pc:spChg chg="mod">
+          <ac:chgData name="Guilherme Lage da Costa" userId="e66f0b7e9f7bd981" providerId="LiveId" clId="{957C50AA-5744-4113-8340-ECEE95D7512C}" dt="2022-12-04T14:03:38.459" v="19" actId="255"/>
+          <ac:spMkLst>
+            <pc:docMk/>
+            <pc:sldMk cId="2866599713" sldId="299"/>
+            <ac:spMk id="12" creationId="{21D901EE-ADC3-69A8-EB8E-5C599F6B583F}"/>
+          </ac:spMkLst>
+        </pc:spChg>
+      </pc:sldChg>
+      <pc:sldChg chg="delSp modSp mod modTransition">
+        <pc:chgData name="Guilherme Lage da Costa" userId="e66f0b7e9f7bd981" providerId="LiveId" clId="{957C50AA-5744-4113-8340-ECEE95D7512C}" dt="2022-12-04T14:27:52.728" v="116"/>
+        <pc:sldMkLst>
+          <pc:docMk/>
+          <pc:sldMk cId="1753690929" sldId="300"/>
+        </pc:sldMkLst>
+        <pc:spChg chg="mod">
+          <ac:chgData name="Guilherme Lage da Costa" userId="e66f0b7e9f7bd981" providerId="LiveId" clId="{957C50AA-5744-4113-8340-ECEE95D7512C}" dt="2022-12-04T14:02:31.625" v="2" actId="404"/>
+          <ac:spMkLst>
+            <pc:docMk/>
+            <pc:sldMk cId="1753690929" sldId="300"/>
+            <ac:spMk id="10" creationId="{980CE54D-9520-7596-2B1D-B61F698E3B00}"/>
+          </ac:spMkLst>
+        </pc:spChg>
+        <pc:spChg chg="mod">
+          <ac:chgData name="Guilherme Lage da Costa" userId="e66f0b7e9f7bd981" providerId="LiveId" clId="{957C50AA-5744-4113-8340-ECEE95D7512C}" dt="2022-12-04T14:03:04.116" v="9" actId="255"/>
+          <ac:spMkLst>
+            <pc:docMk/>
+            <pc:sldMk cId="1753690929" sldId="300"/>
+            <ac:spMk id="12" creationId="{21D901EE-ADC3-69A8-EB8E-5C599F6B583F}"/>
+          </ac:spMkLst>
+        </pc:spChg>
+        <pc:spChg chg="del">
+          <ac:chgData name="Guilherme Lage da Costa" userId="e66f0b7e9f7bd981" providerId="LiveId" clId="{957C50AA-5744-4113-8340-ECEE95D7512C}" dt="2022-12-04T14:25:59.526" v="109" actId="478"/>
+          <ac:spMkLst>
+            <pc:docMk/>
+            <pc:sldMk cId="1753690929" sldId="300"/>
+            <ac:spMk id="15" creationId="{B8B83D12-BAF9-C4ED-FD67-9E52A69F09D2}"/>
+          </ac:spMkLst>
+        </pc:spChg>
+      </pc:sldChg>
+      <pc:sldChg chg="addSp delSp modSp mod modTransition">
+        <pc:chgData name="Guilherme Lage da Costa" userId="e66f0b7e9f7bd981" providerId="LiveId" clId="{957C50AA-5744-4113-8340-ECEE95D7512C}" dt="2022-12-04T14:38:09.512" v="239" actId="14100"/>
+        <pc:sldMkLst>
+          <pc:docMk/>
+          <pc:sldMk cId="2194254828" sldId="301"/>
+        </pc:sldMkLst>
+        <pc:spChg chg="del">
+          <ac:chgData name="Guilherme Lage da Costa" userId="e66f0b7e9f7bd981" providerId="LiveId" clId="{957C50AA-5744-4113-8340-ECEE95D7512C}" dt="2022-12-04T14:30:00.752" v="120" actId="478"/>
+          <ac:spMkLst>
+            <pc:docMk/>
+            <pc:sldMk cId="2194254828" sldId="301"/>
+            <ac:spMk id="40" creationId="{E43782FE-9F16-96C6-312F-28895DF7588A}"/>
+          </ac:spMkLst>
+        </pc:spChg>
+        <pc:spChg chg="mod">
+          <ac:chgData name="Guilherme Lage da Costa" userId="e66f0b7e9f7bd981" providerId="LiveId" clId="{957C50AA-5744-4113-8340-ECEE95D7512C}" dt="2022-12-04T14:33:36.118" v="141"/>
+          <ac:spMkLst>
+            <pc:docMk/>
+            <pc:sldMk cId="2194254828" sldId="301"/>
+            <ac:spMk id="48" creationId="{E185DE97-D8D7-A5D2-F253-D6999D70B3B4}"/>
+          </ac:spMkLst>
+        </pc:spChg>
+        <pc:spChg chg="mod">
+          <ac:chgData name="Guilherme Lage da Costa" userId="e66f0b7e9f7bd981" providerId="LiveId" clId="{957C50AA-5744-4113-8340-ECEE95D7512C}" dt="2022-12-04T14:33:36.118" v="141"/>
+          <ac:spMkLst>
+            <pc:docMk/>
+            <pc:sldMk cId="2194254828" sldId="301"/>
+            <ac:spMk id="49" creationId="{F822BF71-1B1E-6952-EED7-EEEE950C2668}"/>
+          </ac:spMkLst>
+        </pc:spChg>
+        <pc:spChg chg="mod">
+          <ac:chgData name="Guilherme Lage da Costa" userId="e66f0b7e9f7bd981" providerId="LiveId" clId="{957C50AA-5744-4113-8340-ECEE95D7512C}" dt="2022-12-04T14:33:36.118" v="141"/>
+          <ac:spMkLst>
+            <pc:docMk/>
+            <pc:sldMk cId="2194254828" sldId="301"/>
+            <ac:spMk id="50" creationId="{8B65E38F-ADB5-F7FF-14EC-BC447523F38C}"/>
+          </ac:spMkLst>
+        </pc:spChg>
+        <pc:spChg chg="add mod">
+          <ac:chgData name="Guilherme Lage da Costa" userId="e66f0b7e9f7bd981" providerId="LiveId" clId="{957C50AA-5744-4113-8340-ECEE95D7512C}" dt="2022-12-04T14:34:06.876" v="165" actId="20577"/>
+          <ac:spMkLst>
+            <pc:docMk/>
+            <pc:sldMk cId="2194254828" sldId="301"/>
+            <ac:spMk id="54" creationId="{2314596A-8A2B-297F-DF7E-87DC6FAB5777}"/>
+          </ac:spMkLst>
+        </pc:spChg>
+        <pc:spChg chg="add mod">
+          <ac:chgData name="Guilherme Lage da Costa" userId="e66f0b7e9f7bd981" providerId="LiveId" clId="{957C50AA-5744-4113-8340-ECEE95D7512C}" dt="2022-12-04T14:34:25.975" v="215" actId="20577"/>
+          <ac:spMkLst>
+            <pc:docMk/>
+            <pc:sldMk cId="2194254828" sldId="301"/>
+            <ac:spMk id="55" creationId="{BEC5ED07-3631-2709-E72A-53EBD3B0EC39}"/>
+          </ac:spMkLst>
+        </pc:spChg>
+        <pc:grpChg chg="del">
+          <ac:chgData name="Guilherme Lage da Costa" userId="e66f0b7e9f7bd981" providerId="LiveId" clId="{957C50AA-5744-4113-8340-ECEE95D7512C}" dt="2022-12-04T14:30:00.752" v="120" actId="478"/>
+          <ac:grpSpMkLst>
+            <pc:docMk/>
+            <pc:sldMk cId="2194254828" sldId="301"/>
+            <ac:grpSpMk id="7" creationId="{17EB8948-7280-2FC8-C731-1CCBEE36B781}"/>
+          </ac:grpSpMkLst>
+        </pc:grpChg>
+        <pc:grpChg chg="add del mod">
+          <ac:chgData name="Guilherme Lage da Costa" userId="e66f0b7e9f7bd981" providerId="LiveId" clId="{957C50AA-5744-4113-8340-ECEE95D7512C}" dt="2022-12-04T14:38:05.940" v="237" actId="478"/>
+          <ac:grpSpMkLst>
+            <pc:docMk/>
+            <pc:sldMk cId="2194254828" sldId="301"/>
+            <ac:grpSpMk id="11" creationId="{3F21681D-F2FB-A812-FB3C-5ABD9936E992}"/>
+          </ac:grpSpMkLst>
+        </pc:grpChg>
+        <pc:grpChg chg="mod">
+          <ac:chgData name="Guilherme Lage da Costa" userId="e66f0b7e9f7bd981" providerId="LiveId" clId="{957C50AA-5744-4113-8340-ECEE95D7512C}" dt="2022-12-04T14:33:36.118" v="141"/>
+          <ac:grpSpMkLst>
+            <pc:docMk/>
+            <pc:sldMk cId="2194254828" sldId="301"/>
+            <ac:grpSpMk id="18" creationId="{FF973C68-F522-3A7A-D8E5-4D6C5B3FD118}"/>
+          </ac:grpSpMkLst>
+        </pc:grpChg>
+        <pc:grpChg chg="del">
+          <ac:chgData name="Guilherme Lage da Costa" userId="e66f0b7e9f7bd981" providerId="LiveId" clId="{957C50AA-5744-4113-8340-ECEE95D7512C}" dt="2022-12-04T14:30:00.752" v="120" actId="478"/>
+          <ac:grpSpMkLst>
+            <pc:docMk/>
+            <pc:sldMk cId="2194254828" sldId="301"/>
+            <ac:grpSpMk id="25" creationId="{D4D2AA5A-B2C1-719D-3B3F-0211E116FB4A}"/>
+          </ac:grpSpMkLst>
+        </pc:grpChg>
+        <pc:grpChg chg="del">
+          <ac:chgData name="Guilherme Lage da Costa" userId="e66f0b7e9f7bd981" providerId="LiveId" clId="{957C50AA-5744-4113-8340-ECEE95D7512C}" dt="2022-12-04T14:30:00.752" v="120" actId="478"/>
+          <ac:grpSpMkLst>
+            <pc:docMk/>
+            <pc:sldMk cId="2194254828" sldId="301"/>
+            <ac:grpSpMk id="29" creationId="{CBBAD232-5111-802F-5657-9B880157467F}"/>
+          </ac:grpSpMkLst>
+        </pc:grpChg>
+        <pc:grpChg chg="del">
+          <ac:chgData name="Guilherme Lage da Costa" userId="e66f0b7e9f7bd981" providerId="LiveId" clId="{957C50AA-5744-4113-8340-ECEE95D7512C}" dt="2022-12-04T14:30:00.752" v="120" actId="478"/>
+          <ac:grpSpMkLst>
+            <pc:docMk/>
+            <pc:sldMk cId="2194254828" sldId="301"/>
+            <ac:grpSpMk id="34" creationId="{97F01F03-1581-F799-D9BF-ABAFEAB6C15B}"/>
+          </ac:grpSpMkLst>
+        </pc:grpChg>
+        <pc:picChg chg="add mod">
+          <ac:chgData name="Guilherme Lage da Costa" userId="e66f0b7e9f7bd981" providerId="LiveId" clId="{957C50AA-5744-4113-8340-ECEE95D7512C}" dt="2022-12-04T14:38:09.512" v="239" actId="14100"/>
+          <ac:picMkLst>
+            <pc:docMk/>
+            <pc:sldMk cId="2194254828" sldId="301"/>
+            <ac:picMk id="10" creationId="{ED1F82F4-CA23-CA78-8E88-E5EDEAC8CA6D}"/>
+          </ac:picMkLst>
+        </pc:picChg>
+        <pc:picChg chg="del">
+          <ac:chgData name="Guilherme Lage da Costa" userId="e66f0b7e9f7bd981" providerId="LiveId" clId="{957C50AA-5744-4113-8340-ECEE95D7512C}" dt="2022-12-04T14:30:00.752" v="120" actId="478"/>
+          <ac:picMkLst>
+            <pc:docMk/>
+            <pc:sldMk cId="2194254828" sldId="301"/>
+            <ac:picMk id="24" creationId="{1A8559A5-80ED-2EB5-D326-09DF84124490}"/>
+          </ac:picMkLst>
+        </pc:picChg>
+        <pc:picChg chg="add mod">
+          <ac:chgData name="Guilherme Lage da Costa" userId="e66f0b7e9f7bd981" providerId="LiveId" clId="{957C50AA-5744-4113-8340-ECEE95D7512C}" dt="2022-12-04T14:34:37.226" v="223" actId="1076"/>
+          <ac:picMkLst>
+            <pc:docMk/>
+            <pc:sldMk cId="2194254828" sldId="301"/>
+            <ac:picMk id="51" creationId="{A961CF54-38C6-EF70-73C1-630A9803F6EA}"/>
+          </ac:picMkLst>
+        </pc:picChg>
+        <pc:picChg chg="add mod">
+          <ac:chgData name="Guilherme Lage da Costa" userId="e66f0b7e9f7bd981" providerId="LiveId" clId="{957C50AA-5744-4113-8340-ECEE95D7512C}" dt="2022-12-04T14:34:47.433" v="228" actId="1076"/>
+          <ac:picMkLst>
+            <pc:docMk/>
+            <pc:sldMk cId="2194254828" sldId="301"/>
+            <ac:picMk id="52" creationId="{EC2C58DF-3306-622F-0740-A0A3800E1B25}"/>
+          </ac:picMkLst>
+        </pc:picChg>
+        <pc:picChg chg="add mod">
+          <ac:chgData name="Guilherme Lage da Costa" userId="e66f0b7e9f7bd981" providerId="LiveId" clId="{957C50AA-5744-4113-8340-ECEE95D7512C}" dt="2022-12-04T14:34:43.566" v="226" actId="1076"/>
+          <ac:picMkLst>
+            <pc:docMk/>
+            <pc:sldMk cId="2194254828" sldId="301"/>
+            <ac:picMk id="53" creationId="{769B4911-60EE-1662-DE20-CFC598DC2624}"/>
+          </ac:picMkLst>
+        </pc:picChg>
+        <pc:picChg chg="add mod">
+          <ac:chgData name="Guilherme Lage da Costa" userId="e66f0b7e9f7bd981" providerId="LiveId" clId="{957C50AA-5744-4113-8340-ECEE95D7512C}" dt="2022-12-04T14:34:30.910" v="219" actId="1076"/>
+          <ac:picMkLst>
+            <pc:docMk/>
+            <pc:sldMk cId="2194254828" sldId="301"/>
+            <ac:picMk id="1026" creationId="{40D6713E-5886-6107-F035-D646D619ECCD}"/>
+          </ac:picMkLst>
+        </pc:picChg>
+        <pc:picChg chg="add mod">
+          <ac:chgData name="Guilherme Lage da Costa" userId="e66f0b7e9f7bd981" providerId="LiveId" clId="{957C50AA-5744-4113-8340-ECEE95D7512C}" dt="2022-12-04T14:34:35.652" v="222" actId="1076"/>
+          <ac:picMkLst>
+            <pc:docMk/>
+            <pc:sldMk cId="2194254828" sldId="301"/>
+            <ac:picMk id="1028" creationId="{406D5F07-FDA9-5101-DCB7-220360C2149E}"/>
+          </ac:picMkLst>
+        </pc:picChg>
+        <pc:picChg chg="add del mod">
+          <ac:chgData name="Guilherme Lage da Costa" userId="e66f0b7e9f7bd981" providerId="LiveId" clId="{957C50AA-5744-4113-8340-ECEE95D7512C}" dt="2022-12-04T14:32:03.655" v="132" actId="478"/>
+          <ac:picMkLst>
+            <pc:docMk/>
+            <pc:sldMk cId="2194254828" sldId="301"/>
+            <ac:picMk id="1030" creationId="{158B5535-5665-C01C-A7EB-1160B97EBA00}"/>
+          </ac:picMkLst>
+        </pc:picChg>
+        <pc:picChg chg="add mod">
+          <ac:chgData name="Guilherme Lage da Costa" userId="e66f0b7e9f7bd981" providerId="LiveId" clId="{957C50AA-5744-4113-8340-ECEE95D7512C}" dt="2022-12-04T14:34:55.329" v="234" actId="1076"/>
+          <ac:picMkLst>
+            <pc:docMk/>
+            <pc:sldMk cId="2194254828" sldId="301"/>
+            <ac:picMk id="1032" creationId="{8A48BD33-1E36-F9AC-28CB-5C3289BE48C3}"/>
+          </ac:picMkLst>
+        </pc:picChg>
+        <pc:picChg chg="add mod">
+          <ac:chgData name="Guilherme Lage da Costa" userId="e66f0b7e9f7bd981" providerId="LiveId" clId="{957C50AA-5744-4113-8340-ECEE95D7512C}" dt="2022-12-04T14:34:59.215" v="236" actId="1076"/>
+          <ac:picMkLst>
+            <pc:docMk/>
+            <pc:sldMk cId="2194254828" sldId="301"/>
+            <ac:picMk id="1034" creationId="{DBF5AC81-1F0A-A568-3E85-3D66888CBEA9}"/>
+          </ac:picMkLst>
+        </pc:picChg>
+        <pc:cxnChg chg="del">
+          <ac:chgData name="Guilherme Lage da Costa" userId="e66f0b7e9f7bd981" providerId="LiveId" clId="{957C50AA-5744-4113-8340-ECEE95D7512C}" dt="2022-12-04T14:30:00.752" v="120" actId="478"/>
+          <ac:cxnSpMkLst>
+            <pc:docMk/>
+            <pc:sldMk cId="2194254828" sldId="301"/>
+            <ac:cxnSpMk id="39" creationId="{23BC05DA-2688-EB0A-C95B-6BB52D8BAE2A}"/>
+          </ac:cxnSpMkLst>
+        </pc:cxnChg>
+        <pc:cxnChg chg="del">
+          <ac:chgData name="Guilherme Lage da Costa" userId="e66f0b7e9f7bd981" providerId="LiveId" clId="{957C50AA-5744-4113-8340-ECEE95D7512C}" dt="2022-12-04T14:30:00.752" v="120" actId="478"/>
+          <ac:cxnSpMkLst>
+            <pc:docMk/>
+            <pc:sldMk cId="2194254828" sldId="301"/>
+            <ac:cxnSpMk id="41" creationId="{FA5C990D-BD52-3527-818D-1144F451F95C}"/>
+          </ac:cxnSpMkLst>
+        </pc:cxnChg>
+        <pc:cxnChg chg="del">
+          <ac:chgData name="Guilherme Lage da Costa" userId="e66f0b7e9f7bd981" providerId="LiveId" clId="{957C50AA-5744-4113-8340-ECEE95D7512C}" dt="2022-12-04T14:30:00.752" v="120" actId="478"/>
+          <ac:cxnSpMkLst>
+            <pc:docMk/>
+            <pc:sldMk cId="2194254828" sldId="301"/>
+            <ac:cxnSpMk id="42" creationId="{77D76C9D-1A3A-F358-642D-63A45D89FC50}"/>
+          </ac:cxnSpMkLst>
+        </pc:cxnChg>
+        <pc:cxnChg chg="del">
+          <ac:chgData name="Guilherme Lage da Costa" userId="e66f0b7e9f7bd981" providerId="LiveId" clId="{957C50AA-5744-4113-8340-ECEE95D7512C}" dt="2022-12-04T14:30:00.752" v="120" actId="478"/>
+          <ac:cxnSpMkLst>
+            <pc:docMk/>
+            <pc:sldMk cId="2194254828" sldId="301"/>
+            <ac:cxnSpMk id="43" creationId="{687D9B78-D4B5-31DA-AF91-EBF81C7D490E}"/>
+          </ac:cxnSpMkLst>
+        </pc:cxnChg>
+      </pc:sldChg>
+      <pc:sldChg chg="modSp mod modTransition">
+        <pc:chgData name="Guilherme Lage da Costa" userId="e66f0b7e9f7bd981" providerId="LiveId" clId="{957C50AA-5744-4113-8340-ECEE95D7512C}" dt="2022-12-04T14:27:52.728" v="116"/>
+        <pc:sldMkLst>
+          <pc:docMk/>
+          <pc:sldMk cId="3668130944" sldId="302"/>
+        </pc:sldMkLst>
+        <pc:spChg chg="mod">
+          <ac:chgData name="Guilherme Lage da Costa" userId="e66f0b7e9f7bd981" providerId="LiveId" clId="{957C50AA-5744-4113-8340-ECEE95D7512C}" dt="2022-12-04T14:23:45.887" v="104" actId="1076"/>
+          <ac:spMkLst>
+            <pc:docMk/>
+            <pc:sldMk cId="3668130944" sldId="302"/>
+            <ac:spMk id="9" creationId="{9AF40829-0316-958B-297C-1E4F5A6E3E9D}"/>
+          </ac:spMkLst>
+        </pc:spChg>
+        <pc:spChg chg="mod">
+          <ac:chgData name="Guilherme Lage da Costa" userId="e66f0b7e9f7bd981" providerId="LiveId" clId="{957C50AA-5744-4113-8340-ECEE95D7512C}" dt="2022-12-04T14:23:50.934" v="106" actId="1076"/>
+          <ac:spMkLst>
+            <pc:docMk/>
+            <pc:sldMk cId="3668130944" sldId="302"/>
+            <ac:spMk id="13" creationId="{FCAC2CDA-7435-814D-CDAA-87D89565C52A}"/>
+          </ac:spMkLst>
+        </pc:spChg>
+        <pc:grpChg chg="mod">
+          <ac:chgData name="Guilherme Lage da Costa" userId="e66f0b7e9f7bd981" providerId="LiveId" clId="{957C50AA-5744-4113-8340-ECEE95D7512C}" dt="2022-12-04T14:23:48.706" v="105" actId="1076"/>
+          <ac:grpSpMkLst>
+            <pc:docMk/>
+            <pc:sldMk cId="3668130944" sldId="302"/>
+            <ac:grpSpMk id="14" creationId="{2F1BD7B1-60C1-745A-8A01-167E6B092AF5}"/>
+          </ac:grpSpMkLst>
+        </pc:grpChg>
+      </pc:sldChg>
+      <pc:sldChg chg="delSp modSp mod modTransition">
+        <pc:chgData name="Guilherme Lage da Costa" userId="e66f0b7e9f7bd981" providerId="LiveId" clId="{957C50AA-5744-4113-8340-ECEE95D7512C}" dt="2022-12-04T14:27:52.728" v="116"/>
+        <pc:sldMkLst>
+          <pc:docMk/>
+          <pc:sldMk cId="3476068948" sldId="303"/>
+        </pc:sldMkLst>
+        <pc:spChg chg="mod">
+          <ac:chgData name="Guilherme Lage da Costa" userId="e66f0b7e9f7bd981" providerId="LiveId" clId="{957C50AA-5744-4113-8340-ECEE95D7512C}" dt="2022-12-04T14:05:09.524" v="29" actId="14100"/>
+          <ac:spMkLst>
+            <pc:docMk/>
+            <pc:sldMk cId="3476068948" sldId="303"/>
+            <ac:spMk id="7" creationId="{FD8EA869-928E-DEF5-D154-5952B7267913}"/>
+          </ac:spMkLst>
+        </pc:spChg>
+        <pc:spChg chg="mod">
+          <ac:chgData name="Guilherme Lage da Costa" userId="e66f0b7e9f7bd981" providerId="LiveId" clId="{957C50AA-5744-4113-8340-ECEE95D7512C}" dt="2022-12-04T14:06:07.900" v="46" actId="20577"/>
+          <ac:spMkLst>
+            <pc:docMk/>
+            <pc:sldMk cId="3476068948" sldId="303"/>
+            <ac:spMk id="14" creationId="{3A324958-849A-228A-DA2D-F6E6F70D258B}"/>
+          </ac:spMkLst>
+        </pc:spChg>
+        <pc:spChg chg="del mod">
+          <ac:chgData name="Guilherme Lage da Costa" userId="e66f0b7e9f7bd981" providerId="LiveId" clId="{957C50AA-5744-4113-8340-ECEE95D7512C}" dt="2022-12-04T14:06:18.228" v="47" actId="478"/>
+          <ac:spMkLst>
+            <pc:docMk/>
+            <pc:sldMk cId="3476068948" sldId="303"/>
+            <ac:spMk id="16" creationId="{9F08BEDF-153A-994E-F32F-074DD168E2A5}"/>
+          </ac:spMkLst>
+        </pc:spChg>
+      </pc:sldChg>
+      <pc:sldChg chg="modTransition">
+        <pc:chgData name="Guilherme Lage da Costa" userId="e66f0b7e9f7bd981" providerId="LiveId" clId="{957C50AA-5744-4113-8340-ECEE95D7512C}" dt="2022-12-04T14:27:52.728" v="116"/>
+        <pc:sldMkLst>
+          <pc:docMk/>
+          <pc:sldMk cId="3981913118" sldId="304"/>
+        </pc:sldMkLst>
+      </pc:sldChg>
+      <pc:sldChg chg="modSp add mod">
+        <pc:chgData name="Guilherme Lage da Costa" userId="e66f0b7e9f7bd981" providerId="LiveId" clId="{957C50AA-5744-4113-8340-ECEE95D7512C}" dt="2022-12-04T14:29:56.397" v="119" actId="20577"/>
+        <pc:sldMkLst>
+          <pc:docMk/>
+          <pc:sldMk cId="490094493" sldId="305"/>
+        </pc:sldMkLst>
+        <pc:spChg chg="mod">
+          <ac:chgData name="Guilherme Lage da Costa" userId="e66f0b7e9f7bd981" providerId="LiveId" clId="{957C50AA-5744-4113-8340-ECEE95D7512C}" dt="2022-12-04T14:29:56.397" v="119" actId="20577"/>
+          <ac:spMkLst>
+            <pc:docMk/>
+            <pc:sldMk cId="490094493" sldId="305"/>
+            <ac:spMk id="47" creationId="{FD1502EC-52A2-95D5-E157-FD4F2A55FD3B}"/>
+          </ac:spMkLst>
+        </pc:spChg>
+      </pc:sldChg>
+    </pc:docChg>
+  </pc:docChgLst>
   <pc:docChgLst>
     <pc:chgData name="Guilherme Lage da Costa" userId="e66f0b7e9f7bd981" providerId="LiveId" clId="{E2F8200A-1438-4883-B976-5D75DF02623E}"/>
     <pc:docChg chg="undo custSel addSld delSld modSld sldOrd">
@@ -3728,7 +4527,7 @@
           <a:p>
             <a:fld id="{9ADEABF0-8893-4851-98F8-C781AE5C67F4}" type="datetimeFigureOut">
               <a:rPr lang="pt-BR" smtClean="0"/>
-              <a:t>28/11/2022</a:t>
+              <a:t>04/12/2022</a:t>
             </a:fld>
             <a:endParaRPr lang="pt-BR"/>
           </a:p>
@@ -4142,7 +4941,7 @@
           <a:p>
             <a:fld id="{B1F8A8AF-FE0F-45AB-9FDA-53617E809FA8}" type="datetimeFigureOut">
               <a:rPr lang="pt-BR" smtClean="0"/>
-              <a:t>28/11/2022</a:t>
+              <a:t>04/12/2022</a:t>
             </a:fld>
             <a:endParaRPr lang="pt-BR"/>
           </a:p>
@@ -4340,7 +5139,7 @@
           <a:p>
             <a:fld id="{B1F8A8AF-FE0F-45AB-9FDA-53617E809FA8}" type="datetimeFigureOut">
               <a:rPr lang="pt-BR" smtClean="0"/>
-              <a:t>28/11/2022</a:t>
+              <a:t>04/12/2022</a:t>
             </a:fld>
             <a:endParaRPr lang="pt-BR"/>
           </a:p>
@@ -4548,7 +5347,7 @@
           <a:p>
             <a:fld id="{B1F8A8AF-FE0F-45AB-9FDA-53617E809FA8}" type="datetimeFigureOut">
               <a:rPr lang="pt-BR" smtClean="0"/>
-              <a:t>28/11/2022</a:t>
+              <a:t>04/12/2022</a:t>
             </a:fld>
             <a:endParaRPr lang="pt-BR"/>
           </a:p>
@@ -4746,7 +5545,7 @@
           <a:p>
             <a:fld id="{B1F8A8AF-FE0F-45AB-9FDA-53617E809FA8}" type="datetimeFigureOut">
               <a:rPr lang="pt-BR" smtClean="0"/>
-              <a:t>28/11/2022</a:t>
+              <a:t>04/12/2022</a:t>
             </a:fld>
             <a:endParaRPr lang="pt-BR"/>
           </a:p>
@@ -5021,7 +5820,7 @@
           <a:p>
             <a:fld id="{B1F8A8AF-FE0F-45AB-9FDA-53617E809FA8}" type="datetimeFigureOut">
               <a:rPr lang="pt-BR" smtClean="0"/>
-              <a:t>28/11/2022</a:t>
+              <a:t>04/12/2022</a:t>
             </a:fld>
             <a:endParaRPr lang="pt-BR"/>
           </a:p>
@@ -5286,7 +6085,7 @@
           <a:p>
             <a:fld id="{B1F8A8AF-FE0F-45AB-9FDA-53617E809FA8}" type="datetimeFigureOut">
               <a:rPr lang="pt-BR" smtClean="0"/>
-              <a:t>28/11/2022</a:t>
+              <a:t>04/12/2022</a:t>
             </a:fld>
             <a:endParaRPr lang="pt-BR"/>
           </a:p>
@@ -5698,7 +6497,7 @@
           <a:p>
             <a:fld id="{B1F8A8AF-FE0F-45AB-9FDA-53617E809FA8}" type="datetimeFigureOut">
               <a:rPr lang="pt-BR" smtClean="0"/>
-              <a:t>28/11/2022</a:t>
+              <a:t>04/12/2022</a:t>
             </a:fld>
             <a:endParaRPr lang="pt-BR"/>
           </a:p>
@@ -5839,7 +6638,7 @@
           <a:p>
             <a:fld id="{B1F8A8AF-FE0F-45AB-9FDA-53617E809FA8}" type="datetimeFigureOut">
               <a:rPr lang="pt-BR" smtClean="0"/>
-              <a:t>28/11/2022</a:t>
+              <a:t>04/12/2022</a:t>
             </a:fld>
             <a:endParaRPr lang="pt-BR"/>
           </a:p>
@@ -5952,7 +6751,7 @@
           <a:p>
             <a:fld id="{B1F8A8AF-FE0F-45AB-9FDA-53617E809FA8}" type="datetimeFigureOut">
               <a:rPr lang="pt-BR" smtClean="0"/>
-              <a:t>28/11/2022</a:t>
+              <a:t>04/12/2022</a:t>
             </a:fld>
             <a:endParaRPr lang="pt-BR"/>
           </a:p>
@@ -6263,7 +7062,7 @@
           <a:p>
             <a:fld id="{B1F8A8AF-FE0F-45AB-9FDA-53617E809FA8}" type="datetimeFigureOut">
               <a:rPr lang="pt-BR" smtClean="0"/>
-              <a:t>28/11/2022</a:t>
+              <a:t>04/12/2022</a:t>
             </a:fld>
             <a:endParaRPr lang="pt-BR"/>
           </a:p>
@@ -6551,7 +7350,7 @@
           <a:p>
             <a:fld id="{B1F8A8AF-FE0F-45AB-9FDA-53617E809FA8}" type="datetimeFigureOut">
               <a:rPr lang="pt-BR" smtClean="0"/>
-              <a:t>28/11/2022</a:t>
+              <a:t>04/12/2022</a:t>
             </a:fld>
             <a:endParaRPr lang="pt-BR"/>
           </a:p>
@@ -6792,7 +7591,7 @@
           <a:p>
             <a:fld id="{B1F8A8AF-FE0F-45AB-9FDA-53617E809FA8}" type="datetimeFigureOut">
               <a:rPr lang="pt-BR" smtClean="0"/>
-              <a:t>28/11/2022</a:t>
+              <a:t>04/12/2022</a:t>
             </a:fld>
             <a:endParaRPr lang="pt-BR"/>
           </a:p>
@@ -8611,6 +9410,18 @@
   <p:clrMapOvr>
     <a:masterClrMapping/>
   </p:clrMapOvr>
+  <mc:AlternateContent xmlns:mc="http://schemas.openxmlformats.org/markup-compatibility/2006">
+    <mc:Choice xmlns:p159="http://schemas.microsoft.com/office/powerpoint/2015/09/main" Requires="p159">
+      <p:transition spd="slow">
+        <p159:morph option="byObject"/>
+      </p:transition>
+    </mc:Choice>
+    <mc:Fallback>
+      <p:transition spd="slow">
+        <p:fade/>
+      </p:transition>
+    </mc:Fallback>
+  </mc:AlternateContent>
 </p:sld>
 </file>
 
@@ -9220,7 +10031,7 @@
         <p:spPr>
           <a:xfrm>
             <a:off x="515937" y="765175"/>
-            <a:ext cx="4827587" cy="523220"/>
+            <a:ext cx="5856871" cy="584775"/>
           </a:xfrm>
           <a:prstGeom prst="rect">
             <a:avLst/>
@@ -9234,7 +10045,7 @@
           <a:lstStyle/>
           <a:p>
             <a:r>
-              <a:rPr lang="pt-BR" sz="2800" b="1" dirty="0">
+              <a:rPr lang="pt-BR" sz="3200" b="1" dirty="0">
                 <a:solidFill>
                   <a:srgbClr val="C9B638"/>
                 </a:solidFill>
@@ -9259,7 +10070,7 @@
         <p:spPr>
           <a:xfrm>
             <a:off x="695999" y="1323995"/>
-            <a:ext cx="11340425" cy="1143070"/>
+            <a:ext cx="11340425" cy="1405769"/>
           </a:xfrm>
           <a:prstGeom prst="rect">
             <a:avLst/>
@@ -9278,7 +10089,7 @@
               </a:lnSpc>
             </a:pPr>
             <a:r>
-              <a:rPr lang="pt-BR" sz="2400" dirty="0">
+              <a:rPr lang="pt-BR" sz="3000" dirty="0">
                 <a:solidFill>
                   <a:srgbClr val="57606A"/>
                 </a:solidFill>
@@ -9286,7 +10097,7 @@
               <a:t>F</a:t>
             </a:r>
             <a:r>
-              <a:rPr lang="pt-BR" sz="2400" b="0" i="0" dirty="0">
+              <a:rPr lang="pt-BR" sz="3000" b="0" i="0" dirty="0">
                 <a:solidFill>
                   <a:srgbClr val="57606A"/>
                 </a:solidFill>
@@ -9295,116 +10106,28 @@
               <a:t>oram utilizadas práticas do </a:t>
             </a:r>
             <a:r>
-              <a:rPr lang="pt-BR" sz="2400" b="1" i="0" dirty="0">
+              <a:rPr lang="pt-BR" sz="3000" b="1" i="0" dirty="0">
                 <a:solidFill>
                   <a:srgbClr val="C9B638"/>
                 </a:solidFill>
                 <a:effectLst/>
               </a:rPr>
-              <a:t>SCRUM</a:t>
+              <a:t>SCRUM e KANBAN</a:t>
             </a:r>
             <a:r>
-              <a:rPr lang="pt-BR" sz="2400" b="0" i="0" dirty="0">
+              <a:rPr lang="pt-BR" sz="3000" b="0" i="0" dirty="0">
                 <a:solidFill>
                   <a:srgbClr val="57606A"/>
                 </a:solidFill>
                 <a:effectLst/>
               </a:rPr>
-              <a:t>, como reuniões diárias, divisão do grupo por funções e revisão das sprints.</a:t>
+              <a:t>, como reuniões diárias, divisão do grupo por funções e tarefas e revisão das sprints.</a:t>
             </a:r>
-            <a:endParaRPr lang="pt-BR" sz="1100" dirty="0">
+            <a:endParaRPr lang="pt-BR" sz="3000" dirty="0">
               <a:solidFill>
                 <a:srgbClr val="57606A"/>
               </a:solidFill>
             </a:endParaRPr>
-          </a:p>
-        </p:txBody>
-      </p:sp>
-      <p:sp>
-        <p:nvSpPr>
-          <p:cNvPr id="16" name="CaixaDeTexto 15">
-            <a:extLst>
-              <a:ext uri="{FF2B5EF4-FFF2-40B4-BE49-F238E27FC236}">
-                <a16:creationId xmlns:a16="http://schemas.microsoft.com/office/drawing/2014/main" id="{9F08BEDF-153A-994E-F32F-074DD168E2A5}"/>
-              </a:ext>
-            </a:extLst>
-          </p:cNvPr>
-          <p:cNvSpPr txBox="1"/>
-          <p:nvPr/>
-        </p:nvSpPr>
-        <p:spPr>
-          <a:xfrm>
-            <a:off x="696000" y="2531653"/>
-            <a:ext cx="11340425" cy="1143070"/>
-          </a:xfrm>
-          <a:prstGeom prst="rect">
-            <a:avLst/>
-          </a:prstGeom>
-          <a:noFill/>
-        </p:spPr>
-        <p:txBody>
-          <a:bodyPr wrap="square">
-            <a:spAutoFit/>
-          </a:bodyPr>
-          <a:lstStyle/>
-          <a:p>
-            <a:pPr algn="l">
-              <a:lnSpc>
-                <a:spcPct val="150000"/>
-              </a:lnSpc>
-            </a:pPr>
-            <a:r>
-              <a:rPr lang="pt-BR" sz="2400" dirty="0">
-                <a:solidFill>
-                  <a:srgbClr val="57606A"/>
-                </a:solidFill>
-              </a:rPr>
-              <a:t>Utilizamos também o </a:t>
-            </a:r>
-            <a:r>
-              <a:rPr lang="pt-BR" sz="2400" b="0" i="0" dirty="0">
-                <a:solidFill>
-                  <a:srgbClr val="57606A"/>
-                </a:solidFill>
-                <a:effectLst/>
-              </a:rPr>
-              <a:t>método </a:t>
-            </a:r>
-            <a:r>
-              <a:rPr lang="pt-BR" sz="2400" b="1" i="0" dirty="0">
-                <a:solidFill>
-                  <a:srgbClr val="C9B638"/>
-                </a:solidFill>
-                <a:effectLst/>
-              </a:rPr>
-              <a:t>KANBAN</a:t>
-            </a:r>
-            <a:r>
-              <a:rPr lang="pt-BR" sz="2400" b="0" i="0" dirty="0">
-                <a:solidFill>
-                  <a:srgbClr val="57606A"/>
-                </a:solidFill>
-                <a:effectLst/>
-              </a:rPr>
-              <a:t>, o que possibilitou </a:t>
-            </a:r>
-            <a:r>
-              <a:rPr lang="pt-BR" sz="2400" dirty="0">
-                <a:solidFill>
-                  <a:srgbClr val="57606A"/>
-                </a:solidFill>
-              </a:rPr>
-              <a:t>a visualização por todos das </a:t>
-            </a:r>
-            <a:r>
-              <a:rPr lang="pt-BR" sz="2400" b="0" i="0" dirty="0">
-                <a:solidFill>
-                  <a:srgbClr val="57606A"/>
-                </a:solidFill>
-                <a:effectLst/>
-              </a:rPr>
-              <a:t>atividades mais urgentes e aquelas que demandariam mais tempo e dedicação. </a:t>
-            </a:r>
           </a:p>
         </p:txBody>
       </p:sp>
@@ -9418,6 +10141,18 @@
   <p:clrMapOvr>
     <a:masterClrMapping/>
   </p:clrMapOvr>
+  <mc:AlternateContent xmlns:mc="http://schemas.openxmlformats.org/markup-compatibility/2006">
+    <mc:Choice xmlns:p159="http://schemas.microsoft.com/office/powerpoint/2015/09/main" Requires="p159">
+      <p:transition spd="slow">
+        <p159:morph option="byObject"/>
+      </p:transition>
+    </mc:Choice>
+    <mc:Fallback>
+      <p:transition spd="slow">
+        <p:fade/>
+      </p:transition>
+    </mc:Fallback>
+  </mc:AlternateContent>
 </p:sld>
 </file>
 
@@ -9787,7 +10522,7 @@
         <p:spPr>
           <a:xfrm>
             <a:off x="515937" y="765175"/>
-            <a:ext cx="6595077" cy="523220"/>
+            <a:ext cx="8273500" cy="584775"/>
           </a:xfrm>
           <a:prstGeom prst="rect">
             <a:avLst/>
@@ -9801,7 +10536,7 @@
           <a:lstStyle/>
           <a:p>
             <a:r>
-              <a:rPr lang="pt-BR" sz="2800" b="1" dirty="0">
+              <a:rPr lang="pt-BR" sz="3200" b="1" dirty="0">
                 <a:solidFill>
                   <a:srgbClr val="C9B638"/>
                 </a:solidFill>
@@ -9809,14 +10544,14 @@
               <a:t>Divisão de papéis e atividades - </a:t>
             </a:r>
             <a:r>
-              <a:rPr lang="pt-BR" sz="2800" b="1" i="1" dirty="0">
+              <a:rPr lang="pt-BR" sz="3200" b="1" i="1" dirty="0">
                 <a:solidFill>
                   <a:srgbClr val="C9B638"/>
                 </a:solidFill>
               </a:rPr>
               <a:t>KANBAN:</a:t>
             </a:r>
-            <a:endParaRPr lang="pt-BR" sz="2800" b="1" dirty="0">
+            <a:endParaRPr lang="pt-BR" sz="3200" b="1" dirty="0">
               <a:solidFill>
                 <a:srgbClr val="C9B638"/>
               </a:solidFill>
@@ -10065,6 +10800,18 @@
   <p:clrMapOvr>
     <a:masterClrMapping/>
   </p:clrMapOvr>
+  <mc:AlternateContent xmlns:mc="http://schemas.openxmlformats.org/markup-compatibility/2006">
+    <mc:Choice xmlns:p159="http://schemas.microsoft.com/office/powerpoint/2015/09/main" Requires="p159">
+      <p:transition spd="slow">
+        <p159:morph option="byObject"/>
+      </p:transition>
+    </mc:Choice>
+    <mc:Fallback>
+      <p:transition spd="slow">
+        <p:fade/>
+      </p:transition>
+    </mc:Fallback>
+  </mc:AlternateContent>
 </p:sld>
 </file>
 
@@ -10441,7 +11188,7 @@
         <p:spPr>
           <a:xfrm>
             <a:off x="515937" y="765175"/>
-            <a:ext cx="4827587" cy="523220"/>
+            <a:ext cx="4827587" cy="584775"/>
           </a:xfrm>
           <a:prstGeom prst="rect">
             <a:avLst/>
@@ -10455,7 +11202,7 @@
           <a:lstStyle/>
           <a:p>
             <a:r>
-              <a:rPr lang="pt-BR" sz="2800" b="1" dirty="0">
+              <a:rPr lang="pt-BR" sz="3200" b="1" dirty="0">
                 <a:solidFill>
                   <a:srgbClr val="C9B638"/>
                 </a:solidFill>
@@ -10629,7 +11376,7 @@
         <p:spPr>
           <a:xfrm>
             <a:off x="695999" y="1323995"/>
-            <a:ext cx="11340425" cy="589072"/>
+            <a:ext cx="11340425" cy="1405769"/>
           </a:xfrm>
           <a:prstGeom prst="rect">
             <a:avLst/>
@@ -10648,349 +11395,19 @@
               </a:lnSpc>
             </a:pPr>
             <a:r>
-              <a:rPr lang="pt-BR" sz="2400" dirty="0">
+              <a:rPr lang="pt-BR" sz="3000" dirty="0">
                 <a:solidFill>
                   <a:srgbClr val="57606A"/>
                 </a:solidFill>
               </a:rPr>
               <a:t>Para desenvolvimento deste projeto foram utilizadas as ferramentas indicadas a seguir.</a:t>
             </a:r>
-            <a:endParaRPr lang="pt-BR" sz="2400" b="0" i="0" dirty="0">
+            <a:endParaRPr lang="pt-BR" sz="3000" b="0" i="0" dirty="0">
               <a:solidFill>
                 <a:srgbClr val="57606A"/>
               </a:solidFill>
               <a:effectLst/>
             </a:endParaRPr>
-          </a:p>
-        </p:txBody>
-      </p:sp>
-      <p:sp>
-        <p:nvSpPr>
-          <p:cNvPr id="27" name="CaixaDeTexto 26">
-            <a:extLst>
-              <a:ext uri="{FF2B5EF4-FFF2-40B4-BE49-F238E27FC236}">
-                <a16:creationId xmlns:a16="http://schemas.microsoft.com/office/drawing/2014/main" id="{F5B25ABC-F70A-0957-E833-E31D5A1AC839}"/>
-              </a:ext>
-            </a:extLst>
-          </p:cNvPr>
-          <p:cNvSpPr txBox="1"/>
-          <p:nvPr/>
-        </p:nvSpPr>
-        <p:spPr>
-          <a:xfrm>
-            <a:off x="1235075" y="2270878"/>
-            <a:ext cx="3913974" cy="589072"/>
-          </a:xfrm>
-          <a:prstGeom prst="rect">
-            <a:avLst/>
-          </a:prstGeom>
-          <a:noFill/>
-        </p:spPr>
-        <p:txBody>
-          <a:bodyPr wrap="square">
-            <a:spAutoFit/>
-          </a:bodyPr>
-          <a:lstStyle/>
-          <a:p>
-            <a:pPr algn="l">
-              <a:lnSpc>
-                <a:spcPct val="150000"/>
-              </a:lnSpc>
-            </a:pPr>
-            <a:r>
-              <a:rPr lang="pt-BR" sz="2400" b="0" i="0" dirty="0">
-                <a:solidFill>
-                  <a:srgbClr val="57606A"/>
-                </a:solidFill>
-                <a:effectLst/>
-              </a:rPr>
-              <a:t>Processo de </a:t>
-            </a:r>
-            <a:r>
-              <a:rPr lang="pt-BR" sz="2400" b="0" i="1" dirty="0">
-                <a:solidFill>
-                  <a:srgbClr val="57606A"/>
-                </a:solidFill>
-                <a:effectLst/>
-              </a:rPr>
-              <a:t>Design </a:t>
-            </a:r>
-            <a:r>
-              <a:rPr lang="pt-BR" sz="2400" b="0" i="1" dirty="0" err="1">
-                <a:solidFill>
-                  <a:srgbClr val="57606A"/>
-                </a:solidFill>
-                <a:effectLst/>
-              </a:rPr>
-              <a:t>Thinking</a:t>
-            </a:r>
-            <a:r>
-              <a:rPr lang="pt-BR" sz="2400" b="0" i="1" dirty="0">
-                <a:solidFill>
-                  <a:srgbClr val="57606A"/>
-                </a:solidFill>
-                <a:effectLst/>
-              </a:rPr>
-              <a:t>	</a:t>
-            </a:r>
-          </a:p>
-        </p:txBody>
-      </p:sp>
-      <p:sp>
-        <p:nvSpPr>
-          <p:cNvPr id="28" name="CaixaDeTexto 27">
-            <a:extLst>
-              <a:ext uri="{FF2B5EF4-FFF2-40B4-BE49-F238E27FC236}">
-                <a16:creationId xmlns:a16="http://schemas.microsoft.com/office/drawing/2014/main" id="{C61DDD41-4F0A-CFAC-35A4-ACB9D3DF99C0}"/>
-              </a:ext>
-            </a:extLst>
-          </p:cNvPr>
-          <p:cNvSpPr txBox="1"/>
-          <p:nvPr/>
-        </p:nvSpPr>
-        <p:spPr>
-          <a:xfrm>
-            <a:off x="1235075" y="2735749"/>
-            <a:ext cx="3849021" cy="589072"/>
-          </a:xfrm>
-          <a:prstGeom prst="rect">
-            <a:avLst/>
-          </a:prstGeom>
-          <a:noFill/>
-        </p:spPr>
-        <p:txBody>
-          <a:bodyPr wrap="square">
-            <a:spAutoFit/>
-          </a:bodyPr>
-          <a:lstStyle/>
-          <a:p>
-            <a:pPr algn="l">
-              <a:lnSpc>
-                <a:spcPct val="150000"/>
-              </a:lnSpc>
-            </a:pPr>
-            <a:r>
-              <a:rPr lang="pt-BR" sz="2400" b="0" i="0" dirty="0">
-                <a:solidFill>
-                  <a:srgbClr val="57606A"/>
-                </a:solidFill>
-                <a:effectLst/>
-              </a:rPr>
-              <a:t>Repositório online e KANBAN	</a:t>
-            </a:r>
-          </a:p>
-        </p:txBody>
-      </p:sp>
-      <p:sp>
-        <p:nvSpPr>
-          <p:cNvPr id="31" name="CaixaDeTexto 30">
-            <a:extLst>
-              <a:ext uri="{FF2B5EF4-FFF2-40B4-BE49-F238E27FC236}">
-                <a16:creationId xmlns:a16="http://schemas.microsoft.com/office/drawing/2014/main" id="{C2EA745E-6EE4-4FEA-6CC0-6AD947946D89}"/>
-              </a:ext>
-            </a:extLst>
-          </p:cNvPr>
-          <p:cNvSpPr txBox="1"/>
-          <p:nvPr/>
-        </p:nvSpPr>
-        <p:spPr>
-          <a:xfrm>
-            <a:off x="1235075" y="3200620"/>
-            <a:ext cx="3114265" cy="589072"/>
-          </a:xfrm>
-          <a:prstGeom prst="rect">
-            <a:avLst/>
-          </a:prstGeom>
-          <a:noFill/>
-        </p:spPr>
-        <p:txBody>
-          <a:bodyPr wrap="square">
-            <a:spAutoFit/>
-          </a:bodyPr>
-          <a:lstStyle/>
-          <a:p>
-            <a:pPr algn="l">
-              <a:lnSpc>
-                <a:spcPct val="150000"/>
-              </a:lnSpc>
-            </a:pPr>
-            <a:r>
-              <a:rPr lang="pt-BR" sz="2400" b="0" i="0" dirty="0">
-                <a:solidFill>
-                  <a:srgbClr val="57606A"/>
-                </a:solidFill>
-                <a:effectLst/>
-              </a:rPr>
-              <a:t>Controle de versões</a:t>
-            </a:r>
-          </a:p>
-        </p:txBody>
-      </p:sp>
-      <p:sp>
-        <p:nvSpPr>
-          <p:cNvPr id="33" name="CaixaDeTexto 32">
-            <a:extLst>
-              <a:ext uri="{FF2B5EF4-FFF2-40B4-BE49-F238E27FC236}">
-                <a16:creationId xmlns:a16="http://schemas.microsoft.com/office/drawing/2014/main" id="{04C921E0-A11A-4701-B132-F8C0F116F001}"/>
-              </a:ext>
-            </a:extLst>
-          </p:cNvPr>
-          <p:cNvSpPr txBox="1"/>
-          <p:nvPr/>
-        </p:nvSpPr>
-        <p:spPr>
-          <a:xfrm>
-            <a:off x="1235075" y="3661030"/>
-            <a:ext cx="5875939" cy="589072"/>
-          </a:xfrm>
-          <a:prstGeom prst="rect">
-            <a:avLst/>
-          </a:prstGeom>
-          <a:noFill/>
-        </p:spPr>
-        <p:txBody>
-          <a:bodyPr wrap="square">
-            <a:spAutoFit/>
-          </a:bodyPr>
-          <a:lstStyle/>
-          <a:p>
-            <a:pPr algn="l">
-              <a:lnSpc>
-                <a:spcPct val="150000"/>
-              </a:lnSpc>
-            </a:pPr>
-            <a:r>
-              <a:rPr lang="pt-BR" sz="2400" b="0" i="0" dirty="0">
-                <a:solidFill>
-                  <a:srgbClr val="57606A"/>
-                </a:solidFill>
-                <a:effectLst/>
-              </a:rPr>
-              <a:t>Protótipo Interativo – </a:t>
-            </a:r>
-            <a:r>
-              <a:rPr lang="pt-BR" sz="2400" b="0" i="0" dirty="0" err="1">
-                <a:solidFill>
-                  <a:srgbClr val="57606A"/>
-                </a:solidFill>
-                <a:effectLst/>
-              </a:rPr>
-              <a:t>Wireframe</a:t>
-            </a:r>
-            <a:r>
-              <a:rPr lang="pt-BR" sz="2400" b="0" i="0" dirty="0">
-                <a:solidFill>
-                  <a:srgbClr val="57606A"/>
-                </a:solidFill>
-                <a:effectLst/>
-              </a:rPr>
-              <a:t> e </a:t>
-            </a:r>
-            <a:r>
-              <a:rPr lang="pt-BR" sz="2400" b="0" i="0" dirty="0" err="1">
-                <a:solidFill>
-                  <a:srgbClr val="57606A"/>
-                </a:solidFill>
-                <a:effectLst/>
-              </a:rPr>
-              <a:t>userflow</a:t>
-            </a:r>
-            <a:endParaRPr lang="pt-BR" sz="2400" b="0" i="0" dirty="0">
-              <a:solidFill>
-                <a:srgbClr val="57606A"/>
-              </a:solidFill>
-              <a:effectLst/>
-            </a:endParaRPr>
-          </a:p>
-        </p:txBody>
-      </p:sp>
-      <p:sp>
-        <p:nvSpPr>
-          <p:cNvPr id="35" name="CaixaDeTexto 34">
-            <a:extLst>
-              <a:ext uri="{FF2B5EF4-FFF2-40B4-BE49-F238E27FC236}">
-                <a16:creationId xmlns:a16="http://schemas.microsoft.com/office/drawing/2014/main" id="{8E993CF8-A0DB-D304-F139-CCF72291EAD8}"/>
-              </a:ext>
-            </a:extLst>
-          </p:cNvPr>
-          <p:cNvSpPr txBox="1"/>
-          <p:nvPr/>
-        </p:nvSpPr>
-        <p:spPr>
-          <a:xfrm>
-            <a:off x="1193754" y="4156766"/>
-            <a:ext cx="4319999" cy="589072"/>
-          </a:xfrm>
-          <a:prstGeom prst="rect">
-            <a:avLst/>
-          </a:prstGeom>
-          <a:noFill/>
-        </p:spPr>
-        <p:txBody>
-          <a:bodyPr wrap="square">
-            <a:spAutoFit/>
-          </a:bodyPr>
-          <a:lstStyle/>
-          <a:p>
-            <a:pPr algn="l">
-              <a:lnSpc>
-                <a:spcPct val="150000"/>
-              </a:lnSpc>
-            </a:pPr>
-            <a:r>
-              <a:rPr lang="pt-BR" sz="2400" b="0" i="0" dirty="0">
-                <a:solidFill>
-                  <a:srgbClr val="57606A"/>
-                </a:solidFill>
-                <a:effectLst/>
-              </a:rPr>
-              <a:t>Comunicação</a:t>
-            </a:r>
-          </a:p>
-        </p:txBody>
-      </p:sp>
-      <p:sp>
-        <p:nvSpPr>
-          <p:cNvPr id="36" name="CaixaDeTexto 35">
-            <a:extLst>
-              <a:ext uri="{FF2B5EF4-FFF2-40B4-BE49-F238E27FC236}">
-                <a16:creationId xmlns:a16="http://schemas.microsoft.com/office/drawing/2014/main" id="{FB06995D-6323-BA34-1F3F-1CB8687D04C0}"/>
-              </a:ext>
-            </a:extLst>
-          </p:cNvPr>
-          <p:cNvSpPr txBox="1"/>
-          <p:nvPr/>
-        </p:nvSpPr>
-        <p:spPr>
-          <a:xfrm>
-            <a:off x="1235075" y="4620211"/>
-            <a:ext cx="4319999" cy="589072"/>
-          </a:xfrm>
-          <a:prstGeom prst="rect">
-            <a:avLst/>
-          </a:prstGeom>
-          <a:noFill/>
-        </p:spPr>
-        <p:txBody>
-          <a:bodyPr wrap="square">
-            <a:spAutoFit/>
-          </a:bodyPr>
-          <a:lstStyle/>
-          <a:p>
-            <a:pPr algn="l">
-              <a:lnSpc>
-                <a:spcPct val="150000"/>
-              </a:lnSpc>
-            </a:pPr>
-            <a:r>
-              <a:rPr lang="pt-BR" sz="2400" b="0" i="0" dirty="0">
-                <a:solidFill>
-                  <a:srgbClr val="57606A"/>
-                </a:solidFill>
-                <a:effectLst/>
-              </a:rPr>
-              <a:t>Editor de código	</a:t>
-            </a:r>
           </a:p>
         </p:txBody>
       </p:sp>
@@ -11023,8 +11440,8 @@
         </p:blipFill>
         <p:spPr bwMode="auto">
           <a:xfrm>
-            <a:off x="4947064" y="2406717"/>
-            <a:ext cx="884762" cy="491535"/>
+            <a:off x="1528846" y="3091442"/>
+            <a:ext cx="1866228" cy="1036795"/>
           </a:xfrm>
           <a:prstGeom prst="rect">
             <a:avLst/>
@@ -11070,8 +11487,8 @@
         </p:blipFill>
         <p:spPr bwMode="auto">
           <a:xfrm>
-            <a:off x="4947064" y="2854282"/>
-            <a:ext cx="792920" cy="446017"/>
+            <a:off x="5422925" y="2673596"/>
+            <a:ext cx="2050895" cy="1153627"/>
           </a:xfrm>
           <a:prstGeom prst="rect">
             <a:avLst/>
@@ -11117,8 +11534,8 @@
         </p:blipFill>
         <p:spPr bwMode="auto">
           <a:xfrm>
-            <a:off x="3786014" y="3378209"/>
-            <a:ext cx="989699" cy="336632"/>
+            <a:off x="8114968" y="3571470"/>
+            <a:ext cx="2548186" cy="866729"/>
           </a:xfrm>
           <a:prstGeom prst="rect">
             <a:avLst/>
@@ -11164,8 +11581,8 @@
         </p:blipFill>
         <p:spPr bwMode="auto">
           <a:xfrm>
-            <a:off x="6841097" y="3842580"/>
-            <a:ext cx="864719" cy="432360"/>
+            <a:off x="7091670" y="5216468"/>
+            <a:ext cx="2046596" cy="1023299"/>
           </a:xfrm>
           <a:prstGeom prst="rect">
             <a:avLst/>
@@ -11211,8 +11628,8 @@
         </p:blipFill>
         <p:spPr bwMode="auto">
           <a:xfrm>
-            <a:off x="3159586" y="4326706"/>
-            <a:ext cx="388336" cy="388336"/>
+            <a:off x="1279479" y="4359838"/>
+            <a:ext cx="880569" cy="880569"/>
           </a:xfrm>
           <a:prstGeom prst="rect">
             <a:avLst/>
@@ -11258,8 +11675,8 @@
         </p:blipFill>
         <p:spPr bwMode="auto">
           <a:xfrm>
-            <a:off x="3663895" y="4258515"/>
-            <a:ext cx="477157" cy="480145"/>
+            <a:off x="4743896" y="4506444"/>
+            <a:ext cx="1078440" cy="1085193"/>
           </a:xfrm>
           <a:prstGeom prst="rect">
             <a:avLst/>
@@ -11305,8 +11722,8 @@
         </p:blipFill>
         <p:spPr bwMode="auto">
           <a:xfrm>
-            <a:off x="3395074" y="4761955"/>
-            <a:ext cx="1015665" cy="479619"/>
+            <a:off x="2160048" y="5305572"/>
+            <a:ext cx="2099158" cy="991268"/>
           </a:xfrm>
           <a:prstGeom prst="rect">
             <a:avLst/>
@@ -11385,6 +11802,18 @@
   <p:clrMapOvr>
     <a:masterClrMapping/>
   </p:clrMapOvr>
+  <mc:AlternateContent xmlns:mc="http://schemas.openxmlformats.org/markup-compatibility/2006">
+    <mc:Choice xmlns:p159="http://schemas.microsoft.com/office/powerpoint/2015/09/main" Requires="p159">
+      <p:transition spd="slow">
+        <p159:morph option="byObject"/>
+      </p:transition>
+    </mc:Choice>
+    <mc:Fallback>
+      <p:transition spd="slow">
+        <p:fade/>
+      </p:transition>
+    </mc:Fallback>
+  </mc:AlternateContent>
 </p:sld>
 </file>
 
@@ -11879,10 +12308,1069 @@
   <p:clrMapOvr>
     <a:masterClrMapping/>
   </p:clrMapOvr>
+  <mc:AlternateContent xmlns:mc="http://schemas.openxmlformats.org/markup-compatibility/2006">
+    <mc:Choice xmlns:p159="http://schemas.microsoft.com/office/powerpoint/2015/09/main" Requires="p159">
+      <p:transition spd="slow">
+        <p159:morph option="byObject"/>
+      </p:transition>
+    </mc:Choice>
+    <mc:Fallback>
+      <p:transition spd="slow">
+        <p:fade/>
+      </p:transition>
+    </mc:Fallback>
+  </mc:AlternateContent>
 </p:sld>
 </file>
 
 <file path=ppt/slides/slide14.xml><?xml version="1.0" encoding="utf-8"?>
+<p:sld xmlns:a="http://schemas.openxmlformats.org/drawingml/2006/main" xmlns:r="http://schemas.openxmlformats.org/officeDocument/2006/relationships" xmlns:p="http://schemas.openxmlformats.org/presentationml/2006/main">
+  <p:cSld>
+    <p:spTree>
+      <p:nvGrpSpPr>
+        <p:cNvPr id="1" name=""/>
+        <p:cNvGrpSpPr/>
+        <p:nvPr/>
+      </p:nvGrpSpPr>
+      <p:grpSpPr>
+        <a:xfrm>
+          <a:off x="0" y="0"/>
+          <a:ext cx="0" cy="0"/>
+          <a:chOff x="0" y="0"/>
+          <a:chExt cx="0" cy="0"/>
+        </a:xfrm>
+      </p:grpSpPr>
+      <p:sp>
+        <p:nvSpPr>
+          <p:cNvPr id="2" name="Retângulo 1">
+            <a:extLst>
+              <a:ext uri="{FF2B5EF4-FFF2-40B4-BE49-F238E27FC236}">
+                <a16:creationId xmlns:a16="http://schemas.microsoft.com/office/drawing/2014/main" id="{2F1FBD3C-743F-7089-0D0C-DA7CC5462B50}"/>
+              </a:ext>
+            </a:extLst>
+          </p:cNvPr>
+          <p:cNvSpPr/>
+          <p:nvPr/>
+        </p:nvSpPr>
+        <p:spPr>
+          <a:xfrm>
+            <a:off x="0" y="369332"/>
+            <a:ext cx="12192000" cy="115410"/>
+          </a:xfrm>
+          <a:prstGeom prst="rect">
+            <a:avLst/>
+          </a:prstGeom>
+          <a:solidFill>
+            <a:schemeClr val="bg1">
+              <a:lumMod val="95000"/>
+            </a:schemeClr>
+          </a:solidFill>
+          <a:ln>
+            <a:noFill/>
+          </a:ln>
+        </p:spPr>
+        <p:style>
+          <a:lnRef idx="2">
+            <a:schemeClr val="accent1">
+              <a:shade val="50000"/>
+            </a:schemeClr>
+          </a:lnRef>
+          <a:fillRef idx="1">
+            <a:schemeClr val="accent1"/>
+          </a:fillRef>
+          <a:effectRef idx="0">
+            <a:schemeClr val="accent1"/>
+          </a:effectRef>
+          <a:fontRef idx="minor">
+            <a:schemeClr val="lt1"/>
+          </a:fontRef>
+        </p:style>
+        <p:txBody>
+          <a:bodyPr rtlCol="0" anchor="ctr"/>
+          <a:lstStyle/>
+          <a:p>
+            <a:pPr algn="ctr"/>
+            <a:endParaRPr lang="pt-BR"/>
+          </a:p>
+        </p:txBody>
+      </p:sp>
+      <p:sp>
+        <p:nvSpPr>
+          <p:cNvPr id="8" name="CaixaDeTexto 7">
+            <a:extLst>
+              <a:ext uri="{FF2B5EF4-FFF2-40B4-BE49-F238E27FC236}">
+                <a16:creationId xmlns:a16="http://schemas.microsoft.com/office/drawing/2014/main" id="{3461DDC4-7834-928F-6FF1-90D55E914CB6}"/>
+              </a:ext>
+            </a:extLst>
+          </p:cNvPr>
+          <p:cNvSpPr txBox="1"/>
+          <p:nvPr/>
+        </p:nvSpPr>
+        <p:spPr>
+          <a:xfrm>
+            <a:off x="696000" y="2203"/>
+            <a:ext cx="2160000" cy="369332"/>
+          </a:xfrm>
+          <a:prstGeom prst="rect">
+            <a:avLst/>
+          </a:prstGeom>
+          <a:noFill/>
+          <a:ln>
+            <a:noFill/>
+          </a:ln>
+        </p:spPr>
+        <p:txBody>
+          <a:bodyPr wrap="square" rtlCol="0">
+            <a:spAutoFit/>
+          </a:bodyPr>
+          <a:lstStyle/>
+          <a:p>
+            <a:pPr algn="ctr"/>
+            <a:r>
+              <a:rPr lang="pt-BR" b="1" dirty="0">
+                <a:solidFill>
+                  <a:schemeClr val="bg1">
+                    <a:lumMod val="85000"/>
+                  </a:schemeClr>
+                </a:solidFill>
+              </a:rPr>
+              <a:t>PROBLEMA</a:t>
+            </a:r>
+          </a:p>
+        </p:txBody>
+      </p:sp>
+      <p:sp>
+        <p:nvSpPr>
+          <p:cNvPr id="3" name="CaixaDeTexto 2">
+            <a:extLst>
+              <a:ext uri="{FF2B5EF4-FFF2-40B4-BE49-F238E27FC236}">
+                <a16:creationId xmlns:a16="http://schemas.microsoft.com/office/drawing/2014/main" id="{F48F51F9-85BE-89C0-5C6F-4FC0DBA1EC41}"/>
+              </a:ext>
+            </a:extLst>
+          </p:cNvPr>
+          <p:cNvSpPr txBox="1"/>
+          <p:nvPr/>
+        </p:nvSpPr>
+        <p:spPr>
+          <a:xfrm>
+            <a:off x="2856000" y="2203"/>
+            <a:ext cx="2160000" cy="369332"/>
+          </a:xfrm>
+          <a:prstGeom prst="rect">
+            <a:avLst/>
+          </a:prstGeom>
+          <a:noFill/>
+          <a:ln>
+            <a:noFill/>
+          </a:ln>
+        </p:spPr>
+        <p:txBody>
+          <a:bodyPr wrap="square" rtlCol="0">
+            <a:spAutoFit/>
+          </a:bodyPr>
+          <a:lstStyle/>
+          <a:p>
+            <a:pPr algn="ctr"/>
+            <a:r>
+              <a:rPr lang="pt-BR" b="1" dirty="0">
+                <a:solidFill>
+                  <a:schemeClr val="bg1">
+                    <a:lumMod val="85000"/>
+                  </a:schemeClr>
+                </a:solidFill>
+              </a:rPr>
+              <a:t>PROPOSTA</a:t>
+            </a:r>
+          </a:p>
+        </p:txBody>
+      </p:sp>
+      <p:sp>
+        <p:nvSpPr>
+          <p:cNvPr id="4" name="CaixaDeTexto 3">
+            <a:extLst>
+              <a:ext uri="{FF2B5EF4-FFF2-40B4-BE49-F238E27FC236}">
+                <a16:creationId xmlns:a16="http://schemas.microsoft.com/office/drawing/2014/main" id="{E04C7952-57DC-46E9-E136-2F022066A217}"/>
+              </a:ext>
+            </a:extLst>
+          </p:cNvPr>
+          <p:cNvSpPr txBox="1"/>
+          <p:nvPr/>
+        </p:nvSpPr>
+        <p:spPr>
+          <a:xfrm>
+            <a:off x="5016000" y="0"/>
+            <a:ext cx="2160000" cy="369332"/>
+          </a:xfrm>
+          <a:prstGeom prst="rect">
+            <a:avLst/>
+          </a:prstGeom>
+          <a:noFill/>
+          <a:ln>
+            <a:noFill/>
+          </a:ln>
+        </p:spPr>
+        <p:txBody>
+          <a:bodyPr wrap="square" rtlCol="0">
+            <a:spAutoFit/>
+          </a:bodyPr>
+          <a:lstStyle/>
+          <a:p>
+            <a:pPr algn="ctr"/>
+            <a:r>
+              <a:rPr lang="pt-BR" b="1" dirty="0">
+                <a:solidFill>
+                  <a:schemeClr val="bg1">
+                    <a:lumMod val="85000"/>
+                  </a:schemeClr>
+                </a:solidFill>
+              </a:rPr>
+              <a:t>METODOLOGIA</a:t>
+            </a:r>
+          </a:p>
+        </p:txBody>
+      </p:sp>
+      <p:sp>
+        <p:nvSpPr>
+          <p:cNvPr id="5" name="CaixaDeTexto 4">
+            <a:extLst>
+              <a:ext uri="{FF2B5EF4-FFF2-40B4-BE49-F238E27FC236}">
+                <a16:creationId xmlns:a16="http://schemas.microsoft.com/office/drawing/2014/main" id="{9565DBA7-51CE-BB4F-5614-5E7D8C23877B}"/>
+              </a:ext>
+            </a:extLst>
+          </p:cNvPr>
+          <p:cNvSpPr txBox="1"/>
+          <p:nvPr/>
+        </p:nvSpPr>
+        <p:spPr>
+          <a:xfrm>
+            <a:off x="7176000" y="0"/>
+            <a:ext cx="2160000" cy="369332"/>
+          </a:xfrm>
+          <a:prstGeom prst="rect">
+            <a:avLst/>
+          </a:prstGeom>
+          <a:noFill/>
+          <a:ln>
+            <a:noFill/>
+          </a:ln>
+        </p:spPr>
+        <p:txBody>
+          <a:bodyPr wrap="square" rtlCol="0">
+            <a:spAutoFit/>
+          </a:bodyPr>
+          <a:lstStyle/>
+          <a:p>
+            <a:pPr algn="ctr"/>
+            <a:r>
+              <a:rPr lang="pt-BR" b="1" dirty="0">
+                <a:solidFill>
+                  <a:srgbClr val="57606A"/>
+                </a:solidFill>
+              </a:rPr>
+              <a:t>ARQUITETURA</a:t>
+            </a:r>
+            <a:endParaRPr lang="pt-BR" b="1" dirty="0">
+              <a:solidFill>
+                <a:srgbClr val="339966"/>
+              </a:solidFill>
+            </a:endParaRPr>
+          </a:p>
+        </p:txBody>
+      </p:sp>
+      <p:sp>
+        <p:nvSpPr>
+          <p:cNvPr id="6" name="CaixaDeTexto 5">
+            <a:extLst>
+              <a:ext uri="{FF2B5EF4-FFF2-40B4-BE49-F238E27FC236}">
+                <a16:creationId xmlns:a16="http://schemas.microsoft.com/office/drawing/2014/main" id="{6FA43461-C92B-27EB-1661-D33A0C4B7AB5}"/>
+              </a:ext>
+            </a:extLst>
+          </p:cNvPr>
+          <p:cNvSpPr txBox="1"/>
+          <p:nvPr/>
+        </p:nvSpPr>
+        <p:spPr>
+          <a:xfrm>
+            <a:off x="9336000" y="0"/>
+            <a:ext cx="2160000" cy="369332"/>
+          </a:xfrm>
+          <a:prstGeom prst="rect">
+            <a:avLst/>
+          </a:prstGeom>
+          <a:noFill/>
+          <a:ln>
+            <a:noFill/>
+          </a:ln>
+        </p:spPr>
+        <p:txBody>
+          <a:bodyPr wrap="square" rtlCol="0">
+            <a:spAutoFit/>
+          </a:bodyPr>
+          <a:lstStyle/>
+          <a:p>
+            <a:pPr algn="ctr"/>
+            <a:r>
+              <a:rPr lang="pt-BR" b="1" dirty="0">
+                <a:solidFill>
+                  <a:schemeClr val="bg1">
+                    <a:lumMod val="85000"/>
+                  </a:schemeClr>
+                </a:solidFill>
+              </a:rPr>
+              <a:t>FECHAMENTO</a:t>
+            </a:r>
+            <a:endParaRPr lang="pt-BR" b="1" dirty="0">
+              <a:solidFill>
+                <a:srgbClr val="339966"/>
+              </a:solidFill>
+            </a:endParaRPr>
+          </a:p>
+        </p:txBody>
+      </p:sp>
+      <p:sp>
+        <p:nvSpPr>
+          <p:cNvPr id="12" name="Retângulo 11">
+            <a:extLst>
+              <a:ext uri="{FF2B5EF4-FFF2-40B4-BE49-F238E27FC236}">
+                <a16:creationId xmlns:a16="http://schemas.microsoft.com/office/drawing/2014/main" id="{6E1F3B03-DD54-2C34-29FC-055C3D2637F8}"/>
+              </a:ext>
+            </a:extLst>
+          </p:cNvPr>
+          <p:cNvSpPr/>
+          <p:nvPr/>
+        </p:nvSpPr>
+        <p:spPr>
+          <a:xfrm>
+            <a:off x="7176000" y="369332"/>
+            <a:ext cx="2160000" cy="115410"/>
+          </a:xfrm>
+          <a:prstGeom prst="rect">
+            <a:avLst/>
+          </a:prstGeom>
+          <a:solidFill>
+            <a:srgbClr val="57606A"/>
+          </a:solidFill>
+          <a:ln>
+            <a:noFill/>
+          </a:ln>
+        </p:spPr>
+        <p:style>
+          <a:lnRef idx="2">
+            <a:schemeClr val="accent1">
+              <a:shade val="50000"/>
+            </a:schemeClr>
+          </a:lnRef>
+          <a:fillRef idx="1">
+            <a:schemeClr val="accent1"/>
+          </a:fillRef>
+          <a:effectRef idx="0">
+            <a:schemeClr val="accent1"/>
+          </a:effectRef>
+          <a:fontRef idx="minor">
+            <a:schemeClr val="lt1"/>
+          </a:fontRef>
+        </p:style>
+        <p:txBody>
+          <a:bodyPr rtlCol="0" anchor="ctr"/>
+          <a:lstStyle/>
+          <a:p>
+            <a:pPr algn="ctr"/>
+            <a:endParaRPr lang="pt-BR"/>
+          </a:p>
+        </p:txBody>
+      </p:sp>
+      <p:sp>
+        <p:nvSpPr>
+          <p:cNvPr id="44" name="Retângulo 43">
+            <a:extLst>
+              <a:ext uri="{FF2B5EF4-FFF2-40B4-BE49-F238E27FC236}">
+                <a16:creationId xmlns:a16="http://schemas.microsoft.com/office/drawing/2014/main" id="{A3B22DA2-8F40-E487-B121-6ED3E34AD421}"/>
+              </a:ext>
+            </a:extLst>
+          </p:cNvPr>
+          <p:cNvSpPr/>
+          <p:nvPr/>
+        </p:nvSpPr>
+        <p:spPr>
+          <a:xfrm>
+            <a:off x="0" y="6751467"/>
+            <a:ext cx="12192000" cy="115410"/>
+          </a:xfrm>
+          <a:prstGeom prst="rect">
+            <a:avLst/>
+          </a:prstGeom>
+          <a:solidFill>
+            <a:srgbClr val="57606A"/>
+          </a:solidFill>
+          <a:ln>
+            <a:noFill/>
+          </a:ln>
+        </p:spPr>
+        <p:style>
+          <a:lnRef idx="2">
+            <a:schemeClr val="accent1">
+              <a:shade val="50000"/>
+            </a:schemeClr>
+          </a:lnRef>
+          <a:fillRef idx="1">
+            <a:schemeClr val="accent1"/>
+          </a:fillRef>
+          <a:effectRef idx="0">
+            <a:schemeClr val="accent1"/>
+          </a:effectRef>
+          <a:fontRef idx="minor">
+            <a:schemeClr val="lt1"/>
+          </a:fontRef>
+        </p:style>
+        <p:txBody>
+          <a:bodyPr rtlCol="0" anchor="ctr"/>
+          <a:lstStyle/>
+          <a:p>
+            <a:pPr algn="ctr"/>
+            <a:endParaRPr lang="pt-BR"/>
+          </a:p>
+        </p:txBody>
+      </p:sp>
+      <p:sp>
+        <p:nvSpPr>
+          <p:cNvPr id="45" name="Retângulo 44">
+            <a:extLst>
+              <a:ext uri="{FF2B5EF4-FFF2-40B4-BE49-F238E27FC236}">
+                <a16:creationId xmlns:a16="http://schemas.microsoft.com/office/drawing/2014/main" id="{79364CC4-5520-F0D1-702D-98004575DADD}"/>
+              </a:ext>
+            </a:extLst>
+          </p:cNvPr>
+          <p:cNvSpPr/>
+          <p:nvPr/>
+        </p:nvSpPr>
+        <p:spPr>
+          <a:xfrm>
+            <a:off x="11311850" y="6069568"/>
+            <a:ext cx="299125" cy="419100"/>
+          </a:xfrm>
+          <a:prstGeom prst="rect">
+            <a:avLst/>
+          </a:prstGeom>
+          <a:solidFill>
+            <a:srgbClr val="C8CDD2"/>
+          </a:solidFill>
+          <a:ln>
+            <a:noFill/>
+          </a:ln>
+        </p:spPr>
+        <p:style>
+          <a:lnRef idx="2">
+            <a:schemeClr val="accent1">
+              <a:shade val="50000"/>
+            </a:schemeClr>
+          </a:lnRef>
+          <a:fillRef idx="1">
+            <a:schemeClr val="accent1"/>
+          </a:fillRef>
+          <a:effectRef idx="0">
+            <a:schemeClr val="accent1"/>
+          </a:effectRef>
+          <a:fontRef idx="minor">
+            <a:schemeClr val="lt1"/>
+          </a:fontRef>
+        </p:style>
+        <p:txBody>
+          <a:bodyPr rtlCol="0" anchor="ctr"/>
+          <a:lstStyle/>
+          <a:p>
+            <a:pPr algn="ctr"/>
+            <a:endParaRPr lang="pt-BR"/>
+          </a:p>
+        </p:txBody>
+      </p:sp>
+      <p:sp>
+        <p:nvSpPr>
+          <p:cNvPr id="46" name="Retângulo 45">
+            <a:extLst>
+              <a:ext uri="{FF2B5EF4-FFF2-40B4-BE49-F238E27FC236}">
+                <a16:creationId xmlns:a16="http://schemas.microsoft.com/office/drawing/2014/main" id="{59311ADC-A826-A513-13C6-DC3FA4FF9837}"/>
+              </a:ext>
+            </a:extLst>
+          </p:cNvPr>
+          <p:cNvSpPr/>
+          <p:nvPr/>
+        </p:nvSpPr>
+        <p:spPr>
+          <a:xfrm>
+            <a:off x="11311849" y="6393656"/>
+            <a:ext cx="299125" cy="95012"/>
+          </a:xfrm>
+          <a:prstGeom prst="rect">
+            <a:avLst/>
+          </a:prstGeom>
+          <a:solidFill>
+            <a:srgbClr val="57606A"/>
+          </a:solidFill>
+          <a:ln>
+            <a:noFill/>
+          </a:ln>
+        </p:spPr>
+        <p:style>
+          <a:lnRef idx="2">
+            <a:schemeClr val="accent1">
+              <a:shade val="50000"/>
+            </a:schemeClr>
+          </a:lnRef>
+          <a:fillRef idx="1">
+            <a:schemeClr val="accent1"/>
+          </a:fillRef>
+          <a:effectRef idx="0">
+            <a:schemeClr val="accent1"/>
+          </a:effectRef>
+          <a:fontRef idx="minor">
+            <a:schemeClr val="lt1"/>
+          </a:fontRef>
+        </p:style>
+        <p:txBody>
+          <a:bodyPr rtlCol="0" anchor="ctr"/>
+          <a:lstStyle/>
+          <a:p>
+            <a:pPr algn="ctr"/>
+            <a:endParaRPr lang="pt-BR"/>
+          </a:p>
+        </p:txBody>
+      </p:sp>
+      <p:sp>
+        <p:nvSpPr>
+          <p:cNvPr id="47" name="CaixaDeTexto 46">
+            <a:extLst>
+              <a:ext uri="{FF2B5EF4-FFF2-40B4-BE49-F238E27FC236}">
+                <a16:creationId xmlns:a16="http://schemas.microsoft.com/office/drawing/2014/main" id="{FD1502EC-52A2-95D5-E157-FD4F2A55FD3B}"/>
+              </a:ext>
+            </a:extLst>
+          </p:cNvPr>
+          <p:cNvSpPr txBox="1"/>
+          <p:nvPr/>
+        </p:nvSpPr>
+        <p:spPr>
+          <a:xfrm>
+            <a:off x="11273747" y="6085879"/>
+            <a:ext cx="375327" cy="307777"/>
+          </a:xfrm>
+          <a:prstGeom prst="rect">
+            <a:avLst/>
+          </a:prstGeom>
+          <a:noFill/>
+        </p:spPr>
+        <p:txBody>
+          <a:bodyPr wrap="square" rtlCol="0">
+            <a:spAutoFit/>
+          </a:bodyPr>
+          <a:lstStyle/>
+          <a:p>
+            <a:pPr algn="ctr"/>
+            <a:r>
+              <a:rPr lang="pt-BR" sz="1400" b="1" dirty="0">
+                <a:solidFill>
+                  <a:schemeClr val="bg1"/>
+                </a:solidFill>
+              </a:rPr>
+              <a:t>7</a:t>
+            </a:r>
+            <a:endParaRPr lang="pt-BR" b="1" dirty="0">
+              <a:solidFill>
+                <a:schemeClr val="bg1"/>
+              </a:solidFill>
+            </a:endParaRPr>
+          </a:p>
+        </p:txBody>
+      </p:sp>
+      <p:pic>
+        <p:nvPicPr>
+          <p:cNvPr id="1026" name="Picture 2">
+            <a:extLst>
+              <a:ext uri="{FF2B5EF4-FFF2-40B4-BE49-F238E27FC236}">
+                <a16:creationId xmlns:a16="http://schemas.microsoft.com/office/drawing/2014/main" id="{40D6713E-5886-6107-F035-D646D619ECCD}"/>
+              </a:ext>
+            </a:extLst>
+          </p:cNvPr>
+          <p:cNvPicPr>
+            <a:picLocks noChangeAspect="1" noChangeArrowheads="1"/>
+          </p:cNvPicPr>
+          <p:nvPr/>
+        </p:nvPicPr>
+        <p:blipFill>
+          <a:blip r:embed="rId2">
+            <a:extLst>
+              <a:ext uri="{28A0092B-C50C-407E-A947-70E740481C1C}">
+                <a14:useLocalDpi xmlns:a14="http://schemas.microsoft.com/office/drawing/2010/main" val="0"/>
+              </a:ext>
+            </a:extLst>
+          </a:blip>
+          <a:srcRect/>
+          <a:stretch>
+            <a:fillRect/>
+          </a:stretch>
+        </p:blipFill>
+        <p:spPr bwMode="auto">
+          <a:xfrm>
+            <a:off x="1446653" y="3318689"/>
+            <a:ext cx="1353281" cy="1353281"/>
+          </a:xfrm>
+          <a:prstGeom prst="rect">
+            <a:avLst/>
+          </a:prstGeom>
+          <a:noFill/>
+          <a:extLst>
+            <a:ext uri="{909E8E84-426E-40DD-AFC4-6F175D3DCCD1}">
+              <a14:hiddenFill xmlns:a14="http://schemas.microsoft.com/office/drawing/2010/main">
+                <a:solidFill>
+                  <a:srgbClr val="FFFFFF"/>
+                </a:solidFill>
+              </a14:hiddenFill>
+            </a:ext>
+          </a:extLst>
+        </p:spPr>
+      </p:pic>
+      <p:pic>
+        <p:nvPicPr>
+          <p:cNvPr id="1028" name="Picture 4">
+            <a:extLst>
+              <a:ext uri="{FF2B5EF4-FFF2-40B4-BE49-F238E27FC236}">
+                <a16:creationId xmlns:a16="http://schemas.microsoft.com/office/drawing/2014/main" id="{406D5F07-FDA9-5101-DCB7-220360C2149E}"/>
+              </a:ext>
+            </a:extLst>
+          </p:cNvPr>
+          <p:cNvPicPr>
+            <a:picLocks noChangeAspect="1" noChangeArrowheads="1"/>
+          </p:cNvPicPr>
+          <p:nvPr/>
+        </p:nvPicPr>
+        <p:blipFill>
+          <a:blip r:embed="rId3">
+            <a:extLst>
+              <a:ext uri="{28A0092B-C50C-407E-A947-70E740481C1C}">
+                <a14:useLocalDpi xmlns:a14="http://schemas.microsoft.com/office/drawing/2010/main" val="0"/>
+              </a:ext>
+            </a:extLst>
+          </a:blip>
+          <a:srcRect/>
+          <a:stretch>
+            <a:fillRect/>
+          </a:stretch>
+        </p:blipFill>
+        <p:spPr bwMode="auto">
+          <a:xfrm>
+            <a:off x="3760332" y="2829255"/>
+            <a:ext cx="965775" cy="1353714"/>
+          </a:xfrm>
+          <a:prstGeom prst="rect">
+            <a:avLst/>
+          </a:prstGeom>
+          <a:noFill/>
+          <a:extLst>
+            <a:ext uri="{909E8E84-426E-40DD-AFC4-6F175D3DCCD1}">
+              <a14:hiddenFill xmlns:a14="http://schemas.microsoft.com/office/drawing/2010/main">
+                <a:solidFill>
+                  <a:srgbClr val="FFFFFF"/>
+                </a:solidFill>
+              </a14:hiddenFill>
+            </a:ext>
+          </a:extLst>
+        </p:spPr>
+      </p:pic>
+      <p:pic>
+        <p:nvPicPr>
+          <p:cNvPr id="1032" name="Picture 8">
+            <a:extLst>
+              <a:ext uri="{FF2B5EF4-FFF2-40B4-BE49-F238E27FC236}">
+                <a16:creationId xmlns:a16="http://schemas.microsoft.com/office/drawing/2014/main" id="{8A48BD33-1E36-F9AC-28CB-5C3289BE48C3}"/>
+              </a:ext>
+            </a:extLst>
+          </p:cNvPr>
+          <p:cNvPicPr>
+            <a:picLocks noChangeAspect="1" noChangeArrowheads="1"/>
+          </p:cNvPicPr>
+          <p:nvPr/>
+        </p:nvPicPr>
+        <p:blipFill>
+          <a:blip r:embed="rId4">
+            <a:extLst>
+              <a:ext uri="{28A0092B-C50C-407E-A947-70E740481C1C}">
+                <a14:useLocalDpi xmlns:a14="http://schemas.microsoft.com/office/drawing/2010/main" val="0"/>
+              </a:ext>
+            </a:extLst>
+          </a:blip>
+          <a:srcRect/>
+          <a:stretch>
+            <a:fillRect/>
+          </a:stretch>
+        </p:blipFill>
+        <p:spPr bwMode="auto">
+          <a:xfrm>
+            <a:off x="7497596" y="2672050"/>
+            <a:ext cx="965776" cy="965776"/>
+          </a:xfrm>
+          <a:prstGeom prst="rect">
+            <a:avLst/>
+          </a:prstGeom>
+          <a:noFill/>
+          <a:extLst>
+            <a:ext uri="{909E8E84-426E-40DD-AFC4-6F175D3DCCD1}">
+              <a14:hiddenFill xmlns:a14="http://schemas.microsoft.com/office/drawing/2010/main">
+                <a:solidFill>
+                  <a:srgbClr val="FFFFFF"/>
+                </a:solidFill>
+              </a14:hiddenFill>
+            </a:ext>
+          </a:extLst>
+        </p:spPr>
+      </p:pic>
+      <p:pic>
+        <p:nvPicPr>
+          <p:cNvPr id="1034" name="Picture 10">
+            <a:extLst>
+              <a:ext uri="{FF2B5EF4-FFF2-40B4-BE49-F238E27FC236}">
+                <a16:creationId xmlns:a16="http://schemas.microsoft.com/office/drawing/2014/main" id="{DBF5AC81-1F0A-A568-3E85-3D66888CBEA9}"/>
+              </a:ext>
+            </a:extLst>
+          </p:cNvPr>
+          <p:cNvPicPr>
+            <a:picLocks noChangeAspect="1" noChangeArrowheads="1"/>
+          </p:cNvPicPr>
+          <p:nvPr/>
+        </p:nvPicPr>
+        <p:blipFill>
+          <a:blip r:embed="rId5">
+            <a:extLst>
+              <a:ext uri="{28A0092B-C50C-407E-A947-70E740481C1C}">
+                <a14:useLocalDpi xmlns:a14="http://schemas.microsoft.com/office/drawing/2010/main" val="0"/>
+              </a:ext>
+            </a:extLst>
+          </a:blip>
+          <a:srcRect/>
+          <a:stretch>
+            <a:fillRect/>
+          </a:stretch>
+        </p:blipFill>
+        <p:spPr bwMode="auto">
+          <a:xfrm>
+            <a:off x="8937041" y="3504594"/>
+            <a:ext cx="1261947" cy="1005647"/>
+          </a:xfrm>
+          <a:prstGeom prst="rect">
+            <a:avLst/>
+          </a:prstGeom>
+          <a:noFill/>
+          <a:extLst>
+            <a:ext uri="{909E8E84-426E-40DD-AFC4-6F175D3DCCD1}">
+              <a14:hiddenFill xmlns:a14="http://schemas.microsoft.com/office/drawing/2010/main">
+                <a:solidFill>
+                  <a:srgbClr val="FFFFFF"/>
+                </a:solidFill>
+              </a14:hiddenFill>
+            </a:ext>
+          </a:extLst>
+        </p:spPr>
+      </p:pic>
+      <p:pic>
+        <p:nvPicPr>
+          <p:cNvPr id="10" name="Picture 4">
+            <a:extLst>
+              <a:ext uri="{FF2B5EF4-FFF2-40B4-BE49-F238E27FC236}">
+                <a16:creationId xmlns:a16="http://schemas.microsoft.com/office/drawing/2014/main" id="{ED1F82F4-CA23-CA78-8E88-E5EDEAC8CA6D}"/>
+              </a:ext>
+            </a:extLst>
+          </p:cNvPr>
+          <p:cNvPicPr>
+            <a:picLocks noChangeAspect="1" noChangeArrowheads="1"/>
+          </p:cNvPicPr>
+          <p:nvPr/>
+        </p:nvPicPr>
+        <p:blipFill>
+          <a:blip r:embed="rId6">
+            <a:extLst>
+              <a:ext uri="{28A0092B-C50C-407E-A947-70E740481C1C}">
+                <a14:useLocalDpi xmlns:a14="http://schemas.microsoft.com/office/drawing/2010/main" val="0"/>
+              </a:ext>
+            </a:extLst>
+          </a:blip>
+          <a:srcRect/>
+          <a:stretch>
+            <a:fillRect/>
+          </a:stretch>
+        </p:blipFill>
+        <p:spPr bwMode="auto">
+          <a:xfrm>
+            <a:off x="3592123" y="5371653"/>
+            <a:ext cx="2428904" cy="546503"/>
+          </a:xfrm>
+          <a:prstGeom prst="rect">
+            <a:avLst/>
+          </a:prstGeom>
+          <a:noFill/>
+          <a:extLst>
+            <a:ext uri="{909E8E84-426E-40DD-AFC4-6F175D3DCCD1}">
+              <a14:hiddenFill xmlns:a14="http://schemas.microsoft.com/office/drawing/2010/main">
+                <a:solidFill>
+                  <a:srgbClr val="FFFFFF"/>
+                </a:solidFill>
+              </a14:hiddenFill>
+            </a:ext>
+          </a:extLst>
+        </p:spPr>
+      </p:pic>
+      <p:pic>
+        <p:nvPicPr>
+          <p:cNvPr id="51" name="Picture 5" descr="GitHub Logo: valor, história, PNG">
+            <a:extLst>
+              <a:ext uri="{FF2B5EF4-FFF2-40B4-BE49-F238E27FC236}">
+                <a16:creationId xmlns:a16="http://schemas.microsoft.com/office/drawing/2014/main" id="{A961CF54-38C6-EF70-73C1-630A9803F6EA}"/>
+              </a:ext>
+            </a:extLst>
+          </p:cNvPr>
+          <p:cNvPicPr>
+            <a:picLocks noChangeAspect="1" noChangeArrowheads="1"/>
+          </p:cNvPicPr>
+          <p:nvPr/>
+        </p:nvPicPr>
+        <p:blipFill>
+          <a:blip r:embed="rId7">
+            <a:extLst>
+              <a:ext uri="{28A0092B-C50C-407E-A947-70E740481C1C}">
+                <a14:useLocalDpi xmlns:a14="http://schemas.microsoft.com/office/drawing/2010/main" val="0"/>
+              </a:ext>
+            </a:extLst>
+          </a:blip>
+          <a:srcRect/>
+          <a:stretch>
+            <a:fillRect/>
+          </a:stretch>
+        </p:blipFill>
+        <p:spPr bwMode="auto">
+          <a:xfrm>
+            <a:off x="5158527" y="3374250"/>
+            <a:ext cx="2050895" cy="1153627"/>
+          </a:xfrm>
+          <a:prstGeom prst="rect">
+            <a:avLst/>
+          </a:prstGeom>
+          <a:noFill/>
+          <a:extLst>
+            <a:ext uri="{909E8E84-426E-40DD-AFC4-6F175D3DCCD1}">
+              <a14:hiddenFill xmlns:a14="http://schemas.microsoft.com/office/drawing/2010/main">
+                <a:solidFill>
+                  <a:srgbClr val="FFFFFF"/>
+                </a:solidFill>
+              </a14:hiddenFill>
+            </a:ext>
+          </a:extLst>
+        </p:spPr>
+      </p:pic>
+      <p:pic>
+        <p:nvPicPr>
+          <p:cNvPr id="52" name="Picture 7" descr="Git - Logo Downloads">
+            <a:extLst>
+              <a:ext uri="{FF2B5EF4-FFF2-40B4-BE49-F238E27FC236}">
+                <a16:creationId xmlns:a16="http://schemas.microsoft.com/office/drawing/2014/main" id="{EC2C58DF-3306-622F-0740-A0A3800E1B25}"/>
+              </a:ext>
+            </a:extLst>
+          </p:cNvPr>
+          <p:cNvPicPr>
+            <a:picLocks noChangeAspect="1" noChangeArrowheads="1"/>
+          </p:cNvPicPr>
+          <p:nvPr/>
+        </p:nvPicPr>
+        <p:blipFill>
+          <a:blip r:embed="rId8">
+            <a:extLst>
+              <a:ext uri="{28A0092B-C50C-407E-A947-70E740481C1C}">
+                <a14:useLocalDpi xmlns:a14="http://schemas.microsoft.com/office/drawing/2010/main" val="0"/>
+              </a:ext>
+            </a:extLst>
+          </a:blip>
+          <a:srcRect/>
+          <a:stretch>
+            <a:fillRect/>
+          </a:stretch>
+        </p:blipFill>
+        <p:spPr bwMode="auto">
+          <a:xfrm>
+            <a:off x="6849185" y="5333733"/>
+            <a:ext cx="2548186" cy="866729"/>
+          </a:xfrm>
+          <a:prstGeom prst="rect">
+            <a:avLst/>
+          </a:prstGeom>
+          <a:noFill/>
+          <a:extLst>
+            <a:ext uri="{909E8E84-426E-40DD-AFC4-6F175D3DCCD1}">
+              <a14:hiddenFill xmlns:a14="http://schemas.microsoft.com/office/drawing/2010/main">
+                <a:solidFill>
+                  <a:srgbClr val="FFFFFF"/>
+                </a:solidFill>
+              </a14:hiddenFill>
+            </a:ext>
+          </a:extLst>
+        </p:spPr>
+      </p:pic>
+      <p:pic>
+        <p:nvPicPr>
+          <p:cNvPr id="53" name="Picture 15" descr="15 Dicas para Turbinar o seu VS Code! | by Glaucia Lemos | Medium">
+            <a:extLst>
+              <a:ext uri="{FF2B5EF4-FFF2-40B4-BE49-F238E27FC236}">
+                <a16:creationId xmlns:a16="http://schemas.microsoft.com/office/drawing/2014/main" id="{769B4911-60EE-1662-DE20-CFC598DC2624}"/>
+              </a:ext>
+            </a:extLst>
+          </p:cNvPr>
+          <p:cNvPicPr>
+            <a:picLocks noChangeAspect="1" noChangeArrowheads="1"/>
+          </p:cNvPicPr>
+          <p:nvPr/>
+        </p:nvPicPr>
+        <p:blipFill>
+          <a:blip r:embed="rId9">
+            <a:extLst>
+              <a:ext uri="{28A0092B-C50C-407E-A947-70E740481C1C}">
+                <a14:useLocalDpi xmlns:a14="http://schemas.microsoft.com/office/drawing/2010/main" val="0"/>
+              </a:ext>
+            </a:extLst>
+          </a:blip>
+          <a:srcRect/>
+          <a:stretch>
+            <a:fillRect/>
+          </a:stretch>
+        </p:blipFill>
+        <p:spPr bwMode="auto">
+          <a:xfrm>
+            <a:off x="756842" y="4809261"/>
+            <a:ext cx="2099158" cy="991268"/>
+          </a:xfrm>
+          <a:prstGeom prst="rect">
+            <a:avLst/>
+          </a:prstGeom>
+          <a:noFill/>
+          <a:extLst>
+            <a:ext uri="{909E8E84-426E-40DD-AFC4-6F175D3DCCD1}">
+              <a14:hiddenFill xmlns:a14="http://schemas.microsoft.com/office/drawing/2010/main">
+                <a:solidFill>
+                  <a:srgbClr val="FFFFFF"/>
+                </a:solidFill>
+              </a14:hiddenFill>
+            </a:ext>
+          </a:extLst>
+        </p:spPr>
+      </p:pic>
+      <p:sp>
+        <p:nvSpPr>
+          <p:cNvPr id="54" name="CaixaDeTexto 53">
+            <a:extLst>
+              <a:ext uri="{FF2B5EF4-FFF2-40B4-BE49-F238E27FC236}">
+                <a16:creationId xmlns:a16="http://schemas.microsoft.com/office/drawing/2014/main" id="{2314596A-8A2B-297F-DF7E-87DC6FAB5777}"/>
+              </a:ext>
+            </a:extLst>
+          </p:cNvPr>
+          <p:cNvSpPr txBox="1"/>
+          <p:nvPr/>
+        </p:nvSpPr>
+        <p:spPr>
+          <a:xfrm>
+            <a:off x="515937" y="765175"/>
+            <a:ext cx="4827587" cy="584775"/>
+          </a:xfrm>
+          <a:prstGeom prst="rect">
+            <a:avLst/>
+          </a:prstGeom>
+          <a:noFill/>
+        </p:spPr>
+        <p:txBody>
+          <a:bodyPr wrap="square" rtlCol="0">
+            <a:spAutoFit/>
+          </a:bodyPr>
+          <a:lstStyle/>
+          <a:p>
+            <a:r>
+              <a:rPr lang="pt-BR" sz="3200" b="1" dirty="0">
+                <a:solidFill>
+                  <a:srgbClr val="C9B638"/>
+                </a:solidFill>
+              </a:rPr>
+              <a:t>Tecnologias utilizadas:</a:t>
+            </a:r>
+          </a:p>
+        </p:txBody>
+      </p:sp>
+      <p:sp>
+        <p:nvSpPr>
+          <p:cNvPr id="55" name="CaixaDeTexto 54">
+            <a:extLst>
+              <a:ext uri="{FF2B5EF4-FFF2-40B4-BE49-F238E27FC236}">
+                <a16:creationId xmlns:a16="http://schemas.microsoft.com/office/drawing/2014/main" id="{BEC5ED07-3631-2709-E72A-53EBD3B0EC39}"/>
+              </a:ext>
+            </a:extLst>
+          </p:cNvPr>
+          <p:cNvSpPr txBox="1"/>
+          <p:nvPr/>
+        </p:nvSpPr>
+        <p:spPr>
+          <a:xfrm>
+            <a:off x="695999" y="1323995"/>
+            <a:ext cx="11340425" cy="1405769"/>
+          </a:xfrm>
+          <a:prstGeom prst="rect">
+            <a:avLst/>
+          </a:prstGeom>
+          <a:noFill/>
+        </p:spPr>
+        <p:txBody>
+          <a:bodyPr wrap="square">
+            <a:spAutoFit/>
+          </a:bodyPr>
+          <a:lstStyle/>
+          <a:p>
+            <a:pPr algn="l">
+              <a:lnSpc>
+                <a:spcPct val="150000"/>
+              </a:lnSpc>
+            </a:pPr>
+            <a:r>
+              <a:rPr lang="pt-BR" sz="3000" dirty="0">
+                <a:solidFill>
+                  <a:srgbClr val="57606A"/>
+                </a:solidFill>
+              </a:rPr>
+              <a:t>Para desenvolvimento deste projeto foram utilizadas as seguintes tecnologias.</a:t>
+            </a:r>
+            <a:endParaRPr lang="pt-BR" sz="3000" b="0" i="0" dirty="0">
+              <a:solidFill>
+                <a:srgbClr val="57606A"/>
+              </a:solidFill>
+              <a:effectLst/>
+            </a:endParaRPr>
+          </a:p>
+        </p:txBody>
+      </p:sp>
+    </p:spTree>
+    <p:extLst>
+      <p:ext uri="{BB962C8B-B14F-4D97-AF65-F5344CB8AC3E}">
+        <p14:creationId xmlns:p14="http://schemas.microsoft.com/office/powerpoint/2010/main" val="2194254828"/>
+      </p:ext>
+    </p:extLst>
+  </p:cSld>
+  <p:clrMapOvr>
+    <a:masterClrMapping/>
+  </p:clrMapOvr>
+  <mc:AlternateContent xmlns:mc="http://schemas.openxmlformats.org/markup-compatibility/2006">
+    <mc:Choice xmlns:p159="http://schemas.microsoft.com/office/powerpoint/2015/09/main" Requires="p159">
+      <p:transition spd="slow">
+        <p159:morph option="byObject"/>
+      </p:transition>
+    </mc:Choice>
+    <mc:Fallback>
+      <p:transition spd="slow">
+        <p:fade/>
+      </p:transition>
+    </mc:Fallback>
+  </mc:AlternateContent>
+</p:sld>
+</file>
+
+<file path=ppt/slides/slide15.xml><?xml version="1.0" encoding="utf-8"?>
 <p:sld xmlns:a="http://schemas.openxmlformats.org/drawingml/2006/main" xmlns:r="http://schemas.openxmlformats.org/officeDocument/2006/relationships" xmlns:p="http://schemas.openxmlformats.org/presentationml/2006/main">
   <p:cSld>
     <p:spTree>
@@ -13749,7 +15237,7 @@
                   <a:schemeClr val="bg1"/>
                 </a:solidFill>
               </a:rPr>
-              <a:t>7</a:t>
+              <a:t>8</a:t>
             </a:r>
             <a:endParaRPr lang="pt-BR" b="1" dirty="0">
               <a:solidFill>
@@ -13762,17 +15250,29 @@
     </p:spTree>
     <p:extLst>
       <p:ext uri="{BB962C8B-B14F-4D97-AF65-F5344CB8AC3E}">
-        <p14:creationId xmlns:p14="http://schemas.microsoft.com/office/powerpoint/2010/main" val="2194254828"/>
+        <p14:creationId xmlns:p14="http://schemas.microsoft.com/office/powerpoint/2010/main" val="490094493"/>
       </p:ext>
     </p:extLst>
   </p:cSld>
   <p:clrMapOvr>
     <a:masterClrMapping/>
   </p:clrMapOvr>
+  <mc:AlternateContent xmlns:mc="http://schemas.openxmlformats.org/markup-compatibility/2006">
+    <mc:Choice xmlns:p159="http://schemas.microsoft.com/office/powerpoint/2015/09/main" Requires="p159">
+      <p:transition spd="slow">
+        <p159:morph option="byObject"/>
+      </p:transition>
+    </mc:Choice>
+    <mc:Fallback>
+      <p:transition spd="slow">
+        <p:fade/>
+      </p:transition>
+    </mc:Fallback>
+  </mc:AlternateContent>
 </p:sld>
 </file>
 
-<file path=ppt/slides/slide15.xml><?xml version="1.0" encoding="utf-8"?>
+<file path=ppt/slides/slide16.xml><?xml version="1.0" encoding="utf-8"?>
 <p:sld xmlns:a="http://schemas.openxmlformats.org/drawingml/2006/main" xmlns:r="http://schemas.openxmlformats.org/officeDocument/2006/relationships" xmlns:p="http://schemas.openxmlformats.org/presentationml/2006/main">
   <p:cSld>
     <p:spTree>
@@ -14258,10 +15758,22 @@
   <p:clrMapOvr>
     <a:masterClrMapping/>
   </p:clrMapOvr>
+  <mc:AlternateContent xmlns:mc="http://schemas.openxmlformats.org/markup-compatibility/2006">
+    <mc:Choice xmlns:p159="http://schemas.microsoft.com/office/powerpoint/2015/09/main" Requires="p159">
+      <p:transition spd="slow">
+        <p159:morph option="byObject"/>
+      </p:transition>
+    </mc:Choice>
+    <mc:Fallback>
+      <p:transition spd="slow">
+        <p:fade/>
+      </p:transition>
+    </mc:Fallback>
+  </mc:AlternateContent>
 </p:sld>
 </file>
 
-<file path=ppt/slides/slide16.xml><?xml version="1.0" encoding="utf-8"?>
+<file path=ppt/slides/slide17.xml><?xml version="1.0" encoding="utf-8"?>
 <p:sld xmlns:a="http://schemas.openxmlformats.org/drawingml/2006/main" xmlns:r="http://schemas.openxmlformats.org/officeDocument/2006/relationships" xmlns:p="http://schemas.openxmlformats.org/presentationml/2006/main">
   <p:cSld>
     <p:spTree>
@@ -14372,7 +15884,7 @@
                   </a:schemeClr>
                 </a:solidFill>
               </a:rPr>
-              <a:t>PROBLEMA</a:t>
+              <a:t>INTRODUÇÃO</a:t>
             </a:r>
           </a:p>
         </p:txBody>
@@ -14469,7 +15981,7 @@
                   </a:schemeClr>
                 </a:solidFill>
               </a:rPr>
-              <a:t>PROPOSTA</a:t>
+              <a:t>ESPECIFICAÇÕES</a:t>
             </a:r>
           </a:p>
         </p:txBody>
@@ -14560,614 +16072,6 @@
                 </a:solidFill>
               </a:rPr>
               <a:t>ARQUITETURA</a:t>
-            </a:r>
-          </a:p>
-        </p:txBody>
-      </p:sp>
-      <p:sp>
-        <p:nvSpPr>
-          <p:cNvPr id="6" name="CaixaDeTexto 5">
-            <a:extLst>
-              <a:ext uri="{FF2B5EF4-FFF2-40B4-BE49-F238E27FC236}">
-                <a16:creationId xmlns:a16="http://schemas.microsoft.com/office/drawing/2014/main" id="{6FA43461-C92B-27EB-1661-D33A0C4B7AB5}"/>
-              </a:ext>
-            </a:extLst>
-          </p:cNvPr>
-          <p:cNvSpPr txBox="1"/>
-          <p:nvPr/>
-        </p:nvSpPr>
-        <p:spPr>
-          <a:xfrm>
-            <a:off x="9336000" y="0"/>
-            <a:ext cx="2160000" cy="369332"/>
-          </a:xfrm>
-          <a:prstGeom prst="rect">
-            <a:avLst/>
-          </a:prstGeom>
-          <a:noFill/>
-          <a:ln>
-            <a:noFill/>
-          </a:ln>
-        </p:spPr>
-        <p:txBody>
-          <a:bodyPr wrap="square" rtlCol="0">
-            <a:spAutoFit/>
-          </a:bodyPr>
-          <a:lstStyle/>
-          <a:p>
-            <a:pPr algn="ctr"/>
-            <a:r>
-              <a:rPr lang="pt-BR" b="1" dirty="0">
-                <a:solidFill>
-                  <a:srgbClr val="339966"/>
-                </a:solidFill>
-              </a:rPr>
-              <a:t>FECHAMENTO</a:t>
-            </a:r>
-          </a:p>
-        </p:txBody>
-      </p:sp>
-      <p:sp>
-        <p:nvSpPr>
-          <p:cNvPr id="7" name="Retângulo 6">
-            <a:extLst>
-              <a:ext uri="{FF2B5EF4-FFF2-40B4-BE49-F238E27FC236}">
-                <a16:creationId xmlns:a16="http://schemas.microsoft.com/office/drawing/2014/main" id="{68A5726B-985F-ACE4-08D4-45F192E5D698}"/>
-              </a:ext>
-            </a:extLst>
-          </p:cNvPr>
-          <p:cNvSpPr/>
-          <p:nvPr/>
-        </p:nvSpPr>
-        <p:spPr>
-          <a:xfrm>
-            <a:off x="9336000" y="369332"/>
-            <a:ext cx="2160000" cy="115410"/>
-          </a:xfrm>
-          <a:prstGeom prst="rect">
-            <a:avLst/>
-          </a:prstGeom>
-          <a:solidFill>
-            <a:srgbClr val="339966"/>
-          </a:solidFill>
-          <a:ln>
-            <a:noFill/>
-          </a:ln>
-        </p:spPr>
-        <p:style>
-          <a:lnRef idx="2">
-            <a:schemeClr val="accent1">
-              <a:shade val="50000"/>
-            </a:schemeClr>
-          </a:lnRef>
-          <a:fillRef idx="1">
-            <a:schemeClr val="accent1"/>
-          </a:fillRef>
-          <a:effectRef idx="0">
-            <a:schemeClr val="accent1"/>
-          </a:effectRef>
-          <a:fontRef idx="minor">
-            <a:schemeClr val="lt1"/>
-          </a:fontRef>
-        </p:style>
-        <p:txBody>
-          <a:bodyPr rtlCol="0" anchor="ctr"/>
-          <a:lstStyle/>
-          <a:p>
-            <a:pPr algn="ctr"/>
-            <a:endParaRPr lang="pt-BR"/>
-          </a:p>
-        </p:txBody>
-      </p:sp>
-      <p:sp>
-        <p:nvSpPr>
-          <p:cNvPr id="9" name="CaixaDeTexto 8">
-            <a:extLst>
-              <a:ext uri="{FF2B5EF4-FFF2-40B4-BE49-F238E27FC236}">
-                <a16:creationId xmlns:a16="http://schemas.microsoft.com/office/drawing/2014/main" id="{FB6C57B6-64CE-9C72-0BB2-089270A67C81}"/>
-              </a:ext>
-            </a:extLst>
-          </p:cNvPr>
-          <p:cNvSpPr txBox="1"/>
-          <p:nvPr/>
-        </p:nvSpPr>
-        <p:spPr>
-          <a:xfrm>
-            <a:off x="3854450" y="1304925"/>
-            <a:ext cx="4483100" cy="1446550"/>
-          </a:xfrm>
-          <a:prstGeom prst="rect">
-            <a:avLst/>
-          </a:prstGeom>
-          <a:noFill/>
-        </p:spPr>
-        <p:txBody>
-          <a:bodyPr wrap="square" rtlCol="0">
-            <a:spAutoFit/>
-          </a:bodyPr>
-          <a:lstStyle/>
-          <a:p>
-            <a:pPr algn="ctr"/>
-            <a:r>
-              <a:rPr lang="pt-BR" sz="8800" b="1" dirty="0">
-                <a:solidFill>
-                  <a:srgbClr val="339966"/>
-                </a:solidFill>
-              </a:rPr>
-              <a:t>Dúvidas</a:t>
-            </a:r>
-            <a:r>
-              <a:rPr lang="pt-BR" sz="8000" b="1" dirty="0">
-                <a:solidFill>
-                  <a:srgbClr val="339966"/>
-                </a:solidFill>
-              </a:rPr>
-              <a:t>?</a:t>
-            </a:r>
-          </a:p>
-        </p:txBody>
-      </p:sp>
-      <p:sp>
-        <p:nvSpPr>
-          <p:cNvPr id="10" name="Retângulo 9">
-            <a:extLst>
-              <a:ext uri="{FF2B5EF4-FFF2-40B4-BE49-F238E27FC236}">
-                <a16:creationId xmlns:a16="http://schemas.microsoft.com/office/drawing/2014/main" id="{B41C6FE8-FA63-F603-FD8D-D79B04110543}"/>
-              </a:ext>
-            </a:extLst>
-          </p:cNvPr>
-          <p:cNvSpPr/>
-          <p:nvPr/>
-        </p:nvSpPr>
-        <p:spPr>
-          <a:xfrm>
-            <a:off x="11311850" y="6069568"/>
-            <a:ext cx="299125" cy="419100"/>
-          </a:xfrm>
-          <a:prstGeom prst="rect">
-            <a:avLst/>
-          </a:prstGeom>
-          <a:solidFill>
-            <a:srgbClr val="D6F2E4"/>
-          </a:solidFill>
-          <a:ln>
-            <a:noFill/>
-          </a:ln>
-        </p:spPr>
-        <p:style>
-          <a:lnRef idx="2">
-            <a:schemeClr val="accent1">
-              <a:shade val="50000"/>
-            </a:schemeClr>
-          </a:lnRef>
-          <a:fillRef idx="1">
-            <a:schemeClr val="accent1"/>
-          </a:fillRef>
-          <a:effectRef idx="0">
-            <a:schemeClr val="accent1"/>
-          </a:effectRef>
-          <a:fontRef idx="minor">
-            <a:schemeClr val="lt1"/>
-          </a:fontRef>
-        </p:style>
-        <p:txBody>
-          <a:bodyPr rtlCol="0" anchor="ctr"/>
-          <a:lstStyle/>
-          <a:p>
-            <a:pPr algn="ctr"/>
-            <a:endParaRPr lang="pt-BR"/>
-          </a:p>
-        </p:txBody>
-      </p:sp>
-      <p:sp>
-        <p:nvSpPr>
-          <p:cNvPr id="11" name="Retângulo 10">
-            <a:extLst>
-              <a:ext uri="{FF2B5EF4-FFF2-40B4-BE49-F238E27FC236}">
-                <a16:creationId xmlns:a16="http://schemas.microsoft.com/office/drawing/2014/main" id="{583ADC82-EA75-A57B-BC91-7F47E6413E19}"/>
-              </a:ext>
-            </a:extLst>
-          </p:cNvPr>
-          <p:cNvSpPr/>
-          <p:nvPr/>
-        </p:nvSpPr>
-        <p:spPr>
-          <a:xfrm>
-            <a:off x="11311849" y="6393656"/>
-            <a:ext cx="299125" cy="95012"/>
-          </a:xfrm>
-          <a:prstGeom prst="rect">
-            <a:avLst/>
-          </a:prstGeom>
-          <a:solidFill>
-            <a:srgbClr val="339966"/>
-          </a:solidFill>
-          <a:ln>
-            <a:noFill/>
-          </a:ln>
-        </p:spPr>
-        <p:style>
-          <a:lnRef idx="2">
-            <a:schemeClr val="accent1">
-              <a:shade val="50000"/>
-            </a:schemeClr>
-          </a:lnRef>
-          <a:fillRef idx="1">
-            <a:schemeClr val="accent1"/>
-          </a:fillRef>
-          <a:effectRef idx="0">
-            <a:schemeClr val="accent1"/>
-          </a:effectRef>
-          <a:fontRef idx="minor">
-            <a:schemeClr val="lt1"/>
-          </a:fontRef>
-        </p:style>
-        <p:txBody>
-          <a:bodyPr rtlCol="0" anchor="ctr"/>
-          <a:lstStyle/>
-          <a:p>
-            <a:pPr algn="ctr"/>
-            <a:endParaRPr lang="pt-BR"/>
-          </a:p>
-        </p:txBody>
-      </p:sp>
-      <p:sp>
-        <p:nvSpPr>
-          <p:cNvPr id="12" name="CaixaDeTexto 11">
-            <a:extLst>
-              <a:ext uri="{FF2B5EF4-FFF2-40B4-BE49-F238E27FC236}">
-                <a16:creationId xmlns:a16="http://schemas.microsoft.com/office/drawing/2014/main" id="{88ABFA06-E7D5-D7B5-F143-C01404EAEC09}"/>
-              </a:ext>
-            </a:extLst>
-          </p:cNvPr>
-          <p:cNvSpPr txBox="1"/>
-          <p:nvPr/>
-        </p:nvSpPr>
-        <p:spPr>
-          <a:xfrm>
-            <a:off x="11273747" y="6085879"/>
-            <a:ext cx="375327" cy="307777"/>
-          </a:xfrm>
-          <a:prstGeom prst="rect">
-            <a:avLst/>
-          </a:prstGeom>
-          <a:noFill/>
-        </p:spPr>
-        <p:txBody>
-          <a:bodyPr wrap="square" rtlCol="0">
-            <a:spAutoFit/>
-          </a:bodyPr>
-          <a:lstStyle/>
-          <a:p>
-            <a:pPr algn="ctr"/>
-            <a:r>
-              <a:rPr lang="pt-BR" sz="1400" b="1" dirty="0">
-                <a:solidFill>
-                  <a:schemeClr val="bg1"/>
-                </a:solidFill>
-              </a:rPr>
-              <a:t>8</a:t>
-            </a:r>
-            <a:endParaRPr lang="pt-BR" b="1" dirty="0">
-              <a:solidFill>
-                <a:schemeClr val="bg1"/>
-              </a:solidFill>
-            </a:endParaRPr>
-          </a:p>
-        </p:txBody>
-      </p:sp>
-    </p:spTree>
-    <p:extLst>
-      <p:ext uri="{BB962C8B-B14F-4D97-AF65-F5344CB8AC3E}">
-        <p14:creationId xmlns:p14="http://schemas.microsoft.com/office/powerpoint/2010/main" val="2772420948"/>
-      </p:ext>
-    </p:extLst>
-  </p:cSld>
-  <p:clrMapOvr>
-    <a:masterClrMapping/>
-  </p:clrMapOvr>
-</p:sld>
-</file>
-
-<file path=ppt/slides/slide17.xml><?xml version="1.0" encoding="utf-8"?>
-<p:sld xmlns:a="http://schemas.openxmlformats.org/drawingml/2006/main" xmlns:r="http://schemas.openxmlformats.org/officeDocument/2006/relationships" xmlns:p="http://schemas.openxmlformats.org/presentationml/2006/main">
-  <p:cSld>
-    <p:spTree>
-      <p:nvGrpSpPr>
-        <p:cNvPr id="1" name=""/>
-        <p:cNvGrpSpPr/>
-        <p:nvPr/>
-      </p:nvGrpSpPr>
-      <p:grpSpPr>
-        <a:xfrm>
-          <a:off x="0" y="0"/>
-          <a:ext cx="0" cy="0"/>
-          <a:chOff x="0" y="0"/>
-          <a:chExt cx="0" cy="0"/>
-        </a:xfrm>
-      </p:grpSpPr>
-      <p:sp>
-        <p:nvSpPr>
-          <p:cNvPr id="2" name="Retângulo 1">
-            <a:extLst>
-              <a:ext uri="{FF2B5EF4-FFF2-40B4-BE49-F238E27FC236}">
-                <a16:creationId xmlns:a16="http://schemas.microsoft.com/office/drawing/2014/main" id="{2F1FBD3C-743F-7089-0D0C-DA7CC5462B50}"/>
-              </a:ext>
-            </a:extLst>
-          </p:cNvPr>
-          <p:cNvSpPr/>
-          <p:nvPr/>
-        </p:nvSpPr>
-        <p:spPr>
-          <a:xfrm>
-            <a:off x="0" y="369332"/>
-            <a:ext cx="12192000" cy="115410"/>
-          </a:xfrm>
-          <a:prstGeom prst="rect">
-            <a:avLst/>
-          </a:prstGeom>
-          <a:solidFill>
-            <a:schemeClr val="bg1">
-              <a:lumMod val="95000"/>
-            </a:schemeClr>
-          </a:solidFill>
-          <a:ln>
-            <a:noFill/>
-          </a:ln>
-        </p:spPr>
-        <p:style>
-          <a:lnRef idx="2">
-            <a:schemeClr val="accent1">
-              <a:shade val="50000"/>
-            </a:schemeClr>
-          </a:lnRef>
-          <a:fillRef idx="1">
-            <a:schemeClr val="accent1"/>
-          </a:fillRef>
-          <a:effectRef idx="0">
-            <a:schemeClr val="accent1"/>
-          </a:effectRef>
-          <a:fontRef idx="minor">
-            <a:schemeClr val="lt1"/>
-          </a:fontRef>
-        </p:style>
-        <p:txBody>
-          <a:bodyPr rtlCol="0" anchor="ctr"/>
-          <a:lstStyle/>
-          <a:p>
-            <a:pPr algn="ctr"/>
-            <a:endParaRPr lang="pt-BR"/>
-          </a:p>
-        </p:txBody>
-      </p:sp>
-      <p:sp>
-        <p:nvSpPr>
-          <p:cNvPr id="8" name="CaixaDeTexto 7">
-            <a:extLst>
-              <a:ext uri="{FF2B5EF4-FFF2-40B4-BE49-F238E27FC236}">
-                <a16:creationId xmlns:a16="http://schemas.microsoft.com/office/drawing/2014/main" id="{3461DDC4-7834-928F-6FF1-90D55E914CB6}"/>
-              </a:ext>
-            </a:extLst>
-          </p:cNvPr>
-          <p:cNvSpPr txBox="1"/>
-          <p:nvPr/>
-        </p:nvSpPr>
-        <p:spPr>
-          <a:xfrm>
-            <a:off x="696000" y="2203"/>
-            <a:ext cx="2160000" cy="369332"/>
-          </a:xfrm>
-          <a:prstGeom prst="rect">
-            <a:avLst/>
-          </a:prstGeom>
-          <a:noFill/>
-          <a:ln>
-            <a:noFill/>
-          </a:ln>
-        </p:spPr>
-        <p:txBody>
-          <a:bodyPr wrap="square" rtlCol="0">
-            <a:spAutoFit/>
-          </a:bodyPr>
-          <a:lstStyle/>
-          <a:p>
-            <a:pPr algn="ctr"/>
-            <a:r>
-              <a:rPr lang="pt-BR" b="1" dirty="0">
-                <a:solidFill>
-                  <a:schemeClr val="bg1">
-                    <a:lumMod val="85000"/>
-                  </a:schemeClr>
-                </a:solidFill>
-              </a:rPr>
-              <a:t>INTRODUÇÃO</a:t>
-            </a:r>
-          </a:p>
-        </p:txBody>
-      </p:sp>
-      <p:sp>
-        <p:nvSpPr>
-          <p:cNvPr id="18" name="Retângulo 17">
-            <a:extLst>
-              <a:ext uri="{FF2B5EF4-FFF2-40B4-BE49-F238E27FC236}">
-                <a16:creationId xmlns:a16="http://schemas.microsoft.com/office/drawing/2014/main" id="{025DF50E-30FE-1AF8-C932-20C65186C3F7}"/>
-              </a:ext>
-            </a:extLst>
-          </p:cNvPr>
-          <p:cNvSpPr/>
-          <p:nvPr/>
-        </p:nvSpPr>
-        <p:spPr>
-          <a:xfrm>
-            <a:off x="0" y="6751467"/>
-            <a:ext cx="12192000" cy="115410"/>
-          </a:xfrm>
-          <a:prstGeom prst="rect">
-            <a:avLst/>
-          </a:prstGeom>
-          <a:solidFill>
-            <a:srgbClr val="339966"/>
-          </a:solidFill>
-          <a:ln>
-            <a:noFill/>
-          </a:ln>
-        </p:spPr>
-        <p:style>
-          <a:lnRef idx="2">
-            <a:schemeClr val="accent1">
-              <a:shade val="50000"/>
-            </a:schemeClr>
-          </a:lnRef>
-          <a:fillRef idx="1">
-            <a:schemeClr val="accent1"/>
-          </a:fillRef>
-          <a:effectRef idx="0">
-            <a:schemeClr val="accent1"/>
-          </a:effectRef>
-          <a:fontRef idx="minor">
-            <a:schemeClr val="lt1"/>
-          </a:fontRef>
-        </p:style>
-        <p:txBody>
-          <a:bodyPr rtlCol="0" anchor="ctr"/>
-          <a:lstStyle/>
-          <a:p>
-            <a:pPr algn="ctr"/>
-            <a:endParaRPr lang="pt-BR"/>
-          </a:p>
-        </p:txBody>
-      </p:sp>
-      <p:sp>
-        <p:nvSpPr>
-          <p:cNvPr id="3" name="CaixaDeTexto 2">
-            <a:extLst>
-              <a:ext uri="{FF2B5EF4-FFF2-40B4-BE49-F238E27FC236}">
-                <a16:creationId xmlns:a16="http://schemas.microsoft.com/office/drawing/2014/main" id="{F48F51F9-85BE-89C0-5C6F-4FC0DBA1EC41}"/>
-              </a:ext>
-            </a:extLst>
-          </p:cNvPr>
-          <p:cNvSpPr txBox="1"/>
-          <p:nvPr/>
-        </p:nvSpPr>
-        <p:spPr>
-          <a:xfrm>
-            <a:off x="2856000" y="2203"/>
-            <a:ext cx="2160000" cy="369332"/>
-          </a:xfrm>
-          <a:prstGeom prst="rect">
-            <a:avLst/>
-          </a:prstGeom>
-          <a:noFill/>
-          <a:ln>
-            <a:noFill/>
-          </a:ln>
-        </p:spPr>
-        <p:txBody>
-          <a:bodyPr wrap="square" rtlCol="0">
-            <a:spAutoFit/>
-          </a:bodyPr>
-          <a:lstStyle/>
-          <a:p>
-            <a:pPr algn="ctr"/>
-            <a:r>
-              <a:rPr lang="pt-BR" b="1" dirty="0">
-                <a:solidFill>
-                  <a:schemeClr val="bg1">
-                    <a:lumMod val="85000"/>
-                  </a:schemeClr>
-                </a:solidFill>
-              </a:rPr>
-              <a:t>ESPECIFICAÇÕES</a:t>
-            </a:r>
-          </a:p>
-        </p:txBody>
-      </p:sp>
-      <p:sp>
-        <p:nvSpPr>
-          <p:cNvPr id="4" name="CaixaDeTexto 3">
-            <a:extLst>
-              <a:ext uri="{FF2B5EF4-FFF2-40B4-BE49-F238E27FC236}">
-                <a16:creationId xmlns:a16="http://schemas.microsoft.com/office/drawing/2014/main" id="{E04C7952-57DC-46E9-E136-2F022066A217}"/>
-              </a:ext>
-            </a:extLst>
-          </p:cNvPr>
-          <p:cNvSpPr txBox="1"/>
-          <p:nvPr/>
-        </p:nvSpPr>
-        <p:spPr>
-          <a:xfrm>
-            <a:off x="5016000" y="0"/>
-            <a:ext cx="2160000" cy="369332"/>
-          </a:xfrm>
-          <a:prstGeom prst="rect">
-            <a:avLst/>
-          </a:prstGeom>
-          <a:noFill/>
-          <a:ln>
-            <a:noFill/>
-          </a:ln>
-        </p:spPr>
-        <p:txBody>
-          <a:bodyPr wrap="square" rtlCol="0">
-            <a:spAutoFit/>
-          </a:bodyPr>
-          <a:lstStyle/>
-          <a:p>
-            <a:pPr algn="ctr"/>
-            <a:r>
-              <a:rPr lang="pt-BR" b="1" dirty="0">
-                <a:solidFill>
-                  <a:schemeClr val="bg1">
-                    <a:lumMod val="85000"/>
-                  </a:schemeClr>
-                </a:solidFill>
-              </a:rPr>
-              <a:t>INTERFACE</a:t>
-            </a:r>
-          </a:p>
-        </p:txBody>
-      </p:sp>
-      <p:sp>
-        <p:nvSpPr>
-          <p:cNvPr id="5" name="CaixaDeTexto 4">
-            <a:extLst>
-              <a:ext uri="{FF2B5EF4-FFF2-40B4-BE49-F238E27FC236}">
-                <a16:creationId xmlns:a16="http://schemas.microsoft.com/office/drawing/2014/main" id="{9565DBA7-51CE-BB4F-5614-5E7D8C23877B}"/>
-              </a:ext>
-            </a:extLst>
-          </p:cNvPr>
-          <p:cNvSpPr txBox="1"/>
-          <p:nvPr/>
-        </p:nvSpPr>
-        <p:spPr>
-          <a:xfrm>
-            <a:off x="7176000" y="0"/>
-            <a:ext cx="2160000" cy="369332"/>
-          </a:xfrm>
-          <a:prstGeom prst="rect">
-            <a:avLst/>
-          </a:prstGeom>
-          <a:noFill/>
-          <a:ln>
-            <a:noFill/>
-          </a:ln>
-        </p:spPr>
-        <p:txBody>
-          <a:bodyPr wrap="square" rtlCol="0">
-            <a:spAutoFit/>
-          </a:bodyPr>
-          <a:lstStyle/>
-          <a:p>
-            <a:pPr algn="ctr"/>
-            <a:r>
-              <a:rPr lang="pt-BR" b="1" dirty="0">
-                <a:solidFill>
-                  <a:schemeClr val="bg1">
-                    <a:lumMod val="85000"/>
-                  </a:schemeClr>
-                </a:solidFill>
-              </a:rPr>
-              <a:t>METODOLOGIA</a:t>
             </a:r>
           </a:p>
         </p:txBody>
@@ -16511,6 +17415,18 @@
   <p:clrMapOvr>
     <a:masterClrMapping/>
   </p:clrMapOvr>
+  <mc:AlternateContent xmlns:mc="http://schemas.openxmlformats.org/markup-compatibility/2006">
+    <mc:Choice xmlns:p159="http://schemas.microsoft.com/office/powerpoint/2015/09/main" Requires="p159">
+      <p:transition spd="slow">
+        <p159:morph option="byObject"/>
+      </p:transition>
+    </mc:Choice>
+    <mc:Fallback>
+      <p:transition spd="slow">
+        <p:fade/>
+      </p:transition>
+    </mc:Fallback>
+  </mc:AlternateContent>
 </p:sld>
 </file>
 
@@ -16926,7 +17842,7 @@
         </p:nvSpPr>
         <p:spPr>
           <a:xfrm>
-            <a:off x="5295901" y="2462653"/>
+            <a:off x="5295901" y="2151727"/>
             <a:ext cx="7226300" cy="2554545"/>
           </a:xfrm>
           <a:prstGeom prst="rect">
@@ -17000,6 +17916,18 @@
   <p:clrMapOvr>
     <a:masterClrMapping/>
   </p:clrMapOvr>
+  <mc:AlternateContent xmlns:mc="http://schemas.openxmlformats.org/markup-compatibility/2006">
+    <mc:Choice xmlns:p159="http://schemas.microsoft.com/office/powerpoint/2015/09/main" Requires="p159">
+      <p:transition spd="slow">
+        <p159:morph option="byObject"/>
+      </p:transition>
+    </mc:Choice>
+    <mc:Fallback>
+      <p:transition spd="slow">
+        <p:fade/>
+      </p:transition>
+    </mc:Fallback>
+  </mc:AlternateContent>
 </p:sld>
 </file>
 
@@ -17573,7 +18501,7 @@
         <p:spPr>
           <a:xfrm>
             <a:off x="515937" y="765175"/>
-            <a:ext cx="5580063" cy="523220"/>
+            <a:ext cx="5580063" cy="584775"/>
           </a:xfrm>
           <a:prstGeom prst="rect">
             <a:avLst/>
@@ -17587,7 +18515,7 @@
           <a:lstStyle/>
           <a:p>
             <a:r>
-              <a:rPr lang="pt-BR" sz="2800" b="1" dirty="0">
+              <a:rPr lang="pt-BR" sz="3200" b="1" dirty="0">
                 <a:solidFill>
                   <a:srgbClr val="339966"/>
                 </a:solidFill>
@@ -17612,7 +18540,7 @@
         <p:spPr>
           <a:xfrm>
             <a:off x="695999" y="1323995"/>
-            <a:ext cx="11340425" cy="1143070"/>
+            <a:ext cx="11340425" cy="1405769"/>
           </a:xfrm>
           <a:prstGeom prst="rect">
             <a:avLst/>
@@ -17633,7 +18561,7 @@
               <a:buChar char="•"/>
             </a:pPr>
             <a:r>
-              <a:rPr lang="pt-BR" sz="2400" b="0" i="0" dirty="0">
+              <a:rPr lang="pt-BR" sz="3000" b="0" i="0" dirty="0">
                 <a:solidFill>
                   <a:srgbClr val="57606A"/>
                 </a:solidFill>
@@ -17642,7 +18570,7 @@
               <a:t>Segundo dados do IPEA</a:t>
             </a:r>
             <a:r>
-              <a:rPr lang="pt-BR" sz="2400" b="1" i="0" dirty="0">
+              <a:rPr lang="pt-BR" sz="3000" b="1" i="0" dirty="0">
                 <a:solidFill>
                   <a:srgbClr val="339966"/>
                 </a:solidFill>
@@ -17651,7 +18579,7 @@
               <a:t>¹</a:t>
             </a:r>
             <a:r>
-              <a:rPr lang="pt-BR" sz="2400" b="0" i="0" dirty="0">
+              <a:rPr lang="pt-BR" sz="3000" b="0" i="0" dirty="0">
                 <a:solidFill>
                   <a:srgbClr val="57606A"/>
                 </a:solidFill>
@@ -17703,45 +18631,6 @@
           </a:p>
         </p:txBody>
       </p:sp>
-      <p:sp>
-        <p:nvSpPr>
-          <p:cNvPr id="15" name="CaixaDeTexto 14">
-            <a:extLst>
-              <a:ext uri="{FF2B5EF4-FFF2-40B4-BE49-F238E27FC236}">
-                <a16:creationId xmlns:a16="http://schemas.microsoft.com/office/drawing/2014/main" id="{B8B83D12-BAF9-C4ED-FD67-9E52A69F09D2}"/>
-              </a:ext>
-            </a:extLst>
-          </p:cNvPr>
-          <p:cNvSpPr txBox="1"/>
-          <p:nvPr/>
-        </p:nvSpPr>
-        <p:spPr>
-          <a:xfrm>
-            <a:off x="9410330" y="5051394"/>
-            <a:ext cx="1901518" cy="646331"/>
-          </a:xfrm>
-          <a:prstGeom prst="rect">
-            <a:avLst/>
-          </a:prstGeom>
-          <a:noFill/>
-        </p:spPr>
-        <p:txBody>
-          <a:bodyPr wrap="square" rtlCol="0">
-            <a:spAutoFit/>
-          </a:bodyPr>
-          <a:lstStyle/>
-          <a:p>
-            <a:r>
-              <a:rPr lang="pt-BR" b="1" dirty="0">
-                <a:highlight>
-                  <a:srgbClr val="FFFF00"/>
-                </a:highlight>
-              </a:rPr>
-              <a:t>REVISAR TODOS NUMEROS</a:t>
-            </a:r>
-          </a:p>
-        </p:txBody>
-      </p:sp>
     </p:spTree>
     <p:extLst>
       <p:ext uri="{BB962C8B-B14F-4D97-AF65-F5344CB8AC3E}">
@@ -17752,6 +18641,18 @@
   <p:clrMapOvr>
     <a:masterClrMapping/>
   </p:clrMapOvr>
+  <mc:AlternateContent xmlns:mc="http://schemas.openxmlformats.org/markup-compatibility/2006">
+    <mc:Choice xmlns:p159="http://schemas.microsoft.com/office/powerpoint/2015/09/main" Requires="p159">
+      <p:transition spd="slow">
+        <p159:morph option="byObject"/>
+      </p:transition>
+    </mc:Choice>
+    <mc:Fallback>
+      <p:transition spd="slow">
+        <p:fade/>
+      </p:transition>
+    </mc:Fallback>
+  </mc:AlternateContent>
 </p:sld>
 </file>
 
@@ -18317,7 +19218,7 @@
         <p:spPr>
           <a:xfrm>
             <a:off x="515937" y="765175"/>
-            <a:ext cx="5580063" cy="523220"/>
+            <a:ext cx="5580063" cy="584775"/>
           </a:xfrm>
           <a:prstGeom prst="rect">
             <a:avLst/>
@@ -18331,7 +19232,7 @@
           <a:lstStyle/>
           <a:p>
             <a:r>
-              <a:rPr lang="pt-BR" sz="2800" b="1" dirty="0">
+              <a:rPr lang="pt-BR" sz="3200" b="1" dirty="0">
                 <a:solidFill>
                   <a:srgbClr val="339966"/>
                 </a:solidFill>
@@ -18356,7 +19257,7 @@
         <p:spPr>
           <a:xfrm>
             <a:off x="695999" y="1323995"/>
-            <a:ext cx="11340425" cy="1143070"/>
+            <a:ext cx="11340425" cy="1405769"/>
           </a:xfrm>
           <a:prstGeom prst="rect">
             <a:avLst/>
@@ -18377,7 +19278,7 @@
               <a:buChar char="•"/>
             </a:pPr>
             <a:r>
-              <a:rPr lang="pt-BR" sz="2400" b="0" i="0" dirty="0">
+              <a:rPr lang="pt-BR" sz="3000" b="0" i="0" dirty="0">
                 <a:solidFill>
                   <a:srgbClr val="57606A"/>
                 </a:solidFill>
@@ -18386,7 +19287,7 @@
               <a:t>Segundo dados do IPEA</a:t>
             </a:r>
             <a:r>
-              <a:rPr lang="pt-BR" sz="2400" b="1" i="0" dirty="0">
+              <a:rPr lang="pt-BR" sz="3000" b="1" i="0" dirty="0">
                 <a:solidFill>
                   <a:srgbClr val="339966"/>
                 </a:solidFill>
@@ -18395,7 +19296,7 @@
               <a:t>¹</a:t>
             </a:r>
             <a:r>
-              <a:rPr lang="pt-BR" sz="2400" b="0" i="0" dirty="0">
+              <a:rPr lang="pt-BR" sz="3000" b="0" i="0" dirty="0">
                 <a:solidFill>
                   <a:srgbClr val="57606A"/>
                 </a:solidFill>
@@ -18461,8 +19362,8 @@
         </p:nvSpPr>
         <p:spPr>
           <a:xfrm>
-            <a:off x="2895211" y="2434387"/>
-            <a:ext cx="6523998" cy="880369"/>
+            <a:off x="2895210" y="2708356"/>
+            <a:ext cx="8600789" cy="1143070"/>
           </a:xfrm>
           <a:prstGeom prst="rect">
             <a:avLst/>
@@ -18481,7 +19382,7 @@
               </a:lnSpc>
             </a:pPr>
             <a:r>
-              <a:rPr lang="pt-BR" dirty="0">
+              <a:rPr lang="pt-BR" sz="2400" dirty="0">
                 <a:solidFill>
                   <a:srgbClr val="339966"/>
                 </a:solidFill>
@@ -18489,7 +19390,7 @@
               <a:t>A</a:t>
             </a:r>
             <a:r>
-              <a:rPr lang="pt-BR" b="0" i="0" dirty="0">
+              <a:rPr lang="pt-BR" sz="2400" b="0" i="0" dirty="0">
                 <a:solidFill>
                   <a:srgbClr val="339966"/>
                 </a:solidFill>
@@ -18531,7 +19432,7 @@
         </p:blipFill>
         <p:spPr>
           <a:xfrm rot="10800000">
-            <a:off x="1941600" y="2367676"/>
+            <a:off x="1941600" y="2641645"/>
             <a:ext cx="914400" cy="914400"/>
           </a:xfrm>
           <a:prstGeom prst="rect">
@@ -18549,6 +19450,18 @@
   <p:clrMapOvr>
     <a:masterClrMapping/>
   </p:clrMapOvr>
+  <mc:AlternateContent xmlns:mc="http://schemas.openxmlformats.org/markup-compatibility/2006">
+    <mc:Choice xmlns:p159="http://schemas.microsoft.com/office/powerpoint/2015/09/main" Requires="p159">
+      <p:transition spd="slow">
+        <p159:morph option="byObject"/>
+      </p:transition>
+    </mc:Choice>
+    <mc:Fallback>
+      <p:transition spd="slow">
+        <p:fade/>
+      </p:transition>
+    </mc:Fallback>
+  </mc:AlternateContent>
 </p:sld>
 </file>
 
@@ -19114,7 +20027,7 @@
         <p:spPr>
           <a:xfrm>
             <a:off x="515937" y="765175"/>
-            <a:ext cx="5580063" cy="523220"/>
+            <a:ext cx="5580063" cy="584775"/>
           </a:xfrm>
           <a:prstGeom prst="rect">
             <a:avLst/>
@@ -19128,7 +20041,7 @@
           <a:lstStyle/>
           <a:p>
             <a:r>
-              <a:rPr lang="pt-BR" sz="2800" b="1" dirty="0">
+              <a:rPr lang="pt-BR" sz="3200" b="1" dirty="0">
                 <a:solidFill>
                   <a:srgbClr val="339966"/>
                 </a:solidFill>
@@ -19153,7 +20066,7 @@
         <p:spPr>
           <a:xfrm>
             <a:off x="695999" y="1323995"/>
-            <a:ext cx="11340425" cy="3913059"/>
+            <a:ext cx="11340425" cy="4868256"/>
           </a:xfrm>
           <a:prstGeom prst="rect">
             <a:avLst/>
@@ -19174,7 +20087,7 @@
               <a:buChar char="•"/>
             </a:pPr>
             <a:r>
-              <a:rPr lang="pt-BR" sz="2400" b="0" i="0" dirty="0">
+              <a:rPr lang="pt-BR" sz="3000" b="0" i="0" dirty="0">
                 <a:solidFill>
                   <a:srgbClr val="57606A"/>
                 </a:solidFill>
@@ -19183,7 +20096,7 @@
               <a:t>Segundo dados do IPEA</a:t>
             </a:r>
             <a:r>
-              <a:rPr lang="pt-BR" sz="2400" b="1" i="0" dirty="0">
+              <a:rPr lang="pt-BR" sz="3000" b="1" i="0" dirty="0">
                 <a:solidFill>
                   <a:srgbClr val="339966"/>
                 </a:solidFill>
@@ -19192,7 +20105,7 @@
               <a:t>¹</a:t>
             </a:r>
             <a:r>
-              <a:rPr lang="pt-BR" sz="2400" b="0" i="0" dirty="0">
+              <a:rPr lang="pt-BR" sz="3000" b="0" i="0" dirty="0">
                 <a:solidFill>
                   <a:srgbClr val="57606A"/>
                 </a:solidFill>
@@ -19210,7 +20123,7 @@
               <a:buChar char="•"/>
             </a:pPr>
             <a:r>
-              <a:rPr lang="pt-BR" sz="2400" dirty="0">
+              <a:rPr lang="pt-BR" sz="3000" dirty="0">
                 <a:solidFill>
                   <a:srgbClr val="57606A"/>
                 </a:solidFill>
@@ -19218,7 +20131,7 @@
               <a:t>Problemas enfrentados: </a:t>
             </a:r>
             <a:r>
-              <a:rPr lang="pt-BR" sz="2400" b="0" i="0" dirty="0">
+              <a:rPr lang="pt-BR" sz="3000" b="0" i="0" dirty="0">
                 <a:solidFill>
                   <a:srgbClr val="57606A"/>
                 </a:solidFill>
@@ -19236,7 +20149,7 @@
               <a:buChar char="•"/>
             </a:pPr>
             <a:r>
-              <a:rPr lang="pt-BR" sz="2400" b="0" i="0" dirty="0">
+              <a:rPr lang="pt-BR" sz="3000" b="0" i="0" dirty="0">
                 <a:solidFill>
                   <a:srgbClr val="57606A"/>
                 </a:solidFill>
@@ -19254,7 +20167,7 @@
               <a:buChar char="o"/>
             </a:pPr>
             <a:r>
-              <a:rPr lang="pt-BR" sz="2400" b="0" i="0" dirty="0">
+              <a:rPr lang="pt-BR" sz="3000" b="0" i="0" dirty="0">
                 <a:solidFill>
                   <a:srgbClr val="57606A"/>
                 </a:solidFill>
@@ -19272,7 +20185,7 @@
               <a:buChar char="o"/>
             </a:pPr>
             <a:r>
-              <a:rPr lang="pt-BR" sz="2400" b="0" i="0" dirty="0">
+              <a:rPr lang="pt-BR" sz="3000" b="0" i="0" dirty="0">
                 <a:solidFill>
                   <a:srgbClr val="57606A"/>
                 </a:solidFill>
@@ -19290,7 +20203,7 @@
               <a:buChar char="o"/>
             </a:pPr>
             <a:r>
-              <a:rPr lang="pt-BR" sz="2400" b="0" i="0" dirty="0">
+              <a:rPr lang="pt-BR" sz="3000" b="0" i="0" dirty="0">
                 <a:solidFill>
                   <a:srgbClr val="57606A"/>
                 </a:solidFill>
@@ -19352,6 +20265,18 @@
   <p:clrMapOvr>
     <a:masterClrMapping/>
   </p:clrMapOvr>
+  <mc:AlternateContent xmlns:mc="http://schemas.openxmlformats.org/markup-compatibility/2006">
+    <mc:Choice xmlns:p159="http://schemas.microsoft.com/office/powerpoint/2015/09/main" Requires="p159">
+      <p:transition spd="slow">
+        <p159:morph option="byObject"/>
+      </p:transition>
+    </mc:Choice>
+    <mc:Fallback>
+      <p:transition spd="slow">
+        <p:fade/>
+      </p:transition>
+    </mc:Fallback>
+  </mc:AlternateContent>
 </p:sld>
 </file>
 
@@ -19720,8 +20645,8 @@
         </p:nvSpPr>
         <p:spPr>
           <a:xfrm>
-            <a:off x="5295901" y="2462653"/>
-            <a:ext cx="7226300" cy="1323439"/>
+            <a:off x="5043001" y="2151727"/>
+            <a:ext cx="7226300" cy="2554545"/>
           </a:xfrm>
           <a:prstGeom prst="rect">
             <a:avLst/>
@@ -19740,7 +20665,7 @@
                   <a:schemeClr val="bg1"/>
                 </a:solidFill>
               </a:rPr>
-              <a:t>PROPOSTA</a:t>
+              <a:t>PROPOSTA DE SOLUCAÇÃO</a:t>
             </a:r>
           </a:p>
         </p:txBody>
@@ -19815,7 +20740,7 @@
         </p:nvGrpSpPr>
         <p:grpSpPr>
           <a:xfrm>
-            <a:off x="2200163" y="1644677"/>
+            <a:off x="1776000" y="1644677"/>
             <a:ext cx="2765537" cy="2959389"/>
             <a:chOff x="1789664" y="3554964"/>
             <a:chExt cx="1662401" cy="1662401"/>
@@ -20768,6 +21693,18 @@
   <p:clrMapOvr>
     <a:masterClrMapping/>
   </p:clrMapOvr>
+  <mc:AlternateContent xmlns:mc="http://schemas.openxmlformats.org/markup-compatibility/2006">
+    <mc:Choice xmlns:p159="http://schemas.microsoft.com/office/powerpoint/2015/09/main" Requires="p159">
+      <p:transition spd="slow">
+        <p159:morph option="byObject"/>
+      </p:transition>
+    </mc:Choice>
+    <mc:Fallback>
+      <p:transition spd="slow">
+        <p:fade/>
+      </p:transition>
+    </mc:Fallback>
+  </mc:AlternateContent>
 </p:sld>
 </file>
 
@@ -20788,58 +21725,6 @@
           <a:chExt cx="0" cy="0"/>
         </a:xfrm>
       </p:grpSpPr>
-      <p:sp>
-        <p:nvSpPr>
-          <p:cNvPr id="32" name="Paralelogramo 31">
-            <a:extLst>
-              <a:ext uri="{FF2B5EF4-FFF2-40B4-BE49-F238E27FC236}">
-                <a16:creationId xmlns:a16="http://schemas.microsoft.com/office/drawing/2014/main" id="{6678C3E0-0AF0-2D3D-1C6F-A682B6EF17FB}"/>
-              </a:ext>
-            </a:extLst>
-          </p:cNvPr>
-          <p:cNvSpPr/>
-          <p:nvPr/>
-        </p:nvSpPr>
-        <p:spPr>
-          <a:xfrm>
-            <a:off x="3944399" y="3386838"/>
-            <a:ext cx="3919538" cy="1093197"/>
-          </a:xfrm>
-          <a:prstGeom prst="parallelogram">
-            <a:avLst/>
-          </a:prstGeom>
-          <a:solidFill>
-            <a:srgbClr val="FF523B"/>
-          </a:solidFill>
-          <a:ln>
-            <a:noFill/>
-          </a:ln>
-        </p:spPr>
-        <p:style>
-          <a:lnRef idx="2">
-            <a:schemeClr val="accent1">
-              <a:shade val="50000"/>
-            </a:schemeClr>
-          </a:lnRef>
-          <a:fillRef idx="1">
-            <a:schemeClr val="accent1"/>
-          </a:fillRef>
-          <a:effectRef idx="0">
-            <a:schemeClr val="accent1"/>
-          </a:effectRef>
-          <a:fontRef idx="minor">
-            <a:schemeClr val="lt1"/>
-          </a:fontRef>
-        </p:style>
-        <p:txBody>
-          <a:bodyPr rtlCol="0" anchor="ctr"/>
-          <a:lstStyle/>
-          <a:p>
-            <a:pPr algn="ctr"/>
-            <a:endParaRPr lang="pt-BR"/>
-          </a:p>
-        </p:txBody>
-      </p:sp>
       <p:sp>
         <p:nvSpPr>
           <p:cNvPr id="2" name="Retângulo 1">
@@ -21295,7 +22180,7 @@
         <p:spPr>
           <a:xfrm>
             <a:off x="515937" y="765175"/>
-            <a:ext cx="5580063" cy="523220"/>
+            <a:ext cx="5580063" cy="584775"/>
           </a:xfrm>
           <a:prstGeom prst="rect">
             <a:avLst/>
@@ -21309,7 +22194,7 @@
           <a:lstStyle/>
           <a:p>
             <a:r>
-              <a:rPr lang="pt-BR" sz="2800" b="1" dirty="0">
+              <a:rPr lang="pt-BR" sz="3200" b="1" dirty="0">
                 <a:solidFill>
                   <a:srgbClr val="FF523B"/>
                 </a:solidFill>
@@ -21334,7 +22219,7 @@
         <p:spPr>
           <a:xfrm>
             <a:off x="695999" y="1323995"/>
-            <a:ext cx="11340425" cy="1697068"/>
+            <a:ext cx="11340425" cy="2790764"/>
           </a:xfrm>
           <a:prstGeom prst="rect">
             <a:avLst/>
@@ -21355,7 +22240,7 @@
               <a:buChar char="•"/>
             </a:pPr>
             <a:r>
-              <a:rPr lang="pt-BR" sz="2400" b="0" i="0" dirty="0">
+              <a:rPr lang="pt-BR" sz="3000" b="0" i="0" dirty="0">
                 <a:solidFill>
                   <a:srgbClr val="57606A"/>
                 </a:solidFill>
@@ -21373,7 +22258,7 @@
               <a:buChar char="•"/>
             </a:pPr>
             <a:r>
-              <a:rPr lang="pt-BR" sz="2400" dirty="0">
+              <a:rPr lang="pt-BR" sz="3000" dirty="0">
                 <a:solidFill>
                   <a:srgbClr val="57606A"/>
                 </a:solidFill>
@@ -21390,7 +22275,7 @@
               <a:buChar char="•"/>
             </a:pPr>
             <a:r>
-              <a:rPr lang="pt-BR" sz="2400" b="0" i="0" dirty="0">
+              <a:rPr lang="pt-BR" sz="3000" b="0" i="0" dirty="0">
                 <a:solidFill>
                   <a:srgbClr val="57606A"/>
                 </a:solidFill>
@@ -21401,132 +22286,12 @@
           </a:p>
         </p:txBody>
       </p:sp>
-      <p:sp>
-        <p:nvSpPr>
-          <p:cNvPr id="31" name="Paralelogramo 30">
-            <a:extLst>
-              <a:ext uri="{FF2B5EF4-FFF2-40B4-BE49-F238E27FC236}">
-                <a16:creationId xmlns:a16="http://schemas.microsoft.com/office/drawing/2014/main" id="{5D3CB144-C77C-64AD-3F71-0BC7812A3CED}"/>
-              </a:ext>
-            </a:extLst>
-          </p:cNvPr>
-          <p:cNvSpPr/>
-          <p:nvPr/>
-        </p:nvSpPr>
-        <p:spPr>
-          <a:xfrm>
-            <a:off x="3915824" y="3323243"/>
-            <a:ext cx="3919538" cy="1093197"/>
-          </a:xfrm>
-          <a:prstGeom prst="parallelogram">
-            <a:avLst/>
-          </a:prstGeom>
-          <a:solidFill>
-            <a:srgbClr val="339966"/>
-          </a:solidFill>
-          <a:ln>
-            <a:noFill/>
-          </a:ln>
-          <a:effectLst>
-            <a:outerShdw blurRad="50800" dist="38100" dir="8100000" algn="tr" rotWithShape="0">
-              <a:prstClr val="black">
-                <a:alpha val="40000"/>
-              </a:prstClr>
-            </a:outerShdw>
-          </a:effectLst>
-        </p:spPr>
-        <p:style>
-          <a:lnRef idx="2">
-            <a:schemeClr val="accent1">
-              <a:shade val="50000"/>
-            </a:schemeClr>
-          </a:lnRef>
-          <a:fillRef idx="1">
-            <a:schemeClr val="accent1"/>
-          </a:fillRef>
-          <a:effectRef idx="0">
-            <a:schemeClr val="accent1"/>
-          </a:effectRef>
-          <a:fontRef idx="minor">
-            <a:schemeClr val="lt1"/>
-          </a:fontRef>
-        </p:style>
-        <p:txBody>
-          <a:bodyPr rtlCol="0" anchor="ctr"/>
-          <a:lstStyle/>
-          <a:p>
-            <a:pPr algn="ctr"/>
-            <a:endParaRPr lang="pt-BR"/>
-          </a:p>
-        </p:txBody>
-      </p:sp>
-      <p:sp>
-        <p:nvSpPr>
-          <p:cNvPr id="17" name="CaixaDeTexto 16">
-            <a:extLst>
-              <a:ext uri="{FF2B5EF4-FFF2-40B4-BE49-F238E27FC236}">
-                <a16:creationId xmlns:a16="http://schemas.microsoft.com/office/drawing/2014/main" id="{1965A6CA-2224-FFBE-65B1-D2E98CE5B4ED}"/>
-              </a:ext>
-            </a:extLst>
-          </p:cNvPr>
-          <p:cNvSpPr txBox="1"/>
-          <p:nvPr/>
-        </p:nvSpPr>
-        <p:spPr>
-          <a:xfrm>
-            <a:off x="5084175" y="3526921"/>
-            <a:ext cx="2501362" cy="769441"/>
-          </a:xfrm>
-          <a:prstGeom prst="rect">
-            <a:avLst/>
-          </a:prstGeom>
-          <a:noFill/>
-        </p:spPr>
-        <p:txBody>
-          <a:bodyPr wrap="square" rtlCol="0">
-            <a:spAutoFit/>
-          </a:bodyPr>
-          <a:lstStyle/>
-          <a:p>
-            <a:r>
-              <a:rPr lang="pt-BR" sz="4400" b="1" i="1" dirty="0">
-                <a:solidFill>
-                  <a:schemeClr val="bg1"/>
-                </a:solidFill>
-                <a:latin typeface="Aharoni" panose="02010803020104030203" pitchFamily="2" charset="-79"/>
-                <a:cs typeface="Aharoni" panose="02010803020104030203" pitchFamily="2" charset="-79"/>
-              </a:rPr>
-              <a:t>BU</a:t>
-            </a:r>
-            <a:r>
-              <a:rPr lang="pt-BR" sz="4400" b="1" i="1" dirty="0">
-                <a:solidFill>
-                  <a:srgbClr val="FFC000"/>
-                </a:solidFill>
-                <a:latin typeface="Aharoni" panose="02010803020104030203" pitchFamily="2" charset="-79"/>
-                <a:cs typeface="Aharoni" panose="02010803020104030203" pitchFamily="2" charset="-79"/>
-              </a:rPr>
-              <a:t>ZZ</a:t>
-            </a:r>
-            <a:r>
-              <a:rPr lang="pt-BR" sz="4400" b="1" i="1" dirty="0">
-                <a:solidFill>
-                  <a:schemeClr val="bg1"/>
-                </a:solidFill>
-                <a:latin typeface="Aharoni" panose="02010803020104030203" pitchFamily="2" charset="-79"/>
-                <a:cs typeface="Aharoni" panose="02010803020104030203" pitchFamily="2" charset="-79"/>
-              </a:rPr>
-              <a:t>ÃO</a:t>
-            </a:r>
-          </a:p>
-        </p:txBody>
-      </p:sp>
       <p:grpSp>
         <p:nvGrpSpPr>
-          <p:cNvPr id="16" name="Gráfico 20">
-            <a:extLst>
-              <a:ext uri="{FF2B5EF4-FFF2-40B4-BE49-F238E27FC236}">
-                <a16:creationId xmlns:a16="http://schemas.microsoft.com/office/drawing/2014/main" id="{968310F6-65FB-0A0F-C5CB-47EEA3F284EF}"/>
+          <p:cNvPr id="3" name="Agrupar 2">
+            <a:extLst>
+              <a:ext uri="{FF2B5EF4-FFF2-40B4-BE49-F238E27FC236}">
+                <a16:creationId xmlns:a16="http://schemas.microsoft.com/office/drawing/2014/main" id="{6FEAABB7-0F7A-C1D4-E811-069355BC5A3B}"/>
               </a:ext>
             </a:extLst>
           </p:cNvPr>
@@ -21535,21 +22300,18 @@
         </p:nvGrpSpPr>
         <p:grpSpPr>
           <a:xfrm>
-            <a:off x="4212312" y="3358647"/>
-            <a:ext cx="951701" cy="1018411"/>
-            <a:chOff x="1789664" y="3554964"/>
-            <a:chExt cx="1662401" cy="1662401"/>
+            <a:off x="3915824" y="4313963"/>
+            <a:ext cx="3948113" cy="1156792"/>
+            <a:chOff x="3915824" y="4313963"/>
+            <a:chExt cx="3948113" cy="1156792"/>
           </a:xfrm>
-          <a:solidFill>
-            <a:schemeClr val="bg1"/>
-          </a:solidFill>
         </p:grpSpPr>
         <p:sp>
           <p:nvSpPr>
-            <p:cNvPr id="19" name="Forma Livre: Forma 18">
+            <p:cNvPr id="32" name="Paralelogramo 31">
               <a:extLst>
                 <a:ext uri="{FF2B5EF4-FFF2-40B4-BE49-F238E27FC236}">
-                  <a16:creationId xmlns:a16="http://schemas.microsoft.com/office/drawing/2014/main" id="{1033FBC2-5782-F5CA-7B04-803860246703}"/>
+                  <a16:creationId xmlns:a16="http://schemas.microsoft.com/office/drawing/2014/main" id="{6678C3E0-0AF0-2D3D-1C6F-A682B6EF17FB}"/>
                 </a:ext>
               </a:extLst>
             </p:cNvPr>
@@ -21558,141 +22320,170 @@
           </p:nvSpPr>
           <p:spPr>
             <a:xfrm>
-              <a:off x="1789664" y="3554964"/>
-              <a:ext cx="1662401" cy="1662401"/>
+              <a:off x="3944399" y="4377558"/>
+              <a:ext cx="3919538" cy="1093197"/>
             </a:xfrm>
-            <a:custGeom>
+            <a:prstGeom prst="parallelogram">
               <a:avLst/>
-              <a:gdLst>
-                <a:gd name="connsiteX0" fmla="*/ 831200 w 1662401"/>
-                <a:gd name="connsiteY0" fmla="*/ 0 h 1662401"/>
-                <a:gd name="connsiteX1" fmla="*/ 0 w 1662401"/>
-                <a:gd name="connsiteY1" fmla="*/ 831200 h 1662401"/>
-                <a:gd name="connsiteX2" fmla="*/ 831200 w 1662401"/>
-                <a:gd name="connsiteY2" fmla="*/ 1662402 h 1662401"/>
-                <a:gd name="connsiteX3" fmla="*/ 1662402 w 1662401"/>
-                <a:gd name="connsiteY3" fmla="*/ 831200 h 1662401"/>
-                <a:gd name="connsiteX4" fmla="*/ 831200 w 1662401"/>
-                <a:gd name="connsiteY4" fmla="*/ 0 h 1662401"/>
-                <a:gd name="connsiteX5" fmla="*/ 1605339 w 1662401"/>
-                <a:gd name="connsiteY5" fmla="*/ 831200 h 1662401"/>
-                <a:gd name="connsiteX6" fmla="*/ 831200 w 1662401"/>
-                <a:gd name="connsiteY6" fmla="*/ 1605371 h 1662401"/>
-                <a:gd name="connsiteX7" fmla="*/ 57036 w 1662401"/>
-                <a:gd name="connsiteY7" fmla="*/ 831200 h 1662401"/>
-                <a:gd name="connsiteX8" fmla="*/ 831200 w 1662401"/>
-                <a:gd name="connsiteY8" fmla="*/ 57060 h 1662401"/>
-                <a:gd name="connsiteX9" fmla="*/ 1605339 w 1662401"/>
-                <a:gd name="connsiteY9" fmla="*/ 831200 h 1662401"/>
-              </a:gdLst>
-              <a:ahLst/>
-              <a:cxnLst>
-                <a:cxn ang="0">
-                  <a:pos x="connsiteX0" y="connsiteY0"/>
-                </a:cxn>
-                <a:cxn ang="0">
-                  <a:pos x="connsiteX1" y="connsiteY1"/>
-                </a:cxn>
-                <a:cxn ang="0">
-                  <a:pos x="connsiteX2" y="connsiteY2"/>
-                </a:cxn>
-                <a:cxn ang="0">
-                  <a:pos x="connsiteX3" y="connsiteY3"/>
-                </a:cxn>
-                <a:cxn ang="0">
-                  <a:pos x="connsiteX4" y="connsiteY4"/>
-                </a:cxn>
-                <a:cxn ang="0">
-                  <a:pos x="connsiteX5" y="connsiteY5"/>
-                </a:cxn>
-                <a:cxn ang="0">
-                  <a:pos x="connsiteX6" y="connsiteY6"/>
-                </a:cxn>
-                <a:cxn ang="0">
-                  <a:pos x="connsiteX7" y="connsiteY7"/>
-                </a:cxn>
-                <a:cxn ang="0">
-                  <a:pos x="connsiteX8" y="connsiteY8"/>
-                </a:cxn>
-                <a:cxn ang="0">
-                  <a:pos x="connsiteX9" y="connsiteY9"/>
-                </a:cxn>
-              </a:cxnLst>
-              <a:rect l="l" t="t" r="r" b="b"/>
-              <a:pathLst>
-                <a:path w="1662401" h="1662401">
-                  <a:moveTo>
-                    <a:pt x="831200" y="0"/>
-                  </a:moveTo>
-                  <a:cubicBezTo>
-                    <a:pt x="372875" y="0"/>
-                    <a:pt x="0" y="372875"/>
-                    <a:pt x="0" y="831200"/>
-                  </a:cubicBezTo>
-                  <a:cubicBezTo>
-                    <a:pt x="0" y="1289526"/>
-                    <a:pt x="372875" y="1662402"/>
-                    <a:pt x="831200" y="1662402"/>
-                  </a:cubicBezTo>
-                  <a:cubicBezTo>
-                    <a:pt x="1289526" y="1662402"/>
-                    <a:pt x="1662402" y="1289526"/>
-                    <a:pt x="1662402" y="831200"/>
-                  </a:cubicBezTo>
-                  <a:cubicBezTo>
-                    <a:pt x="1662402" y="372875"/>
-                    <a:pt x="1289526" y="0"/>
-                    <a:pt x="831200" y="0"/>
-                  </a:cubicBezTo>
-                  <a:close/>
-                  <a:moveTo>
-                    <a:pt x="1605339" y="831200"/>
-                  </a:moveTo>
-                  <a:cubicBezTo>
-                    <a:pt x="1605339" y="1258070"/>
-                    <a:pt x="1258072" y="1605371"/>
-                    <a:pt x="831200" y="1605371"/>
-                  </a:cubicBezTo>
-                  <a:cubicBezTo>
-                    <a:pt x="404330" y="1605371"/>
-                    <a:pt x="57036" y="1258070"/>
-                    <a:pt x="57036" y="831200"/>
-                  </a:cubicBezTo>
-                  <a:cubicBezTo>
-                    <a:pt x="57036" y="404330"/>
-                    <a:pt x="404329" y="57060"/>
-                    <a:pt x="831200" y="57060"/>
-                  </a:cubicBezTo>
-                  <a:cubicBezTo>
-                    <a:pt x="1258072" y="57060"/>
-                    <a:pt x="1605339" y="404330"/>
-                    <a:pt x="1605339" y="831200"/>
-                  </a:cubicBezTo>
-                  <a:close/>
-                </a:path>
-              </a:pathLst>
-            </a:custGeom>
-            <a:grpFill/>
-            <a:ln w="1588" cap="flat">
+            </a:prstGeom>
+            <a:solidFill>
+              <a:srgbClr val="FF523B"/>
+            </a:solidFill>
+            <a:ln>
               <a:noFill/>
-              <a:prstDash val="solid"/>
-              <a:miter/>
             </a:ln>
           </p:spPr>
+          <p:style>
+            <a:lnRef idx="2">
+              <a:schemeClr val="accent1">
+                <a:shade val="50000"/>
+              </a:schemeClr>
+            </a:lnRef>
+            <a:fillRef idx="1">
+              <a:schemeClr val="accent1"/>
+            </a:fillRef>
+            <a:effectRef idx="0">
+              <a:schemeClr val="accent1"/>
+            </a:effectRef>
+            <a:fontRef idx="minor">
+              <a:schemeClr val="lt1"/>
+            </a:fontRef>
+          </p:style>
           <p:txBody>
             <a:bodyPr rtlCol="0" anchor="ctr"/>
             <a:lstStyle/>
             <a:p>
+              <a:pPr algn="ctr"/>
               <a:endParaRPr lang="pt-BR"/>
+            </a:p>
+          </p:txBody>
+        </p:sp>
+        <p:sp>
+          <p:nvSpPr>
+            <p:cNvPr id="31" name="Paralelogramo 30">
+              <a:extLst>
+                <a:ext uri="{FF2B5EF4-FFF2-40B4-BE49-F238E27FC236}">
+                  <a16:creationId xmlns:a16="http://schemas.microsoft.com/office/drawing/2014/main" id="{5D3CB144-C77C-64AD-3F71-0BC7812A3CED}"/>
+                </a:ext>
+              </a:extLst>
+            </p:cNvPr>
+            <p:cNvSpPr/>
+            <p:nvPr/>
+          </p:nvSpPr>
+          <p:spPr>
+            <a:xfrm>
+              <a:off x="3915824" y="4313963"/>
+              <a:ext cx="3919538" cy="1093197"/>
+            </a:xfrm>
+            <a:prstGeom prst="parallelogram">
+              <a:avLst/>
+            </a:prstGeom>
+            <a:solidFill>
+              <a:srgbClr val="339966"/>
+            </a:solidFill>
+            <a:ln>
+              <a:noFill/>
+            </a:ln>
+            <a:effectLst>
+              <a:outerShdw blurRad="50800" dist="38100" dir="8100000" algn="tr" rotWithShape="0">
+                <a:prstClr val="black">
+                  <a:alpha val="40000"/>
+                </a:prstClr>
+              </a:outerShdw>
+            </a:effectLst>
+          </p:spPr>
+          <p:style>
+            <a:lnRef idx="2">
+              <a:schemeClr val="accent1">
+                <a:shade val="50000"/>
+              </a:schemeClr>
+            </a:lnRef>
+            <a:fillRef idx="1">
+              <a:schemeClr val="accent1"/>
+            </a:fillRef>
+            <a:effectRef idx="0">
+              <a:schemeClr val="accent1"/>
+            </a:effectRef>
+            <a:fontRef idx="minor">
+              <a:schemeClr val="lt1"/>
+            </a:fontRef>
+          </p:style>
+          <p:txBody>
+            <a:bodyPr rtlCol="0" anchor="ctr"/>
+            <a:lstStyle/>
+            <a:p>
+              <a:pPr algn="ctr"/>
+              <a:endParaRPr lang="pt-BR"/>
+            </a:p>
+          </p:txBody>
+        </p:sp>
+        <p:sp>
+          <p:nvSpPr>
+            <p:cNvPr id="17" name="CaixaDeTexto 16">
+              <a:extLst>
+                <a:ext uri="{FF2B5EF4-FFF2-40B4-BE49-F238E27FC236}">
+                  <a16:creationId xmlns:a16="http://schemas.microsoft.com/office/drawing/2014/main" id="{1965A6CA-2224-FFBE-65B1-D2E98CE5B4ED}"/>
+                </a:ext>
+              </a:extLst>
+            </p:cNvPr>
+            <p:cNvSpPr txBox="1"/>
+            <p:nvPr/>
+          </p:nvSpPr>
+          <p:spPr>
+            <a:xfrm>
+              <a:off x="5084175" y="4517641"/>
+              <a:ext cx="2501362" cy="769441"/>
+            </a:xfrm>
+            <a:prstGeom prst="rect">
+              <a:avLst/>
+            </a:prstGeom>
+            <a:noFill/>
+          </p:spPr>
+          <p:txBody>
+            <a:bodyPr wrap="square" rtlCol="0">
+              <a:spAutoFit/>
+            </a:bodyPr>
+            <a:lstStyle/>
+            <a:p>
+              <a:r>
+                <a:rPr lang="pt-BR" sz="4400" b="1" i="1" dirty="0">
+                  <a:solidFill>
+                    <a:schemeClr val="bg1"/>
+                  </a:solidFill>
+                  <a:latin typeface="Aharoni" panose="02010803020104030203" pitchFamily="2" charset="-79"/>
+                  <a:cs typeface="Aharoni" panose="02010803020104030203" pitchFamily="2" charset="-79"/>
+                </a:rPr>
+                <a:t>BU</a:t>
+              </a:r>
+              <a:r>
+                <a:rPr lang="pt-BR" sz="4400" b="1" i="1" dirty="0">
+                  <a:solidFill>
+                    <a:srgbClr val="FFC000"/>
+                  </a:solidFill>
+                  <a:latin typeface="Aharoni" panose="02010803020104030203" pitchFamily="2" charset="-79"/>
+                  <a:cs typeface="Aharoni" panose="02010803020104030203" pitchFamily="2" charset="-79"/>
+                </a:rPr>
+                <a:t>ZZ</a:t>
+              </a:r>
+              <a:r>
+                <a:rPr lang="pt-BR" sz="4400" b="1" i="1" dirty="0">
+                  <a:solidFill>
+                    <a:schemeClr val="bg1"/>
+                  </a:solidFill>
+                  <a:latin typeface="Aharoni" panose="02010803020104030203" pitchFamily="2" charset="-79"/>
+                  <a:cs typeface="Aharoni" panose="02010803020104030203" pitchFamily="2" charset="-79"/>
+                </a:rPr>
+                <a:t>ÃO</a:t>
+              </a:r>
             </a:p>
           </p:txBody>
         </p:sp>
         <p:grpSp>
           <p:nvGrpSpPr>
-            <p:cNvPr id="20" name="Gráfico 20">
+            <p:cNvPr id="16" name="Gráfico 20">
               <a:extLst>
                 <a:ext uri="{FF2B5EF4-FFF2-40B4-BE49-F238E27FC236}">
-                  <a16:creationId xmlns:a16="http://schemas.microsoft.com/office/drawing/2014/main" id="{62215CC7-D84C-20E0-5FEC-BA9847BC9D37}"/>
+                  <a16:creationId xmlns:a16="http://schemas.microsoft.com/office/drawing/2014/main" id="{968310F6-65FB-0A0F-C5CB-47EEA3F284EF}"/>
                 </a:ext>
               </a:extLst>
             </p:cNvPr>
@@ -21701,19 +22492,21 @@
           </p:nvGrpSpPr>
           <p:grpSpPr>
             <a:xfrm>
-              <a:off x="2135328" y="3891584"/>
-              <a:ext cx="971072" cy="989157"/>
-              <a:chOff x="2135328" y="3891584"/>
-              <a:chExt cx="971072" cy="989157"/>
+              <a:off x="4212312" y="4349367"/>
+              <a:ext cx="951701" cy="1018411"/>
+              <a:chOff x="1789664" y="3554964"/>
+              <a:chExt cx="1662401" cy="1662401"/>
             </a:xfrm>
-            <a:grpFill/>
+            <a:solidFill>
+              <a:schemeClr val="bg1"/>
+            </a:solidFill>
           </p:grpSpPr>
           <p:sp>
             <p:nvSpPr>
-              <p:cNvPr id="21" name="Forma Livre: Forma 20">
+              <p:cNvPr id="19" name="Forma Livre: Forma 18">
                 <a:extLst>
                   <a:ext uri="{FF2B5EF4-FFF2-40B4-BE49-F238E27FC236}">
-                    <a16:creationId xmlns:a16="http://schemas.microsoft.com/office/drawing/2014/main" id="{073AF907-231C-80FD-6BA2-F582BD558040}"/>
+                    <a16:creationId xmlns:a16="http://schemas.microsoft.com/office/drawing/2014/main" id="{1033FBC2-5782-F5CA-7B04-803860246703}"/>
                   </a:ext>
                 </a:extLst>
               </p:cNvPr>
@@ -21722,348 +22515,32 @@
             </p:nvSpPr>
             <p:spPr>
               <a:xfrm>
-                <a:off x="2135328" y="4154918"/>
-                <a:ext cx="65055" cy="197627"/>
+                <a:off x="1789664" y="3554964"/>
+                <a:ext cx="1662401" cy="1662401"/>
               </a:xfrm>
               <a:custGeom>
                 <a:avLst/>
                 <a:gdLst>
-                  <a:gd name="connsiteX0" fmla="*/ 0 w 65055"/>
-                  <a:gd name="connsiteY0" fmla="*/ 25584 h 197627"/>
-                  <a:gd name="connsiteX1" fmla="*/ 42473 w 65055"/>
-                  <a:gd name="connsiteY1" fmla="*/ 246 h 197627"/>
-                  <a:gd name="connsiteX2" fmla="*/ 65055 w 65055"/>
-                  <a:gd name="connsiteY2" fmla="*/ 351 h 197627"/>
-                  <a:gd name="connsiteX3" fmla="*/ 65055 w 65055"/>
-                  <a:gd name="connsiteY3" fmla="*/ 197321 h 197627"/>
-                  <a:gd name="connsiteX4" fmla="*/ 26488 w 65055"/>
-                  <a:gd name="connsiteY4" fmla="*/ 197101 h 197627"/>
-                  <a:gd name="connsiteX5" fmla="*/ 2 w 65055"/>
-                  <a:gd name="connsiteY5" fmla="*/ 173978 h 197627"/>
-                  <a:gd name="connsiteX6" fmla="*/ 0 w 65055"/>
-                  <a:gd name="connsiteY6" fmla="*/ 25584 h 197627"/>
-                </a:gdLst>
-                <a:ahLst/>
-                <a:cxnLst>
-                  <a:cxn ang="0">
-                    <a:pos x="connsiteX0" y="connsiteY0"/>
-                  </a:cxn>
-                  <a:cxn ang="0">
-                    <a:pos x="connsiteX1" y="connsiteY1"/>
-                  </a:cxn>
-                  <a:cxn ang="0">
-                    <a:pos x="connsiteX2" y="connsiteY2"/>
-                  </a:cxn>
-                  <a:cxn ang="0">
-                    <a:pos x="connsiteX3" y="connsiteY3"/>
-                  </a:cxn>
-                  <a:cxn ang="0">
-                    <a:pos x="connsiteX4" y="connsiteY4"/>
-                  </a:cxn>
-                  <a:cxn ang="0">
-                    <a:pos x="connsiteX5" y="connsiteY5"/>
-                  </a:cxn>
-                  <a:cxn ang="0">
-                    <a:pos x="connsiteX6" y="connsiteY6"/>
-                  </a:cxn>
-                </a:cxnLst>
-                <a:rect l="l" t="t" r="r" b="b"/>
-                <a:pathLst>
-                  <a:path w="65055" h="197627">
-                    <a:moveTo>
-                      <a:pt x="0" y="25584"/>
-                    </a:moveTo>
-                    <a:cubicBezTo>
-                      <a:pt x="7782" y="6450"/>
-                      <a:pt x="22053" y="-1550"/>
-                      <a:pt x="42473" y="246"/>
-                    </a:cubicBezTo>
-                    <a:cubicBezTo>
-                      <a:pt x="49710" y="884"/>
-                      <a:pt x="57049" y="351"/>
-                      <a:pt x="65055" y="351"/>
-                    </a:cubicBezTo>
-                    <a:cubicBezTo>
-                      <a:pt x="65055" y="66034"/>
-                      <a:pt x="65055" y="131460"/>
-                      <a:pt x="65055" y="197321"/>
-                    </a:cubicBezTo>
-                    <a:cubicBezTo>
-                      <a:pt x="52110" y="197321"/>
-                      <a:pt x="39223" y="198138"/>
-                      <a:pt x="26488" y="197101"/>
-                    </a:cubicBezTo>
-                    <a:cubicBezTo>
-                      <a:pt x="12576" y="195969"/>
-                      <a:pt x="5992" y="184968"/>
-                      <a:pt x="2" y="173978"/>
-                    </a:cubicBezTo>
-                    <a:cubicBezTo>
-                      <a:pt x="0" y="124512"/>
-                      <a:pt x="0" y="75048"/>
-                      <a:pt x="0" y="25584"/>
-                    </a:cubicBezTo>
-                    <a:close/>
-                  </a:path>
-                </a:pathLst>
-              </a:custGeom>
-              <a:grpFill/>
-              <a:ln w="1588" cap="flat">
-                <a:noFill/>
-                <a:prstDash val="solid"/>
-                <a:miter/>
-              </a:ln>
-            </p:spPr>
-            <p:txBody>
-              <a:bodyPr rtlCol="0" anchor="ctr"/>
-              <a:lstStyle/>
-              <a:p>
-                <a:endParaRPr lang="pt-BR"/>
-              </a:p>
-            </p:txBody>
-          </p:sp>
-          <p:sp>
-            <p:nvSpPr>
-              <p:cNvPr id="22" name="Forma Livre: Forma 21">
-                <a:extLst>
-                  <a:ext uri="{FF2B5EF4-FFF2-40B4-BE49-F238E27FC236}">
-                    <a16:creationId xmlns:a16="http://schemas.microsoft.com/office/drawing/2014/main" id="{31716D88-2154-C117-85FE-932DE7A5A4B9}"/>
-                  </a:ext>
-                </a:extLst>
-              </p:cNvPr>
-              <p:cNvSpPr/>
-              <p:nvPr/>
-            </p:nvSpPr>
-            <p:spPr>
-              <a:xfrm>
-                <a:off x="3040954" y="4155188"/>
-                <a:ext cx="65446" cy="197839"/>
-              </a:xfrm>
-              <a:custGeom>
-                <a:avLst/>
-                <a:gdLst>
-                  <a:gd name="connsiteX0" fmla="*/ 65446 w 65446"/>
-                  <a:gd name="connsiteY0" fmla="*/ 173707 h 197839"/>
-                  <a:gd name="connsiteX1" fmla="*/ 56114 w 65446"/>
-                  <a:gd name="connsiteY1" fmla="*/ 187246 h 197839"/>
-                  <a:gd name="connsiteX2" fmla="*/ 34712 w 65446"/>
-                  <a:gd name="connsiteY2" fmla="*/ 196994 h 197839"/>
-                  <a:gd name="connsiteX3" fmla="*/ 0 w 65446"/>
-                  <a:gd name="connsiteY3" fmla="*/ 197415 h 197839"/>
-                  <a:gd name="connsiteX4" fmla="*/ 0 w 65446"/>
-                  <a:gd name="connsiteY4" fmla="*/ 362 h 197839"/>
-                  <a:gd name="connsiteX5" fmla="*/ 37242 w 65446"/>
-                  <a:gd name="connsiteY5" fmla="*/ 611 h 197839"/>
-                  <a:gd name="connsiteX6" fmla="*/ 65446 w 65446"/>
-                  <a:gd name="connsiteY6" fmla="*/ 25313 h 197839"/>
-                  <a:gd name="connsiteX7" fmla="*/ 65446 w 65446"/>
-                  <a:gd name="connsiteY7" fmla="*/ 173707 h 197839"/>
-                </a:gdLst>
-                <a:ahLst/>
-                <a:cxnLst>
-                  <a:cxn ang="0">
-                    <a:pos x="connsiteX0" y="connsiteY0"/>
-                  </a:cxn>
-                  <a:cxn ang="0">
-                    <a:pos x="connsiteX1" y="connsiteY1"/>
-                  </a:cxn>
-                  <a:cxn ang="0">
-                    <a:pos x="connsiteX2" y="connsiteY2"/>
-                  </a:cxn>
-                  <a:cxn ang="0">
-                    <a:pos x="connsiteX3" y="connsiteY3"/>
-                  </a:cxn>
-                  <a:cxn ang="0">
-                    <a:pos x="connsiteX4" y="connsiteY4"/>
-                  </a:cxn>
-                  <a:cxn ang="0">
-                    <a:pos x="connsiteX5" y="connsiteY5"/>
-                  </a:cxn>
-                  <a:cxn ang="0">
-                    <a:pos x="connsiteX6" y="connsiteY6"/>
-                  </a:cxn>
-                  <a:cxn ang="0">
-                    <a:pos x="connsiteX7" y="connsiteY7"/>
-                  </a:cxn>
-                </a:cxnLst>
-                <a:rect l="l" t="t" r="r" b="b"/>
-                <a:pathLst>
-                  <a:path w="65446" h="197839">
-                    <a:moveTo>
-                      <a:pt x="65446" y="173707"/>
-                    </a:moveTo>
-                    <a:cubicBezTo>
-                      <a:pt x="62407" y="178326"/>
-                      <a:pt x="60317" y="184278"/>
-                      <a:pt x="56114" y="187246"/>
-                    </a:cubicBezTo>
-                    <a:cubicBezTo>
-                      <a:pt x="49773" y="191728"/>
-                      <a:pt x="42217" y="195912"/>
-                      <a:pt x="34712" y="196994"/>
-                    </a:cubicBezTo>
-                    <a:cubicBezTo>
-                      <a:pt x="23503" y="198608"/>
-                      <a:pt x="11893" y="197415"/>
-                      <a:pt x="0" y="197415"/>
-                    </a:cubicBezTo>
-                    <a:cubicBezTo>
-                      <a:pt x="0" y="131407"/>
-                      <a:pt x="0" y="66159"/>
-                      <a:pt x="0" y="362"/>
-                    </a:cubicBezTo>
-                    <a:cubicBezTo>
-                      <a:pt x="12716" y="362"/>
-                      <a:pt x="25086" y="-599"/>
-                      <a:pt x="37242" y="611"/>
-                    </a:cubicBezTo>
-                    <a:cubicBezTo>
-                      <a:pt x="51888" y="2065"/>
-                      <a:pt x="59848" y="12709"/>
-                      <a:pt x="65446" y="25313"/>
-                    </a:cubicBezTo>
-                    <a:cubicBezTo>
-                      <a:pt x="65446" y="74778"/>
-                      <a:pt x="65446" y="124241"/>
-                      <a:pt x="65446" y="173707"/>
-                    </a:cubicBezTo>
-                    <a:close/>
-                  </a:path>
-                </a:pathLst>
-              </a:custGeom>
-              <a:grpFill/>
-              <a:ln w="1588" cap="flat">
-                <a:noFill/>
-                <a:prstDash val="solid"/>
-                <a:miter/>
-              </a:ln>
-            </p:spPr>
-            <p:txBody>
-              <a:bodyPr rtlCol="0" anchor="ctr"/>
-              <a:lstStyle/>
-              <a:p>
-                <a:endParaRPr lang="pt-BR"/>
-              </a:p>
-            </p:txBody>
-          </p:sp>
-          <p:sp>
-            <p:nvSpPr>
-              <p:cNvPr id="23" name="Forma Livre: Forma 22">
-                <a:extLst>
-                  <a:ext uri="{FF2B5EF4-FFF2-40B4-BE49-F238E27FC236}">
-                    <a16:creationId xmlns:a16="http://schemas.microsoft.com/office/drawing/2014/main" id="{E8FE1268-B174-F256-1164-D3A261B85F45}"/>
-                  </a:ext>
-                </a:extLst>
-              </p:cNvPr>
-              <p:cNvSpPr/>
-              <p:nvPr/>
-            </p:nvSpPr>
-            <p:spPr>
-              <a:xfrm>
-                <a:off x="2223958" y="3891584"/>
-                <a:ext cx="791991" cy="989157"/>
-              </a:xfrm>
-              <a:custGeom>
-                <a:avLst/>
-                <a:gdLst>
-                  <a:gd name="connsiteX0" fmla="*/ 66437 w 791991"/>
-                  <a:gd name="connsiteY0" fmla="*/ 857487 h 989157"/>
-                  <a:gd name="connsiteX1" fmla="*/ 12630 w 791991"/>
-                  <a:gd name="connsiteY1" fmla="*/ 829890 h 989157"/>
-                  <a:gd name="connsiteX2" fmla="*/ 45 w 791991"/>
-                  <a:gd name="connsiteY2" fmla="*/ 785346 h 989157"/>
-                  <a:gd name="connsiteX3" fmla="*/ 80 w 791991"/>
-                  <a:gd name="connsiteY3" fmla="*/ 398351 h 989157"/>
-                  <a:gd name="connsiteX4" fmla="*/ 3 w 791991"/>
-                  <a:gd name="connsiteY4" fmla="*/ 203587 h 989157"/>
-                  <a:gd name="connsiteX5" fmla="*/ 45336 w 791991"/>
-                  <a:gd name="connsiteY5" fmla="*/ 71866 h 989157"/>
-                  <a:gd name="connsiteX6" fmla="*/ 186103 w 791991"/>
-                  <a:gd name="connsiteY6" fmla="*/ 981 h 989157"/>
-                  <a:gd name="connsiteX7" fmla="*/ 364833 w 791991"/>
-                  <a:gd name="connsiteY7" fmla="*/ 378 h 989157"/>
-                  <a:gd name="connsiteX8" fmla="*/ 589948 w 791991"/>
-                  <a:gd name="connsiteY8" fmla="*/ 231 h 989157"/>
-                  <a:gd name="connsiteX9" fmla="*/ 687182 w 791991"/>
-                  <a:gd name="connsiteY9" fmla="*/ 23278 h 989157"/>
-                  <a:gd name="connsiteX10" fmla="*/ 767265 w 791991"/>
-                  <a:gd name="connsiteY10" fmla="*/ 102825 h 989157"/>
-                  <a:gd name="connsiteX11" fmla="*/ 791588 w 791991"/>
-                  <a:gd name="connsiteY11" fmla="*/ 203139 h 989157"/>
-                  <a:gd name="connsiteX12" fmla="*/ 791990 w 791991"/>
-                  <a:gd name="connsiteY12" fmla="*/ 779839 h 989157"/>
-                  <a:gd name="connsiteX13" fmla="*/ 725201 w 791991"/>
-                  <a:gd name="connsiteY13" fmla="*/ 857913 h 989157"/>
-                  <a:gd name="connsiteX14" fmla="*/ 725041 w 791991"/>
-                  <a:gd name="connsiteY14" fmla="*/ 918300 h 989157"/>
-                  <a:gd name="connsiteX15" fmla="*/ 721466 w 791991"/>
-                  <a:gd name="connsiteY15" fmla="*/ 944803 h 989157"/>
-                  <a:gd name="connsiteX16" fmla="*/ 667101 w 791991"/>
-                  <a:gd name="connsiteY16" fmla="*/ 988347 h 989157"/>
-                  <a:gd name="connsiteX17" fmla="*/ 586201 w 791991"/>
-                  <a:gd name="connsiteY17" fmla="*/ 988296 h 989157"/>
-                  <a:gd name="connsiteX18" fmla="*/ 528878 w 791991"/>
-                  <a:gd name="connsiteY18" fmla="*/ 931611 h 989157"/>
-                  <a:gd name="connsiteX19" fmla="*/ 527896 w 791991"/>
-                  <a:gd name="connsiteY19" fmla="*/ 869268 h 989157"/>
-                  <a:gd name="connsiteX20" fmla="*/ 527892 w 791991"/>
-                  <a:gd name="connsiteY20" fmla="*/ 857811 h 989157"/>
-                  <a:gd name="connsiteX21" fmla="*/ 263724 w 791991"/>
-                  <a:gd name="connsiteY21" fmla="*/ 857811 h 989157"/>
-                  <a:gd name="connsiteX22" fmla="*/ 263536 w 791991"/>
-                  <a:gd name="connsiteY22" fmla="*/ 918482 h 989157"/>
-                  <a:gd name="connsiteX23" fmla="*/ 259352 w 791991"/>
-                  <a:gd name="connsiteY23" fmla="*/ 945734 h 989157"/>
-                  <a:gd name="connsiteX24" fmla="*/ 205101 w 791991"/>
-                  <a:gd name="connsiteY24" fmla="*/ 988357 h 989157"/>
-                  <a:gd name="connsiteX25" fmla="*/ 124199 w 791991"/>
-                  <a:gd name="connsiteY25" fmla="*/ 988306 h 989157"/>
-                  <a:gd name="connsiteX26" fmla="*/ 67038 w 791991"/>
-                  <a:gd name="connsiteY26" fmla="*/ 930536 h 989157"/>
-                  <a:gd name="connsiteX27" fmla="*/ 66442 w 791991"/>
-                  <a:gd name="connsiteY27" fmla="*/ 867325 h 989157"/>
-                  <a:gd name="connsiteX28" fmla="*/ 66437 w 791991"/>
-                  <a:gd name="connsiteY28" fmla="*/ 857487 h 989157"/>
-                  <a:gd name="connsiteX29" fmla="*/ 725861 w 791991"/>
-                  <a:gd name="connsiteY29" fmla="*/ 198513 h 989157"/>
-                  <a:gd name="connsiteX30" fmla="*/ 66057 w 791991"/>
-                  <a:gd name="connsiteY30" fmla="*/ 198513 h 989157"/>
-                  <a:gd name="connsiteX31" fmla="*/ 66057 w 791991"/>
-                  <a:gd name="connsiteY31" fmla="*/ 593434 h 989157"/>
-                  <a:gd name="connsiteX32" fmla="*/ 725861 w 791991"/>
-                  <a:gd name="connsiteY32" fmla="*/ 593434 h 989157"/>
-                  <a:gd name="connsiteX33" fmla="*/ 725861 w 791991"/>
-                  <a:gd name="connsiteY33" fmla="*/ 198513 h 989157"/>
-                  <a:gd name="connsiteX34" fmla="*/ 264469 w 791991"/>
-                  <a:gd name="connsiteY34" fmla="*/ 65958 h 989157"/>
-                  <a:gd name="connsiteX35" fmla="*/ 264469 w 791991"/>
-                  <a:gd name="connsiteY35" fmla="*/ 131624 h 989157"/>
-                  <a:gd name="connsiteX36" fmla="*/ 527168 w 791991"/>
-                  <a:gd name="connsiteY36" fmla="*/ 131624 h 989157"/>
-                  <a:gd name="connsiteX37" fmla="*/ 527168 w 791991"/>
-                  <a:gd name="connsiteY37" fmla="*/ 65958 h 989157"/>
-                  <a:gd name="connsiteX38" fmla="*/ 264469 w 791991"/>
-                  <a:gd name="connsiteY38" fmla="*/ 65958 h 989157"/>
-                  <a:gd name="connsiteX39" fmla="*/ 66124 w 791991"/>
-                  <a:gd name="connsiteY39" fmla="*/ 727174 h 989157"/>
-                  <a:gd name="connsiteX40" fmla="*/ 134362 w 791991"/>
-                  <a:gd name="connsiteY40" fmla="*/ 791331 h 989157"/>
-                  <a:gd name="connsiteX41" fmla="*/ 197777 w 791991"/>
-                  <a:gd name="connsiteY41" fmla="*/ 724009 h 989157"/>
-                  <a:gd name="connsiteX42" fmla="*/ 129514 w 791991"/>
-                  <a:gd name="connsiteY42" fmla="*/ 659922 h 989157"/>
-                  <a:gd name="connsiteX43" fmla="*/ 66124 w 791991"/>
-                  <a:gd name="connsiteY43" fmla="*/ 727174 h 989157"/>
-                  <a:gd name="connsiteX44" fmla="*/ 659839 w 791991"/>
-                  <a:gd name="connsiteY44" fmla="*/ 791396 h 989157"/>
-                  <a:gd name="connsiteX45" fmla="*/ 725633 w 791991"/>
-                  <a:gd name="connsiteY45" fmla="*/ 725494 h 989157"/>
-                  <a:gd name="connsiteX46" fmla="*/ 659616 w 791991"/>
-                  <a:gd name="connsiteY46" fmla="*/ 659856 h 989157"/>
-                  <a:gd name="connsiteX47" fmla="*/ 593768 w 791991"/>
-                  <a:gd name="connsiteY47" fmla="*/ 725692 h 989157"/>
-                  <a:gd name="connsiteX48" fmla="*/ 659839 w 791991"/>
-                  <a:gd name="connsiteY48" fmla="*/ 791396 h 989157"/>
+                  <a:gd name="connsiteX0" fmla="*/ 831200 w 1662401"/>
+                  <a:gd name="connsiteY0" fmla="*/ 0 h 1662401"/>
+                  <a:gd name="connsiteX1" fmla="*/ 0 w 1662401"/>
+                  <a:gd name="connsiteY1" fmla="*/ 831200 h 1662401"/>
+                  <a:gd name="connsiteX2" fmla="*/ 831200 w 1662401"/>
+                  <a:gd name="connsiteY2" fmla="*/ 1662402 h 1662401"/>
+                  <a:gd name="connsiteX3" fmla="*/ 1662402 w 1662401"/>
+                  <a:gd name="connsiteY3" fmla="*/ 831200 h 1662401"/>
+                  <a:gd name="connsiteX4" fmla="*/ 831200 w 1662401"/>
+                  <a:gd name="connsiteY4" fmla="*/ 0 h 1662401"/>
+                  <a:gd name="connsiteX5" fmla="*/ 1605339 w 1662401"/>
+                  <a:gd name="connsiteY5" fmla="*/ 831200 h 1662401"/>
+                  <a:gd name="connsiteX6" fmla="*/ 831200 w 1662401"/>
+                  <a:gd name="connsiteY6" fmla="*/ 1605371 h 1662401"/>
+                  <a:gd name="connsiteX7" fmla="*/ 57036 w 1662401"/>
+                  <a:gd name="connsiteY7" fmla="*/ 831200 h 1662401"/>
+                  <a:gd name="connsiteX8" fmla="*/ 831200 w 1662401"/>
+                  <a:gd name="connsiteY8" fmla="*/ 57060 h 1662401"/>
+                  <a:gd name="connsiteX9" fmla="*/ 1605339 w 1662401"/>
+                  <a:gd name="connsiteY9" fmla="*/ 831200 h 1662401"/>
                 </a:gdLst>
                 <a:ahLst/>
                 <a:cxnLst>
@@ -22097,365 +22574,56 @@
                   <a:cxn ang="0">
                     <a:pos x="connsiteX9" y="connsiteY9"/>
                   </a:cxn>
-                  <a:cxn ang="0">
-                    <a:pos x="connsiteX10" y="connsiteY10"/>
-                  </a:cxn>
-                  <a:cxn ang="0">
-                    <a:pos x="connsiteX11" y="connsiteY11"/>
-                  </a:cxn>
-                  <a:cxn ang="0">
-                    <a:pos x="connsiteX12" y="connsiteY12"/>
-                  </a:cxn>
-                  <a:cxn ang="0">
-                    <a:pos x="connsiteX13" y="connsiteY13"/>
-                  </a:cxn>
-                  <a:cxn ang="0">
-                    <a:pos x="connsiteX14" y="connsiteY14"/>
-                  </a:cxn>
-                  <a:cxn ang="0">
-                    <a:pos x="connsiteX15" y="connsiteY15"/>
-                  </a:cxn>
-                  <a:cxn ang="0">
-                    <a:pos x="connsiteX16" y="connsiteY16"/>
-                  </a:cxn>
-                  <a:cxn ang="0">
-                    <a:pos x="connsiteX17" y="connsiteY17"/>
-                  </a:cxn>
-                  <a:cxn ang="0">
-                    <a:pos x="connsiteX18" y="connsiteY18"/>
-                  </a:cxn>
-                  <a:cxn ang="0">
-                    <a:pos x="connsiteX19" y="connsiteY19"/>
-                  </a:cxn>
-                  <a:cxn ang="0">
-                    <a:pos x="connsiteX20" y="connsiteY20"/>
-                  </a:cxn>
-                  <a:cxn ang="0">
-                    <a:pos x="connsiteX21" y="connsiteY21"/>
-                  </a:cxn>
-                  <a:cxn ang="0">
-                    <a:pos x="connsiteX22" y="connsiteY22"/>
-                  </a:cxn>
-                  <a:cxn ang="0">
-                    <a:pos x="connsiteX23" y="connsiteY23"/>
-                  </a:cxn>
-                  <a:cxn ang="0">
-                    <a:pos x="connsiteX24" y="connsiteY24"/>
-                  </a:cxn>
-                  <a:cxn ang="0">
-                    <a:pos x="connsiteX25" y="connsiteY25"/>
-                  </a:cxn>
-                  <a:cxn ang="0">
-                    <a:pos x="connsiteX26" y="connsiteY26"/>
-                  </a:cxn>
-                  <a:cxn ang="0">
-                    <a:pos x="connsiteX27" y="connsiteY27"/>
-                  </a:cxn>
-                  <a:cxn ang="0">
-                    <a:pos x="connsiteX28" y="connsiteY28"/>
-                  </a:cxn>
-                  <a:cxn ang="0">
-                    <a:pos x="connsiteX29" y="connsiteY29"/>
-                  </a:cxn>
-                  <a:cxn ang="0">
-                    <a:pos x="connsiteX30" y="connsiteY30"/>
-                  </a:cxn>
-                  <a:cxn ang="0">
-                    <a:pos x="connsiteX31" y="connsiteY31"/>
-                  </a:cxn>
-                  <a:cxn ang="0">
-                    <a:pos x="connsiteX32" y="connsiteY32"/>
-                  </a:cxn>
-                  <a:cxn ang="0">
-                    <a:pos x="connsiteX33" y="connsiteY33"/>
-                  </a:cxn>
-                  <a:cxn ang="0">
-                    <a:pos x="connsiteX34" y="connsiteY34"/>
-                  </a:cxn>
-                  <a:cxn ang="0">
-                    <a:pos x="connsiteX35" y="connsiteY35"/>
-                  </a:cxn>
-                  <a:cxn ang="0">
-                    <a:pos x="connsiteX36" y="connsiteY36"/>
-                  </a:cxn>
-                  <a:cxn ang="0">
-                    <a:pos x="connsiteX37" y="connsiteY37"/>
-                  </a:cxn>
-                  <a:cxn ang="0">
-                    <a:pos x="connsiteX38" y="connsiteY38"/>
-                  </a:cxn>
-                  <a:cxn ang="0">
-                    <a:pos x="connsiteX39" y="connsiteY39"/>
-                  </a:cxn>
-                  <a:cxn ang="0">
-                    <a:pos x="connsiteX40" y="connsiteY40"/>
-                  </a:cxn>
-                  <a:cxn ang="0">
-                    <a:pos x="connsiteX41" y="connsiteY41"/>
-                  </a:cxn>
-                  <a:cxn ang="0">
-                    <a:pos x="connsiteX42" y="connsiteY42"/>
-                  </a:cxn>
-                  <a:cxn ang="0">
-                    <a:pos x="connsiteX43" y="connsiteY43"/>
-                  </a:cxn>
-                  <a:cxn ang="0">
-                    <a:pos x="connsiteX44" y="connsiteY44"/>
-                  </a:cxn>
-                  <a:cxn ang="0">
-                    <a:pos x="connsiteX45" y="connsiteY45"/>
-                  </a:cxn>
-                  <a:cxn ang="0">
-                    <a:pos x="connsiteX46" y="connsiteY46"/>
-                  </a:cxn>
-                  <a:cxn ang="0">
-                    <a:pos x="connsiteX47" y="connsiteY47"/>
-                  </a:cxn>
-                  <a:cxn ang="0">
-                    <a:pos x="connsiteX48" y="connsiteY48"/>
-                  </a:cxn>
                 </a:cxnLst>
                 <a:rect l="l" t="t" r="r" b="b"/>
                 <a:pathLst>
-                  <a:path w="791991" h="989157">
+                  <a:path w="1662401" h="1662401">
                     <a:moveTo>
-                      <a:pt x="66437" y="857487"/>
+                      <a:pt x="831200" y="0"/>
                     </a:moveTo>
                     <a:cubicBezTo>
-                      <a:pt x="43333" y="856348"/>
-                      <a:pt x="25636" y="847574"/>
-                      <a:pt x="12630" y="829890"/>
+                      <a:pt x="372875" y="0"/>
+                      <a:pt x="0" y="372875"/>
+                      <a:pt x="0" y="831200"/>
                     </a:cubicBezTo>
                     <a:cubicBezTo>
-                      <a:pt x="2854" y="816597"/>
-                      <a:pt x="34" y="801440"/>
-                      <a:pt x="45" y="785346"/>
+                      <a:pt x="0" y="1289526"/>
+                      <a:pt x="372875" y="1662402"/>
+                      <a:pt x="831200" y="1662402"/>
                     </a:cubicBezTo>
                     <a:cubicBezTo>
-                      <a:pt x="105" y="656347"/>
-                      <a:pt x="80" y="527347"/>
-                      <a:pt x="80" y="398351"/>
+                      <a:pt x="1289526" y="1662402"/>
+                      <a:pt x="1662402" y="1289526"/>
+                      <a:pt x="1662402" y="831200"/>
                     </a:cubicBezTo>
                     <a:cubicBezTo>
-                      <a:pt x="80" y="333428"/>
-                      <a:pt x="329" y="268507"/>
-                      <a:pt x="3" y="203587"/>
-                    </a:cubicBezTo>
-                    <a:cubicBezTo>
-                      <a:pt x="-246" y="154268"/>
-                      <a:pt x="13667" y="109680"/>
-                      <a:pt x="45336" y="71866"/>
-                    </a:cubicBezTo>
-                    <a:cubicBezTo>
-                      <a:pt x="81822" y="28300"/>
-                      <a:pt x="128871" y="2704"/>
-                      <a:pt x="186103" y="981"/>
-                    </a:cubicBezTo>
-                    <a:cubicBezTo>
-                      <a:pt x="245632" y="-812"/>
-                      <a:pt x="305256" y="407"/>
-                      <a:pt x="364833" y="378"/>
-                    </a:cubicBezTo>
-                    <a:cubicBezTo>
-                      <a:pt x="439873" y="343"/>
-                      <a:pt x="514913" y="681"/>
-                      <a:pt x="589948" y="231"/>
-                    </a:cubicBezTo>
-                    <a:cubicBezTo>
-                      <a:pt x="624405" y="27"/>
-                      <a:pt x="657015" y="6959"/>
-                      <a:pt x="687182" y="23278"/>
-                    </a:cubicBezTo>
-                    <a:cubicBezTo>
-                      <a:pt x="721504" y="41850"/>
-                      <a:pt x="748393" y="68391"/>
-                      <a:pt x="767265" y="102825"/>
-                    </a:cubicBezTo>
-                    <a:cubicBezTo>
-                      <a:pt x="784412" y="134108"/>
-                      <a:pt x="791604" y="167681"/>
-                      <a:pt x="791588" y="203139"/>
-                    </a:cubicBezTo>
-                    <a:cubicBezTo>
-                      <a:pt x="791518" y="395370"/>
-                      <a:pt x="790988" y="587608"/>
-                      <a:pt x="791990" y="779839"/>
-                    </a:cubicBezTo>
-                    <a:cubicBezTo>
-                      <a:pt x="792217" y="822716"/>
-                      <a:pt x="769032" y="854952"/>
-                      <a:pt x="725201" y="857913"/>
-                    </a:cubicBezTo>
-                    <a:cubicBezTo>
-                      <a:pt x="725201" y="877985"/>
-                      <a:pt x="725552" y="898152"/>
-                      <a:pt x="725041" y="918300"/>
-                    </a:cubicBezTo>
-                    <a:cubicBezTo>
-                      <a:pt x="724815" y="927177"/>
-                      <a:pt x="723841" y="936286"/>
-                      <a:pt x="721466" y="944803"/>
-                    </a:cubicBezTo>
-                    <a:cubicBezTo>
-                      <a:pt x="714895" y="968373"/>
-                      <a:pt x="691711" y="987435"/>
-                      <a:pt x="667101" y="988347"/>
-                    </a:cubicBezTo>
-                    <a:cubicBezTo>
-                      <a:pt x="640165" y="989343"/>
-                      <a:pt x="613118" y="989521"/>
-                      <a:pt x="586201" y="988296"/>
-                    </a:cubicBezTo>
-                    <a:cubicBezTo>
-                      <a:pt x="556746" y="986953"/>
-                      <a:pt x="530965" y="961252"/>
-                      <a:pt x="528878" y="931611"/>
-                    </a:cubicBezTo>
-                    <a:cubicBezTo>
-                      <a:pt x="527420" y="910908"/>
-                      <a:pt x="528138" y="890055"/>
-                      <a:pt x="527896" y="869268"/>
-                    </a:cubicBezTo>
-                    <a:cubicBezTo>
-                      <a:pt x="527854" y="865645"/>
-                      <a:pt x="527892" y="862018"/>
-                      <a:pt x="527892" y="857811"/>
-                    </a:cubicBezTo>
-                    <a:cubicBezTo>
-                      <a:pt x="439768" y="857811"/>
-                      <a:pt x="352272" y="857811"/>
-                      <a:pt x="263724" y="857811"/>
-                    </a:cubicBezTo>
-                    <a:cubicBezTo>
-                      <a:pt x="263724" y="878198"/>
-                      <a:pt x="264146" y="898353"/>
-                      <a:pt x="263536" y="918482"/>
-                    </a:cubicBezTo>
-                    <a:cubicBezTo>
-                      <a:pt x="263259" y="927617"/>
-                      <a:pt x="261979" y="937003"/>
-                      <a:pt x="259352" y="945734"/>
-                    </a:cubicBezTo>
-                    <a:cubicBezTo>
-                      <a:pt x="252347" y="968995"/>
-                      <a:pt x="229421" y="987467"/>
-                      <a:pt x="205101" y="988357"/>
-                    </a:cubicBezTo>
-                    <a:cubicBezTo>
-                      <a:pt x="178162" y="989346"/>
-                      <a:pt x="151117" y="989518"/>
-                      <a:pt x="124199" y="988306"/>
-                    </a:cubicBezTo>
-                    <a:cubicBezTo>
-                      <a:pt x="94565" y="986972"/>
-                      <a:pt x="68487" y="960215"/>
-                      <a:pt x="67038" y="930536"/>
-                    </a:cubicBezTo>
-                    <a:cubicBezTo>
-                      <a:pt x="66011" y="909507"/>
-                      <a:pt x="66579" y="888399"/>
-                      <a:pt x="66442" y="867325"/>
-                    </a:cubicBezTo>
-                    <a:cubicBezTo>
-                      <a:pt x="66421" y="864288"/>
-                      <a:pt x="66437" y="861247"/>
-                      <a:pt x="66437" y="857487"/>
+                      <a:pt x="1662402" y="372875"/>
+                      <a:pt x="1289526" y="0"/>
+                      <a:pt x="831200" y="0"/>
                     </a:cubicBezTo>
                     <a:close/>
                     <a:moveTo>
-                      <a:pt x="725861" y="198513"/>
+                      <a:pt x="1605339" y="831200"/>
                     </a:moveTo>
                     <a:cubicBezTo>
-                      <a:pt x="505434" y="198513"/>
-                      <a:pt x="285610" y="198513"/>
-                      <a:pt x="66057" y="198513"/>
+                      <a:pt x="1605339" y="1258070"/>
+                      <a:pt x="1258072" y="1605371"/>
+                      <a:pt x="831200" y="1605371"/>
                     </a:cubicBezTo>
                     <a:cubicBezTo>
-                      <a:pt x="66057" y="330617"/>
-                      <a:pt x="66057" y="462001"/>
-                      <a:pt x="66057" y="593434"/>
+                      <a:pt x="404330" y="1605371"/>
+                      <a:pt x="57036" y="1258070"/>
+                      <a:pt x="57036" y="831200"/>
                     </a:cubicBezTo>
                     <a:cubicBezTo>
-                      <a:pt x="286302" y="593434"/>
-                      <a:pt x="505903" y="593434"/>
-                      <a:pt x="725861" y="593434"/>
+                      <a:pt x="57036" y="404330"/>
+                      <a:pt x="404329" y="57060"/>
+                      <a:pt x="831200" y="57060"/>
                     </a:cubicBezTo>
                     <a:cubicBezTo>
-                      <a:pt x="725861" y="461621"/>
-                      <a:pt x="725861" y="330436"/>
-                      <a:pt x="725861" y="198513"/>
-                    </a:cubicBezTo>
-                    <a:close/>
-                    <a:moveTo>
-                      <a:pt x="264469" y="65958"/>
-                    </a:moveTo>
-                    <a:cubicBezTo>
-                      <a:pt x="264469" y="88155"/>
-                      <a:pt x="264469" y="109846"/>
-                      <a:pt x="264469" y="131624"/>
-                    </a:cubicBezTo>
-                    <a:cubicBezTo>
-                      <a:pt x="352434" y="131624"/>
-                      <a:pt x="439666" y="131624"/>
-                      <a:pt x="527168" y="131624"/>
-                    </a:cubicBezTo>
-                    <a:cubicBezTo>
-                      <a:pt x="527168" y="109501"/>
-                      <a:pt x="527168" y="87849"/>
-                      <a:pt x="527168" y="65958"/>
-                    </a:cubicBezTo>
-                    <a:cubicBezTo>
-                      <a:pt x="439184" y="65958"/>
-                      <a:pt x="351930" y="65958"/>
-                      <a:pt x="264469" y="65958"/>
-                    </a:cubicBezTo>
-                    <a:close/>
-                    <a:moveTo>
-                      <a:pt x="66124" y="727174"/>
-                    </a:moveTo>
-                    <a:cubicBezTo>
-                      <a:pt x="67809" y="764352"/>
-                      <a:pt x="98196" y="792923"/>
-                      <a:pt x="134362" y="791331"/>
-                    </a:cubicBezTo>
-                    <a:cubicBezTo>
-                      <a:pt x="170359" y="789745"/>
-                      <a:pt x="199176" y="759154"/>
-                      <a:pt x="197777" y="724009"/>
-                    </a:cubicBezTo>
-                    <a:cubicBezTo>
-                      <a:pt x="196300" y="686882"/>
-                      <a:pt x="165681" y="658135"/>
-                      <a:pt x="129514" y="659922"/>
-                    </a:cubicBezTo>
-                    <a:cubicBezTo>
-                      <a:pt x="92973" y="661728"/>
-                      <a:pt x="64529" y="691907"/>
-                      <a:pt x="66124" y="727174"/>
-                    </a:cubicBezTo>
-                    <a:close/>
-                    <a:moveTo>
-                      <a:pt x="659839" y="791396"/>
-                    </a:moveTo>
-                    <a:cubicBezTo>
-                      <a:pt x="695954" y="791307"/>
-                      <a:pt x="725508" y="761705"/>
-                      <a:pt x="725633" y="725494"/>
-                    </a:cubicBezTo>
-                    <a:cubicBezTo>
-                      <a:pt x="725754" y="689452"/>
-                      <a:pt x="695884" y="659754"/>
-                      <a:pt x="659616" y="659856"/>
-                    </a:cubicBezTo>
-                    <a:cubicBezTo>
-                      <a:pt x="623283" y="659959"/>
-                      <a:pt x="593535" y="689701"/>
-                      <a:pt x="593768" y="725692"/>
-                    </a:cubicBezTo>
-                    <a:cubicBezTo>
-                      <a:pt x="593997" y="761852"/>
-                      <a:pt x="623799" y="791486"/>
-                      <a:pt x="659839" y="791396"/>
+                      <a:pt x="1258072" y="57060"/>
+                      <a:pt x="1605339" y="404330"/>
+                      <a:pt x="1605339" y="831200"/>
                     </a:cubicBezTo>
                     <a:close/>
                   </a:path>
@@ -22472,10 +22640,800 @@
               <a:bodyPr rtlCol="0" anchor="ctr"/>
               <a:lstStyle/>
               <a:p>
-                <a:endParaRPr lang="pt-BR" dirty="0"/>
+                <a:endParaRPr lang="pt-BR"/>
               </a:p>
             </p:txBody>
           </p:sp>
+          <p:grpSp>
+            <p:nvGrpSpPr>
+              <p:cNvPr id="20" name="Gráfico 20">
+                <a:extLst>
+                  <a:ext uri="{FF2B5EF4-FFF2-40B4-BE49-F238E27FC236}">
+                    <a16:creationId xmlns:a16="http://schemas.microsoft.com/office/drawing/2014/main" id="{62215CC7-D84C-20E0-5FEC-BA9847BC9D37}"/>
+                  </a:ext>
+                </a:extLst>
+              </p:cNvPr>
+              <p:cNvGrpSpPr/>
+              <p:nvPr/>
+            </p:nvGrpSpPr>
+            <p:grpSpPr>
+              <a:xfrm>
+                <a:off x="2135328" y="3891584"/>
+                <a:ext cx="971072" cy="989157"/>
+                <a:chOff x="2135328" y="3891584"/>
+                <a:chExt cx="971072" cy="989157"/>
+              </a:xfrm>
+              <a:grpFill/>
+            </p:grpSpPr>
+            <p:sp>
+              <p:nvSpPr>
+                <p:cNvPr id="21" name="Forma Livre: Forma 20">
+                  <a:extLst>
+                    <a:ext uri="{FF2B5EF4-FFF2-40B4-BE49-F238E27FC236}">
+                      <a16:creationId xmlns:a16="http://schemas.microsoft.com/office/drawing/2014/main" id="{073AF907-231C-80FD-6BA2-F582BD558040}"/>
+                    </a:ext>
+                  </a:extLst>
+                </p:cNvPr>
+                <p:cNvSpPr/>
+                <p:nvPr/>
+              </p:nvSpPr>
+              <p:spPr>
+                <a:xfrm>
+                  <a:off x="2135328" y="4154918"/>
+                  <a:ext cx="65055" cy="197627"/>
+                </a:xfrm>
+                <a:custGeom>
+                  <a:avLst/>
+                  <a:gdLst>
+                    <a:gd name="connsiteX0" fmla="*/ 0 w 65055"/>
+                    <a:gd name="connsiteY0" fmla="*/ 25584 h 197627"/>
+                    <a:gd name="connsiteX1" fmla="*/ 42473 w 65055"/>
+                    <a:gd name="connsiteY1" fmla="*/ 246 h 197627"/>
+                    <a:gd name="connsiteX2" fmla="*/ 65055 w 65055"/>
+                    <a:gd name="connsiteY2" fmla="*/ 351 h 197627"/>
+                    <a:gd name="connsiteX3" fmla="*/ 65055 w 65055"/>
+                    <a:gd name="connsiteY3" fmla="*/ 197321 h 197627"/>
+                    <a:gd name="connsiteX4" fmla="*/ 26488 w 65055"/>
+                    <a:gd name="connsiteY4" fmla="*/ 197101 h 197627"/>
+                    <a:gd name="connsiteX5" fmla="*/ 2 w 65055"/>
+                    <a:gd name="connsiteY5" fmla="*/ 173978 h 197627"/>
+                    <a:gd name="connsiteX6" fmla="*/ 0 w 65055"/>
+                    <a:gd name="connsiteY6" fmla="*/ 25584 h 197627"/>
+                  </a:gdLst>
+                  <a:ahLst/>
+                  <a:cxnLst>
+                    <a:cxn ang="0">
+                      <a:pos x="connsiteX0" y="connsiteY0"/>
+                    </a:cxn>
+                    <a:cxn ang="0">
+                      <a:pos x="connsiteX1" y="connsiteY1"/>
+                    </a:cxn>
+                    <a:cxn ang="0">
+                      <a:pos x="connsiteX2" y="connsiteY2"/>
+                    </a:cxn>
+                    <a:cxn ang="0">
+                      <a:pos x="connsiteX3" y="connsiteY3"/>
+                    </a:cxn>
+                    <a:cxn ang="0">
+                      <a:pos x="connsiteX4" y="connsiteY4"/>
+                    </a:cxn>
+                    <a:cxn ang="0">
+                      <a:pos x="connsiteX5" y="connsiteY5"/>
+                    </a:cxn>
+                    <a:cxn ang="0">
+                      <a:pos x="connsiteX6" y="connsiteY6"/>
+                    </a:cxn>
+                  </a:cxnLst>
+                  <a:rect l="l" t="t" r="r" b="b"/>
+                  <a:pathLst>
+                    <a:path w="65055" h="197627">
+                      <a:moveTo>
+                        <a:pt x="0" y="25584"/>
+                      </a:moveTo>
+                      <a:cubicBezTo>
+                        <a:pt x="7782" y="6450"/>
+                        <a:pt x="22053" y="-1550"/>
+                        <a:pt x="42473" y="246"/>
+                      </a:cubicBezTo>
+                      <a:cubicBezTo>
+                        <a:pt x="49710" y="884"/>
+                        <a:pt x="57049" y="351"/>
+                        <a:pt x="65055" y="351"/>
+                      </a:cubicBezTo>
+                      <a:cubicBezTo>
+                        <a:pt x="65055" y="66034"/>
+                        <a:pt x="65055" y="131460"/>
+                        <a:pt x="65055" y="197321"/>
+                      </a:cubicBezTo>
+                      <a:cubicBezTo>
+                        <a:pt x="52110" y="197321"/>
+                        <a:pt x="39223" y="198138"/>
+                        <a:pt x="26488" y="197101"/>
+                      </a:cubicBezTo>
+                      <a:cubicBezTo>
+                        <a:pt x="12576" y="195969"/>
+                        <a:pt x="5992" y="184968"/>
+                        <a:pt x="2" y="173978"/>
+                      </a:cubicBezTo>
+                      <a:cubicBezTo>
+                        <a:pt x="0" y="124512"/>
+                        <a:pt x="0" y="75048"/>
+                        <a:pt x="0" y="25584"/>
+                      </a:cubicBezTo>
+                      <a:close/>
+                    </a:path>
+                  </a:pathLst>
+                </a:custGeom>
+                <a:grpFill/>
+                <a:ln w="1588" cap="flat">
+                  <a:noFill/>
+                  <a:prstDash val="solid"/>
+                  <a:miter/>
+                </a:ln>
+              </p:spPr>
+              <p:txBody>
+                <a:bodyPr rtlCol="0" anchor="ctr"/>
+                <a:lstStyle/>
+                <a:p>
+                  <a:endParaRPr lang="pt-BR"/>
+                </a:p>
+              </p:txBody>
+            </p:sp>
+            <p:sp>
+              <p:nvSpPr>
+                <p:cNvPr id="22" name="Forma Livre: Forma 21">
+                  <a:extLst>
+                    <a:ext uri="{FF2B5EF4-FFF2-40B4-BE49-F238E27FC236}">
+                      <a16:creationId xmlns:a16="http://schemas.microsoft.com/office/drawing/2014/main" id="{31716D88-2154-C117-85FE-932DE7A5A4B9}"/>
+                    </a:ext>
+                  </a:extLst>
+                </p:cNvPr>
+                <p:cNvSpPr/>
+                <p:nvPr/>
+              </p:nvSpPr>
+              <p:spPr>
+                <a:xfrm>
+                  <a:off x="3040954" y="4155188"/>
+                  <a:ext cx="65446" cy="197839"/>
+                </a:xfrm>
+                <a:custGeom>
+                  <a:avLst/>
+                  <a:gdLst>
+                    <a:gd name="connsiteX0" fmla="*/ 65446 w 65446"/>
+                    <a:gd name="connsiteY0" fmla="*/ 173707 h 197839"/>
+                    <a:gd name="connsiteX1" fmla="*/ 56114 w 65446"/>
+                    <a:gd name="connsiteY1" fmla="*/ 187246 h 197839"/>
+                    <a:gd name="connsiteX2" fmla="*/ 34712 w 65446"/>
+                    <a:gd name="connsiteY2" fmla="*/ 196994 h 197839"/>
+                    <a:gd name="connsiteX3" fmla="*/ 0 w 65446"/>
+                    <a:gd name="connsiteY3" fmla="*/ 197415 h 197839"/>
+                    <a:gd name="connsiteX4" fmla="*/ 0 w 65446"/>
+                    <a:gd name="connsiteY4" fmla="*/ 362 h 197839"/>
+                    <a:gd name="connsiteX5" fmla="*/ 37242 w 65446"/>
+                    <a:gd name="connsiteY5" fmla="*/ 611 h 197839"/>
+                    <a:gd name="connsiteX6" fmla="*/ 65446 w 65446"/>
+                    <a:gd name="connsiteY6" fmla="*/ 25313 h 197839"/>
+                    <a:gd name="connsiteX7" fmla="*/ 65446 w 65446"/>
+                    <a:gd name="connsiteY7" fmla="*/ 173707 h 197839"/>
+                  </a:gdLst>
+                  <a:ahLst/>
+                  <a:cxnLst>
+                    <a:cxn ang="0">
+                      <a:pos x="connsiteX0" y="connsiteY0"/>
+                    </a:cxn>
+                    <a:cxn ang="0">
+                      <a:pos x="connsiteX1" y="connsiteY1"/>
+                    </a:cxn>
+                    <a:cxn ang="0">
+                      <a:pos x="connsiteX2" y="connsiteY2"/>
+                    </a:cxn>
+                    <a:cxn ang="0">
+                      <a:pos x="connsiteX3" y="connsiteY3"/>
+                    </a:cxn>
+                    <a:cxn ang="0">
+                      <a:pos x="connsiteX4" y="connsiteY4"/>
+                    </a:cxn>
+                    <a:cxn ang="0">
+                      <a:pos x="connsiteX5" y="connsiteY5"/>
+                    </a:cxn>
+                    <a:cxn ang="0">
+                      <a:pos x="connsiteX6" y="connsiteY6"/>
+                    </a:cxn>
+                    <a:cxn ang="0">
+                      <a:pos x="connsiteX7" y="connsiteY7"/>
+                    </a:cxn>
+                  </a:cxnLst>
+                  <a:rect l="l" t="t" r="r" b="b"/>
+                  <a:pathLst>
+                    <a:path w="65446" h="197839">
+                      <a:moveTo>
+                        <a:pt x="65446" y="173707"/>
+                      </a:moveTo>
+                      <a:cubicBezTo>
+                        <a:pt x="62407" y="178326"/>
+                        <a:pt x="60317" y="184278"/>
+                        <a:pt x="56114" y="187246"/>
+                      </a:cubicBezTo>
+                      <a:cubicBezTo>
+                        <a:pt x="49773" y="191728"/>
+                        <a:pt x="42217" y="195912"/>
+                        <a:pt x="34712" y="196994"/>
+                      </a:cubicBezTo>
+                      <a:cubicBezTo>
+                        <a:pt x="23503" y="198608"/>
+                        <a:pt x="11893" y="197415"/>
+                        <a:pt x="0" y="197415"/>
+                      </a:cubicBezTo>
+                      <a:cubicBezTo>
+                        <a:pt x="0" y="131407"/>
+                        <a:pt x="0" y="66159"/>
+                        <a:pt x="0" y="362"/>
+                      </a:cubicBezTo>
+                      <a:cubicBezTo>
+                        <a:pt x="12716" y="362"/>
+                        <a:pt x="25086" y="-599"/>
+                        <a:pt x="37242" y="611"/>
+                      </a:cubicBezTo>
+                      <a:cubicBezTo>
+                        <a:pt x="51888" y="2065"/>
+                        <a:pt x="59848" y="12709"/>
+                        <a:pt x="65446" y="25313"/>
+                      </a:cubicBezTo>
+                      <a:cubicBezTo>
+                        <a:pt x="65446" y="74778"/>
+                        <a:pt x="65446" y="124241"/>
+                        <a:pt x="65446" y="173707"/>
+                      </a:cubicBezTo>
+                      <a:close/>
+                    </a:path>
+                  </a:pathLst>
+                </a:custGeom>
+                <a:grpFill/>
+                <a:ln w="1588" cap="flat">
+                  <a:noFill/>
+                  <a:prstDash val="solid"/>
+                  <a:miter/>
+                </a:ln>
+              </p:spPr>
+              <p:txBody>
+                <a:bodyPr rtlCol="0" anchor="ctr"/>
+                <a:lstStyle/>
+                <a:p>
+                  <a:endParaRPr lang="pt-BR"/>
+                </a:p>
+              </p:txBody>
+            </p:sp>
+            <p:sp>
+              <p:nvSpPr>
+                <p:cNvPr id="23" name="Forma Livre: Forma 22">
+                  <a:extLst>
+                    <a:ext uri="{FF2B5EF4-FFF2-40B4-BE49-F238E27FC236}">
+                      <a16:creationId xmlns:a16="http://schemas.microsoft.com/office/drawing/2014/main" id="{E8FE1268-B174-F256-1164-D3A261B85F45}"/>
+                    </a:ext>
+                  </a:extLst>
+                </p:cNvPr>
+                <p:cNvSpPr/>
+                <p:nvPr/>
+              </p:nvSpPr>
+              <p:spPr>
+                <a:xfrm>
+                  <a:off x="2223958" y="3891584"/>
+                  <a:ext cx="791991" cy="989157"/>
+                </a:xfrm>
+                <a:custGeom>
+                  <a:avLst/>
+                  <a:gdLst>
+                    <a:gd name="connsiteX0" fmla="*/ 66437 w 791991"/>
+                    <a:gd name="connsiteY0" fmla="*/ 857487 h 989157"/>
+                    <a:gd name="connsiteX1" fmla="*/ 12630 w 791991"/>
+                    <a:gd name="connsiteY1" fmla="*/ 829890 h 989157"/>
+                    <a:gd name="connsiteX2" fmla="*/ 45 w 791991"/>
+                    <a:gd name="connsiteY2" fmla="*/ 785346 h 989157"/>
+                    <a:gd name="connsiteX3" fmla="*/ 80 w 791991"/>
+                    <a:gd name="connsiteY3" fmla="*/ 398351 h 989157"/>
+                    <a:gd name="connsiteX4" fmla="*/ 3 w 791991"/>
+                    <a:gd name="connsiteY4" fmla="*/ 203587 h 989157"/>
+                    <a:gd name="connsiteX5" fmla="*/ 45336 w 791991"/>
+                    <a:gd name="connsiteY5" fmla="*/ 71866 h 989157"/>
+                    <a:gd name="connsiteX6" fmla="*/ 186103 w 791991"/>
+                    <a:gd name="connsiteY6" fmla="*/ 981 h 989157"/>
+                    <a:gd name="connsiteX7" fmla="*/ 364833 w 791991"/>
+                    <a:gd name="connsiteY7" fmla="*/ 378 h 989157"/>
+                    <a:gd name="connsiteX8" fmla="*/ 589948 w 791991"/>
+                    <a:gd name="connsiteY8" fmla="*/ 231 h 989157"/>
+                    <a:gd name="connsiteX9" fmla="*/ 687182 w 791991"/>
+                    <a:gd name="connsiteY9" fmla="*/ 23278 h 989157"/>
+                    <a:gd name="connsiteX10" fmla="*/ 767265 w 791991"/>
+                    <a:gd name="connsiteY10" fmla="*/ 102825 h 989157"/>
+                    <a:gd name="connsiteX11" fmla="*/ 791588 w 791991"/>
+                    <a:gd name="connsiteY11" fmla="*/ 203139 h 989157"/>
+                    <a:gd name="connsiteX12" fmla="*/ 791990 w 791991"/>
+                    <a:gd name="connsiteY12" fmla="*/ 779839 h 989157"/>
+                    <a:gd name="connsiteX13" fmla="*/ 725201 w 791991"/>
+                    <a:gd name="connsiteY13" fmla="*/ 857913 h 989157"/>
+                    <a:gd name="connsiteX14" fmla="*/ 725041 w 791991"/>
+                    <a:gd name="connsiteY14" fmla="*/ 918300 h 989157"/>
+                    <a:gd name="connsiteX15" fmla="*/ 721466 w 791991"/>
+                    <a:gd name="connsiteY15" fmla="*/ 944803 h 989157"/>
+                    <a:gd name="connsiteX16" fmla="*/ 667101 w 791991"/>
+                    <a:gd name="connsiteY16" fmla="*/ 988347 h 989157"/>
+                    <a:gd name="connsiteX17" fmla="*/ 586201 w 791991"/>
+                    <a:gd name="connsiteY17" fmla="*/ 988296 h 989157"/>
+                    <a:gd name="connsiteX18" fmla="*/ 528878 w 791991"/>
+                    <a:gd name="connsiteY18" fmla="*/ 931611 h 989157"/>
+                    <a:gd name="connsiteX19" fmla="*/ 527896 w 791991"/>
+                    <a:gd name="connsiteY19" fmla="*/ 869268 h 989157"/>
+                    <a:gd name="connsiteX20" fmla="*/ 527892 w 791991"/>
+                    <a:gd name="connsiteY20" fmla="*/ 857811 h 989157"/>
+                    <a:gd name="connsiteX21" fmla="*/ 263724 w 791991"/>
+                    <a:gd name="connsiteY21" fmla="*/ 857811 h 989157"/>
+                    <a:gd name="connsiteX22" fmla="*/ 263536 w 791991"/>
+                    <a:gd name="connsiteY22" fmla="*/ 918482 h 989157"/>
+                    <a:gd name="connsiteX23" fmla="*/ 259352 w 791991"/>
+                    <a:gd name="connsiteY23" fmla="*/ 945734 h 989157"/>
+                    <a:gd name="connsiteX24" fmla="*/ 205101 w 791991"/>
+                    <a:gd name="connsiteY24" fmla="*/ 988357 h 989157"/>
+                    <a:gd name="connsiteX25" fmla="*/ 124199 w 791991"/>
+                    <a:gd name="connsiteY25" fmla="*/ 988306 h 989157"/>
+                    <a:gd name="connsiteX26" fmla="*/ 67038 w 791991"/>
+                    <a:gd name="connsiteY26" fmla="*/ 930536 h 989157"/>
+                    <a:gd name="connsiteX27" fmla="*/ 66442 w 791991"/>
+                    <a:gd name="connsiteY27" fmla="*/ 867325 h 989157"/>
+                    <a:gd name="connsiteX28" fmla="*/ 66437 w 791991"/>
+                    <a:gd name="connsiteY28" fmla="*/ 857487 h 989157"/>
+                    <a:gd name="connsiteX29" fmla="*/ 725861 w 791991"/>
+                    <a:gd name="connsiteY29" fmla="*/ 198513 h 989157"/>
+                    <a:gd name="connsiteX30" fmla="*/ 66057 w 791991"/>
+                    <a:gd name="connsiteY30" fmla="*/ 198513 h 989157"/>
+                    <a:gd name="connsiteX31" fmla="*/ 66057 w 791991"/>
+                    <a:gd name="connsiteY31" fmla="*/ 593434 h 989157"/>
+                    <a:gd name="connsiteX32" fmla="*/ 725861 w 791991"/>
+                    <a:gd name="connsiteY32" fmla="*/ 593434 h 989157"/>
+                    <a:gd name="connsiteX33" fmla="*/ 725861 w 791991"/>
+                    <a:gd name="connsiteY33" fmla="*/ 198513 h 989157"/>
+                    <a:gd name="connsiteX34" fmla="*/ 264469 w 791991"/>
+                    <a:gd name="connsiteY34" fmla="*/ 65958 h 989157"/>
+                    <a:gd name="connsiteX35" fmla="*/ 264469 w 791991"/>
+                    <a:gd name="connsiteY35" fmla="*/ 131624 h 989157"/>
+                    <a:gd name="connsiteX36" fmla="*/ 527168 w 791991"/>
+                    <a:gd name="connsiteY36" fmla="*/ 131624 h 989157"/>
+                    <a:gd name="connsiteX37" fmla="*/ 527168 w 791991"/>
+                    <a:gd name="connsiteY37" fmla="*/ 65958 h 989157"/>
+                    <a:gd name="connsiteX38" fmla="*/ 264469 w 791991"/>
+                    <a:gd name="connsiteY38" fmla="*/ 65958 h 989157"/>
+                    <a:gd name="connsiteX39" fmla="*/ 66124 w 791991"/>
+                    <a:gd name="connsiteY39" fmla="*/ 727174 h 989157"/>
+                    <a:gd name="connsiteX40" fmla="*/ 134362 w 791991"/>
+                    <a:gd name="connsiteY40" fmla="*/ 791331 h 989157"/>
+                    <a:gd name="connsiteX41" fmla="*/ 197777 w 791991"/>
+                    <a:gd name="connsiteY41" fmla="*/ 724009 h 989157"/>
+                    <a:gd name="connsiteX42" fmla="*/ 129514 w 791991"/>
+                    <a:gd name="connsiteY42" fmla="*/ 659922 h 989157"/>
+                    <a:gd name="connsiteX43" fmla="*/ 66124 w 791991"/>
+                    <a:gd name="connsiteY43" fmla="*/ 727174 h 989157"/>
+                    <a:gd name="connsiteX44" fmla="*/ 659839 w 791991"/>
+                    <a:gd name="connsiteY44" fmla="*/ 791396 h 989157"/>
+                    <a:gd name="connsiteX45" fmla="*/ 725633 w 791991"/>
+                    <a:gd name="connsiteY45" fmla="*/ 725494 h 989157"/>
+                    <a:gd name="connsiteX46" fmla="*/ 659616 w 791991"/>
+                    <a:gd name="connsiteY46" fmla="*/ 659856 h 989157"/>
+                    <a:gd name="connsiteX47" fmla="*/ 593768 w 791991"/>
+                    <a:gd name="connsiteY47" fmla="*/ 725692 h 989157"/>
+                    <a:gd name="connsiteX48" fmla="*/ 659839 w 791991"/>
+                    <a:gd name="connsiteY48" fmla="*/ 791396 h 989157"/>
+                  </a:gdLst>
+                  <a:ahLst/>
+                  <a:cxnLst>
+                    <a:cxn ang="0">
+                      <a:pos x="connsiteX0" y="connsiteY0"/>
+                    </a:cxn>
+                    <a:cxn ang="0">
+                      <a:pos x="connsiteX1" y="connsiteY1"/>
+                    </a:cxn>
+                    <a:cxn ang="0">
+                      <a:pos x="connsiteX2" y="connsiteY2"/>
+                    </a:cxn>
+                    <a:cxn ang="0">
+                      <a:pos x="connsiteX3" y="connsiteY3"/>
+                    </a:cxn>
+                    <a:cxn ang="0">
+                      <a:pos x="connsiteX4" y="connsiteY4"/>
+                    </a:cxn>
+                    <a:cxn ang="0">
+                      <a:pos x="connsiteX5" y="connsiteY5"/>
+                    </a:cxn>
+                    <a:cxn ang="0">
+                      <a:pos x="connsiteX6" y="connsiteY6"/>
+                    </a:cxn>
+                    <a:cxn ang="0">
+                      <a:pos x="connsiteX7" y="connsiteY7"/>
+                    </a:cxn>
+                    <a:cxn ang="0">
+                      <a:pos x="connsiteX8" y="connsiteY8"/>
+                    </a:cxn>
+                    <a:cxn ang="0">
+                      <a:pos x="connsiteX9" y="connsiteY9"/>
+                    </a:cxn>
+                    <a:cxn ang="0">
+                      <a:pos x="connsiteX10" y="connsiteY10"/>
+                    </a:cxn>
+                    <a:cxn ang="0">
+                      <a:pos x="connsiteX11" y="connsiteY11"/>
+                    </a:cxn>
+                    <a:cxn ang="0">
+                      <a:pos x="connsiteX12" y="connsiteY12"/>
+                    </a:cxn>
+                    <a:cxn ang="0">
+                      <a:pos x="connsiteX13" y="connsiteY13"/>
+                    </a:cxn>
+                    <a:cxn ang="0">
+                      <a:pos x="connsiteX14" y="connsiteY14"/>
+                    </a:cxn>
+                    <a:cxn ang="0">
+                      <a:pos x="connsiteX15" y="connsiteY15"/>
+                    </a:cxn>
+                    <a:cxn ang="0">
+                      <a:pos x="connsiteX16" y="connsiteY16"/>
+                    </a:cxn>
+                    <a:cxn ang="0">
+                      <a:pos x="connsiteX17" y="connsiteY17"/>
+                    </a:cxn>
+                    <a:cxn ang="0">
+                      <a:pos x="connsiteX18" y="connsiteY18"/>
+                    </a:cxn>
+                    <a:cxn ang="0">
+                      <a:pos x="connsiteX19" y="connsiteY19"/>
+                    </a:cxn>
+                    <a:cxn ang="0">
+                      <a:pos x="connsiteX20" y="connsiteY20"/>
+                    </a:cxn>
+                    <a:cxn ang="0">
+                      <a:pos x="connsiteX21" y="connsiteY21"/>
+                    </a:cxn>
+                    <a:cxn ang="0">
+                      <a:pos x="connsiteX22" y="connsiteY22"/>
+                    </a:cxn>
+                    <a:cxn ang="0">
+                      <a:pos x="connsiteX23" y="connsiteY23"/>
+                    </a:cxn>
+                    <a:cxn ang="0">
+                      <a:pos x="connsiteX24" y="connsiteY24"/>
+                    </a:cxn>
+                    <a:cxn ang="0">
+                      <a:pos x="connsiteX25" y="connsiteY25"/>
+                    </a:cxn>
+                    <a:cxn ang="0">
+                      <a:pos x="connsiteX26" y="connsiteY26"/>
+                    </a:cxn>
+                    <a:cxn ang="0">
+                      <a:pos x="connsiteX27" y="connsiteY27"/>
+                    </a:cxn>
+                    <a:cxn ang="0">
+                      <a:pos x="connsiteX28" y="connsiteY28"/>
+                    </a:cxn>
+                    <a:cxn ang="0">
+                      <a:pos x="connsiteX29" y="connsiteY29"/>
+                    </a:cxn>
+                    <a:cxn ang="0">
+                      <a:pos x="connsiteX30" y="connsiteY30"/>
+                    </a:cxn>
+                    <a:cxn ang="0">
+                      <a:pos x="connsiteX31" y="connsiteY31"/>
+                    </a:cxn>
+                    <a:cxn ang="0">
+                      <a:pos x="connsiteX32" y="connsiteY32"/>
+                    </a:cxn>
+                    <a:cxn ang="0">
+                      <a:pos x="connsiteX33" y="connsiteY33"/>
+                    </a:cxn>
+                    <a:cxn ang="0">
+                      <a:pos x="connsiteX34" y="connsiteY34"/>
+                    </a:cxn>
+                    <a:cxn ang="0">
+                      <a:pos x="connsiteX35" y="connsiteY35"/>
+                    </a:cxn>
+                    <a:cxn ang="0">
+                      <a:pos x="connsiteX36" y="connsiteY36"/>
+                    </a:cxn>
+                    <a:cxn ang="0">
+                      <a:pos x="connsiteX37" y="connsiteY37"/>
+                    </a:cxn>
+                    <a:cxn ang="0">
+                      <a:pos x="connsiteX38" y="connsiteY38"/>
+                    </a:cxn>
+                    <a:cxn ang="0">
+                      <a:pos x="connsiteX39" y="connsiteY39"/>
+                    </a:cxn>
+                    <a:cxn ang="0">
+                      <a:pos x="connsiteX40" y="connsiteY40"/>
+                    </a:cxn>
+                    <a:cxn ang="0">
+                      <a:pos x="connsiteX41" y="connsiteY41"/>
+                    </a:cxn>
+                    <a:cxn ang="0">
+                      <a:pos x="connsiteX42" y="connsiteY42"/>
+                    </a:cxn>
+                    <a:cxn ang="0">
+                      <a:pos x="connsiteX43" y="connsiteY43"/>
+                    </a:cxn>
+                    <a:cxn ang="0">
+                      <a:pos x="connsiteX44" y="connsiteY44"/>
+                    </a:cxn>
+                    <a:cxn ang="0">
+                      <a:pos x="connsiteX45" y="connsiteY45"/>
+                    </a:cxn>
+                    <a:cxn ang="0">
+                      <a:pos x="connsiteX46" y="connsiteY46"/>
+                    </a:cxn>
+                    <a:cxn ang="0">
+                      <a:pos x="connsiteX47" y="connsiteY47"/>
+                    </a:cxn>
+                    <a:cxn ang="0">
+                      <a:pos x="connsiteX48" y="connsiteY48"/>
+                    </a:cxn>
+                  </a:cxnLst>
+                  <a:rect l="l" t="t" r="r" b="b"/>
+                  <a:pathLst>
+                    <a:path w="791991" h="989157">
+                      <a:moveTo>
+                        <a:pt x="66437" y="857487"/>
+                      </a:moveTo>
+                      <a:cubicBezTo>
+                        <a:pt x="43333" y="856348"/>
+                        <a:pt x="25636" y="847574"/>
+                        <a:pt x="12630" y="829890"/>
+                      </a:cubicBezTo>
+                      <a:cubicBezTo>
+                        <a:pt x="2854" y="816597"/>
+                        <a:pt x="34" y="801440"/>
+                        <a:pt x="45" y="785346"/>
+                      </a:cubicBezTo>
+                      <a:cubicBezTo>
+                        <a:pt x="105" y="656347"/>
+                        <a:pt x="80" y="527347"/>
+                        <a:pt x="80" y="398351"/>
+                      </a:cubicBezTo>
+                      <a:cubicBezTo>
+                        <a:pt x="80" y="333428"/>
+                        <a:pt x="329" y="268507"/>
+                        <a:pt x="3" y="203587"/>
+                      </a:cubicBezTo>
+                      <a:cubicBezTo>
+                        <a:pt x="-246" y="154268"/>
+                        <a:pt x="13667" y="109680"/>
+                        <a:pt x="45336" y="71866"/>
+                      </a:cubicBezTo>
+                      <a:cubicBezTo>
+                        <a:pt x="81822" y="28300"/>
+                        <a:pt x="128871" y="2704"/>
+                        <a:pt x="186103" y="981"/>
+                      </a:cubicBezTo>
+                      <a:cubicBezTo>
+                        <a:pt x="245632" y="-812"/>
+                        <a:pt x="305256" y="407"/>
+                        <a:pt x="364833" y="378"/>
+                      </a:cubicBezTo>
+                      <a:cubicBezTo>
+                        <a:pt x="439873" y="343"/>
+                        <a:pt x="514913" y="681"/>
+                        <a:pt x="589948" y="231"/>
+                      </a:cubicBezTo>
+                      <a:cubicBezTo>
+                        <a:pt x="624405" y="27"/>
+                        <a:pt x="657015" y="6959"/>
+                        <a:pt x="687182" y="23278"/>
+                      </a:cubicBezTo>
+                      <a:cubicBezTo>
+                        <a:pt x="721504" y="41850"/>
+                        <a:pt x="748393" y="68391"/>
+                        <a:pt x="767265" y="102825"/>
+                      </a:cubicBezTo>
+                      <a:cubicBezTo>
+                        <a:pt x="784412" y="134108"/>
+                        <a:pt x="791604" y="167681"/>
+                        <a:pt x="791588" y="203139"/>
+                      </a:cubicBezTo>
+                      <a:cubicBezTo>
+                        <a:pt x="791518" y="395370"/>
+                        <a:pt x="790988" y="587608"/>
+                        <a:pt x="791990" y="779839"/>
+                      </a:cubicBezTo>
+                      <a:cubicBezTo>
+                        <a:pt x="792217" y="822716"/>
+                        <a:pt x="769032" y="854952"/>
+                        <a:pt x="725201" y="857913"/>
+                      </a:cubicBezTo>
+                      <a:cubicBezTo>
+                        <a:pt x="725201" y="877985"/>
+                        <a:pt x="725552" y="898152"/>
+                        <a:pt x="725041" y="918300"/>
+                      </a:cubicBezTo>
+                      <a:cubicBezTo>
+                        <a:pt x="724815" y="927177"/>
+                        <a:pt x="723841" y="936286"/>
+                        <a:pt x="721466" y="944803"/>
+                      </a:cubicBezTo>
+                      <a:cubicBezTo>
+                        <a:pt x="714895" y="968373"/>
+                        <a:pt x="691711" y="987435"/>
+                        <a:pt x="667101" y="988347"/>
+                      </a:cubicBezTo>
+                      <a:cubicBezTo>
+                        <a:pt x="640165" y="989343"/>
+                        <a:pt x="613118" y="989521"/>
+                        <a:pt x="586201" y="988296"/>
+                      </a:cubicBezTo>
+                      <a:cubicBezTo>
+                        <a:pt x="556746" y="986953"/>
+                        <a:pt x="530965" y="961252"/>
+                        <a:pt x="528878" y="931611"/>
+                      </a:cubicBezTo>
+                      <a:cubicBezTo>
+                        <a:pt x="527420" y="910908"/>
+                        <a:pt x="528138" y="890055"/>
+                        <a:pt x="527896" y="869268"/>
+                      </a:cubicBezTo>
+                      <a:cubicBezTo>
+                        <a:pt x="527854" y="865645"/>
+                        <a:pt x="527892" y="862018"/>
+                        <a:pt x="527892" y="857811"/>
+                      </a:cubicBezTo>
+                      <a:cubicBezTo>
+                        <a:pt x="439768" y="857811"/>
+                        <a:pt x="352272" y="857811"/>
+                        <a:pt x="263724" y="857811"/>
+                      </a:cubicBezTo>
+                      <a:cubicBezTo>
+                        <a:pt x="263724" y="878198"/>
+                        <a:pt x="264146" y="898353"/>
+                        <a:pt x="263536" y="918482"/>
+                      </a:cubicBezTo>
+                      <a:cubicBezTo>
+                        <a:pt x="263259" y="927617"/>
+                        <a:pt x="261979" y="937003"/>
+                        <a:pt x="259352" y="945734"/>
+                      </a:cubicBezTo>
+                      <a:cubicBezTo>
+                        <a:pt x="252347" y="968995"/>
+                        <a:pt x="229421" y="987467"/>
+                        <a:pt x="205101" y="988357"/>
+                      </a:cubicBezTo>
+                      <a:cubicBezTo>
+                        <a:pt x="178162" y="989346"/>
+                        <a:pt x="151117" y="989518"/>
+                        <a:pt x="124199" y="988306"/>
+                      </a:cubicBezTo>
+                      <a:cubicBezTo>
+                        <a:pt x="94565" y="986972"/>
+                        <a:pt x="68487" y="960215"/>
+                        <a:pt x="67038" y="930536"/>
+                      </a:cubicBezTo>
+                      <a:cubicBezTo>
+                        <a:pt x="66011" y="909507"/>
+                        <a:pt x="66579" y="888399"/>
+                        <a:pt x="66442" y="867325"/>
+                      </a:cubicBezTo>
+                      <a:cubicBezTo>
+                        <a:pt x="66421" y="864288"/>
+                        <a:pt x="66437" y="861247"/>
+                        <a:pt x="66437" y="857487"/>
+                      </a:cubicBezTo>
+                      <a:close/>
+                      <a:moveTo>
+                        <a:pt x="725861" y="198513"/>
+                      </a:moveTo>
+                      <a:cubicBezTo>
+                        <a:pt x="505434" y="198513"/>
+                        <a:pt x="285610" y="198513"/>
+                        <a:pt x="66057" y="198513"/>
+                      </a:cubicBezTo>
+                      <a:cubicBezTo>
+                        <a:pt x="66057" y="330617"/>
+                        <a:pt x="66057" y="462001"/>
+                        <a:pt x="66057" y="593434"/>
+                      </a:cubicBezTo>
+                      <a:cubicBezTo>
+                        <a:pt x="286302" y="593434"/>
+                        <a:pt x="505903" y="593434"/>
+                        <a:pt x="725861" y="593434"/>
+                      </a:cubicBezTo>
+                      <a:cubicBezTo>
+                        <a:pt x="725861" y="461621"/>
+                        <a:pt x="725861" y="330436"/>
+                        <a:pt x="725861" y="198513"/>
+                      </a:cubicBezTo>
+                      <a:close/>
+                      <a:moveTo>
+                        <a:pt x="264469" y="65958"/>
+                      </a:moveTo>
+                      <a:cubicBezTo>
+                        <a:pt x="264469" y="88155"/>
+                        <a:pt x="264469" y="109846"/>
+                        <a:pt x="264469" y="131624"/>
+                      </a:cubicBezTo>
+                      <a:cubicBezTo>
+                        <a:pt x="352434" y="131624"/>
+                        <a:pt x="439666" y="131624"/>
+                        <a:pt x="527168" y="131624"/>
+                      </a:cubicBezTo>
+                      <a:cubicBezTo>
+                        <a:pt x="527168" y="109501"/>
+                        <a:pt x="527168" y="87849"/>
+                        <a:pt x="527168" y="65958"/>
+                      </a:cubicBezTo>
+                      <a:cubicBezTo>
+                        <a:pt x="439184" y="65958"/>
+                        <a:pt x="351930" y="65958"/>
+                        <a:pt x="264469" y="65958"/>
+                      </a:cubicBezTo>
+                      <a:close/>
+                      <a:moveTo>
+                        <a:pt x="66124" y="727174"/>
+                      </a:moveTo>
+                      <a:cubicBezTo>
+                        <a:pt x="67809" y="764352"/>
+                        <a:pt x="98196" y="792923"/>
+                        <a:pt x="134362" y="791331"/>
+                      </a:cubicBezTo>
+                      <a:cubicBezTo>
+                        <a:pt x="170359" y="789745"/>
+                        <a:pt x="199176" y="759154"/>
+                        <a:pt x="197777" y="724009"/>
+                      </a:cubicBezTo>
+                      <a:cubicBezTo>
+                        <a:pt x="196300" y="686882"/>
+                        <a:pt x="165681" y="658135"/>
+                        <a:pt x="129514" y="659922"/>
+                      </a:cubicBezTo>
+                      <a:cubicBezTo>
+                        <a:pt x="92973" y="661728"/>
+                        <a:pt x="64529" y="691907"/>
+                        <a:pt x="66124" y="727174"/>
+                      </a:cubicBezTo>
+                      <a:close/>
+                      <a:moveTo>
+                        <a:pt x="659839" y="791396"/>
+                      </a:moveTo>
+                      <a:cubicBezTo>
+                        <a:pt x="695954" y="791307"/>
+                        <a:pt x="725508" y="761705"/>
+                        <a:pt x="725633" y="725494"/>
+                      </a:cubicBezTo>
+                      <a:cubicBezTo>
+                        <a:pt x="725754" y="689452"/>
+                        <a:pt x="695884" y="659754"/>
+                        <a:pt x="659616" y="659856"/>
+                      </a:cubicBezTo>
+                      <a:cubicBezTo>
+                        <a:pt x="623283" y="659959"/>
+                        <a:pt x="593535" y="689701"/>
+                        <a:pt x="593768" y="725692"/>
+                      </a:cubicBezTo>
+                      <a:cubicBezTo>
+                        <a:pt x="593997" y="761852"/>
+                        <a:pt x="623799" y="791486"/>
+                        <a:pt x="659839" y="791396"/>
+                      </a:cubicBezTo>
+                      <a:close/>
+                    </a:path>
+                  </a:pathLst>
+                </a:custGeom>
+                <a:grpFill/>
+                <a:ln w="1588" cap="flat">
+                  <a:noFill/>
+                  <a:prstDash val="solid"/>
+                  <a:miter/>
+                </a:ln>
+              </p:spPr>
+              <p:txBody>
+                <a:bodyPr rtlCol="0" anchor="ctr"/>
+                <a:lstStyle/>
+                <a:p>
+                  <a:endParaRPr lang="pt-BR" dirty="0"/>
+                </a:p>
+              </p:txBody>
+            </p:sp>
+          </p:grpSp>
         </p:grpSp>
       </p:grpSp>
       <p:sp>
@@ -22587,6 +23545,18 @@
   <p:clrMapOvr>
     <a:masterClrMapping/>
   </p:clrMapOvr>
+  <mc:AlternateContent xmlns:mc="http://schemas.openxmlformats.org/markup-compatibility/2006">
+    <mc:Choice xmlns:p159="http://schemas.microsoft.com/office/powerpoint/2015/09/main" Requires="p159">
+      <p:transition spd="slow">
+        <p159:morph option="byObject"/>
+      </p:transition>
+    </mc:Choice>
+    <mc:Fallback>
+      <p:transition spd="slow">
+        <p:fade/>
+      </p:transition>
+    </mc:Fallback>
+  </mc:AlternateContent>
 </p:sld>
 </file>
 
@@ -23076,6 +24046,18 @@
   <p:clrMapOvr>
     <a:masterClrMapping/>
   </p:clrMapOvr>
+  <mc:AlternateContent xmlns:mc="http://schemas.openxmlformats.org/markup-compatibility/2006">
+    <mc:Choice xmlns:p159="http://schemas.microsoft.com/office/powerpoint/2015/09/main" Requires="p159">
+      <p:transition spd="slow">
+        <p159:morph option="byObject"/>
+      </p:transition>
+    </mc:Choice>
+    <mc:Fallback>
+      <p:transition spd="slow">
+        <p:fade/>
+      </p:transition>
+    </mc:Fallback>
+  </mc:AlternateContent>
 </p:sld>
 </file>
 
@@ -23445,7 +24427,7 @@
         <p:spPr>
           <a:xfrm>
             <a:off x="515937" y="765175"/>
-            <a:ext cx="4827587" cy="523220"/>
+            <a:ext cx="4827587" cy="584775"/>
           </a:xfrm>
           <a:prstGeom prst="rect">
             <a:avLst/>
@@ -23459,7 +24441,7 @@
           <a:lstStyle/>
           <a:p>
             <a:r>
-              <a:rPr lang="pt-BR" sz="2800" b="1" dirty="0">
+              <a:rPr lang="pt-BR" sz="3200" b="1" dirty="0">
                 <a:solidFill>
                   <a:srgbClr val="C9B638"/>
                 </a:solidFill>
@@ -23522,7 +24504,7 @@
         </p:nvGrpSpPr>
         <p:grpSpPr>
           <a:xfrm>
-            <a:off x="3244319" y="1364937"/>
+            <a:off x="3244319" y="2031077"/>
             <a:ext cx="2675521" cy="739565"/>
             <a:chOff x="1934490" y="1880458"/>
             <a:chExt cx="2675521" cy="739565"/>
@@ -23751,7 +24733,7 @@
         </p:nvGrpSpPr>
         <p:grpSpPr>
           <a:xfrm>
-            <a:off x="2856000" y="826539"/>
+            <a:off x="2856000" y="1492679"/>
             <a:ext cx="1543225" cy="520475"/>
             <a:chOff x="1934490" y="1917067"/>
             <a:chExt cx="2583659" cy="814605"/>
@@ -23891,7 +24873,7 @@
         </p:nvGrpSpPr>
         <p:grpSpPr>
           <a:xfrm>
-            <a:off x="3244319" y="2064019"/>
+            <a:off x="3244319" y="2730159"/>
             <a:ext cx="2675521" cy="739565"/>
             <a:chOff x="1934490" y="1880458"/>
             <a:chExt cx="2675521" cy="739565"/>
@@ -24130,7 +25112,7 @@
         </p:nvGrpSpPr>
         <p:grpSpPr>
           <a:xfrm>
-            <a:off x="3244319" y="3422652"/>
+            <a:off x="3244319" y="4088792"/>
             <a:ext cx="2675521" cy="739565"/>
             <a:chOff x="1934490" y="1880458"/>
             <a:chExt cx="2675521" cy="739565"/>
@@ -24376,7 +25358,7 @@
         </p:nvGrpSpPr>
         <p:grpSpPr>
           <a:xfrm>
-            <a:off x="3244319" y="4105181"/>
+            <a:off x="3244319" y="4771321"/>
             <a:ext cx="2675521" cy="739565"/>
             <a:chOff x="1934490" y="1880458"/>
             <a:chExt cx="2675521" cy="739565"/>
@@ -24605,7 +25587,7 @@
         </p:nvGrpSpPr>
         <p:grpSpPr>
           <a:xfrm>
-            <a:off x="3244319" y="2759380"/>
+            <a:off x="3244319" y="3425520"/>
             <a:ext cx="2675521" cy="739565"/>
             <a:chOff x="1934490" y="1880458"/>
             <a:chExt cx="2675521" cy="739565"/>
@@ -24834,7 +25816,7 @@
         </p:nvGrpSpPr>
         <p:grpSpPr>
           <a:xfrm>
-            <a:off x="7008233" y="1364937"/>
+            <a:off x="7008233" y="2031077"/>
             <a:ext cx="2675521" cy="739565"/>
             <a:chOff x="1934490" y="1880458"/>
             <a:chExt cx="2675521" cy="739565"/>
@@ -25047,7 +26029,7 @@
         </p:nvGrpSpPr>
         <p:grpSpPr>
           <a:xfrm>
-            <a:off x="6619914" y="826539"/>
+            <a:off x="6619914" y="1492679"/>
             <a:ext cx="1543225" cy="520475"/>
             <a:chOff x="1934490" y="1917067"/>
             <a:chExt cx="2583659" cy="814605"/>
@@ -25189,7 +26171,7 @@
         </p:nvGrpSpPr>
         <p:grpSpPr>
           <a:xfrm>
-            <a:off x="7008233" y="2056826"/>
+            <a:off x="7008233" y="2722966"/>
             <a:ext cx="3155703" cy="739565"/>
             <a:chOff x="1934490" y="1880458"/>
             <a:chExt cx="3155703" cy="739565"/>
@@ -25402,7 +26384,7 @@
         </p:nvGrpSpPr>
         <p:grpSpPr>
           <a:xfrm>
-            <a:off x="7008233" y="2740453"/>
+            <a:off x="7008233" y="3406593"/>
             <a:ext cx="2857487" cy="739565"/>
             <a:chOff x="1934490" y="1880458"/>
             <a:chExt cx="2857487" cy="739565"/>
@@ -25785,7 +26767,7 @@
         </p:blipFill>
         <p:spPr>
           <a:xfrm>
-            <a:off x="7092854" y="3157905"/>
+            <a:off x="7092854" y="3824045"/>
             <a:ext cx="273600" cy="273600"/>
           </a:xfrm>
           <a:prstGeom prst="rect">
@@ -25821,7 +26803,7 @@
         </p:blipFill>
         <p:spPr>
           <a:xfrm>
-            <a:off x="7092854" y="2469118"/>
+            <a:off x="7092854" y="3135258"/>
             <a:ext cx="273600" cy="273600"/>
           </a:xfrm>
           <a:prstGeom prst="rect">
@@ -25857,7 +26839,7 @@
         </p:blipFill>
         <p:spPr>
           <a:xfrm>
-            <a:off x="7092854" y="1780290"/>
+            <a:off x="7092854" y="2446430"/>
             <a:ext cx="273600" cy="273600"/>
           </a:xfrm>
           <a:prstGeom prst="rect">
@@ -25927,6 +26909,18 @@
   <p:clrMapOvr>
     <a:masterClrMapping/>
   </p:clrMapOvr>
+  <mc:AlternateContent xmlns:mc="http://schemas.openxmlformats.org/markup-compatibility/2006">
+    <mc:Choice xmlns:p159="http://schemas.microsoft.com/office/powerpoint/2015/09/main" Requires="p159">
+      <p:transition spd="slow">
+        <p159:morph option="byObject"/>
+      </p:transition>
+    </mc:Choice>
+    <mc:Fallback>
+      <p:transition spd="slow">
+        <p:fade/>
+      </p:transition>
+    </mc:Fallback>
+  </mc:AlternateContent>
 </p:sld>
 </file>
 

--- a/docs/apresentacao/Apresentação - Sprint 4.pptx
+++ b/docs/apresentacao/Apresentação - Sprint 4.pptx
@@ -21,8 +21,8 @@
     <p:sldId id="291" r:id="rId12"/>
     <p:sldId id="297" r:id="rId13"/>
     <p:sldId id="265" r:id="rId14"/>
-    <p:sldId id="301" r:id="rId15"/>
-    <p:sldId id="305" r:id="rId16"/>
+    <p:sldId id="305" r:id="rId15"/>
+    <p:sldId id="301" r:id="rId16"/>
     <p:sldId id="304" r:id="rId17"/>
     <p:sldId id="289" r:id="rId18"/>
   </p:sldIdLst>
@@ -192,8 +192,8 @@
 <pc:chgInfo xmlns:a="http://schemas.openxmlformats.org/drawingml/2006/main" xmlns:r="http://schemas.openxmlformats.org/officeDocument/2006/relationships" xmlns:ac="http://schemas.microsoft.com/office/drawing/2013/main/command" xmlns:pc="http://schemas.microsoft.com/office/powerpoint/2013/main/command">
   <pc:docChgLst>
     <pc:chgData name="Guilherme Lage da Costa" userId="e66f0b7e9f7bd981" providerId="LiveId" clId="{957C50AA-5744-4113-8340-ECEE95D7512C}"/>
-    <pc:docChg chg="undo custSel addSld delSld modSld">
-      <pc:chgData name="Guilherme Lage da Costa" userId="e66f0b7e9f7bd981" providerId="LiveId" clId="{957C50AA-5744-4113-8340-ECEE95D7512C}" dt="2022-12-04T14:58:47.807" v="279" actId="255"/>
+    <pc:docChg chg="undo custSel addSld delSld modSld sldOrd">
+      <pc:chgData name="Guilherme Lage da Costa" userId="e66f0b7e9f7bd981" providerId="LiveId" clId="{957C50AA-5744-4113-8340-ECEE95D7512C}" dt="2022-12-04T20:15:18.173" v="294" actId="20577"/>
       <pc:docMkLst>
         <pc:docMk/>
       </pc:docMkLst>
@@ -635,7 +635,7 @@
         </pc:sldMkLst>
       </pc:sldChg>
       <pc:sldChg chg="modSp mod modTransition">
-        <pc:chgData name="Guilherme Lage da Costa" userId="e66f0b7e9f7bd981" providerId="LiveId" clId="{957C50AA-5744-4113-8340-ECEE95D7512C}" dt="2022-12-04T14:27:52.728" v="116"/>
+        <pc:chgData name="Guilherme Lage da Costa" userId="e66f0b7e9f7bd981" providerId="LiveId" clId="{957C50AA-5744-4113-8340-ECEE95D7512C}" dt="2022-12-04T20:12:30.731" v="288" actId="20577"/>
         <pc:sldMkLst>
           <pc:docMk/>
           <pc:sldMk cId="2866599713" sldId="299"/>
@@ -649,7 +649,7 @@
           </ac:spMkLst>
         </pc:spChg>
         <pc:spChg chg="mod">
-          <ac:chgData name="Guilherme Lage da Costa" userId="e66f0b7e9f7bd981" providerId="LiveId" clId="{957C50AA-5744-4113-8340-ECEE95D7512C}" dt="2022-12-04T14:03:38.459" v="19" actId="255"/>
+          <ac:chgData name="Guilherme Lage da Costa" userId="e66f0b7e9f7bd981" providerId="LiveId" clId="{957C50AA-5744-4113-8340-ECEE95D7512C}" dt="2022-12-04T20:12:30.731" v="288" actId="20577"/>
           <ac:spMkLst>
             <pc:docMk/>
             <pc:sldMk cId="2866599713" sldId="299"/>
@@ -658,7 +658,7 @@
         </pc:spChg>
       </pc:sldChg>
       <pc:sldChg chg="delSp modSp mod modTransition">
-        <pc:chgData name="Guilherme Lage da Costa" userId="e66f0b7e9f7bd981" providerId="LiveId" clId="{957C50AA-5744-4113-8340-ECEE95D7512C}" dt="2022-12-04T14:27:52.728" v="116"/>
+        <pc:chgData name="Guilherme Lage da Costa" userId="e66f0b7e9f7bd981" providerId="LiveId" clId="{957C50AA-5744-4113-8340-ECEE95D7512C}" dt="2022-12-04T20:11:28.362" v="283" actId="20577"/>
         <pc:sldMkLst>
           <pc:docMk/>
           <pc:sldMk cId="1753690929" sldId="300"/>
@@ -672,7 +672,7 @@
           </ac:spMkLst>
         </pc:spChg>
         <pc:spChg chg="mod">
-          <ac:chgData name="Guilherme Lage da Costa" userId="e66f0b7e9f7bd981" providerId="LiveId" clId="{957C50AA-5744-4113-8340-ECEE95D7512C}" dt="2022-12-04T14:03:04.116" v="9" actId="255"/>
+          <ac:chgData name="Guilherme Lage da Costa" userId="e66f0b7e9f7bd981" providerId="LiveId" clId="{957C50AA-5744-4113-8340-ECEE95D7512C}" dt="2022-12-04T20:11:28.362" v="283" actId="20577"/>
           <ac:spMkLst>
             <pc:docMk/>
             <pc:sldMk cId="1753690929" sldId="300"/>
@@ -688,8 +688,8 @@
           </ac:spMkLst>
         </pc:spChg>
       </pc:sldChg>
-      <pc:sldChg chg="addSp delSp modSp mod modTransition">
-        <pc:chgData name="Guilherme Lage da Costa" userId="e66f0b7e9f7bd981" providerId="LiveId" clId="{957C50AA-5744-4113-8340-ECEE95D7512C}" dt="2022-12-04T14:38:09.512" v="239" actId="14100"/>
+      <pc:sldChg chg="addSp delSp modSp mod ord modTransition">
+        <pc:chgData name="Guilherme Lage da Costa" userId="e66f0b7e9f7bd981" providerId="LiveId" clId="{957C50AA-5744-4113-8340-ECEE95D7512C}" dt="2022-12-04T20:15:11.815" v="292" actId="20577"/>
         <pc:sldMkLst>
           <pc:docMk/>
           <pc:sldMk cId="2194254828" sldId="301"/>
@@ -700,6 +700,14 @@
             <pc:docMk/>
             <pc:sldMk cId="2194254828" sldId="301"/>
             <ac:spMk id="40" creationId="{E43782FE-9F16-96C6-312F-28895DF7588A}"/>
+          </ac:spMkLst>
+        </pc:spChg>
+        <pc:spChg chg="mod">
+          <ac:chgData name="Guilherme Lage da Costa" userId="e66f0b7e9f7bd981" providerId="LiveId" clId="{957C50AA-5744-4113-8340-ECEE95D7512C}" dt="2022-12-04T20:15:11.815" v="292" actId="20577"/>
+          <ac:spMkLst>
+            <pc:docMk/>
+            <pc:sldMk cId="2194254828" sldId="301"/>
+            <ac:spMk id="47" creationId="{FD1502EC-52A2-95D5-E157-FD4F2A55FD3B}"/>
           </ac:spMkLst>
         </pc:spChg>
         <pc:spChg chg="mod">
@@ -904,7 +912,7 @@
         </pc:cxnChg>
       </pc:sldChg>
       <pc:sldChg chg="modSp mod modTransition">
-        <pc:chgData name="Guilherme Lage da Costa" userId="e66f0b7e9f7bd981" providerId="LiveId" clId="{957C50AA-5744-4113-8340-ECEE95D7512C}" dt="2022-12-04T14:27:52.728" v="116"/>
+        <pc:chgData name="Guilherme Lage da Costa" userId="e66f0b7e9f7bd981" providerId="LiveId" clId="{957C50AA-5744-4113-8340-ECEE95D7512C}" dt="2022-12-04T20:10:37.767" v="281" actId="20577"/>
         <pc:sldMkLst>
           <pc:docMk/>
           <pc:sldMk cId="3668130944" sldId="302"/>
@@ -918,7 +926,7 @@
           </ac:spMkLst>
         </pc:spChg>
         <pc:spChg chg="mod">
-          <ac:chgData name="Guilherme Lage da Costa" userId="e66f0b7e9f7bd981" providerId="LiveId" clId="{957C50AA-5744-4113-8340-ECEE95D7512C}" dt="2022-12-04T14:23:50.934" v="106" actId="1076"/>
+          <ac:chgData name="Guilherme Lage da Costa" userId="e66f0b7e9f7bd981" providerId="LiveId" clId="{957C50AA-5744-4113-8340-ECEE95D7512C}" dt="2022-12-04T20:10:37.767" v="281" actId="20577"/>
           <ac:spMkLst>
             <pc:docMk/>
             <pc:sldMk cId="3668130944" sldId="302"/>
@@ -973,13 +981,13 @@
         </pc:sldMkLst>
       </pc:sldChg>
       <pc:sldChg chg="modSp add mod">
-        <pc:chgData name="Guilherme Lage da Costa" userId="e66f0b7e9f7bd981" providerId="LiveId" clId="{957C50AA-5744-4113-8340-ECEE95D7512C}" dt="2022-12-04T14:29:56.397" v="119" actId="20577"/>
+        <pc:chgData name="Guilherme Lage da Costa" userId="e66f0b7e9f7bd981" providerId="LiveId" clId="{957C50AA-5744-4113-8340-ECEE95D7512C}" dt="2022-12-04T20:15:18.173" v="294" actId="20577"/>
         <pc:sldMkLst>
           <pc:docMk/>
           <pc:sldMk cId="490094493" sldId="305"/>
         </pc:sldMkLst>
         <pc:spChg chg="mod">
-          <ac:chgData name="Guilherme Lage da Costa" userId="e66f0b7e9f7bd981" providerId="LiveId" clId="{957C50AA-5744-4113-8340-ECEE95D7512C}" dt="2022-12-04T14:29:56.397" v="119" actId="20577"/>
+          <ac:chgData name="Guilherme Lage da Costa" userId="e66f0b7e9f7bd981" providerId="LiveId" clId="{957C50AA-5744-4113-8340-ECEE95D7512C}" dt="2022-12-04T20:15:18.173" v="294" actId="20577"/>
           <ac:spMkLst>
             <pc:docMk/>
             <pc:sldMk cId="490094493" sldId="305"/>
@@ -9410,13 +9418,13 @@
   <p:clrMapOvr>
     <a:masterClrMapping/>
   </p:clrMapOvr>
-  <mc:AlternateContent xmlns:mc="http://schemas.openxmlformats.org/markup-compatibility/2006">
-    <mc:Choice xmlns:p159="http://schemas.microsoft.com/office/powerpoint/2015/09/main" Requires="p159">
+  <mc:AlternateContent xmlns:mc="http://schemas.openxmlformats.org/markup-compatibility/2006" xmlns:p159="http://schemas.microsoft.com/office/powerpoint/2015/09/main">
+    <mc:Choice Requires="p159">
       <p:transition spd="slow">
         <p159:morph option="byObject"/>
       </p:transition>
     </mc:Choice>
-    <mc:Fallback>
+    <mc:Fallback xmlns="">
       <p:transition spd="slow">
         <p:fade/>
       </p:transition>
@@ -10141,13 +10149,13 @@
   <p:clrMapOvr>
     <a:masterClrMapping/>
   </p:clrMapOvr>
-  <mc:AlternateContent xmlns:mc="http://schemas.openxmlformats.org/markup-compatibility/2006">
-    <mc:Choice xmlns:p159="http://schemas.microsoft.com/office/powerpoint/2015/09/main" Requires="p159">
+  <mc:AlternateContent xmlns:mc="http://schemas.openxmlformats.org/markup-compatibility/2006" xmlns:p159="http://schemas.microsoft.com/office/powerpoint/2015/09/main">
+    <mc:Choice Requires="p159">
       <p:transition spd="slow">
         <p159:morph option="byObject"/>
       </p:transition>
     </mc:Choice>
-    <mc:Fallback>
+    <mc:Fallback xmlns="">
       <p:transition spd="slow">
         <p:fade/>
       </p:transition>
@@ -10800,13 +10808,13 @@
   <p:clrMapOvr>
     <a:masterClrMapping/>
   </p:clrMapOvr>
-  <mc:AlternateContent xmlns:mc="http://schemas.openxmlformats.org/markup-compatibility/2006">
-    <mc:Choice xmlns:p159="http://schemas.microsoft.com/office/powerpoint/2015/09/main" Requires="p159">
+  <mc:AlternateContent xmlns:mc="http://schemas.openxmlformats.org/markup-compatibility/2006" xmlns:p159="http://schemas.microsoft.com/office/powerpoint/2015/09/main">
+    <mc:Choice Requires="p159">
       <p:transition spd="slow">
         <p159:morph option="byObject"/>
       </p:transition>
     </mc:Choice>
-    <mc:Fallback>
+    <mc:Fallback xmlns="">
       <p:transition spd="slow">
         <p:fade/>
       </p:transition>
@@ -11802,13 +11810,13 @@
   <p:clrMapOvr>
     <a:masterClrMapping/>
   </p:clrMapOvr>
-  <mc:AlternateContent xmlns:mc="http://schemas.openxmlformats.org/markup-compatibility/2006">
-    <mc:Choice xmlns:p159="http://schemas.microsoft.com/office/powerpoint/2015/09/main" Requires="p159">
+  <mc:AlternateContent xmlns:mc="http://schemas.openxmlformats.org/markup-compatibility/2006" xmlns:p159="http://schemas.microsoft.com/office/powerpoint/2015/09/main">
+    <mc:Choice Requires="p159">
       <p:transition spd="slow">
         <p159:morph option="byObject"/>
       </p:transition>
     </mc:Choice>
-    <mc:Fallback>
+    <mc:Fallback xmlns="">
       <p:transition spd="slow">
         <p:fade/>
       </p:transition>
@@ -12308,13 +12316,13 @@
   <p:clrMapOvr>
     <a:masterClrMapping/>
   </p:clrMapOvr>
-  <mc:AlternateContent xmlns:mc="http://schemas.openxmlformats.org/markup-compatibility/2006">
-    <mc:Choice xmlns:p159="http://schemas.microsoft.com/office/powerpoint/2015/09/main" Requires="p159">
+  <mc:AlternateContent xmlns:mc="http://schemas.openxmlformats.org/markup-compatibility/2006" xmlns:p159="http://schemas.microsoft.com/office/powerpoint/2015/09/main">
+    <mc:Choice Requires="p159">
       <p:transition spd="slow">
         <p159:morph option="byObject"/>
       </p:transition>
     </mc:Choice>
-    <mc:Fallback>
+    <mc:Fallback xmlns="">
       <p:transition spd="slow">
         <p:fade/>
       </p:transition>
@@ -12324,1053 +12332,6 @@
 </file>
 
 <file path=ppt/slides/slide14.xml><?xml version="1.0" encoding="utf-8"?>
-<p:sld xmlns:a="http://schemas.openxmlformats.org/drawingml/2006/main" xmlns:r="http://schemas.openxmlformats.org/officeDocument/2006/relationships" xmlns:p="http://schemas.openxmlformats.org/presentationml/2006/main">
-  <p:cSld>
-    <p:spTree>
-      <p:nvGrpSpPr>
-        <p:cNvPr id="1" name=""/>
-        <p:cNvGrpSpPr/>
-        <p:nvPr/>
-      </p:nvGrpSpPr>
-      <p:grpSpPr>
-        <a:xfrm>
-          <a:off x="0" y="0"/>
-          <a:ext cx="0" cy="0"/>
-          <a:chOff x="0" y="0"/>
-          <a:chExt cx="0" cy="0"/>
-        </a:xfrm>
-      </p:grpSpPr>
-      <p:sp>
-        <p:nvSpPr>
-          <p:cNvPr id="2" name="Retângulo 1">
-            <a:extLst>
-              <a:ext uri="{FF2B5EF4-FFF2-40B4-BE49-F238E27FC236}">
-                <a16:creationId xmlns:a16="http://schemas.microsoft.com/office/drawing/2014/main" id="{2F1FBD3C-743F-7089-0D0C-DA7CC5462B50}"/>
-              </a:ext>
-            </a:extLst>
-          </p:cNvPr>
-          <p:cNvSpPr/>
-          <p:nvPr/>
-        </p:nvSpPr>
-        <p:spPr>
-          <a:xfrm>
-            <a:off x="0" y="369332"/>
-            <a:ext cx="12192000" cy="115410"/>
-          </a:xfrm>
-          <a:prstGeom prst="rect">
-            <a:avLst/>
-          </a:prstGeom>
-          <a:solidFill>
-            <a:schemeClr val="bg1">
-              <a:lumMod val="95000"/>
-            </a:schemeClr>
-          </a:solidFill>
-          <a:ln>
-            <a:noFill/>
-          </a:ln>
-        </p:spPr>
-        <p:style>
-          <a:lnRef idx="2">
-            <a:schemeClr val="accent1">
-              <a:shade val="50000"/>
-            </a:schemeClr>
-          </a:lnRef>
-          <a:fillRef idx="1">
-            <a:schemeClr val="accent1"/>
-          </a:fillRef>
-          <a:effectRef idx="0">
-            <a:schemeClr val="accent1"/>
-          </a:effectRef>
-          <a:fontRef idx="minor">
-            <a:schemeClr val="lt1"/>
-          </a:fontRef>
-        </p:style>
-        <p:txBody>
-          <a:bodyPr rtlCol="0" anchor="ctr"/>
-          <a:lstStyle/>
-          <a:p>
-            <a:pPr algn="ctr"/>
-            <a:endParaRPr lang="pt-BR"/>
-          </a:p>
-        </p:txBody>
-      </p:sp>
-      <p:sp>
-        <p:nvSpPr>
-          <p:cNvPr id="8" name="CaixaDeTexto 7">
-            <a:extLst>
-              <a:ext uri="{FF2B5EF4-FFF2-40B4-BE49-F238E27FC236}">
-                <a16:creationId xmlns:a16="http://schemas.microsoft.com/office/drawing/2014/main" id="{3461DDC4-7834-928F-6FF1-90D55E914CB6}"/>
-              </a:ext>
-            </a:extLst>
-          </p:cNvPr>
-          <p:cNvSpPr txBox="1"/>
-          <p:nvPr/>
-        </p:nvSpPr>
-        <p:spPr>
-          <a:xfrm>
-            <a:off x="696000" y="2203"/>
-            <a:ext cx="2160000" cy="369332"/>
-          </a:xfrm>
-          <a:prstGeom prst="rect">
-            <a:avLst/>
-          </a:prstGeom>
-          <a:noFill/>
-          <a:ln>
-            <a:noFill/>
-          </a:ln>
-        </p:spPr>
-        <p:txBody>
-          <a:bodyPr wrap="square" rtlCol="0">
-            <a:spAutoFit/>
-          </a:bodyPr>
-          <a:lstStyle/>
-          <a:p>
-            <a:pPr algn="ctr"/>
-            <a:r>
-              <a:rPr lang="pt-BR" b="1" dirty="0">
-                <a:solidFill>
-                  <a:schemeClr val="bg1">
-                    <a:lumMod val="85000"/>
-                  </a:schemeClr>
-                </a:solidFill>
-              </a:rPr>
-              <a:t>PROBLEMA</a:t>
-            </a:r>
-          </a:p>
-        </p:txBody>
-      </p:sp>
-      <p:sp>
-        <p:nvSpPr>
-          <p:cNvPr id="3" name="CaixaDeTexto 2">
-            <a:extLst>
-              <a:ext uri="{FF2B5EF4-FFF2-40B4-BE49-F238E27FC236}">
-                <a16:creationId xmlns:a16="http://schemas.microsoft.com/office/drawing/2014/main" id="{F48F51F9-85BE-89C0-5C6F-4FC0DBA1EC41}"/>
-              </a:ext>
-            </a:extLst>
-          </p:cNvPr>
-          <p:cNvSpPr txBox="1"/>
-          <p:nvPr/>
-        </p:nvSpPr>
-        <p:spPr>
-          <a:xfrm>
-            <a:off x="2856000" y="2203"/>
-            <a:ext cx="2160000" cy="369332"/>
-          </a:xfrm>
-          <a:prstGeom prst="rect">
-            <a:avLst/>
-          </a:prstGeom>
-          <a:noFill/>
-          <a:ln>
-            <a:noFill/>
-          </a:ln>
-        </p:spPr>
-        <p:txBody>
-          <a:bodyPr wrap="square" rtlCol="0">
-            <a:spAutoFit/>
-          </a:bodyPr>
-          <a:lstStyle/>
-          <a:p>
-            <a:pPr algn="ctr"/>
-            <a:r>
-              <a:rPr lang="pt-BR" b="1" dirty="0">
-                <a:solidFill>
-                  <a:schemeClr val="bg1">
-                    <a:lumMod val="85000"/>
-                  </a:schemeClr>
-                </a:solidFill>
-              </a:rPr>
-              <a:t>PROPOSTA</a:t>
-            </a:r>
-          </a:p>
-        </p:txBody>
-      </p:sp>
-      <p:sp>
-        <p:nvSpPr>
-          <p:cNvPr id="4" name="CaixaDeTexto 3">
-            <a:extLst>
-              <a:ext uri="{FF2B5EF4-FFF2-40B4-BE49-F238E27FC236}">
-                <a16:creationId xmlns:a16="http://schemas.microsoft.com/office/drawing/2014/main" id="{E04C7952-57DC-46E9-E136-2F022066A217}"/>
-              </a:ext>
-            </a:extLst>
-          </p:cNvPr>
-          <p:cNvSpPr txBox="1"/>
-          <p:nvPr/>
-        </p:nvSpPr>
-        <p:spPr>
-          <a:xfrm>
-            <a:off x="5016000" y="0"/>
-            <a:ext cx="2160000" cy="369332"/>
-          </a:xfrm>
-          <a:prstGeom prst="rect">
-            <a:avLst/>
-          </a:prstGeom>
-          <a:noFill/>
-          <a:ln>
-            <a:noFill/>
-          </a:ln>
-        </p:spPr>
-        <p:txBody>
-          <a:bodyPr wrap="square" rtlCol="0">
-            <a:spAutoFit/>
-          </a:bodyPr>
-          <a:lstStyle/>
-          <a:p>
-            <a:pPr algn="ctr"/>
-            <a:r>
-              <a:rPr lang="pt-BR" b="1" dirty="0">
-                <a:solidFill>
-                  <a:schemeClr val="bg1">
-                    <a:lumMod val="85000"/>
-                  </a:schemeClr>
-                </a:solidFill>
-              </a:rPr>
-              <a:t>METODOLOGIA</a:t>
-            </a:r>
-          </a:p>
-        </p:txBody>
-      </p:sp>
-      <p:sp>
-        <p:nvSpPr>
-          <p:cNvPr id="5" name="CaixaDeTexto 4">
-            <a:extLst>
-              <a:ext uri="{FF2B5EF4-FFF2-40B4-BE49-F238E27FC236}">
-                <a16:creationId xmlns:a16="http://schemas.microsoft.com/office/drawing/2014/main" id="{9565DBA7-51CE-BB4F-5614-5E7D8C23877B}"/>
-              </a:ext>
-            </a:extLst>
-          </p:cNvPr>
-          <p:cNvSpPr txBox="1"/>
-          <p:nvPr/>
-        </p:nvSpPr>
-        <p:spPr>
-          <a:xfrm>
-            <a:off x="7176000" y="0"/>
-            <a:ext cx="2160000" cy="369332"/>
-          </a:xfrm>
-          <a:prstGeom prst="rect">
-            <a:avLst/>
-          </a:prstGeom>
-          <a:noFill/>
-          <a:ln>
-            <a:noFill/>
-          </a:ln>
-        </p:spPr>
-        <p:txBody>
-          <a:bodyPr wrap="square" rtlCol="0">
-            <a:spAutoFit/>
-          </a:bodyPr>
-          <a:lstStyle/>
-          <a:p>
-            <a:pPr algn="ctr"/>
-            <a:r>
-              <a:rPr lang="pt-BR" b="1" dirty="0">
-                <a:solidFill>
-                  <a:srgbClr val="57606A"/>
-                </a:solidFill>
-              </a:rPr>
-              <a:t>ARQUITETURA</a:t>
-            </a:r>
-            <a:endParaRPr lang="pt-BR" b="1" dirty="0">
-              <a:solidFill>
-                <a:srgbClr val="339966"/>
-              </a:solidFill>
-            </a:endParaRPr>
-          </a:p>
-        </p:txBody>
-      </p:sp>
-      <p:sp>
-        <p:nvSpPr>
-          <p:cNvPr id="6" name="CaixaDeTexto 5">
-            <a:extLst>
-              <a:ext uri="{FF2B5EF4-FFF2-40B4-BE49-F238E27FC236}">
-                <a16:creationId xmlns:a16="http://schemas.microsoft.com/office/drawing/2014/main" id="{6FA43461-C92B-27EB-1661-D33A0C4B7AB5}"/>
-              </a:ext>
-            </a:extLst>
-          </p:cNvPr>
-          <p:cNvSpPr txBox="1"/>
-          <p:nvPr/>
-        </p:nvSpPr>
-        <p:spPr>
-          <a:xfrm>
-            <a:off x="9336000" y="0"/>
-            <a:ext cx="2160000" cy="369332"/>
-          </a:xfrm>
-          <a:prstGeom prst="rect">
-            <a:avLst/>
-          </a:prstGeom>
-          <a:noFill/>
-          <a:ln>
-            <a:noFill/>
-          </a:ln>
-        </p:spPr>
-        <p:txBody>
-          <a:bodyPr wrap="square" rtlCol="0">
-            <a:spAutoFit/>
-          </a:bodyPr>
-          <a:lstStyle/>
-          <a:p>
-            <a:pPr algn="ctr"/>
-            <a:r>
-              <a:rPr lang="pt-BR" b="1" dirty="0">
-                <a:solidFill>
-                  <a:schemeClr val="bg1">
-                    <a:lumMod val="85000"/>
-                  </a:schemeClr>
-                </a:solidFill>
-              </a:rPr>
-              <a:t>FECHAMENTO</a:t>
-            </a:r>
-            <a:endParaRPr lang="pt-BR" b="1" dirty="0">
-              <a:solidFill>
-                <a:srgbClr val="339966"/>
-              </a:solidFill>
-            </a:endParaRPr>
-          </a:p>
-        </p:txBody>
-      </p:sp>
-      <p:sp>
-        <p:nvSpPr>
-          <p:cNvPr id="12" name="Retângulo 11">
-            <a:extLst>
-              <a:ext uri="{FF2B5EF4-FFF2-40B4-BE49-F238E27FC236}">
-                <a16:creationId xmlns:a16="http://schemas.microsoft.com/office/drawing/2014/main" id="{6E1F3B03-DD54-2C34-29FC-055C3D2637F8}"/>
-              </a:ext>
-            </a:extLst>
-          </p:cNvPr>
-          <p:cNvSpPr/>
-          <p:nvPr/>
-        </p:nvSpPr>
-        <p:spPr>
-          <a:xfrm>
-            <a:off x="7176000" y="369332"/>
-            <a:ext cx="2160000" cy="115410"/>
-          </a:xfrm>
-          <a:prstGeom prst="rect">
-            <a:avLst/>
-          </a:prstGeom>
-          <a:solidFill>
-            <a:srgbClr val="57606A"/>
-          </a:solidFill>
-          <a:ln>
-            <a:noFill/>
-          </a:ln>
-        </p:spPr>
-        <p:style>
-          <a:lnRef idx="2">
-            <a:schemeClr val="accent1">
-              <a:shade val="50000"/>
-            </a:schemeClr>
-          </a:lnRef>
-          <a:fillRef idx="1">
-            <a:schemeClr val="accent1"/>
-          </a:fillRef>
-          <a:effectRef idx="0">
-            <a:schemeClr val="accent1"/>
-          </a:effectRef>
-          <a:fontRef idx="minor">
-            <a:schemeClr val="lt1"/>
-          </a:fontRef>
-        </p:style>
-        <p:txBody>
-          <a:bodyPr rtlCol="0" anchor="ctr"/>
-          <a:lstStyle/>
-          <a:p>
-            <a:pPr algn="ctr"/>
-            <a:endParaRPr lang="pt-BR"/>
-          </a:p>
-        </p:txBody>
-      </p:sp>
-      <p:sp>
-        <p:nvSpPr>
-          <p:cNvPr id="44" name="Retângulo 43">
-            <a:extLst>
-              <a:ext uri="{FF2B5EF4-FFF2-40B4-BE49-F238E27FC236}">
-                <a16:creationId xmlns:a16="http://schemas.microsoft.com/office/drawing/2014/main" id="{A3B22DA2-8F40-E487-B121-6ED3E34AD421}"/>
-              </a:ext>
-            </a:extLst>
-          </p:cNvPr>
-          <p:cNvSpPr/>
-          <p:nvPr/>
-        </p:nvSpPr>
-        <p:spPr>
-          <a:xfrm>
-            <a:off x="0" y="6751467"/>
-            <a:ext cx="12192000" cy="115410"/>
-          </a:xfrm>
-          <a:prstGeom prst="rect">
-            <a:avLst/>
-          </a:prstGeom>
-          <a:solidFill>
-            <a:srgbClr val="57606A"/>
-          </a:solidFill>
-          <a:ln>
-            <a:noFill/>
-          </a:ln>
-        </p:spPr>
-        <p:style>
-          <a:lnRef idx="2">
-            <a:schemeClr val="accent1">
-              <a:shade val="50000"/>
-            </a:schemeClr>
-          </a:lnRef>
-          <a:fillRef idx="1">
-            <a:schemeClr val="accent1"/>
-          </a:fillRef>
-          <a:effectRef idx="0">
-            <a:schemeClr val="accent1"/>
-          </a:effectRef>
-          <a:fontRef idx="minor">
-            <a:schemeClr val="lt1"/>
-          </a:fontRef>
-        </p:style>
-        <p:txBody>
-          <a:bodyPr rtlCol="0" anchor="ctr"/>
-          <a:lstStyle/>
-          <a:p>
-            <a:pPr algn="ctr"/>
-            <a:endParaRPr lang="pt-BR"/>
-          </a:p>
-        </p:txBody>
-      </p:sp>
-      <p:sp>
-        <p:nvSpPr>
-          <p:cNvPr id="45" name="Retângulo 44">
-            <a:extLst>
-              <a:ext uri="{FF2B5EF4-FFF2-40B4-BE49-F238E27FC236}">
-                <a16:creationId xmlns:a16="http://schemas.microsoft.com/office/drawing/2014/main" id="{79364CC4-5520-F0D1-702D-98004575DADD}"/>
-              </a:ext>
-            </a:extLst>
-          </p:cNvPr>
-          <p:cNvSpPr/>
-          <p:nvPr/>
-        </p:nvSpPr>
-        <p:spPr>
-          <a:xfrm>
-            <a:off x="11311850" y="6069568"/>
-            <a:ext cx="299125" cy="419100"/>
-          </a:xfrm>
-          <a:prstGeom prst="rect">
-            <a:avLst/>
-          </a:prstGeom>
-          <a:solidFill>
-            <a:srgbClr val="C8CDD2"/>
-          </a:solidFill>
-          <a:ln>
-            <a:noFill/>
-          </a:ln>
-        </p:spPr>
-        <p:style>
-          <a:lnRef idx="2">
-            <a:schemeClr val="accent1">
-              <a:shade val="50000"/>
-            </a:schemeClr>
-          </a:lnRef>
-          <a:fillRef idx="1">
-            <a:schemeClr val="accent1"/>
-          </a:fillRef>
-          <a:effectRef idx="0">
-            <a:schemeClr val="accent1"/>
-          </a:effectRef>
-          <a:fontRef idx="minor">
-            <a:schemeClr val="lt1"/>
-          </a:fontRef>
-        </p:style>
-        <p:txBody>
-          <a:bodyPr rtlCol="0" anchor="ctr"/>
-          <a:lstStyle/>
-          <a:p>
-            <a:pPr algn="ctr"/>
-            <a:endParaRPr lang="pt-BR"/>
-          </a:p>
-        </p:txBody>
-      </p:sp>
-      <p:sp>
-        <p:nvSpPr>
-          <p:cNvPr id="46" name="Retângulo 45">
-            <a:extLst>
-              <a:ext uri="{FF2B5EF4-FFF2-40B4-BE49-F238E27FC236}">
-                <a16:creationId xmlns:a16="http://schemas.microsoft.com/office/drawing/2014/main" id="{59311ADC-A826-A513-13C6-DC3FA4FF9837}"/>
-              </a:ext>
-            </a:extLst>
-          </p:cNvPr>
-          <p:cNvSpPr/>
-          <p:nvPr/>
-        </p:nvSpPr>
-        <p:spPr>
-          <a:xfrm>
-            <a:off x="11311849" y="6393656"/>
-            <a:ext cx="299125" cy="95012"/>
-          </a:xfrm>
-          <a:prstGeom prst="rect">
-            <a:avLst/>
-          </a:prstGeom>
-          <a:solidFill>
-            <a:srgbClr val="57606A"/>
-          </a:solidFill>
-          <a:ln>
-            <a:noFill/>
-          </a:ln>
-        </p:spPr>
-        <p:style>
-          <a:lnRef idx="2">
-            <a:schemeClr val="accent1">
-              <a:shade val="50000"/>
-            </a:schemeClr>
-          </a:lnRef>
-          <a:fillRef idx="1">
-            <a:schemeClr val="accent1"/>
-          </a:fillRef>
-          <a:effectRef idx="0">
-            <a:schemeClr val="accent1"/>
-          </a:effectRef>
-          <a:fontRef idx="minor">
-            <a:schemeClr val="lt1"/>
-          </a:fontRef>
-        </p:style>
-        <p:txBody>
-          <a:bodyPr rtlCol="0" anchor="ctr"/>
-          <a:lstStyle/>
-          <a:p>
-            <a:pPr algn="ctr"/>
-            <a:endParaRPr lang="pt-BR"/>
-          </a:p>
-        </p:txBody>
-      </p:sp>
-      <p:sp>
-        <p:nvSpPr>
-          <p:cNvPr id="47" name="CaixaDeTexto 46">
-            <a:extLst>
-              <a:ext uri="{FF2B5EF4-FFF2-40B4-BE49-F238E27FC236}">
-                <a16:creationId xmlns:a16="http://schemas.microsoft.com/office/drawing/2014/main" id="{FD1502EC-52A2-95D5-E157-FD4F2A55FD3B}"/>
-              </a:ext>
-            </a:extLst>
-          </p:cNvPr>
-          <p:cNvSpPr txBox="1"/>
-          <p:nvPr/>
-        </p:nvSpPr>
-        <p:spPr>
-          <a:xfrm>
-            <a:off x="11273747" y="6085879"/>
-            <a:ext cx="375327" cy="307777"/>
-          </a:xfrm>
-          <a:prstGeom prst="rect">
-            <a:avLst/>
-          </a:prstGeom>
-          <a:noFill/>
-        </p:spPr>
-        <p:txBody>
-          <a:bodyPr wrap="square" rtlCol="0">
-            <a:spAutoFit/>
-          </a:bodyPr>
-          <a:lstStyle/>
-          <a:p>
-            <a:pPr algn="ctr"/>
-            <a:r>
-              <a:rPr lang="pt-BR" sz="1400" b="1" dirty="0">
-                <a:solidFill>
-                  <a:schemeClr val="bg1"/>
-                </a:solidFill>
-              </a:rPr>
-              <a:t>7</a:t>
-            </a:r>
-            <a:endParaRPr lang="pt-BR" b="1" dirty="0">
-              <a:solidFill>
-                <a:schemeClr val="bg1"/>
-              </a:solidFill>
-            </a:endParaRPr>
-          </a:p>
-        </p:txBody>
-      </p:sp>
-      <p:pic>
-        <p:nvPicPr>
-          <p:cNvPr id="1026" name="Picture 2">
-            <a:extLst>
-              <a:ext uri="{FF2B5EF4-FFF2-40B4-BE49-F238E27FC236}">
-                <a16:creationId xmlns:a16="http://schemas.microsoft.com/office/drawing/2014/main" id="{40D6713E-5886-6107-F035-D646D619ECCD}"/>
-              </a:ext>
-            </a:extLst>
-          </p:cNvPr>
-          <p:cNvPicPr>
-            <a:picLocks noChangeAspect="1" noChangeArrowheads="1"/>
-          </p:cNvPicPr>
-          <p:nvPr/>
-        </p:nvPicPr>
-        <p:blipFill>
-          <a:blip r:embed="rId2">
-            <a:extLst>
-              <a:ext uri="{28A0092B-C50C-407E-A947-70E740481C1C}">
-                <a14:useLocalDpi xmlns:a14="http://schemas.microsoft.com/office/drawing/2010/main" val="0"/>
-              </a:ext>
-            </a:extLst>
-          </a:blip>
-          <a:srcRect/>
-          <a:stretch>
-            <a:fillRect/>
-          </a:stretch>
-        </p:blipFill>
-        <p:spPr bwMode="auto">
-          <a:xfrm>
-            <a:off x="1446653" y="3318689"/>
-            <a:ext cx="1353281" cy="1353281"/>
-          </a:xfrm>
-          <a:prstGeom prst="rect">
-            <a:avLst/>
-          </a:prstGeom>
-          <a:noFill/>
-          <a:extLst>
-            <a:ext uri="{909E8E84-426E-40DD-AFC4-6F175D3DCCD1}">
-              <a14:hiddenFill xmlns:a14="http://schemas.microsoft.com/office/drawing/2010/main">
-                <a:solidFill>
-                  <a:srgbClr val="FFFFFF"/>
-                </a:solidFill>
-              </a14:hiddenFill>
-            </a:ext>
-          </a:extLst>
-        </p:spPr>
-      </p:pic>
-      <p:pic>
-        <p:nvPicPr>
-          <p:cNvPr id="1028" name="Picture 4">
-            <a:extLst>
-              <a:ext uri="{FF2B5EF4-FFF2-40B4-BE49-F238E27FC236}">
-                <a16:creationId xmlns:a16="http://schemas.microsoft.com/office/drawing/2014/main" id="{406D5F07-FDA9-5101-DCB7-220360C2149E}"/>
-              </a:ext>
-            </a:extLst>
-          </p:cNvPr>
-          <p:cNvPicPr>
-            <a:picLocks noChangeAspect="1" noChangeArrowheads="1"/>
-          </p:cNvPicPr>
-          <p:nvPr/>
-        </p:nvPicPr>
-        <p:blipFill>
-          <a:blip r:embed="rId3">
-            <a:extLst>
-              <a:ext uri="{28A0092B-C50C-407E-A947-70E740481C1C}">
-                <a14:useLocalDpi xmlns:a14="http://schemas.microsoft.com/office/drawing/2010/main" val="0"/>
-              </a:ext>
-            </a:extLst>
-          </a:blip>
-          <a:srcRect/>
-          <a:stretch>
-            <a:fillRect/>
-          </a:stretch>
-        </p:blipFill>
-        <p:spPr bwMode="auto">
-          <a:xfrm>
-            <a:off x="3760332" y="2829255"/>
-            <a:ext cx="965775" cy="1353714"/>
-          </a:xfrm>
-          <a:prstGeom prst="rect">
-            <a:avLst/>
-          </a:prstGeom>
-          <a:noFill/>
-          <a:extLst>
-            <a:ext uri="{909E8E84-426E-40DD-AFC4-6F175D3DCCD1}">
-              <a14:hiddenFill xmlns:a14="http://schemas.microsoft.com/office/drawing/2010/main">
-                <a:solidFill>
-                  <a:srgbClr val="FFFFFF"/>
-                </a:solidFill>
-              </a14:hiddenFill>
-            </a:ext>
-          </a:extLst>
-        </p:spPr>
-      </p:pic>
-      <p:pic>
-        <p:nvPicPr>
-          <p:cNvPr id="1032" name="Picture 8">
-            <a:extLst>
-              <a:ext uri="{FF2B5EF4-FFF2-40B4-BE49-F238E27FC236}">
-                <a16:creationId xmlns:a16="http://schemas.microsoft.com/office/drawing/2014/main" id="{8A48BD33-1E36-F9AC-28CB-5C3289BE48C3}"/>
-              </a:ext>
-            </a:extLst>
-          </p:cNvPr>
-          <p:cNvPicPr>
-            <a:picLocks noChangeAspect="1" noChangeArrowheads="1"/>
-          </p:cNvPicPr>
-          <p:nvPr/>
-        </p:nvPicPr>
-        <p:blipFill>
-          <a:blip r:embed="rId4">
-            <a:extLst>
-              <a:ext uri="{28A0092B-C50C-407E-A947-70E740481C1C}">
-                <a14:useLocalDpi xmlns:a14="http://schemas.microsoft.com/office/drawing/2010/main" val="0"/>
-              </a:ext>
-            </a:extLst>
-          </a:blip>
-          <a:srcRect/>
-          <a:stretch>
-            <a:fillRect/>
-          </a:stretch>
-        </p:blipFill>
-        <p:spPr bwMode="auto">
-          <a:xfrm>
-            <a:off x="7497596" y="2672050"/>
-            <a:ext cx="965776" cy="965776"/>
-          </a:xfrm>
-          <a:prstGeom prst="rect">
-            <a:avLst/>
-          </a:prstGeom>
-          <a:noFill/>
-          <a:extLst>
-            <a:ext uri="{909E8E84-426E-40DD-AFC4-6F175D3DCCD1}">
-              <a14:hiddenFill xmlns:a14="http://schemas.microsoft.com/office/drawing/2010/main">
-                <a:solidFill>
-                  <a:srgbClr val="FFFFFF"/>
-                </a:solidFill>
-              </a14:hiddenFill>
-            </a:ext>
-          </a:extLst>
-        </p:spPr>
-      </p:pic>
-      <p:pic>
-        <p:nvPicPr>
-          <p:cNvPr id="1034" name="Picture 10">
-            <a:extLst>
-              <a:ext uri="{FF2B5EF4-FFF2-40B4-BE49-F238E27FC236}">
-                <a16:creationId xmlns:a16="http://schemas.microsoft.com/office/drawing/2014/main" id="{DBF5AC81-1F0A-A568-3E85-3D66888CBEA9}"/>
-              </a:ext>
-            </a:extLst>
-          </p:cNvPr>
-          <p:cNvPicPr>
-            <a:picLocks noChangeAspect="1" noChangeArrowheads="1"/>
-          </p:cNvPicPr>
-          <p:nvPr/>
-        </p:nvPicPr>
-        <p:blipFill>
-          <a:blip r:embed="rId5">
-            <a:extLst>
-              <a:ext uri="{28A0092B-C50C-407E-A947-70E740481C1C}">
-                <a14:useLocalDpi xmlns:a14="http://schemas.microsoft.com/office/drawing/2010/main" val="0"/>
-              </a:ext>
-            </a:extLst>
-          </a:blip>
-          <a:srcRect/>
-          <a:stretch>
-            <a:fillRect/>
-          </a:stretch>
-        </p:blipFill>
-        <p:spPr bwMode="auto">
-          <a:xfrm>
-            <a:off x="8937041" y="3504594"/>
-            <a:ext cx="1261947" cy="1005647"/>
-          </a:xfrm>
-          <a:prstGeom prst="rect">
-            <a:avLst/>
-          </a:prstGeom>
-          <a:noFill/>
-          <a:extLst>
-            <a:ext uri="{909E8E84-426E-40DD-AFC4-6F175D3DCCD1}">
-              <a14:hiddenFill xmlns:a14="http://schemas.microsoft.com/office/drawing/2010/main">
-                <a:solidFill>
-                  <a:srgbClr val="FFFFFF"/>
-                </a:solidFill>
-              </a14:hiddenFill>
-            </a:ext>
-          </a:extLst>
-        </p:spPr>
-      </p:pic>
-      <p:pic>
-        <p:nvPicPr>
-          <p:cNvPr id="10" name="Picture 4">
-            <a:extLst>
-              <a:ext uri="{FF2B5EF4-FFF2-40B4-BE49-F238E27FC236}">
-                <a16:creationId xmlns:a16="http://schemas.microsoft.com/office/drawing/2014/main" id="{ED1F82F4-CA23-CA78-8E88-E5EDEAC8CA6D}"/>
-              </a:ext>
-            </a:extLst>
-          </p:cNvPr>
-          <p:cNvPicPr>
-            <a:picLocks noChangeAspect="1" noChangeArrowheads="1"/>
-          </p:cNvPicPr>
-          <p:nvPr/>
-        </p:nvPicPr>
-        <p:blipFill>
-          <a:blip r:embed="rId6">
-            <a:extLst>
-              <a:ext uri="{28A0092B-C50C-407E-A947-70E740481C1C}">
-                <a14:useLocalDpi xmlns:a14="http://schemas.microsoft.com/office/drawing/2010/main" val="0"/>
-              </a:ext>
-            </a:extLst>
-          </a:blip>
-          <a:srcRect/>
-          <a:stretch>
-            <a:fillRect/>
-          </a:stretch>
-        </p:blipFill>
-        <p:spPr bwMode="auto">
-          <a:xfrm>
-            <a:off x="3592123" y="5371653"/>
-            <a:ext cx="2428904" cy="546503"/>
-          </a:xfrm>
-          <a:prstGeom prst="rect">
-            <a:avLst/>
-          </a:prstGeom>
-          <a:noFill/>
-          <a:extLst>
-            <a:ext uri="{909E8E84-426E-40DD-AFC4-6F175D3DCCD1}">
-              <a14:hiddenFill xmlns:a14="http://schemas.microsoft.com/office/drawing/2010/main">
-                <a:solidFill>
-                  <a:srgbClr val="FFFFFF"/>
-                </a:solidFill>
-              </a14:hiddenFill>
-            </a:ext>
-          </a:extLst>
-        </p:spPr>
-      </p:pic>
-      <p:pic>
-        <p:nvPicPr>
-          <p:cNvPr id="51" name="Picture 5" descr="GitHub Logo: valor, história, PNG">
-            <a:extLst>
-              <a:ext uri="{FF2B5EF4-FFF2-40B4-BE49-F238E27FC236}">
-                <a16:creationId xmlns:a16="http://schemas.microsoft.com/office/drawing/2014/main" id="{A961CF54-38C6-EF70-73C1-630A9803F6EA}"/>
-              </a:ext>
-            </a:extLst>
-          </p:cNvPr>
-          <p:cNvPicPr>
-            <a:picLocks noChangeAspect="1" noChangeArrowheads="1"/>
-          </p:cNvPicPr>
-          <p:nvPr/>
-        </p:nvPicPr>
-        <p:blipFill>
-          <a:blip r:embed="rId7">
-            <a:extLst>
-              <a:ext uri="{28A0092B-C50C-407E-A947-70E740481C1C}">
-                <a14:useLocalDpi xmlns:a14="http://schemas.microsoft.com/office/drawing/2010/main" val="0"/>
-              </a:ext>
-            </a:extLst>
-          </a:blip>
-          <a:srcRect/>
-          <a:stretch>
-            <a:fillRect/>
-          </a:stretch>
-        </p:blipFill>
-        <p:spPr bwMode="auto">
-          <a:xfrm>
-            <a:off x="5158527" y="3374250"/>
-            <a:ext cx="2050895" cy="1153627"/>
-          </a:xfrm>
-          <a:prstGeom prst="rect">
-            <a:avLst/>
-          </a:prstGeom>
-          <a:noFill/>
-          <a:extLst>
-            <a:ext uri="{909E8E84-426E-40DD-AFC4-6F175D3DCCD1}">
-              <a14:hiddenFill xmlns:a14="http://schemas.microsoft.com/office/drawing/2010/main">
-                <a:solidFill>
-                  <a:srgbClr val="FFFFFF"/>
-                </a:solidFill>
-              </a14:hiddenFill>
-            </a:ext>
-          </a:extLst>
-        </p:spPr>
-      </p:pic>
-      <p:pic>
-        <p:nvPicPr>
-          <p:cNvPr id="52" name="Picture 7" descr="Git - Logo Downloads">
-            <a:extLst>
-              <a:ext uri="{FF2B5EF4-FFF2-40B4-BE49-F238E27FC236}">
-                <a16:creationId xmlns:a16="http://schemas.microsoft.com/office/drawing/2014/main" id="{EC2C58DF-3306-622F-0740-A0A3800E1B25}"/>
-              </a:ext>
-            </a:extLst>
-          </p:cNvPr>
-          <p:cNvPicPr>
-            <a:picLocks noChangeAspect="1" noChangeArrowheads="1"/>
-          </p:cNvPicPr>
-          <p:nvPr/>
-        </p:nvPicPr>
-        <p:blipFill>
-          <a:blip r:embed="rId8">
-            <a:extLst>
-              <a:ext uri="{28A0092B-C50C-407E-A947-70E740481C1C}">
-                <a14:useLocalDpi xmlns:a14="http://schemas.microsoft.com/office/drawing/2010/main" val="0"/>
-              </a:ext>
-            </a:extLst>
-          </a:blip>
-          <a:srcRect/>
-          <a:stretch>
-            <a:fillRect/>
-          </a:stretch>
-        </p:blipFill>
-        <p:spPr bwMode="auto">
-          <a:xfrm>
-            <a:off x="6849185" y="5333733"/>
-            <a:ext cx="2548186" cy="866729"/>
-          </a:xfrm>
-          <a:prstGeom prst="rect">
-            <a:avLst/>
-          </a:prstGeom>
-          <a:noFill/>
-          <a:extLst>
-            <a:ext uri="{909E8E84-426E-40DD-AFC4-6F175D3DCCD1}">
-              <a14:hiddenFill xmlns:a14="http://schemas.microsoft.com/office/drawing/2010/main">
-                <a:solidFill>
-                  <a:srgbClr val="FFFFFF"/>
-                </a:solidFill>
-              </a14:hiddenFill>
-            </a:ext>
-          </a:extLst>
-        </p:spPr>
-      </p:pic>
-      <p:pic>
-        <p:nvPicPr>
-          <p:cNvPr id="53" name="Picture 15" descr="15 Dicas para Turbinar o seu VS Code! | by Glaucia Lemos | Medium">
-            <a:extLst>
-              <a:ext uri="{FF2B5EF4-FFF2-40B4-BE49-F238E27FC236}">
-                <a16:creationId xmlns:a16="http://schemas.microsoft.com/office/drawing/2014/main" id="{769B4911-60EE-1662-DE20-CFC598DC2624}"/>
-              </a:ext>
-            </a:extLst>
-          </p:cNvPr>
-          <p:cNvPicPr>
-            <a:picLocks noChangeAspect="1" noChangeArrowheads="1"/>
-          </p:cNvPicPr>
-          <p:nvPr/>
-        </p:nvPicPr>
-        <p:blipFill>
-          <a:blip r:embed="rId9">
-            <a:extLst>
-              <a:ext uri="{28A0092B-C50C-407E-A947-70E740481C1C}">
-                <a14:useLocalDpi xmlns:a14="http://schemas.microsoft.com/office/drawing/2010/main" val="0"/>
-              </a:ext>
-            </a:extLst>
-          </a:blip>
-          <a:srcRect/>
-          <a:stretch>
-            <a:fillRect/>
-          </a:stretch>
-        </p:blipFill>
-        <p:spPr bwMode="auto">
-          <a:xfrm>
-            <a:off x="756842" y="4809261"/>
-            <a:ext cx="2099158" cy="991268"/>
-          </a:xfrm>
-          <a:prstGeom prst="rect">
-            <a:avLst/>
-          </a:prstGeom>
-          <a:noFill/>
-          <a:extLst>
-            <a:ext uri="{909E8E84-426E-40DD-AFC4-6F175D3DCCD1}">
-              <a14:hiddenFill xmlns:a14="http://schemas.microsoft.com/office/drawing/2010/main">
-                <a:solidFill>
-                  <a:srgbClr val="FFFFFF"/>
-                </a:solidFill>
-              </a14:hiddenFill>
-            </a:ext>
-          </a:extLst>
-        </p:spPr>
-      </p:pic>
-      <p:sp>
-        <p:nvSpPr>
-          <p:cNvPr id="54" name="CaixaDeTexto 53">
-            <a:extLst>
-              <a:ext uri="{FF2B5EF4-FFF2-40B4-BE49-F238E27FC236}">
-                <a16:creationId xmlns:a16="http://schemas.microsoft.com/office/drawing/2014/main" id="{2314596A-8A2B-297F-DF7E-87DC6FAB5777}"/>
-              </a:ext>
-            </a:extLst>
-          </p:cNvPr>
-          <p:cNvSpPr txBox="1"/>
-          <p:nvPr/>
-        </p:nvSpPr>
-        <p:spPr>
-          <a:xfrm>
-            <a:off x="515937" y="765175"/>
-            <a:ext cx="4827587" cy="584775"/>
-          </a:xfrm>
-          <a:prstGeom prst="rect">
-            <a:avLst/>
-          </a:prstGeom>
-          <a:noFill/>
-        </p:spPr>
-        <p:txBody>
-          <a:bodyPr wrap="square" rtlCol="0">
-            <a:spAutoFit/>
-          </a:bodyPr>
-          <a:lstStyle/>
-          <a:p>
-            <a:r>
-              <a:rPr lang="pt-BR" sz="3200" b="1" dirty="0">
-                <a:solidFill>
-                  <a:srgbClr val="C9B638"/>
-                </a:solidFill>
-              </a:rPr>
-              <a:t>Tecnologias utilizadas:</a:t>
-            </a:r>
-          </a:p>
-        </p:txBody>
-      </p:sp>
-      <p:sp>
-        <p:nvSpPr>
-          <p:cNvPr id="55" name="CaixaDeTexto 54">
-            <a:extLst>
-              <a:ext uri="{FF2B5EF4-FFF2-40B4-BE49-F238E27FC236}">
-                <a16:creationId xmlns:a16="http://schemas.microsoft.com/office/drawing/2014/main" id="{BEC5ED07-3631-2709-E72A-53EBD3B0EC39}"/>
-              </a:ext>
-            </a:extLst>
-          </p:cNvPr>
-          <p:cNvSpPr txBox="1"/>
-          <p:nvPr/>
-        </p:nvSpPr>
-        <p:spPr>
-          <a:xfrm>
-            <a:off x="695999" y="1323995"/>
-            <a:ext cx="11340425" cy="1405769"/>
-          </a:xfrm>
-          <a:prstGeom prst="rect">
-            <a:avLst/>
-          </a:prstGeom>
-          <a:noFill/>
-        </p:spPr>
-        <p:txBody>
-          <a:bodyPr wrap="square">
-            <a:spAutoFit/>
-          </a:bodyPr>
-          <a:lstStyle/>
-          <a:p>
-            <a:pPr algn="l">
-              <a:lnSpc>
-                <a:spcPct val="150000"/>
-              </a:lnSpc>
-            </a:pPr>
-            <a:r>
-              <a:rPr lang="pt-BR" sz="3000" dirty="0">
-                <a:solidFill>
-                  <a:srgbClr val="57606A"/>
-                </a:solidFill>
-              </a:rPr>
-              <a:t>Para desenvolvimento deste projeto foram utilizadas as seguintes tecnologias.</a:t>
-            </a:r>
-            <a:endParaRPr lang="pt-BR" sz="3000" b="0" i="0" dirty="0">
-              <a:solidFill>
-                <a:srgbClr val="57606A"/>
-              </a:solidFill>
-              <a:effectLst/>
-            </a:endParaRPr>
-          </a:p>
-        </p:txBody>
-      </p:sp>
-    </p:spTree>
-    <p:extLst>
-      <p:ext uri="{BB962C8B-B14F-4D97-AF65-F5344CB8AC3E}">
-        <p14:creationId xmlns:p14="http://schemas.microsoft.com/office/powerpoint/2010/main" val="2194254828"/>
-      </p:ext>
-    </p:extLst>
-  </p:cSld>
-  <p:clrMapOvr>
-    <a:masterClrMapping/>
-  </p:clrMapOvr>
-  <mc:AlternateContent xmlns:mc="http://schemas.openxmlformats.org/markup-compatibility/2006">
-    <mc:Choice xmlns:p159="http://schemas.microsoft.com/office/powerpoint/2015/09/main" Requires="p159">
-      <p:transition spd="slow">
-        <p159:morph option="byObject"/>
-      </p:transition>
-    </mc:Choice>
-    <mc:Fallback>
-      <p:transition spd="slow">
-        <p:fade/>
-      </p:transition>
-    </mc:Fallback>
-  </mc:AlternateContent>
-</p:sld>
-</file>
-
-<file path=ppt/slides/slide15.xml><?xml version="1.0" encoding="utf-8"?>
 <p:sld xmlns:a="http://schemas.openxmlformats.org/drawingml/2006/main" xmlns:r="http://schemas.openxmlformats.org/officeDocument/2006/relationships" xmlns:p="http://schemas.openxmlformats.org/presentationml/2006/main">
   <p:cSld>
     <p:spTree>
@@ -15237,7 +14198,7 @@
                   <a:schemeClr val="bg1"/>
                 </a:solidFill>
               </a:rPr>
-              <a:t>8</a:t>
+              <a:t>7</a:t>
             </a:r>
             <a:endParaRPr lang="pt-BR" b="1" dirty="0">
               <a:solidFill>
@@ -15257,13 +14218,13 @@
   <p:clrMapOvr>
     <a:masterClrMapping/>
   </p:clrMapOvr>
-  <mc:AlternateContent xmlns:mc="http://schemas.openxmlformats.org/markup-compatibility/2006">
-    <mc:Choice xmlns:p159="http://schemas.microsoft.com/office/powerpoint/2015/09/main" Requires="p159">
+  <mc:AlternateContent xmlns:mc="http://schemas.openxmlformats.org/markup-compatibility/2006" xmlns:p159="http://schemas.microsoft.com/office/powerpoint/2015/09/main">
+    <mc:Choice Requires="p159">
       <p:transition spd="slow">
         <p159:morph option="byObject"/>
       </p:transition>
     </mc:Choice>
-    <mc:Fallback>
+    <mc:Fallback xmlns="">
       <p:transition spd="slow">
         <p:fade/>
       </p:transition>
@@ -15272,7 +14233,7 @@
 </p:sld>
 </file>
 
-<file path=ppt/slides/slide16.xml><?xml version="1.0" encoding="utf-8"?>
+<file path=ppt/slides/slide15.xml><?xml version="1.0" encoding="utf-8"?>
 <p:sld xmlns:a="http://schemas.openxmlformats.org/drawingml/2006/main" xmlns:r="http://schemas.openxmlformats.org/officeDocument/2006/relationships" xmlns:p="http://schemas.openxmlformats.org/presentationml/2006/main">
   <p:cSld>
     <p:spTree>
@@ -15390,6 +14351,1048 @@
       </p:sp>
       <p:sp>
         <p:nvSpPr>
+          <p:cNvPr id="3" name="CaixaDeTexto 2">
+            <a:extLst>
+              <a:ext uri="{FF2B5EF4-FFF2-40B4-BE49-F238E27FC236}">
+                <a16:creationId xmlns:a16="http://schemas.microsoft.com/office/drawing/2014/main" id="{F48F51F9-85BE-89C0-5C6F-4FC0DBA1EC41}"/>
+              </a:ext>
+            </a:extLst>
+          </p:cNvPr>
+          <p:cNvSpPr txBox="1"/>
+          <p:nvPr/>
+        </p:nvSpPr>
+        <p:spPr>
+          <a:xfrm>
+            <a:off x="2856000" y="2203"/>
+            <a:ext cx="2160000" cy="369332"/>
+          </a:xfrm>
+          <a:prstGeom prst="rect">
+            <a:avLst/>
+          </a:prstGeom>
+          <a:noFill/>
+          <a:ln>
+            <a:noFill/>
+          </a:ln>
+        </p:spPr>
+        <p:txBody>
+          <a:bodyPr wrap="square" rtlCol="0">
+            <a:spAutoFit/>
+          </a:bodyPr>
+          <a:lstStyle/>
+          <a:p>
+            <a:pPr algn="ctr"/>
+            <a:r>
+              <a:rPr lang="pt-BR" b="1" dirty="0">
+                <a:solidFill>
+                  <a:schemeClr val="bg1">
+                    <a:lumMod val="85000"/>
+                  </a:schemeClr>
+                </a:solidFill>
+              </a:rPr>
+              <a:t>PROPOSTA</a:t>
+            </a:r>
+          </a:p>
+        </p:txBody>
+      </p:sp>
+      <p:sp>
+        <p:nvSpPr>
+          <p:cNvPr id="4" name="CaixaDeTexto 3">
+            <a:extLst>
+              <a:ext uri="{FF2B5EF4-FFF2-40B4-BE49-F238E27FC236}">
+                <a16:creationId xmlns:a16="http://schemas.microsoft.com/office/drawing/2014/main" id="{E04C7952-57DC-46E9-E136-2F022066A217}"/>
+              </a:ext>
+            </a:extLst>
+          </p:cNvPr>
+          <p:cNvSpPr txBox="1"/>
+          <p:nvPr/>
+        </p:nvSpPr>
+        <p:spPr>
+          <a:xfrm>
+            <a:off x="5016000" y="0"/>
+            <a:ext cx="2160000" cy="369332"/>
+          </a:xfrm>
+          <a:prstGeom prst="rect">
+            <a:avLst/>
+          </a:prstGeom>
+          <a:noFill/>
+          <a:ln>
+            <a:noFill/>
+          </a:ln>
+        </p:spPr>
+        <p:txBody>
+          <a:bodyPr wrap="square" rtlCol="0">
+            <a:spAutoFit/>
+          </a:bodyPr>
+          <a:lstStyle/>
+          <a:p>
+            <a:pPr algn="ctr"/>
+            <a:r>
+              <a:rPr lang="pt-BR" b="1" dirty="0">
+                <a:solidFill>
+                  <a:schemeClr val="bg1">
+                    <a:lumMod val="85000"/>
+                  </a:schemeClr>
+                </a:solidFill>
+              </a:rPr>
+              <a:t>METODOLOGIA</a:t>
+            </a:r>
+          </a:p>
+        </p:txBody>
+      </p:sp>
+      <p:sp>
+        <p:nvSpPr>
+          <p:cNvPr id="5" name="CaixaDeTexto 4">
+            <a:extLst>
+              <a:ext uri="{FF2B5EF4-FFF2-40B4-BE49-F238E27FC236}">
+                <a16:creationId xmlns:a16="http://schemas.microsoft.com/office/drawing/2014/main" id="{9565DBA7-51CE-BB4F-5614-5E7D8C23877B}"/>
+              </a:ext>
+            </a:extLst>
+          </p:cNvPr>
+          <p:cNvSpPr txBox="1"/>
+          <p:nvPr/>
+        </p:nvSpPr>
+        <p:spPr>
+          <a:xfrm>
+            <a:off x="7176000" y="0"/>
+            <a:ext cx="2160000" cy="369332"/>
+          </a:xfrm>
+          <a:prstGeom prst="rect">
+            <a:avLst/>
+          </a:prstGeom>
+          <a:noFill/>
+          <a:ln>
+            <a:noFill/>
+          </a:ln>
+        </p:spPr>
+        <p:txBody>
+          <a:bodyPr wrap="square" rtlCol="0">
+            <a:spAutoFit/>
+          </a:bodyPr>
+          <a:lstStyle/>
+          <a:p>
+            <a:pPr algn="ctr"/>
+            <a:r>
+              <a:rPr lang="pt-BR" b="1" dirty="0">
+                <a:solidFill>
+                  <a:srgbClr val="57606A"/>
+                </a:solidFill>
+              </a:rPr>
+              <a:t>ARQUITETURA</a:t>
+            </a:r>
+            <a:endParaRPr lang="pt-BR" b="1" dirty="0">
+              <a:solidFill>
+                <a:srgbClr val="339966"/>
+              </a:solidFill>
+            </a:endParaRPr>
+          </a:p>
+        </p:txBody>
+      </p:sp>
+      <p:sp>
+        <p:nvSpPr>
+          <p:cNvPr id="6" name="CaixaDeTexto 5">
+            <a:extLst>
+              <a:ext uri="{FF2B5EF4-FFF2-40B4-BE49-F238E27FC236}">
+                <a16:creationId xmlns:a16="http://schemas.microsoft.com/office/drawing/2014/main" id="{6FA43461-C92B-27EB-1661-D33A0C4B7AB5}"/>
+              </a:ext>
+            </a:extLst>
+          </p:cNvPr>
+          <p:cNvSpPr txBox="1"/>
+          <p:nvPr/>
+        </p:nvSpPr>
+        <p:spPr>
+          <a:xfrm>
+            <a:off x="9336000" y="0"/>
+            <a:ext cx="2160000" cy="369332"/>
+          </a:xfrm>
+          <a:prstGeom prst="rect">
+            <a:avLst/>
+          </a:prstGeom>
+          <a:noFill/>
+          <a:ln>
+            <a:noFill/>
+          </a:ln>
+        </p:spPr>
+        <p:txBody>
+          <a:bodyPr wrap="square" rtlCol="0">
+            <a:spAutoFit/>
+          </a:bodyPr>
+          <a:lstStyle/>
+          <a:p>
+            <a:pPr algn="ctr"/>
+            <a:r>
+              <a:rPr lang="pt-BR" b="1" dirty="0">
+                <a:solidFill>
+                  <a:schemeClr val="bg1">
+                    <a:lumMod val="85000"/>
+                  </a:schemeClr>
+                </a:solidFill>
+              </a:rPr>
+              <a:t>FECHAMENTO</a:t>
+            </a:r>
+            <a:endParaRPr lang="pt-BR" b="1" dirty="0">
+              <a:solidFill>
+                <a:srgbClr val="339966"/>
+              </a:solidFill>
+            </a:endParaRPr>
+          </a:p>
+        </p:txBody>
+      </p:sp>
+      <p:sp>
+        <p:nvSpPr>
+          <p:cNvPr id="12" name="Retângulo 11">
+            <a:extLst>
+              <a:ext uri="{FF2B5EF4-FFF2-40B4-BE49-F238E27FC236}">
+                <a16:creationId xmlns:a16="http://schemas.microsoft.com/office/drawing/2014/main" id="{6E1F3B03-DD54-2C34-29FC-055C3D2637F8}"/>
+              </a:ext>
+            </a:extLst>
+          </p:cNvPr>
+          <p:cNvSpPr/>
+          <p:nvPr/>
+        </p:nvSpPr>
+        <p:spPr>
+          <a:xfrm>
+            <a:off x="7176000" y="369332"/>
+            <a:ext cx="2160000" cy="115410"/>
+          </a:xfrm>
+          <a:prstGeom prst="rect">
+            <a:avLst/>
+          </a:prstGeom>
+          <a:solidFill>
+            <a:srgbClr val="57606A"/>
+          </a:solidFill>
+          <a:ln>
+            <a:noFill/>
+          </a:ln>
+        </p:spPr>
+        <p:style>
+          <a:lnRef idx="2">
+            <a:schemeClr val="accent1">
+              <a:shade val="50000"/>
+            </a:schemeClr>
+          </a:lnRef>
+          <a:fillRef idx="1">
+            <a:schemeClr val="accent1"/>
+          </a:fillRef>
+          <a:effectRef idx="0">
+            <a:schemeClr val="accent1"/>
+          </a:effectRef>
+          <a:fontRef idx="minor">
+            <a:schemeClr val="lt1"/>
+          </a:fontRef>
+        </p:style>
+        <p:txBody>
+          <a:bodyPr rtlCol="0" anchor="ctr"/>
+          <a:lstStyle/>
+          <a:p>
+            <a:pPr algn="ctr"/>
+            <a:endParaRPr lang="pt-BR"/>
+          </a:p>
+        </p:txBody>
+      </p:sp>
+      <p:sp>
+        <p:nvSpPr>
+          <p:cNvPr id="44" name="Retângulo 43">
+            <a:extLst>
+              <a:ext uri="{FF2B5EF4-FFF2-40B4-BE49-F238E27FC236}">
+                <a16:creationId xmlns:a16="http://schemas.microsoft.com/office/drawing/2014/main" id="{A3B22DA2-8F40-E487-B121-6ED3E34AD421}"/>
+              </a:ext>
+            </a:extLst>
+          </p:cNvPr>
+          <p:cNvSpPr/>
+          <p:nvPr/>
+        </p:nvSpPr>
+        <p:spPr>
+          <a:xfrm>
+            <a:off x="0" y="6751467"/>
+            <a:ext cx="12192000" cy="115410"/>
+          </a:xfrm>
+          <a:prstGeom prst="rect">
+            <a:avLst/>
+          </a:prstGeom>
+          <a:solidFill>
+            <a:srgbClr val="57606A"/>
+          </a:solidFill>
+          <a:ln>
+            <a:noFill/>
+          </a:ln>
+        </p:spPr>
+        <p:style>
+          <a:lnRef idx="2">
+            <a:schemeClr val="accent1">
+              <a:shade val="50000"/>
+            </a:schemeClr>
+          </a:lnRef>
+          <a:fillRef idx="1">
+            <a:schemeClr val="accent1"/>
+          </a:fillRef>
+          <a:effectRef idx="0">
+            <a:schemeClr val="accent1"/>
+          </a:effectRef>
+          <a:fontRef idx="minor">
+            <a:schemeClr val="lt1"/>
+          </a:fontRef>
+        </p:style>
+        <p:txBody>
+          <a:bodyPr rtlCol="0" anchor="ctr"/>
+          <a:lstStyle/>
+          <a:p>
+            <a:pPr algn="ctr"/>
+            <a:endParaRPr lang="pt-BR"/>
+          </a:p>
+        </p:txBody>
+      </p:sp>
+      <p:sp>
+        <p:nvSpPr>
+          <p:cNvPr id="45" name="Retângulo 44">
+            <a:extLst>
+              <a:ext uri="{FF2B5EF4-FFF2-40B4-BE49-F238E27FC236}">
+                <a16:creationId xmlns:a16="http://schemas.microsoft.com/office/drawing/2014/main" id="{79364CC4-5520-F0D1-702D-98004575DADD}"/>
+              </a:ext>
+            </a:extLst>
+          </p:cNvPr>
+          <p:cNvSpPr/>
+          <p:nvPr/>
+        </p:nvSpPr>
+        <p:spPr>
+          <a:xfrm>
+            <a:off x="11311850" y="6069568"/>
+            <a:ext cx="299125" cy="419100"/>
+          </a:xfrm>
+          <a:prstGeom prst="rect">
+            <a:avLst/>
+          </a:prstGeom>
+          <a:solidFill>
+            <a:srgbClr val="C8CDD2"/>
+          </a:solidFill>
+          <a:ln>
+            <a:noFill/>
+          </a:ln>
+        </p:spPr>
+        <p:style>
+          <a:lnRef idx="2">
+            <a:schemeClr val="accent1">
+              <a:shade val="50000"/>
+            </a:schemeClr>
+          </a:lnRef>
+          <a:fillRef idx="1">
+            <a:schemeClr val="accent1"/>
+          </a:fillRef>
+          <a:effectRef idx="0">
+            <a:schemeClr val="accent1"/>
+          </a:effectRef>
+          <a:fontRef idx="minor">
+            <a:schemeClr val="lt1"/>
+          </a:fontRef>
+        </p:style>
+        <p:txBody>
+          <a:bodyPr rtlCol="0" anchor="ctr"/>
+          <a:lstStyle/>
+          <a:p>
+            <a:pPr algn="ctr"/>
+            <a:endParaRPr lang="pt-BR"/>
+          </a:p>
+        </p:txBody>
+      </p:sp>
+      <p:sp>
+        <p:nvSpPr>
+          <p:cNvPr id="46" name="Retângulo 45">
+            <a:extLst>
+              <a:ext uri="{FF2B5EF4-FFF2-40B4-BE49-F238E27FC236}">
+                <a16:creationId xmlns:a16="http://schemas.microsoft.com/office/drawing/2014/main" id="{59311ADC-A826-A513-13C6-DC3FA4FF9837}"/>
+              </a:ext>
+            </a:extLst>
+          </p:cNvPr>
+          <p:cNvSpPr/>
+          <p:nvPr/>
+        </p:nvSpPr>
+        <p:spPr>
+          <a:xfrm>
+            <a:off x="11311849" y="6393656"/>
+            <a:ext cx="299125" cy="95012"/>
+          </a:xfrm>
+          <a:prstGeom prst="rect">
+            <a:avLst/>
+          </a:prstGeom>
+          <a:solidFill>
+            <a:srgbClr val="57606A"/>
+          </a:solidFill>
+          <a:ln>
+            <a:noFill/>
+          </a:ln>
+        </p:spPr>
+        <p:style>
+          <a:lnRef idx="2">
+            <a:schemeClr val="accent1">
+              <a:shade val="50000"/>
+            </a:schemeClr>
+          </a:lnRef>
+          <a:fillRef idx="1">
+            <a:schemeClr val="accent1"/>
+          </a:fillRef>
+          <a:effectRef idx="0">
+            <a:schemeClr val="accent1"/>
+          </a:effectRef>
+          <a:fontRef idx="minor">
+            <a:schemeClr val="lt1"/>
+          </a:fontRef>
+        </p:style>
+        <p:txBody>
+          <a:bodyPr rtlCol="0" anchor="ctr"/>
+          <a:lstStyle/>
+          <a:p>
+            <a:pPr algn="ctr"/>
+            <a:endParaRPr lang="pt-BR"/>
+          </a:p>
+        </p:txBody>
+      </p:sp>
+      <p:sp>
+        <p:nvSpPr>
+          <p:cNvPr id="47" name="CaixaDeTexto 46">
+            <a:extLst>
+              <a:ext uri="{FF2B5EF4-FFF2-40B4-BE49-F238E27FC236}">
+                <a16:creationId xmlns:a16="http://schemas.microsoft.com/office/drawing/2014/main" id="{FD1502EC-52A2-95D5-E157-FD4F2A55FD3B}"/>
+              </a:ext>
+            </a:extLst>
+          </p:cNvPr>
+          <p:cNvSpPr txBox="1"/>
+          <p:nvPr/>
+        </p:nvSpPr>
+        <p:spPr>
+          <a:xfrm>
+            <a:off x="11273747" y="6085879"/>
+            <a:ext cx="375327" cy="369332"/>
+          </a:xfrm>
+          <a:prstGeom prst="rect">
+            <a:avLst/>
+          </a:prstGeom>
+          <a:noFill/>
+        </p:spPr>
+        <p:txBody>
+          <a:bodyPr wrap="square" rtlCol="0">
+            <a:spAutoFit/>
+          </a:bodyPr>
+          <a:lstStyle/>
+          <a:p>
+            <a:pPr algn="ctr"/>
+            <a:r>
+              <a:rPr lang="pt-BR" b="1" dirty="0">
+                <a:solidFill>
+                  <a:schemeClr val="bg1"/>
+                </a:solidFill>
+              </a:rPr>
+              <a:t>8</a:t>
+            </a:r>
+          </a:p>
+        </p:txBody>
+      </p:sp>
+      <p:pic>
+        <p:nvPicPr>
+          <p:cNvPr id="1026" name="Picture 2">
+            <a:extLst>
+              <a:ext uri="{FF2B5EF4-FFF2-40B4-BE49-F238E27FC236}">
+                <a16:creationId xmlns:a16="http://schemas.microsoft.com/office/drawing/2014/main" id="{40D6713E-5886-6107-F035-D646D619ECCD}"/>
+              </a:ext>
+            </a:extLst>
+          </p:cNvPr>
+          <p:cNvPicPr>
+            <a:picLocks noChangeAspect="1" noChangeArrowheads="1"/>
+          </p:cNvPicPr>
+          <p:nvPr/>
+        </p:nvPicPr>
+        <p:blipFill>
+          <a:blip r:embed="rId2">
+            <a:extLst>
+              <a:ext uri="{28A0092B-C50C-407E-A947-70E740481C1C}">
+                <a14:useLocalDpi xmlns:a14="http://schemas.microsoft.com/office/drawing/2010/main" val="0"/>
+              </a:ext>
+            </a:extLst>
+          </a:blip>
+          <a:srcRect/>
+          <a:stretch>
+            <a:fillRect/>
+          </a:stretch>
+        </p:blipFill>
+        <p:spPr bwMode="auto">
+          <a:xfrm>
+            <a:off x="1446653" y="3318689"/>
+            <a:ext cx="1353281" cy="1353281"/>
+          </a:xfrm>
+          <a:prstGeom prst="rect">
+            <a:avLst/>
+          </a:prstGeom>
+          <a:noFill/>
+          <a:extLst>
+            <a:ext uri="{909E8E84-426E-40DD-AFC4-6F175D3DCCD1}">
+              <a14:hiddenFill xmlns:a14="http://schemas.microsoft.com/office/drawing/2010/main">
+                <a:solidFill>
+                  <a:srgbClr val="FFFFFF"/>
+                </a:solidFill>
+              </a14:hiddenFill>
+            </a:ext>
+          </a:extLst>
+        </p:spPr>
+      </p:pic>
+      <p:pic>
+        <p:nvPicPr>
+          <p:cNvPr id="1028" name="Picture 4">
+            <a:extLst>
+              <a:ext uri="{FF2B5EF4-FFF2-40B4-BE49-F238E27FC236}">
+                <a16:creationId xmlns:a16="http://schemas.microsoft.com/office/drawing/2014/main" id="{406D5F07-FDA9-5101-DCB7-220360C2149E}"/>
+              </a:ext>
+            </a:extLst>
+          </p:cNvPr>
+          <p:cNvPicPr>
+            <a:picLocks noChangeAspect="1" noChangeArrowheads="1"/>
+          </p:cNvPicPr>
+          <p:nvPr/>
+        </p:nvPicPr>
+        <p:blipFill>
+          <a:blip r:embed="rId3">
+            <a:extLst>
+              <a:ext uri="{28A0092B-C50C-407E-A947-70E740481C1C}">
+                <a14:useLocalDpi xmlns:a14="http://schemas.microsoft.com/office/drawing/2010/main" val="0"/>
+              </a:ext>
+            </a:extLst>
+          </a:blip>
+          <a:srcRect/>
+          <a:stretch>
+            <a:fillRect/>
+          </a:stretch>
+        </p:blipFill>
+        <p:spPr bwMode="auto">
+          <a:xfrm>
+            <a:off x="3760332" y="2829255"/>
+            <a:ext cx="965775" cy="1353714"/>
+          </a:xfrm>
+          <a:prstGeom prst="rect">
+            <a:avLst/>
+          </a:prstGeom>
+          <a:noFill/>
+          <a:extLst>
+            <a:ext uri="{909E8E84-426E-40DD-AFC4-6F175D3DCCD1}">
+              <a14:hiddenFill xmlns:a14="http://schemas.microsoft.com/office/drawing/2010/main">
+                <a:solidFill>
+                  <a:srgbClr val="FFFFFF"/>
+                </a:solidFill>
+              </a14:hiddenFill>
+            </a:ext>
+          </a:extLst>
+        </p:spPr>
+      </p:pic>
+      <p:pic>
+        <p:nvPicPr>
+          <p:cNvPr id="1032" name="Picture 8">
+            <a:extLst>
+              <a:ext uri="{FF2B5EF4-FFF2-40B4-BE49-F238E27FC236}">
+                <a16:creationId xmlns:a16="http://schemas.microsoft.com/office/drawing/2014/main" id="{8A48BD33-1E36-F9AC-28CB-5C3289BE48C3}"/>
+              </a:ext>
+            </a:extLst>
+          </p:cNvPr>
+          <p:cNvPicPr>
+            <a:picLocks noChangeAspect="1" noChangeArrowheads="1"/>
+          </p:cNvPicPr>
+          <p:nvPr/>
+        </p:nvPicPr>
+        <p:blipFill>
+          <a:blip r:embed="rId4">
+            <a:extLst>
+              <a:ext uri="{28A0092B-C50C-407E-A947-70E740481C1C}">
+                <a14:useLocalDpi xmlns:a14="http://schemas.microsoft.com/office/drawing/2010/main" val="0"/>
+              </a:ext>
+            </a:extLst>
+          </a:blip>
+          <a:srcRect/>
+          <a:stretch>
+            <a:fillRect/>
+          </a:stretch>
+        </p:blipFill>
+        <p:spPr bwMode="auto">
+          <a:xfrm>
+            <a:off x="7497596" y="2672050"/>
+            <a:ext cx="965776" cy="965776"/>
+          </a:xfrm>
+          <a:prstGeom prst="rect">
+            <a:avLst/>
+          </a:prstGeom>
+          <a:noFill/>
+          <a:extLst>
+            <a:ext uri="{909E8E84-426E-40DD-AFC4-6F175D3DCCD1}">
+              <a14:hiddenFill xmlns:a14="http://schemas.microsoft.com/office/drawing/2010/main">
+                <a:solidFill>
+                  <a:srgbClr val="FFFFFF"/>
+                </a:solidFill>
+              </a14:hiddenFill>
+            </a:ext>
+          </a:extLst>
+        </p:spPr>
+      </p:pic>
+      <p:pic>
+        <p:nvPicPr>
+          <p:cNvPr id="1034" name="Picture 10">
+            <a:extLst>
+              <a:ext uri="{FF2B5EF4-FFF2-40B4-BE49-F238E27FC236}">
+                <a16:creationId xmlns:a16="http://schemas.microsoft.com/office/drawing/2014/main" id="{DBF5AC81-1F0A-A568-3E85-3D66888CBEA9}"/>
+              </a:ext>
+            </a:extLst>
+          </p:cNvPr>
+          <p:cNvPicPr>
+            <a:picLocks noChangeAspect="1" noChangeArrowheads="1"/>
+          </p:cNvPicPr>
+          <p:nvPr/>
+        </p:nvPicPr>
+        <p:blipFill>
+          <a:blip r:embed="rId5">
+            <a:extLst>
+              <a:ext uri="{28A0092B-C50C-407E-A947-70E740481C1C}">
+                <a14:useLocalDpi xmlns:a14="http://schemas.microsoft.com/office/drawing/2010/main" val="0"/>
+              </a:ext>
+            </a:extLst>
+          </a:blip>
+          <a:srcRect/>
+          <a:stretch>
+            <a:fillRect/>
+          </a:stretch>
+        </p:blipFill>
+        <p:spPr bwMode="auto">
+          <a:xfrm>
+            <a:off x="8937041" y="3504594"/>
+            <a:ext cx="1261947" cy="1005647"/>
+          </a:xfrm>
+          <a:prstGeom prst="rect">
+            <a:avLst/>
+          </a:prstGeom>
+          <a:noFill/>
+          <a:extLst>
+            <a:ext uri="{909E8E84-426E-40DD-AFC4-6F175D3DCCD1}">
+              <a14:hiddenFill xmlns:a14="http://schemas.microsoft.com/office/drawing/2010/main">
+                <a:solidFill>
+                  <a:srgbClr val="FFFFFF"/>
+                </a:solidFill>
+              </a14:hiddenFill>
+            </a:ext>
+          </a:extLst>
+        </p:spPr>
+      </p:pic>
+      <p:pic>
+        <p:nvPicPr>
+          <p:cNvPr id="10" name="Picture 4">
+            <a:extLst>
+              <a:ext uri="{FF2B5EF4-FFF2-40B4-BE49-F238E27FC236}">
+                <a16:creationId xmlns:a16="http://schemas.microsoft.com/office/drawing/2014/main" id="{ED1F82F4-CA23-CA78-8E88-E5EDEAC8CA6D}"/>
+              </a:ext>
+            </a:extLst>
+          </p:cNvPr>
+          <p:cNvPicPr>
+            <a:picLocks noChangeAspect="1" noChangeArrowheads="1"/>
+          </p:cNvPicPr>
+          <p:nvPr/>
+        </p:nvPicPr>
+        <p:blipFill>
+          <a:blip r:embed="rId6">
+            <a:extLst>
+              <a:ext uri="{28A0092B-C50C-407E-A947-70E740481C1C}">
+                <a14:useLocalDpi xmlns:a14="http://schemas.microsoft.com/office/drawing/2010/main" val="0"/>
+              </a:ext>
+            </a:extLst>
+          </a:blip>
+          <a:srcRect/>
+          <a:stretch>
+            <a:fillRect/>
+          </a:stretch>
+        </p:blipFill>
+        <p:spPr bwMode="auto">
+          <a:xfrm>
+            <a:off x="3592123" y="5371653"/>
+            <a:ext cx="2428904" cy="546503"/>
+          </a:xfrm>
+          <a:prstGeom prst="rect">
+            <a:avLst/>
+          </a:prstGeom>
+          <a:noFill/>
+          <a:extLst>
+            <a:ext uri="{909E8E84-426E-40DD-AFC4-6F175D3DCCD1}">
+              <a14:hiddenFill xmlns:a14="http://schemas.microsoft.com/office/drawing/2010/main">
+                <a:solidFill>
+                  <a:srgbClr val="FFFFFF"/>
+                </a:solidFill>
+              </a14:hiddenFill>
+            </a:ext>
+          </a:extLst>
+        </p:spPr>
+      </p:pic>
+      <p:pic>
+        <p:nvPicPr>
+          <p:cNvPr id="51" name="Picture 5" descr="GitHub Logo: valor, história, PNG">
+            <a:extLst>
+              <a:ext uri="{FF2B5EF4-FFF2-40B4-BE49-F238E27FC236}">
+                <a16:creationId xmlns:a16="http://schemas.microsoft.com/office/drawing/2014/main" id="{A961CF54-38C6-EF70-73C1-630A9803F6EA}"/>
+              </a:ext>
+            </a:extLst>
+          </p:cNvPr>
+          <p:cNvPicPr>
+            <a:picLocks noChangeAspect="1" noChangeArrowheads="1"/>
+          </p:cNvPicPr>
+          <p:nvPr/>
+        </p:nvPicPr>
+        <p:blipFill>
+          <a:blip r:embed="rId7">
+            <a:extLst>
+              <a:ext uri="{28A0092B-C50C-407E-A947-70E740481C1C}">
+                <a14:useLocalDpi xmlns:a14="http://schemas.microsoft.com/office/drawing/2010/main" val="0"/>
+              </a:ext>
+            </a:extLst>
+          </a:blip>
+          <a:srcRect/>
+          <a:stretch>
+            <a:fillRect/>
+          </a:stretch>
+        </p:blipFill>
+        <p:spPr bwMode="auto">
+          <a:xfrm>
+            <a:off x="5158527" y="3374250"/>
+            <a:ext cx="2050895" cy="1153627"/>
+          </a:xfrm>
+          <a:prstGeom prst="rect">
+            <a:avLst/>
+          </a:prstGeom>
+          <a:noFill/>
+          <a:extLst>
+            <a:ext uri="{909E8E84-426E-40DD-AFC4-6F175D3DCCD1}">
+              <a14:hiddenFill xmlns:a14="http://schemas.microsoft.com/office/drawing/2010/main">
+                <a:solidFill>
+                  <a:srgbClr val="FFFFFF"/>
+                </a:solidFill>
+              </a14:hiddenFill>
+            </a:ext>
+          </a:extLst>
+        </p:spPr>
+      </p:pic>
+      <p:pic>
+        <p:nvPicPr>
+          <p:cNvPr id="52" name="Picture 7" descr="Git - Logo Downloads">
+            <a:extLst>
+              <a:ext uri="{FF2B5EF4-FFF2-40B4-BE49-F238E27FC236}">
+                <a16:creationId xmlns:a16="http://schemas.microsoft.com/office/drawing/2014/main" id="{EC2C58DF-3306-622F-0740-A0A3800E1B25}"/>
+              </a:ext>
+            </a:extLst>
+          </p:cNvPr>
+          <p:cNvPicPr>
+            <a:picLocks noChangeAspect="1" noChangeArrowheads="1"/>
+          </p:cNvPicPr>
+          <p:nvPr/>
+        </p:nvPicPr>
+        <p:blipFill>
+          <a:blip r:embed="rId8">
+            <a:extLst>
+              <a:ext uri="{28A0092B-C50C-407E-A947-70E740481C1C}">
+                <a14:useLocalDpi xmlns:a14="http://schemas.microsoft.com/office/drawing/2010/main" val="0"/>
+              </a:ext>
+            </a:extLst>
+          </a:blip>
+          <a:srcRect/>
+          <a:stretch>
+            <a:fillRect/>
+          </a:stretch>
+        </p:blipFill>
+        <p:spPr bwMode="auto">
+          <a:xfrm>
+            <a:off x="6849185" y="5333733"/>
+            <a:ext cx="2548186" cy="866729"/>
+          </a:xfrm>
+          <a:prstGeom prst="rect">
+            <a:avLst/>
+          </a:prstGeom>
+          <a:noFill/>
+          <a:extLst>
+            <a:ext uri="{909E8E84-426E-40DD-AFC4-6F175D3DCCD1}">
+              <a14:hiddenFill xmlns:a14="http://schemas.microsoft.com/office/drawing/2010/main">
+                <a:solidFill>
+                  <a:srgbClr val="FFFFFF"/>
+                </a:solidFill>
+              </a14:hiddenFill>
+            </a:ext>
+          </a:extLst>
+        </p:spPr>
+      </p:pic>
+      <p:pic>
+        <p:nvPicPr>
+          <p:cNvPr id="53" name="Picture 15" descr="15 Dicas para Turbinar o seu VS Code! | by Glaucia Lemos | Medium">
+            <a:extLst>
+              <a:ext uri="{FF2B5EF4-FFF2-40B4-BE49-F238E27FC236}">
+                <a16:creationId xmlns:a16="http://schemas.microsoft.com/office/drawing/2014/main" id="{769B4911-60EE-1662-DE20-CFC598DC2624}"/>
+              </a:ext>
+            </a:extLst>
+          </p:cNvPr>
+          <p:cNvPicPr>
+            <a:picLocks noChangeAspect="1" noChangeArrowheads="1"/>
+          </p:cNvPicPr>
+          <p:nvPr/>
+        </p:nvPicPr>
+        <p:blipFill>
+          <a:blip r:embed="rId9">
+            <a:extLst>
+              <a:ext uri="{28A0092B-C50C-407E-A947-70E740481C1C}">
+                <a14:useLocalDpi xmlns:a14="http://schemas.microsoft.com/office/drawing/2010/main" val="0"/>
+              </a:ext>
+            </a:extLst>
+          </a:blip>
+          <a:srcRect/>
+          <a:stretch>
+            <a:fillRect/>
+          </a:stretch>
+        </p:blipFill>
+        <p:spPr bwMode="auto">
+          <a:xfrm>
+            <a:off x="756842" y="4809261"/>
+            <a:ext cx="2099158" cy="991268"/>
+          </a:xfrm>
+          <a:prstGeom prst="rect">
+            <a:avLst/>
+          </a:prstGeom>
+          <a:noFill/>
+          <a:extLst>
+            <a:ext uri="{909E8E84-426E-40DD-AFC4-6F175D3DCCD1}">
+              <a14:hiddenFill xmlns:a14="http://schemas.microsoft.com/office/drawing/2010/main">
+                <a:solidFill>
+                  <a:srgbClr val="FFFFFF"/>
+                </a:solidFill>
+              </a14:hiddenFill>
+            </a:ext>
+          </a:extLst>
+        </p:spPr>
+      </p:pic>
+      <p:sp>
+        <p:nvSpPr>
+          <p:cNvPr id="54" name="CaixaDeTexto 53">
+            <a:extLst>
+              <a:ext uri="{FF2B5EF4-FFF2-40B4-BE49-F238E27FC236}">
+                <a16:creationId xmlns:a16="http://schemas.microsoft.com/office/drawing/2014/main" id="{2314596A-8A2B-297F-DF7E-87DC6FAB5777}"/>
+              </a:ext>
+            </a:extLst>
+          </p:cNvPr>
+          <p:cNvSpPr txBox="1"/>
+          <p:nvPr/>
+        </p:nvSpPr>
+        <p:spPr>
+          <a:xfrm>
+            <a:off x="515937" y="765175"/>
+            <a:ext cx="4827587" cy="584775"/>
+          </a:xfrm>
+          <a:prstGeom prst="rect">
+            <a:avLst/>
+          </a:prstGeom>
+          <a:noFill/>
+        </p:spPr>
+        <p:txBody>
+          <a:bodyPr wrap="square" rtlCol="0">
+            <a:spAutoFit/>
+          </a:bodyPr>
+          <a:lstStyle/>
+          <a:p>
+            <a:r>
+              <a:rPr lang="pt-BR" sz="3200" b="1" dirty="0">
+                <a:solidFill>
+                  <a:srgbClr val="C9B638"/>
+                </a:solidFill>
+              </a:rPr>
+              <a:t>Tecnologias utilizadas:</a:t>
+            </a:r>
+          </a:p>
+        </p:txBody>
+      </p:sp>
+      <p:sp>
+        <p:nvSpPr>
+          <p:cNvPr id="55" name="CaixaDeTexto 54">
+            <a:extLst>
+              <a:ext uri="{FF2B5EF4-FFF2-40B4-BE49-F238E27FC236}">
+                <a16:creationId xmlns:a16="http://schemas.microsoft.com/office/drawing/2014/main" id="{BEC5ED07-3631-2709-E72A-53EBD3B0EC39}"/>
+              </a:ext>
+            </a:extLst>
+          </p:cNvPr>
+          <p:cNvSpPr txBox="1"/>
+          <p:nvPr/>
+        </p:nvSpPr>
+        <p:spPr>
+          <a:xfrm>
+            <a:off x="695999" y="1323995"/>
+            <a:ext cx="11340425" cy="1405769"/>
+          </a:xfrm>
+          <a:prstGeom prst="rect">
+            <a:avLst/>
+          </a:prstGeom>
+          <a:noFill/>
+        </p:spPr>
+        <p:txBody>
+          <a:bodyPr wrap="square">
+            <a:spAutoFit/>
+          </a:bodyPr>
+          <a:lstStyle/>
+          <a:p>
+            <a:pPr algn="l">
+              <a:lnSpc>
+                <a:spcPct val="150000"/>
+              </a:lnSpc>
+            </a:pPr>
+            <a:r>
+              <a:rPr lang="pt-BR" sz="3000" dirty="0">
+                <a:solidFill>
+                  <a:srgbClr val="57606A"/>
+                </a:solidFill>
+              </a:rPr>
+              <a:t>Para desenvolvimento deste projeto foram utilizadas as seguintes tecnologias.</a:t>
+            </a:r>
+            <a:endParaRPr lang="pt-BR" sz="3000" b="0" i="0" dirty="0">
+              <a:solidFill>
+                <a:srgbClr val="57606A"/>
+              </a:solidFill>
+              <a:effectLst/>
+            </a:endParaRPr>
+          </a:p>
+        </p:txBody>
+      </p:sp>
+    </p:spTree>
+    <p:extLst>
+      <p:ext uri="{BB962C8B-B14F-4D97-AF65-F5344CB8AC3E}">
+        <p14:creationId xmlns:p14="http://schemas.microsoft.com/office/powerpoint/2010/main" val="2194254828"/>
+      </p:ext>
+    </p:extLst>
+  </p:cSld>
+  <p:clrMapOvr>
+    <a:masterClrMapping/>
+  </p:clrMapOvr>
+  <mc:AlternateContent xmlns:mc="http://schemas.openxmlformats.org/markup-compatibility/2006" xmlns:p159="http://schemas.microsoft.com/office/powerpoint/2015/09/main">
+    <mc:Choice Requires="p159">
+      <p:transition spd="slow">
+        <p159:morph option="byObject"/>
+      </p:transition>
+    </mc:Choice>
+    <mc:Fallback xmlns="">
+      <p:transition spd="slow">
+        <p:fade/>
+      </p:transition>
+    </mc:Fallback>
+  </mc:AlternateContent>
+</p:sld>
+</file>
+
+<file path=ppt/slides/slide16.xml><?xml version="1.0" encoding="utf-8"?>
+<p:sld xmlns:a="http://schemas.openxmlformats.org/drawingml/2006/main" xmlns:r="http://schemas.openxmlformats.org/officeDocument/2006/relationships" xmlns:p="http://schemas.openxmlformats.org/presentationml/2006/main">
+  <p:cSld>
+    <p:spTree>
+      <p:nvGrpSpPr>
+        <p:cNvPr id="1" name=""/>
+        <p:cNvGrpSpPr/>
+        <p:nvPr/>
+      </p:nvGrpSpPr>
+      <p:grpSpPr>
+        <a:xfrm>
+          <a:off x="0" y="0"/>
+          <a:ext cx="0" cy="0"/>
+          <a:chOff x="0" y="0"/>
+          <a:chExt cx="0" cy="0"/>
+        </a:xfrm>
+      </p:grpSpPr>
+      <p:sp>
+        <p:nvSpPr>
+          <p:cNvPr id="2" name="Retângulo 1">
+            <a:extLst>
+              <a:ext uri="{FF2B5EF4-FFF2-40B4-BE49-F238E27FC236}">
+                <a16:creationId xmlns:a16="http://schemas.microsoft.com/office/drawing/2014/main" id="{2F1FBD3C-743F-7089-0D0C-DA7CC5462B50}"/>
+              </a:ext>
+            </a:extLst>
+          </p:cNvPr>
+          <p:cNvSpPr/>
+          <p:nvPr/>
+        </p:nvSpPr>
+        <p:spPr>
+          <a:xfrm>
+            <a:off x="0" y="369332"/>
+            <a:ext cx="12192000" cy="115410"/>
+          </a:xfrm>
+          <a:prstGeom prst="rect">
+            <a:avLst/>
+          </a:prstGeom>
+          <a:solidFill>
+            <a:schemeClr val="bg1">
+              <a:lumMod val="95000"/>
+            </a:schemeClr>
+          </a:solidFill>
+          <a:ln>
+            <a:noFill/>
+          </a:ln>
+        </p:spPr>
+        <p:style>
+          <a:lnRef idx="2">
+            <a:schemeClr val="accent1">
+              <a:shade val="50000"/>
+            </a:schemeClr>
+          </a:lnRef>
+          <a:fillRef idx="1">
+            <a:schemeClr val="accent1"/>
+          </a:fillRef>
+          <a:effectRef idx="0">
+            <a:schemeClr val="accent1"/>
+          </a:effectRef>
+          <a:fontRef idx="minor">
+            <a:schemeClr val="lt1"/>
+          </a:fontRef>
+        </p:style>
+        <p:txBody>
+          <a:bodyPr rtlCol="0" anchor="ctr"/>
+          <a:lstStyle/>
+          <a:p>
+            <a:pPr algn="ctr"/>
+            <a:endParaRPr lang="pt-BR"/>
+          </a:p>
+        </p:txBody>
+      </p:sp>
+      <p:sp>
+        <p:nvSpPr>
+          <p:cNvPr id="8" name="CaixaDeTexto 7">
+            <a:extLst>
+              <a:ext uri="{FF2B5EF4-FFF2-40B4-BE49-F238E27FC236}">
+                <a16:creationId xmlns:a16="http://schemas.microsoft.com/office/drawing/2014/main" id="{3461DDC4-7834-928F-6FF1-90D55E914CB6}"/>
+              </a:ext>
+            </a:extLst>
+          </p:cNvPr>
+          <p:cNvSpPr txBox="1"/>
+          <p:nvPr/>
+        </p:nvSpPr>
+        <p:spPr>
+          <a:xfrm>
+            <a:off x="696000" y="2203"/>
+            <a:ext cx="2160000" cy="369332"/>
+          </a:xfrm>
+          <a:prstGeom prst="rect">
+            <a:avLst/>
+          </a:prstGeom>
+          <a:noFill/>
+          <a:ln>
+            <a:noFill/>
+          </a:ln>
+        </p:spPr>
+        <p:txBody>
+          <a:bodyPr wrap="square" rtlCol="0">
+            <a:spAutoFit/>
+          </a:bodyPr>
+          <a:lstStyle/>
+          <a:p>
+            <a:pPr algn="ctr"/>
+            <a:r>
+              <a:rPr lang="pt-BR" b="1" dirty="0">
+                <a:solidFill>
+                  <a:schemeClr val="bg1">
+                    <a:lumMod val="85000"/>
+                  </a:schemeClr>
+                </a:solidFill>
+              </a:rPr>
+              <a:t>PROBLEMA</a:t>
+            </a:r>
+          </a:p>
+        </p:txBody>
+      </p:sp>
+      <p:sp>
+        <p:nvSpPr>
           <p:cNvPr id="18" name="Retângulo 17">
             <a:extLst>
               <a:ext uri="{FF2B5EF4-FFF2-40B4-BE49-F238E27FC236}">
@@ -15758,13 +15761,13 @@
   <p:clrMapOvr>
     <a:masterClrMapping/>
   </p:clrMapOvr>
-  <mc:AlternateContent xmlns:mc="http://schemas.openxmlformats.org/markup-compatibility/2006">
-    <mc:Choice xmlns:p159="http://schemas.microsoft.com/office/powerpoint/2015/09/main" Requires="p159">
+  <mc:AlternateContent xmlns:mc="http://schemas.openxmlformats.org/markup-compatibility/2006" xmlns:p159="http://schemas.microsoft.com/office/powerpoint/2015/09/main">
+    <mc:Choice Requires="p159">
       <p:transition spd="slow">
         <p159:morph option="byObject"/>
       </p:transition>
     </mc:Choice>
-    <mc:Fallback>
+    <mc:Fallback xmlns="">
       <p:transition spd="slow">
         <p:fade/>
       </p:transition>
@@ -17415,13 +17418,13 @@
   <p:clrMapOvr>
     <a:masterClrMapping/>
   </p:clrMapOvr>
-  <mc:AlternateContent xmlns:mc="http://schemas.openxmlformats.org/markup-compatibility/2006">
-    <mc:Choice xmlns:p159="http://schemas.microsoft.com/office/powerpoint/2015/09/main" Requires="p159">
+  <mc:AlternateContent xmlns:mc="http://schemas.openxmlformats.org/markup-compatibility/2006" xmlns:p159="http://schemas.microsoft.com/office/powerpoint/2015/09/main">
+    <mc:Choice Requires="p159">
       <p:transition spd="slow">
         <p159:morph option="byObject"/>
       </p:transition>
     </mc:Choice>
-    <mc:Fallback>
+    <mc:Fallback xmlns="">
       <p:transition spd="slow">
         <p:fade/>
       </p:transition>
@@ -17916,13 +17919,13 @@
   <p:clrMapOvr>
     <a:masterClrMapping/>
   </p:clrMapOvr>
-  <mc:AlternateContent xmlns:mc="http://schemas.openxmlformats.org/markup-compatibility/2006">
-    <mc:Choice xmlns:p159="http://schemas.microsoft.com/office/powerpoint/2015/09/main" Requires="p159">
+  <mc:AlternateContent xmlns:mc="http://schemas.openxmlformats.org/markup-compatibility/2006" xmlns:p159="http://schemas.microsoft.com/office/powerpoint/2015/09/main">
+    <mc:Choice Requires="p159">
       <p:transition spd="slow">
         <p159:morph option="byObject"/>
       </p:transition>
     </mc:Choice>
-    <mc:Fallback>
+    <mc:Fallback xmlns="">
       <p:transition spd="slow">
         <p:fade/>
       </p:transition>
@@ -18585,7 +18588,7 @@
                 </a:solidFill>
                 <a:effectLst/>
               </a:rPr>
-              <a:t>, 65% da população utilizada o transporte público como principal forma de deslocamento nas capitais. </a:t>
+              <a:t>, 65% da população utiliza o transporte público como principal forma de deslocamento nas capitais. </a:t>
             </a:r>
           </a:p>
         </p:txBody>
@@ -18641,13 +18644,13 @@
   <p:clrMapOvr>
     <a:masterClrMapping/>
   </p:clrMapOvr>
-  <mc:AlternateContent xmlns:mc="http://schemas.openxmlformats.org/markup-compatibility/2006">
-    <mc:Choice xmlns:p159="http://schemas.microsoft.com/office/powerpoint/2015/09/main" Requires="p159">
+  <mc:AlternateContent xmlns:mc="http://schemas.openxmlformats.org/markup-compatibility/2006" xmlns:p159="http://schemas.microsoft.com/office/powerpoint/2015/09/main">
+    <mc:Choice Requires="p159">
       <p:transition spd="slow">
         <p159:morph option="byObject"/>
       </p:transition>
     </mc:Choice>
-    <mc:Fallback>
+    <mc:Fallback xmlns="">
       <p:transition spd="slow">
         <p:fade/>
       </p:transition>
@@ -19450,13 +19453,13 @@
   <p:clrMapOvr>
     <a:masterClrMapping/>
   </p:clrMapOvr>
-  <mc:AlternateContent xmlns:mc="http://schemas.openxmlformats.org/markup-compatibility/2006">
-    <mc:Choice xmlns:p159="http://schemas.microsoft.com/office/powerpoint/2015/09/main" Requires="p159">
+  <mc:AlternateContent xmlns:mc="http://schemas.openxmlformats.org/markup-compatibility/2006" xmlns:p159="http://schemas.microsoft.com/office/powerpoint/2015/09/main">
+    <mc:Choice Requires="p159">
       <p:transition spd="slow">
         <p159:morph option="byObject"/>
       </p:transition>
     </mc:Choice>
-    <mc:Fallback>
+    <mc:Fallback xmlns="">
       <p:transition spd="slow">
         <p:fade/>
       </p:transition>
@@ -20137,7 +20140,7 @@
                 </a:solidFill>
                 <a:effectLst/>
               </a:rPr>
-              <a:t>alteração do horário do ônibus, atrasos, </a:t>
+              <a:t>alteração do horário do ônibus e atrasos. </a:t>
             </a:r>
           </a:p>
           <a:p>
@@ -20265,13 +20268,13 @@
   <p:clrMapOvr>
     <a:masterClrMapping/>
   </p:clrMapOvr>
-  <mc:AlternateContent xmlns:mc="http://schemas.openxmlformats.org/markup-compatibility/2006">
-    <mc:Choice xmlns:p159="http://schemas.microsoft.com/office/powerpoint/2015/09/main" Requires="p159">
+  <mc:AlternateContent xmlns:mc="http://schemas.openxmlformats.org/markup-compatibility/2006" xmlns:p159="http://schemas.microsoft.com/office/powerpoint/2015/09/main">
+    <mc:Choice Requires="p159">
       <p:transition spd="slow">
         <p159:morph option="byObject"/>
       </p:transition>
     </mc:Choice>
-    <mc:Fallback>
+    <mc:Fallback xmlns="">
       <p:transition spd="slow">
         <p:fade/>
       </p:transition>
@@ -20665,7 +20668,7 @@
                   <a:schemeClr val="bg1"/>
                 </a:solidFill>
               </a:rPr>
-              <a:t>PROPOSTA DE SOLUCAÇÃO</a:t>
+              <a:t>PROPOSTA DE SOLUÇÃO</a:t>
             </a:r>
           </a:p>
         </p:txBody>
@@ -21693,13 +21696,13 @@
   <p:clrMapOvr>
     <a:masterClrMapping/>
   </p:clrMapOvr>
-  <mc:AlternateContent xmlns:mc="http://schemas.openxmlformats.org/markup-compatibility/2006">
-    <mc:Choice xmlns:p159="http://schemas.microsoft.com/office/powerpoint/2015/09/main" Requires="p159">
+  <mc:AlternateContent xmlns:mc="http://schemas.openxmlformats.org/markup-compatibility/2006" xmlns:p159="http://schemas.microsoft.com/office/powerpoint/2015/09/main">
+    <mc:Choice Requires="p159">
       <p:transition spd="slow">
         <p159:morph option="byObject"/>
       </p:transition>
     </mc:Choice>
-    <mc:Fallback>
+    <mc:Fallback xmlns="">
       <p:transition spd="slow">
         <p:fade/>
       </p:transition>
@@ -23545,13 +23548,13 @@
   <p:clrMapOvr>
     <a:masterClrMapping/>
   </p:clrMapOvr>
-  <mc:AlternateContent xmlns:mc="http://schemas.openxmlformats.org/markup-compatibility/2006">
-    <mc:Choice xmlns:p159="http://schemas.microsoft.com/office/powerpoint/2015/09/main" Requires="p159">
+  <mc:AlternateContent xmlns:mc="http://schemas.openxmlformats.org/markup-compatibility/2006" xmlns:p159="http://schemas.microsoft.com/office/powerpoint/2015/09/main">
+    <mc:Choice Requires="p159">
       <p:transition spd="slow">
         <p159:morph option="byObject"/>
       </p:transition>
     </mc:Choice>
-    <mc:Fallback>
+    <mc:Fallback xmlns="">
       <p:transition spd="slow">
         <p:fade/>
       </p:transition>
@@ -24046,13 +24049,13 @@
   <p:clrMapOvr>
     <a:masterClrMapping/>
   </p:clrMapOvr>
-  <mc:AlternateContent xmlns:mc="http://schemas.openxmlformats.org/markup-compatibility/2006">
-    <mc:Choice xmlns:p159="http://schemas.microsoft.com/office/powerpoint/2015/09/main" Requires="p159">
+  <mc:AlternateContent xmlns:mc="http://schemas.openxmlformats.org/markup-compatibility/2006" xmlns:p159="http://schemas.microsoft.com/office/powerpoint/2015/09/main">
+    <mc:Choice Requires="p159">
       <p:transition spd="slow">
         <p159:morph option="byObject"/>
       </p:transition>
     </mc:Choice>
-    <mc:Fallback>
+    <mc:Fallback xmlns="">
       <p:transition spd="slow">
         <p:fade/>
       </p:transition>
@@ -26909,13 +26912,13 @@
   <p:clrMapOvr>
     <a:masterClrMapping/>
   </p:clrMapOvr>
-  <mc:AlternateContent xmlns:mc="http://schemas.openxmlformats.org/markup-compatibility/2006">
-    <mc:Choice xmlns:p159="http://schemas.microsoft.com/office/powerpoint/2015/09/main" Requires="p159">
+  <mc:AlternateContent xmlns:mc="http://schemas.openxmlformats.org/markup-compatibility/2006" xmlns:p159="http://schemas.microsoft.com/office/powerpoint/2015/09/main">
+    <mc:Choice Requires="p159">
       <p:transition spd="slow">
         <p159:morph option="byObject"/>
       </p:transition>
     </mc:Choice>
-    <mc:Fallback>
+    <mc:Fallback xmlns="">
       <p:transition spd="slow">
         <p:fade/>
       </p:transition>

--- a/docs/apresentacao/Apresentação - Sprint 4.pptx
+++ b/docs/apresentacao/Apresentação - Sprint 4.pptx
@@ -193,7 +193,7 @@
   <pc:docChgLst>
     <pc:chgData name="Guilherme Lage da Costa" userId="e66f0b7e9f7bd981" providerId="LiveId" clId="{957C50AA-5744-4113-8340-ECEE95D7512C}"/>
     <pc:docChg chg="undo custSel addSld delSld modSld sldOrd">
-      <pc:chgData name="Guilherme Lage da Costa" userId="e66f0b7e9f7bd981" providerId="LiveId" clId="{957C50AA-5744-4113-8340-ECEE95D7512C}" dt="2022-12-04T20:15:18.173" v="294" actId="20577"/>
+      <pc:chgData name="Guilherme Lage da Costa" userId="e66f0b7e9f7bd981" providerId="LiveId" clId="{957C50AA-5744-4113-8340-ECEE95D7512C}" dt="2022-12-04T20:33:30.169" v="295" actId="20577"/>
       <pc:docMkLst>
         <pc:docMk/>
       </pc:docMkLst>
@@ -981,11 +981,19 @@
         </pc:sldMkLst>
       </pc:sldChg>
       <pc:sldChg chg="modSp add mod">
-        <pc:chgData name="Guilherme Lage da Costa" userId="e66f0b7e9f7bd981" providerId="LiveId" clId="{957C50AA-5744-4113-8340-ECEE95D7512C}" dt="2022-12-04T20:15:18.173" v="294" actId="20577"/>
+        <pc:chgData name="Guilherme Lage da Costa" userId="e66f0b7e9f7bd981" providerId="LiveId" clId="{957C50AA-5744-4113-8340-ECEE95D7512C}" dt="2022-12-04T20:33:30.169" v="295" actId="20577"/>
         <pc:sldMkLst>
           <pc:docMk/>
           <pc:sldMk cId="490094493" sldId="305"/>
         </pc:sldMkLst>
+        <pc:spChg chg="mod">
+          <ac:chgData name="Guilherme Lage da Costa" userId="e66f0b7e9f7bd981" providerId="LiveId" clId="{957C50AA-5744-4113-8340-ECEE95D7512C}" dt="2022-12-04T20:33:30.169" v="295" actId="20577"/>
+          <ac:spMkLst>
+            <pc:docMk/>
+            <pc:sldMk cId="490094493" sldId="305"/>
+            <ac:spMk id="21" creationId="{AC24A6F4-1AA5-E97E-DC59-221F48310618}"/>
+          </ac:spMkLst>
+        </pc:spChg>
         <pc:spChg chg="mod">
           <ac:chgData name="Guilherme Lage da Costa" userId="e66f0b7e9f7bd981" providerId="LiveId" clId="{957C50AA-5744-4113-8340-ECEE95D7512C}" dt="2022-12-04T20:15:18.173" v="294" actId="20577"/>
           <ac:spMkLst>
@@ -13083,20 +13091,12 @@
                 <a:p>
                   <a:pPr algn="ctr"/>
                   <a:r>
-                    <a:rPr lang="pt-BR" b="1" dirty="0" err="1">
-                      <a:solidFill>
-                        <a:schemeClr val="bg1"/>
-                      </a:solidFill>
-                    </a:rPr>
-                    <a:t>Pá’gina</a:t>
-                  </a:r>
-                  <a:r>
                     <a:rPr lang="pt-BR" b="1" dirty="0">
                       <a:solidFill>
                         <a:schemeClr val="bg1"/>
                       </a:solidFill>
                     </a:rPr>
-                    <a:t> web</a:t>
+                    <a:t>Página web</a:t>
                   </a:r>
                 </a:p>
                 <a:p>

--- a/docs/apresentacao/Apresentação - Sprint 4.pptx
+++ b/docs/apresentacao/Apresentação - Sprint 4.pptx
@@ -124,6 +124,51 @@
     </a:lvl9pPr>
   </p:defaultTextStyle>
   <p:extLst>
+    <p:ext uri="{521415D9-36F7-43E2-AB2F-B90AF26B5E84}">
+      <p14:sectionLst xmlns:p14="http://schemas.microsoft.com/office/powerpoint/2010/main">
+        <p14:section name="Guilherme" id="{0EA03FC5-5E42-424A-9403-A9A21A5A14FA}">
+          <p14:sldIdLst>
+            <p14:sldId id="298"/>
+          </p14:sldIdLst>
+        </p14:section>
+        <p14:section name="Renato" id="{25246688-C2C5-48D7-83FD-2D96F7D9E44F}">
+          <p14:sldIdLst>
+            <p14:sldId id="261"/>
+            <p14:sldId id="300"/>
+            <p14:sldId id="267"/>
+            <p14:sldId id="299"/>
+          </p14:sldIdLst>
+        </p14:section>
+        <p14:section name="Mateus" id="{8FB30D9F-4830-4436-9559-E968BE6D1B59}">
+          <p14:sldIdLst>
+            <p14:sldId id="302"/>
+            <p14:sldId id="275"/>
+          </p14:sldIdLst>
+        </p14:section>
+        <p14:section name="Arthur" id="{CE35C075-E57C-4AFF-A4EA-66952C9424F9}">
+          <p14:sldIdLst>
+            <p14:sldId id="263"/>
+            <p14:sldId id="270"/>
+            <p14:sldId id="303"/>
+            <p14:sldId id="291"/>
+            <p14:sldId id="297"/>
+          </p14:sldIdLst>
+        </p14:section>
+        <p14:section name="Guilherme" id="{62EB408F-54DC-4E75-90FC-07CF8EC5F667}">
+          <p14:sldIdLst>
+            <p14:sldId id="265"/>
+            <p14:sldId id="305"/>
+            <p14:sldId id="301"/>
+          </p14:sldIdLst>
+        </p14:section>
+        <p14:section name="Miguel" id="{5F9BD118-C500-4B88-9549-E152647E2E1A}">
+          <p14:sldIdLst>
+            <p14:sldId id="304"/>
+            <p14:sldId id="289"/>
+          </p14:sldIdLst>
+        </p14:section>
+      </p14:sectionLst>
+    </p:ext>
     <p:ext uri="{EFAFB233-063F-42B5-8137-9DF3F51BA10A}">
       <p15:sldGuideLst xmlns:p15="http://schemas.microsoft.com/office/powerpoint/2012/main">
         <p15:guide id="1" orient="horz" pos="2160" userDrawn="1">
@@ -180,14 +225,6 @@
 </p:presentation>
 </file>
 
-<file path=ppt/revisionInfo.xml><?xml version="1.0" encoding="utf-8"?>
-<p1510:revInfo xmlns:a="http://schemas.openxmlformats.org/drawingml/2006/main" xmlns:r="http://schemas.openxmlformats.org/officeDocument/2006/relationships" xmlns:p1510="http://schemas.microsoft.com/office/powerpoint/2015/10/main">
-  <p1510:revLst>
-    <p1510:client id="{957C50AA-5744-4113-8340-ECEE95D7512C}" v="79" dt="2022-12-04T14:38:09.512"/>
-  </p1510:revLst>
-</p1510:revInfo>
-</file>
-
 <file path=ppt/changesInfos/changesInfo1.xml><?xml version="1.0" encoding="utf-8"?>
 <pc:chgInfo xmlns:a="http://schemas.openxmlformats.org/drawingml/2006/main" xmlns:r="http://schemas.openxmlformats.org/officeDocument/2006/relationships" xmlns:ac="http://schemas.microsoft.com/office/drawing/2013/main/command" xmlns:pc="http://schemas.microsoft.com/office/powerpoint/2013/main/command">
   <pc:docChgLst>
@@ -1007,8 +1044,8 @@
   </pc:docChgLst>
   <pc:docChgLst>
     <pc:chgData name="Guilherme Lage da Costa" userId="e66f0b7e9f7bd981" providerId="LiveId" clId="{E2F8200A-1438-4883-B976-5D75DF02623E}"/>
-    <pc:docChg chg="undo custSel addSld delSld modSld sldOrd">
-      <pc:chgData name="Guilherme Lage da Costa" userId="e66f0b7e9f7bd981" providerId="LiveId" clId="{E2F8200A-1438-4883-B976-5D75DF02623E}" dt="2022-11-28T19:21:07.857" v="1939"/>
+    <pc:docChg chg="undo custSel addSld delSld modSld sldOrd addSection modSection">
+      <pc:chgData name="Guilherme Lage da Costa" userId="e66f0b7e9f7bd981" providerId="LiveId" clId="{E2F8200A-1438-4883-B976-5D75DF02623E}" dt="2022-12-06T19:07:17.801" v="1951" actId="17846"/>
       <pc:docMkLst>
         <pc:docMk/>
       </pc:docMkLst>
@@ -4543,7 +4580,7 @@
           <a:p>
             <a:fld id="{9ADEABF0-8893-4851-98F8-C781AE5C67F4}" type="datetimeFigureOut">
               <a:rPr lang="pt-BR" smtClean="0"/>
-              <a:t>04/12/2022</a:t>
+              <a:t>06/12/2022</a:t>
             </a:fld>
             <a:endParaRPr lang="pt-BR"/>
           </a:p>
@@ -4957,7 +4994,7 @@
           <a:p>
             <a:fld id="{B1F8A8AF-FE0F-45AB-9FDA-53617E809FA8}" type="datetimeFigureOut">
               <a:rPr lang="pt-BR" smtClean="0"/>
-              <a:t>04/12/2022</a:t>
+              <a:t>06/12/2022</a:t>
             </a:fld>
             <a:endParaRPr lang="pt-BR"/>
           </a:p>
@@ -5155,7 +5192,7 @@
           <a:p>
             <a:fld id="{B1F8A8AF-FE0F-45AB-9FDA-53617E809FA8}" type="datetimeFigureOut">
               <a:rPr lang="pt-BR" smtClean="0"/>
-              <a:t>04/12/2022</a:t>
+              <a:t>06/12/2022</a:t>
             </a:fld>
             <a:endParaRPr lang="pt-BR"/>
           </a:p>
@@ -5363,7 +5400,7 @@
           <a:p>
             <a:fld id="{B1F8A8AF-FE0F-45AB-9FDA-53617E809FA8}" type="datetimeFigureOut">
               <a:rPr lang="pt-BR" smtClean="0"/>
-              <a:t>04/12/2022</a:t>
+              <a:t>06/12/2022</a:t>
             </a:fld>
             <a:endParaRPr lang="pt-BR"/>
           </a:p>
@@ -5561,7 +5598,7 @@
           <a:p>
             <a:fld id="{B1F8A8AF-FE0F-45AB-9FDA-53617E809FA8}" type="datetimeFigureOut">
               <a:rPr lang="pt-BR" smtClean="0"/>
-              <a:t>04/12/2022</a:t>
+              <a:t>06/12/2022</a:t>
             </a:fld>
             <a:endParaRPr lang="pt-BR"/>
           </a:p>
@@ -5836,7 +5873,7 @@
           <a:p>
             <a:fld id="{B1F8A8AF-FE0F-45AB-9FDA-53617E809FA8}" type="datetimeFigureOut">
               <a:rPr lang="pt-BR" smtClean="0"/>
-              <a:t>04/12/2022</a:t>
+              <a:t>06/12/2022</a:t>
             </a:fld>
             <a:endParaRPr lang="pt-BR"/>
           </a:p>
@@ -6101,7 +6138,7 @@
           <a:p>
             <a:fld id="{B1F8A8AF-FE0F-45AB-9FDA-53617E809FA8}" type="datetimeFigureOut">
               <a:rPr lang="pt-BR" smtClean="0"/>
-              <a:t>04/12/2022</a:t>
+              <a:t>06/12/2022</a:t>
             </a:fld>
             <a:endParaRPr lang="pt-BR"/>
           </a:p>
@@ -6513,7 +6550,7 @@
           <a:p>
             <a:fld id="{B1F8A8AF-FE0F-45AB-9FDA-53617E809FA8}" type="datetimeFigureOut">
               <a:rPr lang="pt-BR" smtClean="0"/>
-              <a:t>04/12/2022</a:t>
+              <a:t>06/12/2022</a:t>
             </a:fld>
             <a:endParaRPr lang="pt-BR"/>
           </a:p>
@@ -6654,7 +6691,7 @@
           <a:p>
             <a:fld id="{B1F8A8AF-FE0F-45AB-9FDA-53617E809FA8}" type="datetimeFigureOut">
               <a:rPr lang="pt-BR" smtClean="0"/>
-              <a:t>04/12/2022</a:t>
+              <a:t>06/12/2022</a:t>
             </a:fld>
             <a:endParaRPr lang="pt-BR"/>
           </a:p>
@@ -6767,7 +6804,7 @@
           <a:p>
             <a:fld id="{B1F8A8AF-FE0F-45AB-9FDA-53617E809FA8}" type="datetimeFigureOut">
               <a:rPr lang="pt-BR" smtClean="0"/>
-              <a:t>04/12/2022</a:t>
+              <a:t>06/12/2022</a:t>
             </a:fld>
             <a:endParaRPr lang="pt-BR"/>
           </a:p>
@@ -7078,7 +7115,7 @@
           <a:p>
             <a:fld id="{B1F8A8AF-FE0F-45AB-9FDA-53617E809FA8}" type="datetimeFigureOut">
               <a:rPr lang="pt-BR" smtClean="0"/>
-              <a:t>04/12/2022</a:t>
+              <a:t>06/12/2022</a:t>
             </a:fld>
             <a:endParaRPr lang="pt-BR"/>
           </a:p>
@@ -7366,7 +7403,7 @@
           <a:p>
             <a:fld id="{B1F8A8AF-FE0F-45AB-9FDA-53617E809FA8}" type="datetimeFigureOut">
               <a:rPr lang="pt-BR" smtClean="0"/>
-              <a:t>04/12/2022</a:t>
+              <a:t>06/12/2022</a:t>
             </a:fld>
             <a:endParaRPr lang="pt-BR"/>
           </a:p>
@@ -7607,7 +7644,7 @@
           <a:p>
             <a:fld id="{B1F8A8AF-FE0F-45AB-9FDA-53617E809FA8}" type="datetimeFigureOut">
               <a:rPr lang="pt-BR" smtClean="0"/>
-              <a:t>04/12/2022</a:t>
+              <a:t>06/12/2022</a:t>
             </a:fld>
             <a:endParaRPr lang="pt-BR"/>
           </a:p>

--- a/docs/apresentacao/Apresentação - Sprint 4.pptx
+++ b/docs/apresentacao/Apresentação - Sprint 4.pptx
@@ -5,26 +5,25 @@
     <p:sldMasterId id="2147483648" r:id="rId1"/>
   </p:sldMasterIdLst>
   <p:notesMasterIdLst>
-    <p:notesMasterId r:id="rId19"/>
+    <p:notesMasterId r:id="rId18"/>
   </p:notesMasterIdLst>
   <p:sldIdLst>
     <p:sldId id="298" r:id="rId2"/>
     <p:sldId id="261" r:id="rId3"/>
-    <p:sldId id="300" r:id="rId4"/>
-    <p:sldId id="267" r:id="rId5"/>
-    <p:sldId id="299" r:id="rId6"/>
-    <p:sldId id="302" r:id="rId7"/>
-    <p:sldId id="275" r:id="rId8"/>
-    <p:sldId id="263" r:id="rId9"/>
-    <p:sldId id="270" r:id="rId10"/>
-    <p:sldId id="303" r:id="rId11"/>
-    <p:sldId id="291" r:id="rId12"/>
-    <p:sldId id="297" r:id="rId13"/>
-    <p:sldId id="265" r:id="rId14"/>
-    <p:sldId id="305" r:id="rId15"/>
-    <p:sldId id="301" r:id="rId16"/>
-    <p:sldId id="304" r:id="rId17"/>
-    <p:sldId id="289" r:id="rId18"/>
+    <p:sldId id="267" r:id="rId4"/>
+    <p:sldId id="299" r:id="rId5"/>
+    <p:sldId id="302" r:id="rId6"/>
+    <p:sldId id="275" r:id="rId7"/>
+    <p:sldId id="263" r:id="rId8"/>
+    <p:sldId id="270" r:id="rId9"/>
+    <p:sldId id="303" r:id="rId10"/>
+    <p:sldId id="291" r:id="rId11"/>
+    <p:sldId id="297" r:id="rId12"/>
+    <p:sldId id="265" r:id="rId13"/>
+    <p:sldId id="305" r:id="rId14"/>
+    <p:sldId id="301" r:id="rId15"/>
+    <p:sldId id="304" r:id="rId16"/>
+    <p:sldId id="289" r:id="rId17"/>
   </p:sldIdLst>
   <p:sldSz cx="12192000" cy="6858000"/>
   <p:notesSz cx="6858000" cy="9144000"/>
@@ -134,7 +133,6 @@
         <p14:section name="Renato" id="{25246688-C2C5-48D7-83FD-2D96F7D9E44F}">
           <p14:sldIdLst>
             <p14:sldId id="261"/>
-            <p14:sldId id="300"/>
             <p14:sldId id="267"/>
             <p14:sldId id="299"/>
           </p14:sldIdLst>
@@ -225,6 +223,14 @@
 </p:presentation>
 </file>
 
+<file path=ppt/revisionInfo.xml><?xml version="1.0" encoding="utf-8"?>
+<p1510:revInfo xmlns:a="http://schemas.openxmlformats.org/drawingml/2006/main" xmlns:r="http://schemas.openxmlformats.org/officeDocument/2006/relationships" xmlns:p1510="http://schemas.microsoft.com/office/powerpoint/2015/10/main">
+  <p1510:revLst>
+    <p1510:client id="{E2F8200A-1438-4883-B976-5D75DF02623E}" v="2" dt="2022-12-06T20:04:08.324"/>
+  </p1510:revLst>
+</p1510:revInfo>
+</file>
+
 <file path=ppt/changesInfos/changesInfo1.xml><?xml version="1.0" encoding="utf-8"?>
 <pc:chgInfo xmlns:a="http://schemas.openxmlformats.org/drawingml/2006/main" xmlns:r="http://schemas.openxmlformats.org/officeDocument/2006/relationships" xmlns:ac="http://schemas.microsoft.com/office/drawing/2013/main/command" xmlns:pc="http://schemas.microsoft.com/office/powerpoint/2013/main/command">
   <pc:docChgLst>
@@ -1045,7 +1051,7 @@
   <pc:docChgLst>
     <pc:chgData name="Guilherme Lage da Costa" userId="e66f0b7e9f7bd981" providerId="LiveId" clId="{E2F8200A-1438-4883-B976-5D75DF02623E}"/>
     <pc:docChg chg="undo custSel addSld delSld modSld sldOrd addSection modSection">
-      <pc:chgData name="Guilherme Lage da Costa" userId="e66f0b7e9f7bd981" providerId="LiveId" clId="{E2F8200A-1438-4883-B976-5D75DF02623E}" dt="2022-12-06T19:07:17.801" v="1951" actId="17846"/>
+      <pc:chgData name="Guilherme Lage da Costa" userId="e66f0b7e9f7bd981" providerId="LiveId" clId="{E2F8200A-1438-4883-B976-5D75DF02623E}" dt="2022-12-06T20:04:08.324" v="2021" actId="164"/>
       <pc:docMkLst>
         <pc:docMk/>
       </pc:docMkLst>
@@ -1310,7 +1316,7 @@
         </pc:spChg>
       </pc:sldChg>
       <pc:sldChg chg="addSp delSp modSp mod ord modTransition">
-        <pc:chgData name="Guilherme Lage da Costa" userId="e66f0b7e9f7bd981" providerId="LiveId" clId="{E2F8200A-1438-4883-B976-5D75DF02623E}" dt="2022-11-28T18:47:18.245" v="1711"/>
+        <pc:chgData name="Guilherme Lage da Costa" userId="e66f0b7e9f7bd981" providerId="LiveId" clId="{E2F8200A-1438-4883-B976-5D75DF02623E}" dt="2022-12-06T19:18:24.460" v="1953" actId="20577"/>
         <pc:sldMkLst>
           <pc:docMk/>
           <pc:sldMk cId="414694147" sldId="267"/>
@@ -1364,7 +1370,7 @@
           </ac:spMkLst>
         </pc:spChg>
         <pc:spChg chg="mod">
-          <ac:chgData name="Guilherme Lage da Costa" userId="e66f0b7e9f7bd981" providerId="LiveId" clId="{E2F8200A-1438-4883-B976-5D75DF02623E}" dt="2022-11-28T15:02:22.805" v="317" actId="21"/>
+          <ac:chgData name="Guilherme Lage da Costa" userId="e66f0b7e9f7bd981" providerId="LiveId" clId="{E2F8200A-1438-4883-B976-5D75DF02623E}" dt="2022-12-06T19:18:24.460" v="1953" actId="20577"/>
           <ac:spMkLst>
             <pc:docMk/>
             <pc:sldMk cId="414694147" sldId="267"/>
@@ -2536,12 +2542,20 @@
         </pc:spChg>
       </pc:sldChg>
       <pc:sldChg chg="addSp delSp modSp mod modTransition delAnim">
-        <pc:chgData name="Guilherme Lage da Costa" userId="e66f0b7e9f7bd981" providerId="LiveId" clId="{E2F8200A-1438-4883-B976-5D75DF02623E}" dt="2022-11-28T18:14:50.211" v="1432" actId="1076"/>
+        <pc:chgData name="Guilherme Lage da Costa" userId="e66f0b7e9f7bd981" providerId="LiveId" clId="{E2F8200A-1438-4883-B976-5D75DF02623E}" dt="2022-12-06T20:04:08.324" v="2021" actId="164"/>
         <pc:sldMkLst>
           <pc:docMk/>
           <pc:sldMk cId="575937306" sldId="289"/>
         </pc:sldMkLst>
         <pc:spChg chg="add mod">
+          <ac:chgData name="Guilherme Lage da Costa" userId="e66f0b7e9f7bd981" providerId="LiveId" clId="{E2F8200A-1438-4883-B976-5D75DF02623E}" dt="2022-12-06T20:04:08.324" v="2021" actId="164"/>
+          <ac:spMkLst>
+            <pc:docMk/>
+            <pc:sldMk cId="575937306" sldId="289"/>
+            <ac:spMk id="10" creationId="{C245BE9D-1575-CC95-7DD6-B46D1E121B73}"/>
+          </ac:spMkLst>
+        </pc:spChg>
+        <pc:spChg chg="add mod">
           <ac:chgData name="Guilherme Lage da Costa" userId="e66f0b7e9f7bd981" providerId="LiveId" clId="{E2F8200A-1438-4883-B976-5D75DF02623E}" dt="2022-11-28T18:14:45.916" v="1431" actId="164"/>
           <ac:spMkLst>
             <pc:docMk/>
@@ -2558,7 +2572,7 @@
           </ac:spMkLst>
         </pc:spChg>
         <pc:spChg chg="add mod">
-          <ac:chgData name="Guilherme Lage da Costa" userId="e66f0b7e9f7bd981" providerId="LiveId" clId="{E2F8200A-1438-4883-B976-5D75DF02623E}" dt="2022-11-28T18:14:45.916" v="1431" actId="164"/>
+          <ac:chgData name="Guilherme Lage da Costa" userId="e66f0b7e9f7bd981" providerId="LiveId" clId="{E2F8200A-1438-4883-B976-5D75DF02623E}" dt="2022-12-06T19:55:48.089" v="1976" actId="115"/>
           <ac:spMkLst>
             <pc:docMk/>
             <pc:sldMk cId="575937306" sldId="289"/>
@@ -2603,6 +2617,14 @@
             <pc:docMk/>
             <pc:sldMk cId="575937306" sldId="289"/>
             <ac:grpSpMk id="10" creationId="{16A7A347-6865-F020-2A64-183B1B69B93A}"/>
+          </ac:grpSpMkLst>
+        </pc:grpChg>
+        <pc:grpChg chg="add mod">
+          <ac:chgData name="Guilherme Lage da Costa" userId="e66f0b7e9f7bd981" providerId="LiveId" clId="{E2F8200A-1438-4883-B976-5D75DF02623E}" dt="2022-12-06T20:04:08.324" v="2021" actId="164"/>
+          <ac:grpSpMkLst>
+            <pc:docMk/>
+            <pc:sldMk cId="575937306" sldId="289"/>
+            <ac:grpSpMk id="11" creationId="{C422A67A-C3D3-03DC-C940-90EF17587174}"/>
           </ac:grpSpMkLst>
         </pc:grpChg>
         <pc:grpChg chg="add mod">
@@ -2622,7 +2644,7 @@
           </ac:grpSpMkLst>
         </pc:grpChg>
         <pc:grpChg chg="add mod">
-          <ac:chgData name="Guilherme Lage da Costa" userId="e66f0b7e9f7bd981" providerId="LiveId" clId="{E2F8200A-1438-4883-B976-5D75DF02623E}" dt="2022-11-28T18:14:50.211" v="1432" actId="1076"/>
+          <ac:chgData name="Guilherme Lage da Costa" userId="e66f0b7e9f7bd981" providerId="LiveId" clId="{E2F8200A-1438-4883-B976-5D75DF02623E}" dt="2022-12-06T20:04:08.324" v="2021" actId="164"/>
           <ac:grpSpMkLst>
             <pc:docMk/>
             <pc:sldMk cId="575937306" sldId="289"/>
@@ -3187,7 +3209,7 @@
         </pc:cxnChg>
       </pc:sldChg>
       <pc:sldChg chg="modSp add mod modTransition">
-        <pc:chgData name="Guilherme Lage da Costa" userId="e66f0b7e9f7bd981" providerId="LiveId" clId="{E2F8200A-1438-4883-B976-5D75DF02623E}" dt="2022-11-28T18:47:20.258" v="1712"/>
+        <pc:chgData name="Guilherme Lage da Costa" userId="e66f0b7e9f7bd981" providerId="LiveId" clId="{E2F8200A-1438-4883-B976-5D75DF02623E}" dt="2022-12-06T19:54:44.268" v="1974" actId="20577"/>
         <pc:sldMkLst>
           <pc:docMk/>
           <pc:sldMk cId="2866599713" sldId="299"/>
@@ -3240,9 +3262,17 @@
             <ac:spMk id="10" creationId="{980CE54D-9520-7596-2B1D-B61F698E3B00}"/>
           </ac:spMkLst>
         </pc:spChg>
+        <pc:spChg chg="mod">
+          <ac:chgData name="Guilherme Lage da Costa" userId="e66f0b7e9f7bd981" providerId="LiveId" clId="{E2F8200A-1438-4883-B976-5D75DF02623E}" dt="2022-12-06T19:54:44.268" v="1974" actId="20577"/>
+          <ac:spMkLst>
+            <pc:docMk/>
+            <pc:sldMk cId="2866599713" sldId="299"/>
+            <ac:spMk id="12" creationId="{21D901EE-ADC3-69A8-EB8E-5C599F6B583F}"/>
+          </ac:spMkLst>
+        </pc:spChg>
       </pc:sldChg>
-      <pc:sldChg chg="addSp delSp modSp add mod modTransition">
-        <pc:chgData name="Guilherme Lage da Costa" userId="e66f0b7e9f7bd981" providerId="LiveId" clId="{E2F8200A-1438-4883-B976-5D75DF02623E}" dt="2022-11-28T19:16:04.717" v="1915" actId="13926"/>
+      <pc:sldChg chg="addSp delSp modSp add del mod modTransition">
+        <pc:chgData name="Guilherme Lage da Costa" userId="e66f0b7e9f7bd981" providerId="LiveId" clId="{E2F8200A-1438-4883-B976-5D75DF02623E}" dt="2022-12-06T19:58:14.549" v="2017" actId="47"/>
         <pc:sldMkLst>
           <pc:docMk/>
           <pc:sldMk cId="1753690929" sldId="300"/>
@@ -3884,7 +3914,7 @@
         </pc:picChg>
       </pc:sldChg>
       <pc:sldChg chg="addSp delSp modSp add mod">
-        <pc:chgData name="Guilherme Lage da Costa" userId="e66f0b7e9f7bd981" providerId="LiveId" clId="{E2F8200A-1438-4883-B976-5D75DF02623E}" dt="2022-11-28T19:11:46.495" v="1837" actId="20577"/>
+        <pc:chgData name="Guilherme Lage da Costa" userId="e66f0b7e9f7bd981" providerId="LiveId" clId="{E2F8200A-1438-4883-B976-5D75DF02623E}" dt="2022-12-06T19:57:10.643" v="2014" actId="20577"/>
         <pc:sldMkLst>
           <pc:docMk/>
           <pc:sldMk cId="3476068948" sldId="303"/>
@@ -3906,7 +3936,7 @@
           </ac:spMkLst>
         </pc:spChg>
         <pc:spChg chg="add mod">
-          <ac:chgData name="Guilherme Lage da Costa" userId="e66f0b7e9f7bd981" providerId="LiveId" clId="{E2F8200A-1438-4883-B976-5D75DF02623E}" dt="2022-11-28T19:11:09.930" v="1829" actId="21"/>
+          <ac:chgData name="Guilherme Lage da Costa" userId="e66f0b7e9f7bd981" providerId="LiveId" clId="{E2F8200A-1438-4883-B976-5D75DF02623E}" dt="2022-12-06T19:57:10.643" v="2014" actId="20577"/>
           <ac:spMkLst>
             <pc:docMk/>
             <pc:sldMk cId="3476068948" sldId="303"/>
@@ -9829,12 +9859,64 @@
           </a:p>
         </p:txBody>
       </p:sp>
+      <p:sp>
+        <p:nvSpPr>
+          <p:cNvPr id="11" name="CaixaDeTexto 10">
+            <a:extLst>
+              <a:ext uri="{FF2B5EF4-FFF2-40B4-BE49-F238E27FC236}">
+                <a16:creationId xmlns:a16="http://schemas.microsoft.com/office/drawing/2014/main" id="{6B5EED77-242F-2AAA-1BE6-3B9E6303A2D6}"/>
+              </a:ext>
+            </a:extLst>
+          </p:cNvPr>
+          <p:cNvSpPr txBox="1"/>
+          <p:nvPr/>
+        </p:nvSpPr>
+        <p:spPr>
+          <a:xfrm>
+            <a:off x="515937" y="765175"/>
+            <a:ext cx="8273500" cy="584775"/>
+          </a:xfrm>
+          <a:prstGeom prst="rect">
+            <a:avLst/>
+          </a:prstGeom>
+          <a:noFill/>
+        </p:spPr>
+        <p:txBody>
+          <a:bodyPr wrap="square" rtlCol="0">
+            <a:spAutoFit/>
+          </a:bodyPr>
+          <a:lstStyle/>
+          <a:p>
+            <a:r>
+              <a:rPr lang="pt-BR" sz="3200" b="1" dirty="0">
+                <a:solidFill>
+                  <a:srgbClr val="C9B638"/>
+                </a:solidFill>
+              </a:rPr>
+              <a:t>Divisão de papéis e atividades - </a:t>
+            </a:r>
+            <a:r>
+              <a:rPr lang="pt-BR" sz="3200" b="1" i="1" dirty="0">
+                <a:solidFill>
+                  <a:srgbClr val="C9B638"/>
+                </a:solidFill>
+              </a:rPr>
+              <a:t>KANBAN:</a:t>
+            </a:r>
+            <a:endParaRPr lang="pt-BR" sz="3200" b="1" dirty="0">
+              <a:solidFill>
+                <a:srgbClr val="C9B638"/>
+              </a:solidFill>
+            </a:endParaRPr>
+          </a:p>
+        </p:txBody>
+      </p:sp>
       <p:pic>
         <p:nvPicPr>
-          <p:cNvPr id="39" name="Gráfico 38" descr="Grupo de homens com preenchimento sólido">
-            <a:extLst>
-              <a:ext uri="{FF2B5EF4-FFF2-40B4-BE49-F238E27FC236}">
-                <a16:creationId xmlns:a16="http://schemas.microsoft.com/office/drawing/2014/main" id="{80279019-44C4-49B3-EC7E-FE235F9070FB}"/>
+          <p:cNvPr id="10" name="Imagem 9">
+            <a:extLst>
+              <a:ext uri="{FF2B5EF4-FFF2-40B4-BE49-F238E27FC236}">
+                <a16:creationId xmlns:a16="http://schemas.microsoft.com/office/drawing/2014/main" id="{A421FE6D-BEDD-1763-E5A9-57376B5B1054}"/>
               </a:ext>
             </a:extLst>
           </p:cNvPr>
@@ -9844,24 +9926,15 @@
           <p:nvPr/>
         </p:nvPicPr>
         <p:blipFill>
-          <a:blip r:embed="rId2">
-            <a:extLst>
-              <a:ext uri="{28A0092B-C50C-407E-A947-70E740481C1C}">
-                <a14:useLocalDpi xmlns:a14="http://schemas.microsoft.com/office/drawing/2010/main" val="0"/>
-              </a:ext>
-              <a:ext uri="{96DAC541-7B7A-43D3-8B79-37D633B846F1}">
-                <asvg:svgBlip xmlns:asvg="http://schemas.microsoft.com/office/drawing/2016/SVG/main" r:embed="rId3"/>
-              </a:ext>
-            </a:extLst>
-          </a:blip>
+          <a:blip r:embed="rId2"/>
           <a:stretch>
             <a:fillRect/>
           </a:stretch>
         </p:blipFill>
         <p:spPr>
           <a:xfrm>
-            <a:off x="245503" y="6024021"/>
-            <a:ext cx="900994" cy="900994"/>
+            <a:off x="515937" y="1305786"/>
+            <a:ext cx="10577238" cy="4899706"/>
           </a:xfrm>
           <a:prstGeom prst="rect">
             <a:avLst/>
@@ -9870,10 +9943,10 @@
       </p:pic>
       <p:sp>
         <p:nvSpPr>
-          <p:cNvPr id="153" name="Retângulo 152">
-            <a:extLst>
-              <a:ext uri="{FF2B5EF4-FFF2-40B4-BE49-F238E27FC236}">
-                <a16:creationId xmlns:a16="http://schemas.microsoft.com/office/drawing/2014/main" id="{7B987F0D-8D3E-173F-E204-021332A2A626}"/>
+          <p:cNvPr id="16" name="Retângulo 15">
+            <a:extLst>
+              <a:ext uri="{FF2B5EF4-FFF2-40B4-BE49-F238E27FC236}">
+                <a16:creationId xmlns:a16="http://schemas.microsoft.com/office/drawing/2014/main" id="{5109019C-F2AE-17FE-3376-8603FEA1EE22}"/>
               </a:ext>
             </a:extLst>
           </p:cNvPr>
@@ -9922,10 +9995,10 @@
       </p:sp>
       <p:sp>
         <p:nvSpPr>
-          <p:cNvPr id="154" name="Retângulo 153">
-            <a:extLst>
-              <a:ext uri="{FF2B5EF4-FFF2-40B4-BE49-F238E27FC236}">
-                <a16:creationId xmlns:a16="http://schemas.microsoft.com/office/drawing/2014/main" id="{10EC0A72-0DDA-141B-CED0-579C616E51BC}"/>
+          <p:cNvPr id="17" name="Retângulo 16">
+            <a:extLst>
+              <a:ext uri="{FF2B5EF4-FFF2-40B4-BE49-F238E27FC236}">
+                <a16:creationId xmlns:a16="http://schemas.microsoft.com/office/drawing/2014/main" id="{AE50479D-8AAD-85D4-0269-272D18254966}"/>
               </a:ext>
             </a:extLst>
           </p:cNvPr>
@@ -9974,10 +10047,10 @@
       </p:sp>
       <p:sp>
         <p:nvSpPr>
-          <p:cNvPr id="155" name="CaixaDeTexto 154">
-            <a:extLst>
-              <a:ext uri="{FF2B5EF4-FFF2-40B4-BE49-F238E27FC236}">
-                <a16:creationId xmlns:a16="http://schemas.microsoft.com/office/drawing/2014/main" id="{FA85C3B3-2DC2-F754-4F64-D51B01D2CDC8}"/>
+          <p:cNvPr id="19" name="CaixaDeTexto 18">
+            <a:extLst>
+              <a:ext uri="{FF2B5EF4-FFF2-40B4-BE49-F238E27FC236}">
+                <a16:creationId xmlns:a16="http://schemas.microsoft.com/office/drawing/2014/main" id="{D7EEFFC5-76F8-57E8-921C-124303022F8A}"/>
               </a:ext>
             </a:extLst>
           </p:cNvPr>
@@ -9986,8 +10059,8 @@
         </p:nvSpPr>
         <p:spPr>
           <a:xfrm>
-            <a:off x="11311848" y="6085879"/>
-            <a:ext cx="299125" cy="307777"/>
+            <a:off x="11273747" y="6085879"/>
+            <a:ext cx="375327" cy="307777"/>
           </a:xfrm>
           <a:prstGeom prst="rect">
             <a:avLst/>
@@ -10007,7 +10080,7 @@
                   <a:schemeClr val="bg1"/>
                 </a:solidFill>
               </a:rPr>
-              <a:t>4</a:t>
+              <a:t>5</a:t>
             </a:r>
             <a:endParaRPr lang="pt-BR" b="1" dirty="0">
               <a:solidFill>
@@ -10022,7 +10095,7 @@
           <p:cNvPr id="9" name="Retângulo 8">
             <a:extLst>
               <a:ext uri="{FF2B5EF4-FFF2-40B4-BE49-F238E27FC236}">
-                <a16:creationId xmlns:a16="http://schemas.microsoft.com/office/drawing/2014/main" id="{0158540E-CEE2-8BAB-A840-FC63927E8AFE}"/>
+                <a16:creationId xmlns:a16="http://schemas.microsoft.com/office/drawing/2014/main" id="{33C7A73D-0C97-FE1A-DCE0-EDD6044B582A}"/>
               </a:ext>
             </a:extLst>
           </p:cNvPr>
@@ -10069,125 +10142,10 @@
           </a:p>
         </p:txBody>
       </p:sp>
-      <p:sp>
-        <p:nvSpPr>
-          <p:cNvPr id="7" name="CaixaDeTexto 6">
-            <a:extLst>
-              <a:ext uri="{FF2B5EF4-FFF2-40B4-BE49-F238E27FC236}">
-                <a16:creationId xmlns:a16="http://schemas.microsoft.com/office/drawing/2014/main" id="{FD8EA869-928E-DEF5-D154-5952B7267913}"/>
-              </a:ext>
-            </a:extLst>
-          </p:cNvPr>
-          <p:cNvSpPr txBox="1"/>
-          <p:nvPr/>
-        </p:nvSpPr>
-        <p:spPr>
-          <a:xfrm>
-            <a:off x="515937" y="765175"/>
-            <a:ext cx="5856871" cy="584775"/>
-          </a:xfrm>
-          <a:prstGeom prst="rect">
-            <a:avLst/>
-          </a:prstGeom>
-          <a:noFill/>
-        </p:spPr>
-        <p:txBody>
-          <a:bodyPr wrap="square" rtlCol="0">
-            <a:spAutoFit/>
-          </a:bodyPr>
-          <a:lstStyle/>
-          <a:p>
-            <a:r>
-              <a:rPr lang="pt-BR" sz="3200" b="1" dirty="0">
-                <a:solidFill>
-                  <a:srgbClr val="C9B638"/>
-                </a:solidFill>
-              </a:rPr>
-              <a:t>Divisão de papéis e atividades:</a:t>
-            </a:r>
-          </a:p>
-        </p:txBody>
-      </p:sp>
-      <p:sp>
-        <p:nvSpPr>
-          <p:cNvPr id="14" name="CaixaDeTexto 13">
-            <a:extLst>
-              <a:ext uri="{FF2B5EF4-FFF2-40B4-BE49-F238E27FC236}">
-                <a16:creationId xmlns:a16="http://schemas.microsoft.com/office/drawing/2014/main" id="{3A324958-849A-228A-DA2D-F6E6F70D258B}"/>
-              </a:ext>
-            </a:extLst>
-          </p:cNvPr>
-          <p:cNvSpPr txBox="1"/>
-          <p:nvPr/>
-        </p:nvSpPr>
-        <p:spPr>
-          <a:xfrm>
-            <a:off x="695999" y="1323995"/>
-            <a:ext cx="11340425" cy="1405769"/>
-          </a:xfrm>
-          <a:prstGeom prst="rect">
-            <a:avLst/>
-          </a:prstGeom>
-          <a:noFill/>
-        </p:spPr>
-        <p:txBody>
-          <a:bodyPr wrap="square">
-            <a:spAutoFit/>
-          </a:bodyPr>
-          <a:lstStyle/>
-          <a:p>
-            <a:pPr algn="l">
-              <a:lnSpc>
-                <a:spcPct val="150000"/>
-              </a:lnSpc>
-            </a:pPr>
-            <a:r>
-              <a:rPr lang="pt-BR" sz="3000" dirty="0">
-                <a:solidFill>
-                  <a:srgbClr val="57606A"/>
-                </a:solidFill>
-              </a:rPr>
-              <a:t>F</a:t>
-            </a:r>
-            <a:r>
-              <a:rPr lang="pt-BR" sz="3000" b="0" i="0" dirty="0">
-                <a:solidFill>
-                  <a:srgbClr val="57606A"/>
-                </a:solidFill>
-                <a:effectLst/>
-              </a:rPr>
-              <a:t>oram utilizadas práticas do </a:t>
-            </a:r>
-            <a:r>
-              <a:rPr lang="pt-BR" sz="3000" b="1" i="0" dirty="0">
-                <a:solidFill>
-                  <a:srgbClr val="C9B638"/>
-                </a:solidFill>
-                <a:effectLst/>
-              </a:rPr>
-              <a:t>SCRUM e KANBAN</a:t>
-            </a:r>
-            <a:r>
-              <a:rPr lang="pt-BR" sz="3000" b="0" i="0" dirty="0">
-                <a:solidFill>
-                  <a:srgbClr val="57606A"/>
-                </a:solidFill>
-                <a:effectLst/>
-              </a:rPr>
-              <a:t>, como reuniões diárias, divisão do grupo por funções e tarefas e revisão das sprints.</a:t>
-            </a:r>
-            <a:endParaRPr lang="pt-BR" sz="3000" dirty="0">
-              <a:solidFill>
-                <a:srgbClr val="57606A"/>
-              </a:solidFill>
-            </a:endParaRPr>
-          </a:p>
-        </p:txBody>
-      </p:sp>
     </p:spTree>
     <p:extLst>
       <p:ext uri="{BB962C8B-B14F-4D97-AF65-F5344CB8AC3E}">
-        <p14:creationId xmlns:p14="http://schemas.microsoft.com/office/powerpoint/2010/main" val="3476068948"/>
+        <p14:creationId xmlns:p14="http://schemas.microsoft.com/office/powerpoint/2010/main" val="839103730"/>
       </p:ext>
     </p:extLst>
   </p:cSld>
@@ -10462,6 +10420,13 @@
               </a:rPr>
               <a:t>METODOLOGIA</a:t>
             </a:r>
+            <a:endParaRPr lang="pt-BR" b="1" dirty="0">
+              <a:solidFill>
+                <a:schemeClr val="bg1">
+                  <a:lumMod val="85000"/>
+                </a:schemeClr>
+              </a:solidFill>
+            </a:endParaRPr>
           </a:p>
         </p:txBody>
       </p:sp>
@@ -10575,7 +10540,7 @@
         <p:spPr>
           <a:xfrm>
             <a:off x="515937" y="765175"/>
-            <a:ext cx="8273500" cy="584775"/>
+            <a:ext cx="4827587" cy="584775"/>
           </a:xfrm>
           <a:prstGeom prst="rect">
             <a:avLst/>
@@ -10594,60 +10559,17 @@
                   <a:srgbClr val="C9B638"/>
                 </a:solidFill>
               </a:rPr>
-              <a:t>Divisão de papéis e atividades - </a:t>
+              <a:t>Ferramentas aplicadas:</a:t>
             </a:r>
-            <a:r>
-              <a:rPr lang="pt-BR" sz="3200" b="1" i="1" dirty="0">
-                <a:solidFill>
-                  <a:srgbClr val="C9B638"/>
-                </a:solidFill>
-              </a:rPr>
-              <a:t>KANBAN:</a:t>
-            </a:r>
-            <a:endParaRPr lang="pt-BR" sz="3200" b="1" dirty="0">
-              <a:solidFill>
-                <a:srgbClr val="C9B638"/>
-              </a:solidFill>
-            </a:endParaRPr>
           </a:p>
         </p:txBody>
       </p:sp>
-      <p:pic>
-        <p:nvPicPr>
-          <p:cNvPr id="10" name="Imagem 9">
-            <a:extLst>
-              <a:ext uri="{FF2B5EF4-FFF2-40B4-BE49-F238E27FC236}">
-                <a16:creationId xmlns:a16="http://schemas.microsoft.com/office/drawing/2014/main" id="{A421FE6D-BEDD-1763-E5A9-57376B5B1054}"/>
-              </a:ext>
-            </a:extLst>
-          </p:cNvPr>
-          <p:cNvPicPr>
-            <a:picLocks noChangeAspect="1"/>
-          </p:cNvPicPr>
-          <p:nvPr/>
-        </p:nvPicPr>
-        <p:blipFill>
-          <a:blip r:embed="rId2"/>
-          <a:stretch>
-            <a:fillRect/>
-          </a:stretch>
-        </p:blipFill>
-        <p:spPr>
-          <a:xfrm>
-            <a:off x="515937" y="1305786"/>
-            <a:ext cx="10577238" cy="4899706"/>
-          </a:xfrm>
-          <a:prstGeom prst="rect">
-            <a:avLst/>
-          </a:prstGeom>
-        </p:spPr>
-      </p:pic>
       <p:sp>
         <p:nvSpPr>
-          <p:cNvPr id="16" name="Retângulo 15">
-            <a:extLst>
-              <a:ext uri="{FF2B5EF4-FFF2-40B4-BE49-F238E27FC236}">
-                <a16:creationId xmlns:a16="http://schemas.microsoft.com/office/drawing/2014/main" id="{5109019C-F2AE-17FE-3376-8603FEA1EE22}"/>
+          <p:cNvPr id="12" name="Retângulo 11">
+            <a:extLst>
+              <a:ext uri="{FF2B5EF4-FFF2-40B4-BE49-F238E27FC236}">
+                <a16:creationId xmlns:a16="http://schemas.microsoft.com/office/drawing/2014/main" id="{095D4379-3858-D821-2DA7-21E042BACC67}"/>
               </a:ext>
             </a:extLst>
           </p:cNvPr>
@@ -10696,10 +10618,10 @@
       </p:sp>
       <p:sp>
         <p:nvSpPr>
-          <p:cNvPr id="17" name="Retângulo 16">
-            <a:extLst>
-              <a:ext uri="{FF2B5EF4-FFF2-40B4-BE49-F238E27FC236}">
-                <a16:creationId xmlns:a16="http://schemas.microsoft.com/office/drawing/2014/main" id="{AE50479D-8AAD-85D4-0269-272D18254966}"/>
+          <p:cNvPr id="22" name="Retângulo 21">
+            <a:extLst>
+              <a:ext uri="{FF2B5EF4-FFF2-40B4-BE49-F238E27FC236}">
+                <a16:creationId xmlns:a16="http://schemas.microsoft.com/office/drawing/2014/main" id="{F207BC5A-626E-C19C-86C0-82B69F520979}"/>
               </a:ext>
             </a:extLst>
           </p:cNvPr>
@@ -10748,10 +10670,10 @@
       </p:sp>
       <p:sp>
         <p:nvSpPr>
-          <p:cNvPr id="19" name="CaixaDeTexto 18">
-            <a:extLst>
-              <a:ext uri="{FF2B5EF4-FFF2-40B4-BE49-F238E27FC236}">
-                <a16:creationId xmlns:a16="http://schemas.microsoft.com/office/drawing/2014/main" id="{D7EEFFC5-76F8-57E8-921C-124303022F8A}"/>
+          <p:cNvPr id="23" name="CaixaDeTexto 22">
+            <a:extLst>
+              <a:ext uri="{FF2B5EF4-FFF2-40B4-BE49-F238E27FC236}">
+                <a16:creationId xmlns:a16="http://schemas.microsoft.com/office/drawing/2014/main" id="{81C8BEF1-5C40-18CA-02BE-7B1314ECBF73}"/>
               </a:ext>
             </a:extLst>
           </p:cNvPr>
@@ -10781,7 +10703,7 @@
                   <a:schemeClr val="bg1"/>
                 </a:solidFill>
               </a:rPr>
-              <a:t>5</a:t>
+              <a:t>6</a:t>
             </a:r>
             <a:endParaRPr lang="pt-BR" b="1" dirty="0">
               <a:solidFill>
@@ -10793,10 +10715,389 @@
       </p:sp>
       <p:sp>
         <p:nvSpPr>
+          <p:cNvPr id="26" name="CaixaDeTexto 25">
+            <a:extLst>
+              <a:ext uri="{FF2B5EF4-FFF2-40B4-BE49-F238E27FC236}">
+                <a16:creationId xmlns:a16="http://schemas.microsoft.com/office/drawing/2014/main" id="{09DC7993-50AD-55F3-B927-8380BAD96454}"/>
+              </a:ext>
+            </a:extLst>
+          </p:cNvPr>
+          <p:cNvSpPr txBox="1"/>
+          <p:nvPr/>
+        </p:nvSpPr>
+        <p:spPr>
+          <a:xfrm>
+            <a:off x="695999" y="1323995"/>
+            <a:ext cx="11340425" cy="1405769"/>
+          </a:xfrm>
+          <a:prstGeom prst="rect">
+            <a:avLst/>
+          </a:prstGeom>
+          <a:noFill/>
+        </p:spPr>
+        <p:txBody>
+          <a:bodyPr wrap="square">
+            <a:spAutoFit/>
+          </a:bodyPr>
+          <a:lstStyle/>
+          <a:p>
+            <a:pPr algn="l">
+              <a:lnSpc>
+                <a:spcPct val="150000"/>
+              </a:lnSpc>
+            </a:pPr>
+            <a:r>
+              <a:rPr lang="pt-BR" sz="3000" dirty="0">
+                <a:solidFill>
+                  <a:srgbClr val="57606A"/>
+                </a:solidFill>
+              </a:rPr>
+              <a:t>Para desenvolvimento deste projeto foram utilizadas as ferramentas indicadas a seguir.</a:t>
+            </a:r>
+            <a:endParaRPr lang="pt-BR" sz="3000" b="0" i="0" dirty="0">
+              <a:solidFill>
+                <a:srgbClr val="57606A"/>
+              </a:solidFill>
+              <a:effectLst/>
+            </a:endParaRPr>
+          </a:p>
+        </p:txBody>
+      </p:sp>
+      <p:pic>
+        <p:nvPicPr>
+          <p:cNvPr id="3075" name="Picture 3" descr="Miro - L3 Software">
+            <a:extLst>
+              <a:ext uri="{FF2B5EF4-FFF2-40B4-BE49-F238E27FC236}">
+                <a16:creationId xmlns:a16="http://schemas.microsoft.com/office/drawing/2014/main" id="{DE16C1C4-5D8F-14B3-5C34-2B5087DA31FF}"/>
+              </a:ext>
+            </a:extLst>
+          </p:cNvPr>
+          <p:cNvPicPr>
+            <a:picLocks noChangeAspect="1" noChangeArrowheads="1"/>
+          </p:cNvPicPr>
+          <p:nvPr/>
+        </p:nvPicPr>
+        <p:blipFill>
+          <a:blip r:embed="rId2">
+            <a:extLst>
+              <a:ext uri="{28A0092B-C50C-407E-A947-70E740481C1C}">
+                <a14:useLocalDpi xmlns:a14="http://schemas.microsoft.com/office/drawing/2010/main" val="0"/>
+              </a:ext>
+            </a:extLst>
+          </a:blip>
+          <a:srcRect/>
+          <a:stretch>
+            <a:fillRect/>
+          </a:stretch>
+        </p:blipFill>
+        <p:spPr bwMode="auto">
+          <a:xfrm>
+            <a:off x="1528846" y="3091442"/>
+            <a:ext cx="1866228" cy="1036795"/>
+          </a:xfrm>
+          <a:prstGeom prst="rect">
+            <a:avLst/>
+          </a:prstGeom>
+          <a:noFill/>
+          <a:extLst>
+            <a:ext uri="{909E8E84-426E-40DD-AFC4-6F175D3DCCD1}">
+              <a14:hiddenFill xmlns:a14="http://schemas.microsoft.com/office/drawing/2010/main">
+                <a:solidFill>
+                  <a:srgbClr val="FFFFFF"/>
+                </a:solidFill>
+              </a14:hiddenFill>
+            </a:ext>
+          </a:extLst>
+        </p:spPr>
+      </p:pic>
+      <p:pic>
+        <p:nvPicPr>
+          <p:cNvPr id="3077" name="Picture 5" descr="GitHub Logo: valor, história, PNG">
+            <a:extLst>
+              <a:ext uri="{FF2B5EF4-FFF2-40B4-BE49-F238E27FC236}">
+                <a16:creationId xmlns:a16="http://schemas.microsoft.com/office/drawing/2014/main" id="{B8616282-E037-46F7-6284-3E687369FD7B}"/>
+              </a:ext>
+            </a:extLst>
+          </p:cNvPr>
+          <p:cNvPicPr>
+            <a:picLocks noChangeAspect="1" noChangeArrowheads="1"/>
+          </p:cNvPicPr>
+          <p:nvPr/>
+        </p:nvPicPr>
+        <p:blipFill>
+          <a:blip r:embed="rId3">
+            <a:extLst>
+              <a:ext uri="{28A0092B-C50C-407E-A947-70E740481C1C}">
+                <a14:useLocalDpi xmlns:a14="http://schemas.microsoft.com/office/drawing/2010/main" val="0"/>
+              </a:ext>
+            </a:extLst>
+          </a:blip>
+          <a:srcRect/>
+          <a:stretch>
+            <a:fillRect/>
+          </a:stretch>
+        </p:blipFill>
+        <p:spPr bwMode="auto">
+          <a:xfrm>
+            <a:off x="5422925" y="2673596"/>
+            <a:ext cx="2050895" cy="1153627"/>
+          </a:xfrm>
+          <a:prstGeom prst="rect">
+            <a:avLst/>
+          </a:prstGeom>
+          <a:noFill/>
+          <a:extLst>
+            <a:ext uri="{909E8E84-426E-40DD-AFC4-6F175D3DCCD1}">
+              <a14:hiddenFill xmlns:a14="http://schemas.microsoft.com/office/drawing/2010/main">
+                <a:solidFill>
+                  <a:srgbClr val="FFFFFF"/>
+                </a:solidFill>
+              </a14:hiddenFill>
+            </a:ext>
+          </a:extLst>
+        </p:spPr>
+      </p:pic>
+      <p:pic>
+        <p:nvPicPr>
+          <p:cNvPr id="3079" name="Picture 7" descr="Git - Logo Downloads">
+            <a:extLst>
+              <a:ext uri="{FF2B5EF4-FFF2-40B4-BE49-F238E27FC236}">
+                <a16:creationId xmlns:a16="http://schemas.microsoft.com/office/drawing/2014/main" id="{33F8A097-0995-22C5-26C9-1D1D646DFAE9}"/>
+              </a:ext>
+            </a:extLst>
+          </p:cNvPr>
+          <p:cNvPicPr>
+            <a:picLocks noChangeAspect="1" noChangeArrowheads="1"/>
+          </p:cNvPicPr>
+          <p:nvPr/>
+        </p:nvPicPr>
+        <p:blipFill>
+          <a:blip r:embed="rId4">
+            <a:extLst>
+              <a:ext uri="{28A0092B-C50C-407E-A947-70E740481C1C}">
+                <a14:useLocalDpi xmlns:a14="http://schemas.microsoft.com/office/drawing/2010/main" val="0"/>
+              </a:ext>
+            </a:extLst>
+          </a:blip>
+          <a:srcRect/>
+          <a:stretch>
+            <a:fillRect/>
+          </a:stretch>
+        </p:blipFill>
+        <p:spPr bwMode="auto">
+          <a:xfrm>
+            <a:off x="8114968" y="3571470"/>
+            <a:ext cx="2548186" cy="866729"/>
+          </a:xfrm>
+          <a:prstGeom prst="rect">
+            <a:avLst/>
+          </a:prstGeom>
+          <a:noFill/>
+          <a:extLst>
+            <a:ext uri="{909E8E84-426E-40DD-AFC4-6F175D3DCCD1}">
+              <a14:hiddenFill xmlns:a14="http://schemas.microsoft.com/office/drawing/2010/main">
+                <a:solidFill>
+                  <a:srgbClr val="FFFFFF"/>
+                </a:solidFill>
+              </a14:hiddenFill>
+            </a:ext>
+          </a:extLst>
+        </p:spPr>
+      </p:pic>
+      <p:pic>
+        <p:nvPicPr>
+          <p:cNvPr id="3081" name="Picture 9" descr="ícone Figma, logo em Vector Logo">
+            <a:extLst>
+              <a:ext uri="{FF2B5EF4-FFF2-40B4-BE49-F238E27FC236}">
+                <a16:creationId xmlns:a16="http://schemas.microsoft.com/office/drawing/2014/main" id="{E2DF541E-6132-0121-0DFE-D8C409780C7B}"/>
+              </a:ext>
+            </a:extLst>
+          </p:cNvPr>
+          <p:cNvPicPr>
+            <a:picLocks noChangeAspect="1" noChangeArrowheads="1"/>
+          </p:cNvPicPr>
+          <p:nvPr/>
+        </p:nvPicPr>
+        <p:blipFill>
+          <a:blip r:embed="rId5">
+            <a:extLst>
+              <a:ext uri="{28A0092B-C50C-407E-A947-70E740481C1C}">
+                <a14:useLocalDpi xmlns:a14="http://schemas.microsoft.com/office/drawing/2010/main" val="0"/>
+              </a:ext>
+            </a:extLst>
+          </a:blip>
+          <a:srcRect/>
+          <a:stretch>
+            <a:fillRect/>
+          </a:stretch>
+        </p:blipFill>
+        <p:spPr bwMode="auto">
+          <a:xfrm>
+            <a:off x="7091670" y="5216468"/>
+            <a:ext cx="2046596" cy="1023299"/>
+          </a:xfrm>
+          <a:prstGeom prst="rect">
+            <a:avLst/>
+          </a:prstGeom>
+          <a:noFill/>
+          <a:extLst>
+            <a:ext uri="{909E8E84-426E-40DD-AFC4-6F175D3DCCD1}">
+              <a14:hiddenFill xmlns:a14="http://schemas.microsoft.com/office/drawing/2010/main">
+                <a:solidFill>
+                  <a:srgbClr val="FFFFFF"/>
+                </a:solidFill>
+              </a14:hiddenFill>
+            </a:ext>
+          </a:extLst>
+        </p:spPr>
+      </p:pic>
+      <p:pic>
+        <p:nvPicPr>
+          <p:cNvPr id="3083" name="Picture 11" descr="Discord Logo - PNG and Vector - Logo Download">
+            <a:extLst>
+              <a:ext uri="{FF2B5EF4-FFF2-40B4-BE49-F238E27FC236}">
+                <a16:creationId xmlns:a16="http://schemas.microsoft.com/office/drawing/2014/main" id="{094FD707-CB62-FA05-6785-28AC0C4A5571}"/>
+              </a:ext>
+            </a:extLst>
+          </p:cNvPr>
+          <p:cNvPicPr>
+            <a:picLocks noChangeAspect="1" noChangeArrowheads="1"/>
+          </p:cNvPicPr>
+          <p:nvPr/>
+        </p:nvPicPr>
+        <p:blipFill>
+          <a:blip r:embed="rId6">
+            <a:extLst>
+              <a:ext uri="{28A0092B-C50C-407E-A947-70E740481C1C}">
+                <a14:useLocalDpi xmlns:a14="http://schemas.microsoft.com/office/drawing/2010/main" val="0"/>
+              </a:ext>
+            </a:extLst>
+          </a:blip>
+          <a:srcRect/>
+          <a:stretch>
+            <a:fillRect/>
+          </a:stretch>
+        </p:blipFill>
+        <p:spPr bwMode="auto">
+          <a:xfrm>
+            <a:off x="1279479" y="4359838"/>
+            <a:ext cx="880569" cy="880569"/>
+          </a:xfrm>
+          <a:prstGeom prst="rect">
+            <a:avLst/>
+          </a:prstGeom>
+          <a:noFill/>
+          <a:extLst>
+            <a:ext uri="{909E8E84-426E-40DD-AFC4-6F175D3DCCD1}">
+              <a14:hiddenFill xmlns:a14="http://schemas.microsoft.com/office/drawing/2010/main">
+                <a:solidFill>
+                  <a:srgbClr val="FFFFFF"/>
+                </a:solidFill>
+              </a14:hiddenFill>
+            </a:ext>
+          </a:extLst>
+        </p:spPr>
+      </p:pic>
+      <p:pic>
+        <p:nvPicPr>
+          <p:cNvPr id="3085" name="Picture 13">
+            <a:extLst>
+              <a:ext uri="{FF2B5EF4-FFF2-40B4-BE49-F238E27FC236}">
+                <a16:creationId xmlns:a16="http://schemas.microsoft.com/office/drawing/2014/main" id="{CC66D1FE-B702-6262-2419-11618CE271C7}"/>
+              </a:ext>
+            </a:extLst>
+          </p:cNvPr>
+          <p:cNvPicPr>
+            <a:picLocks noChangeAspect="1" noChangeArrowheads="1"/>
+          </p:cNvPicPr>
+          <p:nvPr/>
+        </p:nvPicPr>
+        <p:blipFill>
+          <a:blip r:embed="rId7">
+            <a:extLst>
+              <a:ext uri="{28A0092B-C50C-407E-A947-70E740481C1C}">
+                <a14:useLocalDpi xmlns:a14="http://schemas.microsoft.com/office/drawing/2010/main" val="0"/>
+              </a:ext>
+            </a:extLst>
+          </a:blip>
+          <a:srcRect/>
+          <a:stretch>
+            <a:fillRect/>
+          </a:stretch>
+        </p:blipFill>
+        <p:spPr bwMode="auto">
+          <a:xfrm>
+            <a:off x="4743896" y="4506444"/>
+            <a:ext cx="1078440" cy="1085193"/>
+          </a:xfrm>
+          <a:prstGeom prst="rect">
+            <a:avLst/>
+          </a:prstGeom>
+          <a:noFill/>
+          <a:extLst>
+            <a:ext uri="{909E8E84-426E-40DD-AFC4-6F175D3DCCD1}">
+              <a14:hiddenFill xmlns:a14="http://schemas.microsoft.com/office/drawing/2010/main">
+                <a:solidFill>
+                  <a:srgbClr val="FFFFFF"/>
+                </a:solidFill>
+              </a14:hiddenFill>
+            </a:ext>
+          </a:extLst>
+        </p:spPr>
+      </p:pic>
+      <p:pic>
+        <p:nvPicPr>
+          <p:cNvPr id="3087" name="Picture 15" descr="15 Dicas para Turbinar o seu VS Code! | by Glaucia Lemos | Medium">
+            <a:extLst>
+              <a:ext uri="{FF2B5EF4-FFF2-40B4-BE49-F238E27FC236}">
+                <a16:creationId xmlns:a16="http://schemas.microsoft.com/office/drawing/2014/main" id="{819E0D92-2F8F-FD5A-370E-1F067547D2A3}"/>
+              </a:ext>
+            </a:extLst>
+          </p:cNvPr>
+          <p:cNvPicPr>
+            <a:picLocks noChangeAspect="1" noChangeArrowheads="1"/>
+          </p:cNvPicPr>
+          <p:nvPr/>
+        </p:nvPicPr>
+        <p:blipFill>
+          <a:blip r:embed="rId8">
+            <a:extLst>
+              <a:ext uri="{28A0092B-C50C-407E-A947-70E740481C1C}">
+                <a14:useLocalDpi xmlns:a14="http://schemas.microsoft.com/office/drawing/2010/main" val="0"/>
+              </a:ext>
+            </a:extLst>
+          </a:blip>
+          <a:srcRect/>
+          <a:stretch>
+            <a:fillRect/>
+          </a:stretch>
+        </p:blipFill>
+        <p:spPr bwMode="auto">
+          <a:xfrm>
+            <a:off x="2160048" y="5305572"/>
+            <a:ext cx="2099158" cy="991268"/>
+          </a:xfrm>
+          <a:prstGeom prst="rect">
+            <a:avLst/>
+          </a:prstGeom>
+          <a:noFill/>
+          <a:extLst>
+            <a:ext uri="{909E8E84-426E-40DD-AFC4-6F175D3DCCD1}">
+              <a14:hiddenFill xmlns:a14="http://schemas.microsoft.com/office/drawing/2010/main">
+                <a:solidFill>
+                  <a:srgbClr val="FFFFFF"/>
+                </a:solidFill>
+              </a14:hiddenFill>
+            </a:ext>
+          </a:extLst>
+        </p:spPr>
+      </p:pic>
+      <p:sp>
+        <p:nvSpPr>
           <p:cNvPr id="9" name="Retângulo 8">
             <a:extLst>
               <a:ext uri="{FF2B5EF4-FFF2-40B4-BE49-F238E27FC236}">
-                <a16:creationId xmlns:a16="http://schemas.microsoft.com/office/drawing/2014/main" id="{33C7A73D-0C97-FE1A-DCE0-EDD6044B582A}"/>
+                <a16:creationId xmlns:a16="http://schemas.microsoft.com/office/drawing/2014/main" id="{FD3BC9C5-09A1-452F-75D0-37DD794D21EB}"/>
               </a:ext>
             </a:extLst>
           </p:cNvPr>
@@ -10846,7 +11147,7 @@
     </p:spTree>
     <p:extLst>
       <p:ext uri="{BB962C8B-B14F-4D97-AF65-F5344CB8AC3E}">
-        <p14:creationId xmlns:p14="http://schemas.microsoft.com/office/powerpoint/2010/main" val="839103730"/>
+        <p14:creationId xmlns:p14="http://schemas.microsoft.com/office/powerpoint/2010/main" val="2739091331"/>
       </p:ext>
     </p:extLst>
   </p:cSld>
@@ -10998,1008 +11299,6 @@
         </p:nvSpPr>
         <p:spPr>
           <a:xfrm>
-            <a:off x="0" y="6751467"/>
-            <a:ext cx="12192000" cy="115410"/>
-          </a:xfrm>
-          <a:prstGeom prst="rect">
-            <a:avLst/>
-          </a:prstGeom>
-          <a:solidFill>
-            <a:srgbClr val="C9B638"/>
-          </a:solidFill>
-          <a:ln>
-            <a:noFill/>
-          </a:ln>
-        </p:spPr>
-        <p:style>
-          <a:lnRef idx="2">
-            <a:schemeClr val="accent1">
-              <a:shade val="50000"/>
-            </a:schemeClr>
-          </a:lnRef>
-          <a:fillRef idx="1">
-            <a:schemeClr val="accent1"/>
-          </a:fillRef>
-          <a:effectRef idx="0">
-            <a:schemeClr val="accent1"/>
-          </a:effectRef>
-          <a:fontRef idx="minor">
-            <a:schemeClr val="lt1"/>
-          </a:fontRef>
-        </p:style>
-        <p:txBody>
-          <a:bodyPr rtlCol="0" anchor="ctr"/>
-          <a:lstStyle/>
-          <a:p>
-            <a:pPr algn="ctr"/>
-            <a:endParaRPr lang="pt-BR"/>
-          </a:p>
-        </p:txBody>
-      </p:sp>
-      <p:sp>
-        <p:nvSpPr>
-          <p:cNvPr id="3" name="CaixaDeTexto 2">
-            <a:extLst>
-              <a:ext uri="{FF2B5EF4-FFF2-40B4-BE49-F238E27FC236}">
-                <a16:creationId xmlns:a16="http://schemas.microsoft.com/office/drawing/2014/main" id="{F48F51F9-85BE-89C0-5C6F-4FC0DBA1EC41}"/>
-              </a:ext>
-            </a:extLst>
-          </p:cNvPr>
-          <p:cNvSpPr txBox="1"/>
-          <p:nvPr/>
-        </p:nvSpPr>
-        <p:spPr>
-          <a:xfrm>
-            <a:off x="2856000" y="2203"/>
-            <a:ext cx="2160000" cy="369332"/>
-          </a:xfrm>
-          <a:prstGeom prst="rect">
-            <a:avLst/>
-          </a:prstGeom>
-          <a:noFill/>
-          <a:ln>
-            <a:noFill/>
-          </a:ln>
-        </p:spPr>
-        <p:txBody>
-          <a:bodyPr wrap="square" rtlCol="0">
-            <a:spAutoFit/>
-          </a:bodyPr>
-          <a:lstStyle/>
-          <a:p>
-            <a:pPr algn="ctr"/>
-            <a:r>
-              <a:rPr lang="pt-BR" b="1" dirty="0">
-                <a:solidFill>
-                  <a:schemeClr val="bg1">
-                    <a:lumMod val="85000"/>
-                  </a:schemeClr>
-                </a:solidFill>
-              </a:rPr>
-              <a:t>PROPOSTA</a:t>
-            </a:r>
-          </a:p>
-        </p:txBody>
-      </p:sp>
-      <p:sp>
-        <p:nvSpPr>
-          <p:cNvPr id="4" name="CaixaDeTexto 3">
-            <a:extLst>
-              <a:ext uri="{FF2B5EF4-FFF2-40B4-BE49-F238E27FC236}">
-                <a16:creationId xmlns:a16="http://schemas.microsoft.com/office/drawing/2014/main" id="{E04C7952-57DC-46E9-E136-2F022066A217}"/>
-              </a:ext>
-            </a:extLst>
-          </p:cNvPr>
-          <p:cNvSpPr txBox="1"/>
-          <p:nvPr/>
-        </p:nvSpPr>
-        <p:spPr>
-          <a:xfrm>
-            <a:off x="5016000" y="0"/>
-            <a:ext cx="2160000" cy="369332"/>
-          </a:xfrm>
-          <a:prstGeom prst="rect">
-            <a:avLst/>
-          </a:prstGeom>
-          <a:noFill/>
-          <a:ln>
-            <a:noFill/>
-          </a:ln>
-        </p:spPr>
-        <p:txBody>
-          <a:bodyPr wrap="square" rtlCol="0">
-            <a:spAutoFit/>
-          </a:bodyPr>
-          <a:lstStyle/>
-          <a:p>
-            <a:pPr algn="ctr"/>
-            <a:r>
-              <a:rPr lang="pt-BR" b="1" dirty="0">
-                <a:solidFill>
-                  <a:srgbClr val="C9B638"/>
-                </a:solidFill>
-              </a:rPr>
-              <a:t>METODOLOGIA</a:t>
-            </a:r>
-            <a:endParaRPr lang="pt-BR" b="1" dirty="0">
-              <a:solidFill>
-                <a:schemeClr val="bg1">
-                  <a:lumMod val="85000"/>
-                </a:schemeClr>
-              </a:solidFill>
-            </a:endParaRPr>
-          </a:p>
-        </p:txBody>
-      </p:sp>
-      <p:sp>
-        <p:nvSpPr>
-          <p:cNvPr id="5" name="CaixaDeTexto 4">
-            <a:extLst>
-              <a:ext uri="{FF2B5EF4-FFF2-40B4-BE49-F238E27FC236}">
-                <a16:creationId xmlns:a16="http://schemas.microsoft.com/office/drawing/2014/main" id="{9565DBA7-51CE-BB4F-5614-5E7D8C23877B}"/>
-              </a:ext>
-            </a:extLst>
-          </p:cNvPr>
-          <p:cNvSpPr txBox="1"/>
-          <p:nvPr/>
-        </p:nvSpPr>
-        <p:spPr>
-          <a:xfrm>
-            <a:off x="7176000" y="0"/>
-            <a:ext cx="2160000" cy="369332"/>
-          </a:xfrm>
-          <a:prstGeom prst="rect">
-            <a:avLst/>
-          </a:prstGeom>
-          <a:noFill/>
-          <a:ln>
-            <a:noFill/>
-          </a:ln>
-        </p:spPr>
-        <p:txBody>
-          <a:bodyPr wrap="square" rtlCol="0">
-            <a:spAutoFit/>
-          </a:bodyPr>
-          <a:lstStyle/>
-          <a:p>
-            <a:pPr algn="ctr"/>
-            <a:r>
-              <a:rPr lang="pt-BR" b="1" dirty="0">
-                <a:solidFill>
-                  <a:schemeClr val="bg1">
-                    <a:lumMod val="85000"/>
-                  </a:schemeClr>
-                </a:solidFill>
-              </a:rPr>
-              <a:t>ARQUITETURA</a:t>
-            </a:r>
-            <a:endParaRPr lang="pt-BR" b="1" dirty="0">
-              <a:solidFill>
-                <a:srgbClr val="C9B638"/>
-              </a:solidFill>
-            </a:endParaRPr>
-          </a:p>
-        </p:txBody>
-      </p:sp>
-      <p:sp>
-        <p:nvSpPr>
-          <p:cNvPr id="6" name="CaixaDeTexto 5">
-            <a:extLst>
-              <a:ext uri="{FF2B5EF4-FFF2-40B4-BE49-F238E27FC236}">
-                <a16:creationId xmlns:a16="http://schemas.microsoft.com/office/drawing/2014/main" id="{6FA43461-C92B-27EB-1661-D33A0C4B7AB5}"/>
-              </a:ext>
-            </a:extLst>
-          </p:cNvPr>
-          <p:cNvSpPr txBox="1"/>
-          <p:nvPr/>
-        </p:nvSpPr>
-        <p:spPr>
-          <a:xfrm>
-            <a:off x="9336000" y="0"/>
-            <a:ext cx="2160000" cy="369332"/>
-          </a:xfrm>
-          <a:prstGeom prst="rect">
-            <a:avLst/>
-          </a:prstGeom>
-          <a:noFill/>
-          <a:ln>
-            <a:noFill/>
-          </a:ln>
-        </p:spPr>
-        <p:txBody>
-          <a:bodyPr wrap="square" rtlCol="0">
-            <a:spAutoFit/>
-          </a:bodyPr>
-          <a:lstStyle/>
-          <a:p>
-            <a:pPr algn="ctr"/>
-            <a:r>
-              <a:rPr lang="pt-BR" b="1" dirty="0">
-                <a:solidFill>
-                  <a:schemeClr val="bg1">
-                    <a:lumMod val="85000"/>
-                  </a:schemeClr>
-                </a:solidFill>
-              </a:rPr>
-              <a:t>FECHAMENTO</a:t>
-            </a:r>
-          </a:p>
-        </p:txBody>
-      </p:sp>
-      <p:sp>
-        <p:nvSpPr>
-          <p:cNvPr id="11" name="CaixaDeTexto 10">
-            <a:extLst>
-              <a:ext uri="{FF2B5EF4-FFF2-40B4-BE49-F238E27FC236}">
-                <a16:creationId xmlns:a16="http://schemas.microsoft.com/office/drawing/2014/main" id="{6B5EED77-242F-2AAA-1BE6-3B9E6303A2D6}"/>
-              </a:ext>
-            </a:extLst>
-          </p:cNvPr>
-          <p:cNvSpPr txBox="1"/>
-          <p:nvPr/>
-        </p:nvSpPr>
-        <p:spPr>
-          <a:xfrm>
-            <a:off x="515937" y="765175"/>
-            <a:ext cx="4827587" cy="584775"/>
-          </a:xfrm>
-          <a:prstGeom prst="rect">
-            <a:avLst/>
-          </a:prstGeom>
-          <a:noFill/>
-        </p:spPr>
-        <p:txBody>
-          <a:bodyPr wrap="square" rtlCol="0">
-            <a:spAutoFit/>
-          </a:bodyPr>
-          <a:lstStyle/>
-          <a:p>
-            <a:r>
-              <a:rPr lang="pt-BR" sz="3200" b="1" dirty="0">
-                <a:solidFill>
-                  <a:srgbClr val="C9B638"/>
-                </a:solidFill>
-              </a:rPr>
-              <a:t>Ferramentas aplicadas:</a:t>
-            </a:r>
-          </a:p>
-        </p:txBody>
-      </p:sp>
-      <p:sp>
-        <p:nvSpPr>
-          <p:cNvPr id="12" name="Retângulo 11">
-            <a:extLst>
-              <a:ext uri="{FF2B5EF4-FFF2-40B4-BE49-F238E27FC236}">
-                <a16:creationId xmlns:a16="http://schemas.microsoft.com/office/drawing/2014/main" id="{095D4379-3858-D821-2DA7-21E042BACC67}"/>
-              </a:ext>
-            </a:extLst>
-          </p:cNvPr>
-          <p:cNvSpPr/>
-          <p:nvPr/>
-        </p:nvSpPr>
-        <p:spPr>
-          <a:xfrm>
-            <a:off x="11311850" y="6069568"/>
-            <a:ext cx="299125" cy="419100"/>
-          </a:xfrm>
-          <a:prstGeom prst="rect">
-            <a:avLst/>
-          </a:prstGeom>
-          <a:solidFill>
-            <a:srgbClr val="EDE6BD"/>
-          </a:solidFill>
-          <a:ln>
-            <a:noFill/>
-          </a:ln>
-        </p:spPr>
-        <p:style>
-          <a:lnRef idx="2">
-            <a:schemeClr val="accent1">
-              <a:shade val="50000"/>
-            </a:schemeClr>
-          </a:lnRef>
-          <a:fillRef idx="1">
-            <a:schemeClr val="accent1"/>
-          </a:fillRef>
-          <a:effectRef idx="0">
-            <a:schemeClr val="accent1"/>
-          </a:effectRef>
-          <a:fontRef idx="minor">
-            <a:schemeClr val="lt1"/>
-          </a:fontRef>
-        </p:style>
-        <p:txBody>
-          <a:bodyPr rtlCol="0" anchor="ctr"/>
-          <a:lstStyle/>
-          <a:p>
-            <a:pPr algn="ctr"/>
-            <a:endParaRPr lang="pt-BR"/>
-          </a:p>
-        </p:txBody>
-      </p:sp>
-      <p:sp>
-        <p:nvSpPr>
-          <p:cNvPr id="22" name="Retângulo 21">
-            <a:extLst>
-              <a:ext uri="{FF2B5EF4-FFF2-40B4-BE49-F238E27FC236}">
-                <a16:creationId xmlns:a16="http://schemas.microsoft.com/office/drawing/2014/main" id="{F207BC5A-626E-C19C-86C0-82B69F520979}"/>
-              </a:ext>
-            </a:extLst>
-          </p:cNvPr>
-          <p:cNvSpPr/>
-          <p:nvPr/>
-        </p:nvSpPr>
-        <p:spPr>
-          <a:xfrm>
-            <a:off x="11311849" y="6393656"/>
-            <a:ext cx="299125" cy="95012"/>
-          </a:xfrm>
-          <a:prstGeom prst="rect">
-            <a:avLst/>
-          </a:prstGeom>
-          <a:solidFill>
-            <a:srgbClr val="C9B638"/>
-          </a:solidFill>
-          <a:ln>
-            <a:noFill/>
-          </a:ln>
-        </p:spPr>
-        <p:style>
-          <a:lnRef idx="2">
-            <a:schemeClr val="accent1">
-              <a:shade val="50000"/>
-            </a:schemeClr>
-          </a:lnRef>
-          <a:fillRef idx="1">
-            <a:schemeClr val="accent1"/>
-          </a:fillRef>
-          <a:effectRef idx="0">
-            <a:schemeClr val="accent1"/>
-          </a:effectRef>
-          <a:fontRef idx="minor">
-            <a:schemeClr val="lt1"/>
-          </a:fontRef>
-        </p:style>
-        <p:txBody>
-          <a:bodyPr rtlCol="0" anchor="ctr"/>
-          <a:lstStyle/>
-          <a:p>
-            <a:pPr algn="ctr"/>
-            <a:endParaRPr lang="pt-BR"/>
-          </a:p>
-        </p:txBody>
-      </p:sp>
-      <p:sp>
-        <p:nvSpPr>
-          <p:cNvPr id="23" name="CaixaDeTexto 22">
-            <a:extLst>
-              <a:ext uri="{FF2B5EF4-FFF2-40B4-BE49-F238E27FC236}">
-                <a16:creationId xmlns:a16="http://schemas.microsoft.com/office/drawing/2014/main" id="{81C8BEF1-5C40-18CA-02BE-7B1314ECBF73}"/>
-              </a:ext>
-            </a:extLst>
-          </p:cNvPr>
-          <p:cNvSpPr txBox="1"/>
-          <p:nvPr/>
-        </p:nvSpPr>
-        <p:spPr>
-          <a:xfrm>
-            <a:off x="11273747" y="6085879"/>
-            <a:ext cx="375327" cy="307777"/>
-          </a:xfrm>
-          <a:prstGeom prst="rect">
-            <a:avLst/>
-          </a:prstGeom>
-          <a:noFill/>
-        </p:spPr>
-        <p:txBody>
-          <a:bodyPr wrap="square" rtlCol="0">
-            <a:spAutoFit/>
-          </a:bodyPr>
-          <a:lstStyle/>
-          <a:p>
-            <a:pPr algn="ctr"/>
-            <a:r>
-              <a:rPr lang="pt-BR" sz="1400" b="1" dirty="0">
-                <a:solidFill>
-                  <a:schemeClr val="bg1"/>
-                </a:solidFill>
-              </a:rPr>
-              <a:t>6</a:t>
-            </a:r>
-            <a:endParaRPr lang="pt-BR" b="1" dirty="0">
-              <a:solidFill>
-                <a:schemeClr val="bg1"/>
-              </a:solidFill>
-            </a:endParaRPr>
-          </a:p>
-        </p:txBody>
-      </p:sp>
-      <p:sp>
-        <p:nvSpPr>
-          <p:cNvPr id="26" name="CaixaDeTexto 25">
-            <a:extLst>
-              <a:ext uri="{FF2B5EF4-FFF2-40B4-BE49-F238E27FC236}">
-                <a16:creationId xmlns:a16="http://schemas.microsoft.com/office/drawing/2014/main" id="{09DC7993-50AD-55F3-B927-8380BAD96454}"/>
-              </a:ext>
-            </a:extLst>
-          </p:cNvPr>
-          <p:cNvSpPr txBox="1"/>
-          <p:nvPr/>
-        </p:nvSpPr>
-        <p:spPr>
-          <a:xfrm>
-            <a:off x="695999" y="1323995"/>
-            <a:ext cx="11340425" cy="1405769"/>
-          </a:xfrm>
-          <a:prstGeom prst="rect">
-            <a:avLst/>
-          </a:prstGeom>
-          <a:noFill/>
-        </p:spPr>
-        <p:txBody>
-          <a:bodyPr wrap="square">
-            <a:spAutoFit/>
-          </a:bodyPr>
-          <a:lstStyle/>
-          <a:p>
-            <a:pPr algn="l">
-              <a:lnSpc>
-                <a:spcPct val="150000"/>
-              </a:lnSpc>
-            </a:pPr>
-            <a:r>
-              <a:rPr lang="pt-BR" sz="3000" dirty="0">
-                <a:solidFill>
-                  <a:srgbClr val="57606A"/>
-                </a:solidFill>
-              </a:rPr>
-              <a:t>Para desenvolvimento deste projeto foram utilizadas as ferramentas indicadas a seguir.</a:t>
-            </a:r>
-            <a:endParaRPr lang="pt-BR" sz="3000" b="0" i="0" dirty="0">
-              <a:solidFill>
-                <a:srgbClr val="57606A"/>
-              </a:solidFill>
-              <a:effectLst/>
-            </a:endParaRPr>
-          </a:p>
-        </p:txBody>
-      </p:sp>
-      <p:pic>
-        <p:nvPicPr>
-          <p:cNvPr id="3075" name="Picture 3" descr="Miro - L3 Software">
-            <a:extLst>
-              <a:ext uri="{FF2B5EF4-FFF2-40B4-BE49-F238E27FC236}">
-                <a16:creationId xmlns:a16="http://schemas.microsoft.com/office/drawing/2014/main" id="{DE16C1C4-5D8F-14B3-5C34-2B5087DA31FF}"/>
-              </a:ext>
-            </a:extLst>
-          </p:cNvPr>
-          <p:cNvPicPr>
-            <a:picLocks noChangeAspect="1" noChangeArrowheads="1"/>
-          </p:cNvPicPr>
-          <p:nvPr/>
-        </p:nvPicPr>
-        <p:blipFill>
-          <a:blip r:embed="rId2">
-            <a:extLst>
-              <a:ext uri="{28A0092B-C50C-407E-A947-70E740481C1C}">
-                <a14:useLocalDpi xmlns:a14="http://schemas.microsoft.com/office/drawing/2010/main" val="0"/>
-              </a:ext>
-            </a:extLst>
-          </a:blip>
-          <a:srcRect/>
-          <a:stretch>
-            <a:fillRect/>
-          </a:stretch>
-        </p:blipFill>
-        <p:spPr bwMode="auto">
-          <a:xfrm>
-            <a:off x="1528846" y="3091442"/>
-            <a:ext cx="1866228" cy="1036795"/>
-          </a:xfrm>
-          <a:prstGeom prst="rect">
-            <a:avLst/>
-          </a:prstGeom>
-          <a:noFill/>
-          <a:extLst>
-            <a:ext uri="{909E8E84-426E-40DD-AFC4-6F175D3DCCD1}">
-              <a14:hiddenFill xmlns:a14="http://schemas.microsoft.com/office/drawing/2010/main">
-                <a:solidFill>
-                  <a:srgbClr val="FFFFFF"/>
-                </a:solidFill>
-              </a14:hiddenFill>
-            </a:ext>
-          </a:extLst>
-        </p:spPr>
-      </p:pic>
-      <p:pic>
-        <p:nvPicPr>
-          <p:cNvPr id="3077" name="Picture 5" descr="GitHub Logo: valor, história, PNG">
-            <a:extLst>
-              <a:ext uri="{FF2B5EF4-FFF2-40B4-BE49-F238E27FC236}">
-                <a16:creationId xmlns:a16="http://schemas.microsoft.com/office/drawing/2014/main" id="{B8616282-E037-46F7-6284-3E687369FD7B}"/>
-              </a:ext>
-            </a:extLst>
-          </p:cNvPr>
-          <p:cNvPicPr>
-            <a:picLocks noChangeAspect="1" noChangeArrowheads="1"/>
-          </p:cNvPicPr>
-          <p:nvPr/>
-        </p:nvPicPr>
-        <p:blipFill>
-          <a:blip r:embed="rId3">
-            <a:extLst>
-              <a:ext uri="{28A0092B-C50C-407E-A947-70E740481C1C}">
-                <a14:useLocalDpi xmlns:a14="http://schemas.microsoft.com/office/drawing/2010/main" val="0"/>
-              </a:ext>
-            </a:extLst>
-          </a:blip>
-          <a:srcRect/>
-          <a:stretch>
-            <a:fillRect/>
-          </a:stretch>
-        </p:blipFill>
-        <p:spPr bwMode="auto">
-          <a:xfrm>
-            <a:off x="5422925" y="2673596"/>
-            <a:ext cx="2050895" cy="1153627"/>
-          </a:xfrm>
-          <a:prstGeom prst="rect">
-            <a:avLst/>
-          </a:prstGeom>
-          <a:noFill/>
-          <a:extLst>
-            <a:ext uri="{909E8E84-426E-40DD-AFC4-6F175D3DCCD1}">
-              <a14:hiddenFill xmlns:a14="http://schemas.microsoft.com/office/drawing/2010/main">
-                <a:solidFill>
-                  <a:srgbClr val="FFFFFF"/>
-                </a:solidFill>
-              </a14:hiddenFill>
-            </a:ext>
-          </a:extLst>
-        </p:spPr>
-      </p:pic>
-      <p:pic>
-        <p:nvPicPr>
-          <p:cNvPr id="3079" name="Picture 7" descr="Git - Logo Downloads">
-            <a:extLst>
-              <a:ext uri="{FF2B5EF4-FFF2-40B4-BE49-F238E27FC236}">
-                <a16:creationId xmlns:a16="http://schemas.microsoft.com/office/drawing/2014/main" id="{33F8A097-0995-22C5-26C9-1D1D646DFAE9}"/>
-              </a:ext>
-            </a:extLst>
-          </p:cNvPr>
-          <p:cNvPicPr>
-            <a:picLocks noChangeAspect="1" noChangeArrowheads="1"/>
-          </p:cNvPicPr>
-          <p:nvPr/>
-        </p:nvPicPr>
-        <p:blipFill>
-          <a:blip r:embed="rId4">
-            <a:extLst>
-              <a:ext uri="{28A0092B-C50C-407E-A947-70E740481C1C}">
-                <a14:useLocalDpi xmlns:a14="http://schemas.microsoft.com/office/drawing/2010/main" val="0"/>
-              </a:ext>
-            </a:extLst>
-          </a:blip>
-          <a:srcRect/>
-          <a:stretch>
-            <a:fillRect/>
-          </a:stretch>
-        </p:blipFill>
-        <p:spPr bwMode="auto">
-          <a:xfrm>
-            <a:off x="8114968" y="3571470"/>
-            <a:ext cx="2548186" cy="866729"/>
-          </a:xfrm>
-          <a:prstGeom prst="rect">
-            <a:avLst/>
-          </a:prstGeom>
-          <a:noFill/>
-          <a:extLst>
-            <a:ext uri="{909E8E84-426E-40DD-AFC4-6F175D3DCCD1}">
-              <a14:hiddenFill xmlns:a14="http://schemas.microsoft.com/office/drawing/2010/main">
-                <a:solidFill>
-                  <a:srgbClr val="FFFFFF"/>
-                </a:solidFill>
-              </a14:hiddenFill>
-            </a:ext>
-          </a:extLst>
-        </p:spPr>
-      </p:pic>
-      <p:pic>
-        <p:nvPicPr>
-          <p:cNvPr id="3081" name="Picture 9" descr="ícone Figma, logo em Vector Logo">
-            <a:extLst>
-              <a:ext uri="{FF2B5EF4-FFF2-40B4-BE49-F238E27FC236}">
-                <a16:creationId xmlns:a16="http://schemas.microsoft.com/office/drawing/2014/main" id="{E2DF541E-6132-0121-0DFE-D8C409780C7B}"/>
-              </a:ext>
-            </a:extLst>
-          </p:cNvPr>
-          <p:cNvPicPr>
-            <a:picLocks noChangeAspect="1" noChangeArrowheads="1"/>
-          </p:cNvPicPr>
-          <p:nvPr/>
-        </p:nvPicPr>
-        <p:blipFill>
-          <a:blip r:embed="rId5">
-            <a:extLst>
-              <a:ext uri="{28A0092B-C50C-407E-A947-70E740481C1C}">
-                <a14:useLocalDpi xmlns:a14="http://schemas.microsoft.com/office/drawing/2010/main" val="0"/>
-              </a:ext>
-            </a:extLst>
-          </a:blip>
-          <a:srcRect/>
-          <a:stretch>
-            <a:fillRect/>
-          </a:stretch>
-        </p:blipFill>
-        <p:spPr bwMode="auto">
-          <a:xfrm>
-            <a:off x="7091670" y="5216468"/>
-            <a:ext cx="2046596" cy="1023299"/>
-          </a:xfrm>
-          <a:prstGeom prst="rect">
-            <a:avLst/>
-          </a:prstGeom>
-          <a:noFill/>
-          <a:extLst>
-            <a:ext uri="{909E8E84-426E-40DD-AFC4-6F175D3DCCD1}">
-              <a14:hiddenFill xmlns:a14="http://schemas.microsoft.com/office/drawing/2010/main">
-                <a:solidFill>
-                  <a:srgbClr val="FFFFFF"/>
-                </a:solidFill>
-              </a14:hiddenFill>
-            </a:ext>
-          </a:extLst>
-        </p:spPr>
-      </p:pic>
-      <p:pic>
-        <p:nvPicPr>
-          <p:cNvPr id="3083" name="Picture 11" descr="Discord Logo - PNG and Vector - Logo Download">
-            <a:extLst>
-              <a:ext uri="{FF2B5EF4-FFF2-40B4-BE49-F238E27FC236}">
-                <a16:creationId xmlns:a16="http://schemas.microsoft.com/office/drawing/2014/main" id="{094FD707-CB62-FA05-6785-28AC0C4A5571}"/>
-              </a:ext>
-            </a:extLst>
-          </p:cNvPr>
-          <p:cNvPicPr>
-            <a:picLocks noChangeAspect="1" noChangeArrowheads="1"/>
-          </p:cNvPicPr>
-          <p:nvPr/>
-        </p:nvPicPr>
-        <p:blipFill>
-          <a:blip r:embed="rId6">
-            <a:extLst>
-              <a:ext uri="{28A0092B-C50C-407E-A947-70E740481C1C}">
-                <a14:useLocalDpi xmlns:a14="http://schemas.microsoft.com/office/drawing/2010/main" val="0"/>
-              </a:ext>
-            </a:extLst>
-          </a:blip>
-          <a:srcRect/>
-          <a:stretch>
-            <a:fillRect/>
-          </a:stretch>
-        </p:blipFill>
-        <p:spPr bwMode="auto">
-          <a:xfrm>
-            <a:off x="1279479" y="4359838"/>
-            <a:ext cx="880569" cy="880569"/>
-          </a:xfrm>
-          <a:prstGeom prst="rect">
-            <a:avLst/>
-          </a:prstGeom>
-          <a:noFill/>
-          <a:extLst>
-            <a:ext uri="{909E8E84-426E-40DD-AFC4-6F175D3DCCD1}">
-              <a14:hiddenFill xmlns:a14="http://schemas.microsoft.com/office/drawing/2010/main">
-                <a:solidFill>
-                  <a:srgbClr val="FFFFFF"/>
-                </a:solidFill>
-              </a14:hiddenFill>
-            </a:ext>
-          </a:extLst>
-        </p:spPr>
-      </p:pic>
-      <p:pic>
-        <p:nvPicPr>
-          <p:cNvPr id="3085" name="Picture 13">
-            <a:extLst>
-              <a:ext uri="{FF2B5EF4-FFF2-40B4-BE49-F238E27FC236}">
-                <a16:creationId xmlns:a16="http://schemas.microsoft.com/office/drawing/2014/main" id="{CC66D1FE-B702-6262-2419-11618CE271C7}"/>
-              </a:ext>
-            </a:extLst>
-          </p:cNvPr>
-          <p:cNvPicPr>
-            <a:picLocks noChangeAspect="1" noChangeArrowheads="1"/>
-          </p:cNvPicPr>
-          <p:nvPr/>
-        </p:nvPicPr>
-        <p:blipFill>
-          <a:blip r:embed="rId7">
-            <a:extLst>
-              <a:ext uri="{28A0092B-C50C-407E-A947-70E740481C1C}">
-                <a14:useLocalDpi xmlns:a14="http://schemas.microsoft.com/office/drawing/2010/main" val="0"/>
-              </a:ext>
-            </a:extLst>
-          </a:blip>
-          <a:srcRect/>
-          <a:stretch>
-            <a:fillRect/>
-          </a:stretch>
-        </p:blipFill>
-        <p:spPr bwMode="auto">
-          <a:xfrm>
-            <a:off x="4743896" y="4506444"/>
-            <a:ext cx="1078440" cy="1085193"/>
-          </a:xfrm>
-          <a:prstGeom prst="rect">
-            <a:avLst/>
-          </a:prstGeom>
-          <a:noFill/>
-          <a:extLst>
-            <a:ext uri="{909E8E84-426E-40DD-AFC4-6F175D3DCCD1}">
-              <a14:hiddenFill xmlns:a14="http://schemas.microsoft.com/office/drawing/2010/main">
-                <a:solidFill>
-                  <a:srgbClr val="FFFFFF"/>
-                </a:solidFill>
-              </a14:hiddenFill>
-            </a:ext>
-          </a:extLst>
-        </p:spPr>
-      </p:pic>
-      <p:pic>
-        <p:nvPicPr>
-          <p:cNvPr id="3087" name="Picture 15" descr="15 Dicas para Turbinar o seu VS Code! | by Glaucia Lemos | Medium">
-            <a:extLst>
-              <a:ext uri="{FF2B5EF4-FFF2-40B4-BE49-F238E27FC236}">
-                <a16:creationId xmlns:a16="http://schemas.microsoft.com/office/drawing/2014/main" id="{819E0D92-2F8F-FD5A-370E-1F067547D2A3}"/>
-              </a:ext>
-            </a:extLst>
-          </p:cNvPr>
-          <p:cNvPicPr>
-            <a:picLocks noChangeAspect="1" noChangeArrowheads="1"/>
-          </p:cNvPicPr>
-          <p:nvPr/>
-        </p:nvPicPr>
-        <p:blipFill>
-          <a:blip r:embed="rId8">
-            <a:extLst>
-              <a:ext uri="{28A0092B-C50C-407E-A947-70E740481C1C}">
-                <a14:useLocalDpi xmlns:a14="http://schemas.microsoft.com/office/drawing/2010/main" val="0"/>
-              </a:ext>
-            </a:extLst>
-          </a:blip>
-          <a:srcRect/>
-          <a:stretch>
-            <a:fillRect/>
-          </a:stretch>
-        </p:blipFill>
-        <p:spPr bwMode="auto">
-          <a:xfrm>
-            <a:off x="2160048" y="5305572"/>
-            <a:ext cx="2099158" cy="991268"/>
-          </a:xfrm>
-          <a:prstGeom prst="rect">
-            <a:avLst/>
-          </a:prstGeom>
-          <a:noFill/>
-          <a:extLst>
-            <a:ext uri="{909E8E84-426E-40DD-AFC4-6F175D3DCCD1}">
-              <a14:hiddenFill xmlns:a14="http://schemas.microsoft.com/office/drawing/2010/main">
-                <a:solidFill>
-                  <a:srgbClr val="FFFFFF"/>
-                </a:solidFill>
-              </a14:hiddenFill>
-            </a:ext>
-          </a:extLst>
-        </p:spPr>
-      </p:pic>
-      <p:sp>
-        <p:nvSpPr>
-          <p:cNvPr id="9" name="Retângulo 8">
-            <a:extLst>
-              <a:ext uri="{FF2B5EF4-FFF2-40B4-BE49-F238E27FC236}">
-                <a16:creationId xmlns:a16="http://schemas.microsoft.com/office/drawing/2014/main" id="{FD3BC9C5-09A1-452F-75D0-37DD794D21EB}"/>
-              </a:ext>
-            </a:extLst>
-          </p:cNvPr>
-          <p:cNvSpPr/>
-          <p:nvPr/>
-        </p:nvSpPr>
-        <p:spPr>
-          <a:xfrm>
-            <a:off x="5016000" y="369332"/>
-            <a:ext cx="2160000" cy="115410"/>
-          </a:xfrm>
-          <a:prstGeom prst="rect">
-            <a:avLst/>
-          </a:prstGeom>
-          <a:solidFill>
-            <a:srgbClr val="C9B638"/>
-          </a:solidFill>
-          <a:ln>
-            <a:noFill/>
-          </a:ln>
-        </p:spPr>
-        <p:style>
-          <a:lnRef idx="2">
-            <a:schemeClr val="accent1">
-              <a:shade val="50000"/>
-            </a:schemeClr>
-          </a:lnRef>
-          <a:fillRef idx="1">
-            <a:schemeClr val="accent1"/>
-          </a:fillRef>
-          <a:effectRef idx="0">
-            <a:schemeClr val="accent1"/>
-          </a:effectRef>
-          <a:fontRef idx="minor">
-            <a:schemeClr val="lt1"/>
-          </a:fontRef>
-        </p:style>
-        <p:txBody>
-          <a:bodyPr rtlCol="0" anchor="ctr"/>
-          <a:lstStyle/>
-          <a:p>
-            <a:pPr algn="ctr"/>
-            <a:endParaRPr lang="pt-BR"/>
-          </a:p>
-        </p:txBody>
-      </p:sp>
-    </p:spTree>
-    <p:extLst>
-      <p:ext uri="{BB962C8B-B14F-4D97-AF65-F5344CB8AC3E}">
-        <p14:creationId xmlns:p14="http://schemas.microsoft.com/office/powerpoint/2010/main" val="2739091331"/>
-      </p:ext>
-    </p:extLst>
-  </p:cSld>
-  <p:clrMapOvr>
-    <a:masterClrMapping/>
-  </p:clrMapOvr>
-  <mc:AlternateContent xmlns:mc="http://schemas.openxmlformats.org/markup-compatibility/2006" xmlns:p159="http://schemas.microsoft.com/office/powerpoint/2015/09/main">
-    <mc:Choice Requires="p159">
-      <p:transition spd="slow">
-        <p159:morph option="byObject"/>
-      </p:transition>
-    </mc:Choice>
-    <mc:Fallback xmlns="">
-      <p:transition spd="slow">
-        <p:fade/>
-      </p:transition>
-    </mc:Fallback>
-  </mc:AlternateContent>
-</p:sld>
-</file>
-
-<file path=ppt/slides/slide13.xml><?xml version="1.0" encoding="utf-8"?>
-<p:sld xmlns:a="http://schemas.openxmlformats.org/drawingml/2006/main" xmlns:r="http://schemas.openxmlformats.org/officeDocument/2006/relationships" xmlns:p="http://schemas.openxmlformats.org/presentationml/2006/main">
-  <p:cSld>
-    <p:spTree>
-      <p:nvGrpSpPr>
-        <p:cNvPr id="1" name=""/>
-        <p:cNvGrpSpPr/>
-        <p:nvPr/>
-      </p:nvGrpSpPr>
-      <p:grpSpPr>
-        <a:xfrm>
-          <a:off x="0" y="0"/>
-          <a:ext cx="0" cy="0"/>
-          <a:chOff x="0" y="0"/>
-          <a:chExt cx="0" cy="0"/>
-        </a:xfrm>
-      </p:grpSpPr>
-      <p:sp>
-        <p:nvSpPr>
-          <p:cNvPr id="2" name="Retângulo 1">
-            <a:extLst>
-              <a:ext uri="{FF2B5EF4-FFF2-40B4-BE49-F238E27FC236}">
-                <a16:creationId xmlns:a16="http://schemas.microsoft.com/office/drawing/2014/main" id="{2F1FBD3C-743F-7089-0D0C-DA7CC5462B50}"/>
-              </a:ext>
-            </a:extLst>
-          </p:cNvPr>
-          <p:cNvSpPr/>
-          <p:nvPr/>
-        </p:nvSpPr>
-        <p:spPr>
-          <a:xfrm>
-            <a:off x="0" y="369332"/>
-            <a:ext cx="12192000" cy="115410"/>
-          </a:xfrm>
-          <a:prstGeom prst="rect">
-            <a:avLst/>
-          </a:prstGeom>
-          <a:solidFill>
-            <a:schemeClr val="bg1">
-              <a:lumMod val="95000"/>
-            </a:schemeClr>
-          </a:solidFill>
-          <a:ln>
-            <a:noFill/>
-          </a:ln>
-        </p:spPr>
-        <p:style>
-          <a:lnRef idx="2">
-            <a:schemeClr val="accent1">
-              <a:shade val="50000"/>
-            </a:schemeClr>
-          </a:lnRef>
-          <a:fillRef idx="1">
-            <a:schemeClr val="accent1"/>
-          </a:fillRef>
-          <a:effectRef idx="0">
-            <a:schemeClr val="accent1"/>
-          </a:effectRef>
-          <a:fontRef idx="minor">
-            <a:schemeClr val="lt1"/>
-          </a:fontRef>
-        </p:style>
-        <p:txBody>
-          <a:bodyPr rtlCol="0" anchor="ctr"/>
-          <a:lstStyle/>
-          <a:p>
-            <a:pPr algn="ctr"/>
-            <a:endParaRPr lang="pt-BR"/>
-          </a:p>
-        </p:txBody>
-      </p:sp>
-      <p:sp>
-        <p:nvSpPr>
-          <p:cNvPr id="8" name="CaixaDeTexto 7">
-            <a:extLst>
-              <a:ext uri="{FF2B5EF4-FFF2-40B4-BE49-F238E27FC236}">
-                <a16:creationId xmlns:a16="http://schemas.microsoft.com/office/drawing/2014/main" id="{3461DDC4-7834-928F-6FF1-90D55E914CB6}"/>
-              </a:ext>
-            </a:extLst>
-          </p:cNvPr>
-          <p:cNvSpPr txBox="1"/>
-          <p:nvPr/>
-        </p:nvSpPr>
-        <p:spPr>
-          <a:xfrm>
-            <a:off x="696000" y="2203"/>
-            <a:ext cx="2160000" cy="369332"/>
-          </a:xfrm>
-          <a:prstGeom prst="rect">
-            <a:avLst/>
-          </a:prstGeom>
-          <a:noFill/>
-          <a:ln>
-            <a:noFill/>
-          </a:ln>
-        </p:spPr>
-        <p:txBody>
-          <a:bodyPr wrap="square" rtlCol="0">
-            <a:spAutoFit/>
-          </a:bodyPr>
-          <a:lstStyle/>
-          <a:p>
-            <a:pPr algn="ctr"/>
-            <a:r>
-              <a:rPr lang="pt-BR" b="1" dirty="0">
-                <a:solidFill>
-                  <a:schemeClr val="bg1">
-                    <a:lumMod val="85000"/>
-                  </a:schemeClr>
-                </a:solidFill>
-              </a:rPr>
-              <a:t>PROBLEMA</a:t>
-            </a:r>
-          </a:p>
-        </p:txBody>
-      </p:sp>
-      <p:sp>
-        <p:nvSpPr>
-          <p:cNvPr id="18" name="Retângulo 17">
-            <a:extLst>
-              <a:ext uri="{FF2B5EF4-FFF2-40B4-BE49-F238E27FC236}">
-                <a16:creationId xmlns:a16="http://schemas.microsoft.com/office/drawing/2014/main" id="{025DF50E-30FE-1AF8-C932-20C65186C3F7}"/>
-              </a:ext>
-            </a:extLst>
-          </p:cNvPr>
-          <p:cNvSpPr/>
-          <p:nvPr/>
-        </p:nvSpPr>
-        <p:spPr>
-          <a:xfrm>
             <a:off x="0" y="484742"/>
             <a:ext cx="12192000" cy="6382135"/>
           </a:xfrm>
@@ -12376,7 +11675,7 @@
 </p:sld>
 </file>
 
-<file path=ppt/slides/slide14.xml><?xml version="1.0" encoding="utf-8"?>
+<file path=ppt/slides/slide13.xml><?xml version="1.0" encoding="utf-8"?>
 <p:sld xmlns:a="http://schemas.openxmlformats.org/drawingml/2006/main" xmlns:r="http://schemas.openxmlformats.org/officeDocument/2006/relationships" xmlns:p="http://schemas.openxmlformats.org/presentationml/2006/main">
   <p:cSld>
     <p:spTree>
@@ -14270,7 +13569,7 @@
 </p:sld>
 </file>
 
-<file path=ppt/slides/slide15.xml><?xml version="1.0" encoding="utf-8"?>
+<file path=ppt/slides/slide14.xml><?xml version="1.0" encoding="utf-8"?>
 <p:sld xmlns:a="http://schemas.openxmlformats.org/drawingml/2006/main" xmlns:r="http://schemas.openxmlformats.org/officeDocument/2006/relationships" xmlns:p="http://schemas.openxmlformats.org/presentationml/2006/main">
   <p:cSld>
     <p:spTree>
@@ -15291,6 +14590,507 @@
     <p:extLst>
       <p:ext uri="{BB962C8B-B14F-4D97-AF65-F5344CB8AC3E}">
         <p14:creationId xmlns:p14="http://schemas.microsoft.com/office/powerpoint/2010/main" val="2194254828"/>
+      </p:ext>
+    </p:extLst>
+  </p:cSld>
+  <p:clrMapOvr>
+    <a:masterClrMapping/>
+  </p:clrMapOvr>
+  <mc:AlternateContent xmlns:mc="http://schemas.openxmlformats.org/markup-compatibility/2006" xmlns:p159="http://schemas.microsoft.com/office/powerpoint/2015/09/main">
+    <mc:Choice Requires="p159">
+      <p:transition spd="slow">
+        <p159:morph option="byObject"/>
+      </p:transition>
+    </mc:Choice>
+    <mc:Fallback xmlns="">
+      <p:transition spd="slow">
+        <p:fade/>
+      </p:transition>
+    </mc:Fallback>
+  </mc:AlternateContent>
+</p:sld>
+</file>
+
+<file path=ppt/slides/slide15.xml><?xml version="1.0" encoding="utf-8"?>
+<p:sld xmlns:a="http://schemas.openxmlformats.org/drawingml/2006/main" xmlns:r="http://schemas.openxmlformats.org/officeDocument/2006/relationships" xmlns:p="http://schemas.openxmlformats.org/presentationml/2006/main">
+  <p:cSld>
+    <p:spTree>
+      <p:nvGrpSpPr>
+        <p:cNvPr id="1" name=""/>
+        <p:cNvGrpSpPr/>
+        <p:nvPr/>
+      </p:nvGrpSpPr>
+      <p:grpSpPr>
+        <a:xfrm>
+          <a:off x="0" y="0"/>
+          <a:ext cx="0" cy="0"/>
+          <a:chOff x="0" y="0"/>
+          <a:chExt cx="0" cy="0"/>
+        </a:xfrm>
+      </p:grpSpPr>
+      <p:sp>
+        <p:nvSpPr>
+          <p:cNvPr id="2" name="Retângulo 1">
+            <a:extLst>
+              <a:ext uri="{FF2B5EF4-FFF2-40B4-BE49-F238E27FC236}">
+                <a16:creationId xmlns:a16="http://schemas.microsoft.com/office/drawing/2014/main" id="{2F1FBD3C-743F-7089-0D0C-DA7CC5462B50}"/>
+              </a:ext>
+            </a:extLst>
+          </p:cNvPr>
+          <p:cNvSpPr/>
+          <p:nvPr/>
+        </p:nvSpPr>
+        <p:spPr>
+          <a:xfrm>
+            <a:off x="0" y="369332"/>
+            <a:ext cx="12192000" cy="115410"/>
+          </a:xfrm>
+          <a:prstGeom prst="rect">
+            <a:avLst/>
+          </a:prstGeom>
+          <a:solidFill>
+            <a:schemeClr val="bg1">
+              <a:lumMod val="95000"/>
+            </a:schemeClr>
+          </a:solidFill>
+          <a:ln>
+            <a:noFill/>
+          </a:ln>
+        </p:spPr>
+        <p:style>
+          <a:lnRef idx="2">
+            <a:schemeClr val="accent1">
+              <a:shade val="50000"/>
+            </a:schemeClr>
+          </a:lnRef>
+          <a:fillRef idx="1">
+            <a:schemeClr val="accent1"/>
+          </a:fillRef>
+          <a:effectRef idx="0">
+            <a:schemeClr val="accent1"/>
+          </a:effectRef>
+          <a:fontRef idx="minor">
+            <a:schemeClr val="lt1"/>
+          </a:fontRef>
+        </p:style>
+        <p:txBody>
+          <a:bodyPr rtlCol="0" anchor="ctr"/>
+          <a:lstStyle/>
+          <a:p>
+            <a:pPr algn="ctr"/>
+            <a:endParaRPr lang="pt-BR"/>
+          </a:p>
+        </p:txBody>
+      </p:sp>
+      <p:sp>
+        <p:nvSpPr>
+          <p:cNvPr id="8" name="CaixaDeTexto 7">
+            <a:extLst>
+              <a:ext uri="{FF2B5EF4-FFF2-40B4-BE49-F238E27FC236}">
+                <a16:creationId xmlns:a16="http://schemas.microsoft.com/office/drawing/2014/main" id="{3461DDC4-7834-928F-6FF1-90D55E914CB6}"/>
+              </a:ext>
+            </a:extLst>
+          </p:cNvPr>
+          <p:cNvSpPr txBox="1"/>
+          <p:nvPr/>
+        </p:nvSpPr>
+        <p:spPr>
+          <a:xfrm>
+            <a:off x="696000" y="2203"/>
+            <a:ext cx="2160000" cy="369332"/>
+          </a:xfrm>
+          <a:prstGeom prst="rect">
+            <a:avLst/>
+          </a:prstGeom>
+          <a:noFill/>
+          <a:ln>
+            <a:noFill/>
+          </a:ln>
+        </p:spPr>
+        <p:txBody>
+          <a:bodyPr wrap="square" rtlCol="0">
+            <a:spAutoFit/>
+          </a:bodyPr>
+          <a:lstStyle/>
+          <a:p>
+            <a:pPr algn="ctr"/>
+            <a:r>
+              <a:rPr lang="pt-BR" b="1" dirty="0">
+                <a:solidFill>
+                  <a:schemeClr val="bg1">
+                    <a:lumMod val="85000"/>
+                  </a:schemeClr>
+                </a:solidFill>
+              </a:rPr>
+              <a:t>PROBLEMA</a:t>
+            </a:r>
+          </a:p>
+        </p:txBody>
+      </p:sp>
+      <p:sp>
+        <p:nvSpPr>
+          <p:cNvPr id="18" name="Retângulo 17">
+            <a:extLst>
+              <a:ext uri="{FF2B5EF4-FFF2-40B4-BE49-F238E27FC236}">
+                <a16:creationId xmlns:a16="http://schemas.microsoft.com/office/drawing/2014/main" id="{025DF50E-30FE-1AF8-C932-20C65186C3F7}"/>
+              </a:ext>
+            </a:extLst>
+          </p:cNvPr>
+          <p:cNvSpPr/>
+          <p:nvPr/>
+        </p:nvSpPr>
+        <p:spPr>
+          <a:xfrm>
+            <a:off x="0" y="484742"/>
+            <a:ext cx="12192000" cy="6382135"/>
+          </a:xfrm>
+          <a:prstGeom prst="rect">
+            <a:avLst/>
+          </a:prstGeom>
+          <a:solidFill>
+            <a:srgbClr val="339966"/>
+          </a:solidFill>
+          <a:ln>
+            <a:noFill/>
+          </a:ln>
+        </p:spPr>
+        <p:style>
+          <a:lnRef idx="2">
+            <a:schemeClr val="accent1">
+              <a:shade val="50000"/>
+            </a:schemeClr>
+          </a:lnRef>
+          <a:fillRef idx="1">
+            <a:schemeClr val="accent1"/>
+          </a:fillRef>
+          <a:effectRef idx="0">
+            <a:schemeClr val="accent1"/>
+          </a:effectRef>
+          <a:fontRef idx="minor">
+            <a:schemeClr val="lt1"/>
+          </a:fontRef>
+        </p:style>
+        <p:txBody>
+          <a:bodyPr rtlCol="0" anchor="ctr"/>
+          <a:lstStyle/>
+          <a:p>
+            <a:pPr algn="ctr"/>
+            <a:endParaRPr lang="pt-BR"/>
+          </a:p>
+        </p:txBody>
+      </p:sp>
+      <p:sp>
+        <p:nvSpPr>
+          <p:cNvPr id="3" name="CaixaDeTexto 2">
+            <a:extLst>
+              <a:ext uri="{FF2B5EF4-FFF2-40B4-BE49-F238E27FC236}">
+                <a16:creationId xmlns:a16="http://schemas.microsoft.com/office/drawing/2014/main" id="{F48F51F9-85BE-89C0-5C6F-4FC0DBA1EC41}"/>
+              </a:ext>
+            </a:extLst>
+          </p:cNvPr>
+          <p:cNvSpPr txBox="1"/>
+          <p:nvPr/>
+        </p:nvSpPr>
+        <p:spPr>
+          <a:xfrm>
+            <a:off x="2856000" y="2203"/>
+            <a:ext cx="2160000" cy="369332"/>
+          </a:xfrm>
+          <a:prstGeom prst="rect">
+            <a:avLst/>
+          </a:prstGeom>
+          <a:noFill/>
+          <a:ln>
+            <a:noFill/>
+          </a:ln>
+        </p:spPr>
+        <p:txBody>
+          <a:bodyPr wrap="square" rtlCol="0">
+            <a:spAutoFit/>
+          </a:bodyPr>
+          <a:lstStyle/>
+          <a:p>
+            <a:pPr algn="ctr"/>
+            <a:r>
+              <a:rPr lang="pt-BR" b="1" dirty="0">
+                <a:solidFill>
+                  <a:schemeClr val="bg1">
+                    <a:lumMod val="85000"/>
+                  </a:schemeClr>
+                </a:solidFill>
+              </a:rPr>
+              <a:t>PROPOSTA</a:t>
+            </a:r>
+          </a:p>
+        </p:txBody>
+      </p:sp>
+      <p:sp>
+        <p:nvSpPr>
+          <p:cNvPr id="4" name="CaixaDeTexto 3">
+            <a:extLst>
+              <a:ext uri="{FF2B5EF4-FFF2-40B4-BE49-F238E27FC236}">
+                <a16:creationId xmlns:a16="http://schemas.microsoft.com/office/drawing/2014/main" id="{E04C7952-57DC-46E9-E136-2F022066A217}"/>
+              </a:ext>
+            </a:extLst>
+          </p:cNvPr>
+          <p:cNvSpPr txBox="1"/>
+          <p:nvPr/>
+        </p:nvSpPr>
+        <p:spPr>
+          <a:xfrm>
+            <a:off x="5016000" y="0"/>
+            <a:ext cx="2160000" cy="369332"/>
+          </a:xfrm>
+          <a:prstGeom prst="rect">
+            <a:avLst/>
+          </a:prstGeom>
+          <a:noFill/>
+          <a:ln>
+            <a:noFill/>
+          </a:ln>
+        </p:spPr>
+        <p:txBody>
+          <a:bodyPr wrap="square" rtlCol="0">
+            <a:spAutoFit/>
+          </a:bodyPr>
+          <a:lstStyle/>
+          <a:p>
+            <a:pPr algn="ctr"/>
+            <a:r>
+              <a:rPr lang="pt-BR" b="1" dirty="0">
+                <a:solidFill>
+                  <a:schemeClr val="bg1">
+                    <a:lumMod val="85000"/>
+                  </a:schemeClr>
+                </a:solidFill>
+              </a:rPr>
+              <a:t>METODOLOGIA</a:t>
+            </a:r>
+          </a:p>
+        </p:txBody>
+      </p:sp>
+      <p:sp>
+        <p:nvSpPr>
+          <p:cNvPr id="5" name="CaixaDeTexto 4">
+            <a:extLst>
+              <a:ext uri="{FF2B5EF4-FFF2-40B4-BE49-F238E27FC236}">
+                <a16:creationId xmlns:a16="http://schemas.microsoft.com/office/drawing/2014/main" id="{9565DBA7-51CE-BB4F-5614-5E7D8C23877B}"/>
+              </a:ext>
+            </a:extLst>
+          </p:cNvPr>
+          <p:cNvSpPr txBox="1"/>
+          <p:nvPr/>
+        </p:nvSpPr>
+        <p:spPr>
+          <a:xfrm>
+            <a:off x="7176000" y="0"/>
+            <a:ext cx="2160000" cy="369332"/>
+          </a:xfrm>
+          <a:prstGeom prst="rect">
+            <a:avLst/>
+          </a:prstGeom>
+          <a:noFill/>
+          <a:ln>
+            <a:noFill/>
+          </a:ln>
+        </p:spPr>
+        <p:txBody>
+          <a:bodyPr wrap="square" rtlCol="0">
+            <a:spAutoFit/>
+          </a:bodyPr>
+          <a:lstStyle/>
+          <a:p>
+            <a:pPr algn="ctr"/>
+            <a:r>
+              <a:rPr lang="pt-BR" b="1" dirty="0">
+                <a:solidFill>
+                  <a:schemeClr val="bg1">
+                    <a:lumMod val="85000"/>
+                  </a:schemeClr>
+                </a:solidFill>
+              </a:rPr>
+              <a:t>ARQUITETURA</a:t>
+            </a:r>
+          </a:p>
+        </p:txBody>
+      </p:sp>
+      <p:sp>
+        <p:nvSpPr>
+          <p:cNvPr id="6" name="CaixaDeTexto 5">
+            <a:extLst>
+              <a:ext uri="{FF2B5EF4-FFF2-40B4-BE49-F238E27FC236}">
+                <a16:creationId xmlns:a16="http://schemas.microsoft.com/office/drawing/2014/main" id="{6FA43461-C92B-27EB-1661-D33A0C4B7AB5}"/>
+              </a:ext>
+            </a:extLst>
+          </p:cNvPr>
+          <p:cNvSpPr txBox="1"/>
+          <p:nvPr/>
+        </p:nvSpPr>
+        <p:spPr>
+          <a:xfrm>
+            <a:off x="9336000" y="0"/>
+            <a:ext cx="2160000" cy="369332"/>
+          </a:xfrm>
+          <a:prstGeom prst="rect">
+            <a:avLst/>
+          </a:prstGeom>
+          <a:noFill/>
+          <a:ln>
+            <a:noFill/>
+          </a:ln>
+        </p:spPr>
+        <p:txBody>
+          <a:bodyPr wrap="square" rtlCol="0">
+            <a:spAutoFit/>
+          </a:bodyPr>
+          <a:lstStyle/>
+          <a:p>
+            <a:pPr algn="ctr"/>
+            <a:r>
+              <a:rPr lang="pt-BR" b="1" dirty="0">
+                <a:solidFill>
+                  <a:srgbClr val="339966"/>
+                </a:solidFill>
+              </a:rPr>
+              <a:t>FECHAMENTO</a:t>
+            </a:r>
+          </a:p>
+        </p:txBody>
+      </p:sp>
+      <p:sp>
+        <p:nvSpPr>
+          <p:cNvPr id="11" name="CaixaDeTexto 10">
+            <a:extLst>
+              <a:ext uri="{FF2B5EF4-FFF2-40B4-BE49-F238E27FC236}">
+                <a16:creationId xmlns:a16="http://schemas.microsoft.com/office/drawing/2014/main" id="{071CEB45-85F1-D94E-4DD3-947547ACCAAD}"/>
+              </a:ext>
+            </a:extLst>
+          </p:cNvPr>
+          <p:cNvSpPr txBox="1"/>
+          <p:nvPr/>
+        </p:nvSpPr>
+        <p:spPr>
+          <a:xfrm>
+            <a:off x="5180492" y="2151727"/>
+            <a:ext cx="7226300" cy="1323439"/>
+          </a:xfrm>
+          <a:prstGeom prst="rect">
+            <a:avLst/>
+          </a:prstGeom>
+          <a:noFill/>
+        </p:spPr>
+        <p:txBody>
+          <a:bodyPr wrap="square" rtlCol="0">
+            <a:spAutoFit/>
+          </a:bodyPr>
+          <a:lstStyle/>
+          <a:p>
+            <a:r>
+              <a:rPr lang="pt-BR" sz="8000" b="1" dirty="0">
+                <a:solidFill>
+                  <a:schemeClr val="bg1"/>
+                </a:solidFill>
+              </a:rPr>
+              <a:t>FECHAMENTO</a:t>
+            </a:r>
+          </a:p>
+        </p:txBody>
+      </p:sp>
+      <p:sp>
+        <p:nvSpPr>
+          <p:cNvPr id="7" name="Retângulo 6">
+            <a:extLst>
+              <a:ext uri="{FF2B5EF4-FFF2-40B4-BE49-F238E27FC236}">
+                <a16:creationId xmlns:a16="http://schemas.microsoft.com/office/drawing/2014/main" id="{867ECD7B-26C4-522A-0752-DED158998F84}"/>
+              </a:ext>
+            </a:extLst>
+          </p:cNvPr>
+          <p:cNvSpPr/>
+          <p:nvPr/>
+        </p:nvSpPr>
+        <p:spPr>
+          <a:xfrm>
+            <a:off x="9336000" y="369332"/>
+            <a:ext cx="2160000" cy="115410"/>
+          </a:xfrm>
+          <a:prstGeom prst="rect">
+            <a:avLst/>
+          </a:prstGeom>
+          <a:solidFill>
+            <a:srgbClr val="339966"/>
+          </a:solidFill>
+          <a:ln>
+            <a:noFill/>
+          </a:ln>
+        </p:spPr>
+        <p:style>
+          <a:lnRef idx="2">
+            <a:schemeClr val="accent1">
+              <a:shade val="50000"/>
+            </a:schemeClr>
+          </a:lnRef>
+          <a:fillRef idx="1">
+            <a:schemeClr val="accent1"/>
+          </a:fillRef>
+          <a:effectRef idx="0">
+            <a:schemeClr val="accent1"/>
+          </a:effectRef>
+          <a:fontRef idx="minor">
+            <a:schemeClr val="lt1"/>
+          </a:fontRef>
+        </p:style>
+        <p:txBody>
+          <a:bodyPr rtlCol="0" anchor="ctr"/>
+          <a:lstStyle/>
+          <a:p>
+            <a:pPr algn="ctr"/>
+            <a:endParaRPr lang="pt-BR"/>
+          </a:p>
+        </p:txBody>
+      </p:sp>
+      <p:pic>
+        <p:nvPicPr>
+          <p:cNvPr id="13" name="Gráfico 12" descr="Legendas com preenchimento sólido">
+            <a:extLst>
+              <a:ext uri="{FF2B5EF4-FFF2-40B4-BE49-F238E27FC236}">
+                <a16:creationId xmlns:a16="http://schemas.microsoft.com/office/drawing/2014/main" id="{7B4C2FAB-254D-F263-C5AC-2C61B7E56C87}"/>
+              </a:ext>
+            </a:extLst>
+          </p:cNvPr>
+          <p:cNvPicPr>
+            <a:picLocks noChangeAspect="1"/>
+          </p:cNvPicPr>
+          <p:nvPr/>
+        </p:nvPicPr>
+        <p:blipFill>
+          <a:blip r:embed="rId2">
+            <a:extLst>
+              <a:ext uri="{28A0092B-C50C-407E-A947-70E740481C1C}">
+                <a14:useLocalDpi xmlns:a14="http://schemas.microsoft.com/office/drawing/2010/main" val="0"/>
+              </a:ext>
+              <a:ext uri="{96DAC541-7B7A-43D3-8B79-37D633B846F1}">
+                <asvg:svgBlip xmlns:asvg="http://schemas.microsoft.com/office/drawing/2016/SVG/main" r:embed="rId3"/>
+              </a:ext>
+            </a:extLst>
+          </a:blip>
+          <a:stretch>
+            <a:fillRect/>
+          </a:stretch>
+        </p:blipFill>
+        <p:spPr>
+          <a:xfrm>
+            <a:off x="2010799" y="1451347"/>
+            <a:ext cx="2954901" cy="2954901"/>
+          </a:xfrm>
+          <a:prstGeom prst="rect">
+            <a:avLst/>
+          </a:prstGeom>
+        </p:spPr>
+      </p:pic>
+    </p:spTree>
+    <p:extLst>
+      <p:ext uri="{BB962C8B-B14F-4D97-AF65-F5344CB8AC3E}">
+        <p14:creationId xmlns:p14="http://schemas.microsoft.com/office/powerpoint/2010/main" val="3981913118"/>
       </p:ext>
     </p:extLst>
   </p:cSld>
@@ -15423,7 +15223,7 @@
                   </a:schemeClr>
                 </a:solidFill>
               </a:rPr>
-              <a:t>PROBLEMA</a:t>
+              <a:t>INTRODUÇÃO</a:t>
             </a:r>
           </a:p>
         </p:txBody>
@@ -15442,8 +15242,8 @@
         </p:nvSpPr>
         <p:spPr>
           <a:xfrm>
-            <a:off x="0" y="484742"/>
-            <a:ext cx="12192000" cy="6382135"/>
+            <a:off x="0" y="6751467"/>
+            <a:ext cx="12192000" cy="115410"/>
           </a:xfrm>
           <a:prstGeom prst="rect">
             <a:avLst/>
@@ -15520,7 +15320,7 @@
                   </a:schemeClr>
                 </a:solidFill>
               </a:rPr>
-              <a:t>PROPOSTA</a:t>
+              <a:t>ESPECIFICAÇÕES</a:t>
             </a:r>
           </a:p>
         </p:txBody>
@@ -15660,49 +15460,10 @@
       </p:sp>
       <p:sp>
         <p:nvSpPr>
-          <p:cNvPr id="11" name="CaixaDeTexto 10">
-            <a:extLst>
-              <a:ext uri="{FF2B5EF4-FFF2-40B4-BE49-F238E27FC236}">
-                <a16:creationId xmlns:a16="http://schemas.microsoft.com/office/drawing/2014/main" id="{071CEB45-85F1-D94E-4DD3-947547ACCAAD}"/>
-              </a:ext>
-            </a:extLst>
-          </p:cNvPr>
-          <p:cNvSpPr txBox="1"/>
-          <p:nvPr/>
-        </p:nvSpPr>
-        <p:spPr>
-          <a:xfrm>
-            <a:off x="5180492" y="2151727"/>
-            <a:ext cx="7226300" cy="1323439"/>
-          </a:xfrm>
-          <a:prstGeom prst="rect">
-            <a:avLst/>
-          </a:prstGeom>
-          <a:noFill/>
-        </p:spPr>
-        <p:txBody>
-          <a:bodyPr wrap="square" rtlCol="0">
-            <a:spAutoFit/>
-          </a:bodyPr>
-          <a:lstStyle/>
-          <a:p>
-            <a:r>
-              <a:rPr lang="pt-BR" sz="8000" b="1" dirty="0">
-                <a:solidFill>
-                  <a:schemeClr val="bg1"/>
-                </a:solidFill>
-              </a:rPr>
-              <a:t>FECHAMENTO</a:t>
-            </a:r>
-          </a:p>
-        </p:txBody>
-      </p:sp>
-      <p:sp>
-        <p:nvSpPr>
           <p:cNvPr id="7" name="Retângulo 6">
             <a:extLst>
               <a:ext uri="{FF2B5EF4-FFF2-40B4-BE49-F238E27FC236}">
-                <a16:creationId xmlns:a16="http://schemas.microsoft.com/office/drawing/2014/main" id="{867ECD7B-26C4-522A-0752-DED158998F84}"/>
+                <a16:creationId xmlns:a16="http://schemas.microsoft.com/office/drawing/2014/main" id="{68A5726B-985F-ACE4-08D4-45F192E5D698}"/>
               </a:ext>
             </a:extLst>
           </p:cNvPr>
@@ -15749,468 +15510,6 @@
           </a:p>
         </p:txBody>
       </p:sp>
-      <p:pic>
-        <p:nvPicPr>
-          <p:cNvPr id="13" name="Gráfico 12" descr="Legendas com preenchimento sólido">
-            <a:extLst>
-              <a:ext uri="{FF2B5EF4-FFF2-40B4-BE49-F238E27FC236}">
-                <a16:creationId xmlns:a16="http://schemas.microsoft.com/office/drawing/2014/main" id="{7B4C2FAB-254D-F263-C5AC-2C61B7E56C87}"/>
-              </a:ext>
-            </a:extLst>
-          </p:cNvPr>
-          <p:cNvPicPr>
-            <a:picLocks noChangeAspect="1"/>
-          </p:cNvPicPr>
-          <p:nvPr/>
-        </p:nvPicPr>
-        <p:blipFill>
-          <a:blip r:embed="rId2">
-            <a:extLst>
-              <a:ext uri="{28A0092B-C50C-407E-A947-70E740481C1C}">
-                <a14:useLocalDpi xmlns:a14="http://schemas.microsoft.com/office/drawing/2010/main" val="0"/>
-              </a:ext>
-              <a:ext uri="{96DAC541-7B7A-43D3-8B79-37D633B846F1}">
-                <asvg:svgBlip xmlns:asvg="http://schemas.microsoft.com/office/drawing/2016/SVG/main" r:embed="rId3"/>
-              </a:ext>
-            </a:extLst>
-          </a:blip>
-          <a:stretch>
-            <a:fillRect/>
-          </a:stretch>
-        </p:blipFill>
-        <p:spPr>
-          <a:xfrm>
-            <a:off x="2010799" y="1451347"/>
-            <a:ext cx="2954901" cy="2954901"/>
-          </a:xfrm>
-          <a:prstGeom prst="rect">
-            <a:avLst/>
-          </a:prstGeom>
-        </p:spPr>
-      </p:pic>
-    </p:spTree>
-    <p:extLst>
-      <p:ext uri="{BB962C8B-B14F-4D97-AF65-F5344CB8AC3E}">
-        <p14:creationId xmlns:p14="http://schemas.microsoft.com/office/powerpoint/2010/main" val="3981913118"/>
-      </p:ext>
-    </p:extLst>
-  </p:cSld>
-  <p:clrMapOvr>
-    <a:masterClrMapping/>
-  </p:clrMapOvr>
-  <mc:AlternateContent xmlns:mc="http://schemas.openxmlformats.org/markup-compatibility/2006" xmlns:p159="http://schemas.microsoft.com/office/powerpoint/2015/09/main">
-    <mc:Choice Requires="p159">
-      <p:transition spd="slow">
-        <p159:morph option="byObject"/>
-      </p:transition>
-    </mc:Choice>
-    <mc:Fallback xmlns="">
-      <p:transition spd="slow">
-        <p:fade/>
-      </p:transition>
-    </mc:Fallback>
-  </mc:AlternateContent>
-</p:sld>
-</file>
-
-<file path=ppt/slides/slide17.xml><?xml version="1.0" encoding="utf-8"?>
-<p:sld xmlns:a="http://schemas.openxmlformats.org/drawingml/2006/main" xmlns:r="http://schemas.openxmlformats.org/officeDocument/2006/relationships" xmlns:p="http://schemas.openxmlformats.org/presentationml/2006/main">
-  <p:cSld>
-    <p:spTree>
-      <p:nvGrpSpPr>
-        <p:cNvPr id="1" name=""/>
-        <p:cNvGrpSpPr/>
-        <p:nvPr/>
-      </p:nvGrpSpPr>
-      <p:grpSpPr>
-        <a:xfrm>
-          <a:off x="0" y="0"/>
-          <a:ext cx="0" cy="0"/>
-          <a:chOff x="0" y="0"/>
-          <a:chExt cx="0" cy="0"/>
-        </a:xfrm>
-      </p:grpSpPr>
-      <p:sp>
-        <p:nvSpPr>
-          <p:cNvPr id="2" name="Retângulo 1">
-            <a:extLst>
-              <a:ext uri="{FF2B5EF4-FFF2-40B4-BE49-F238E27FC236}">
-                <a16:creationId xmlns:a16="http://schemas.microsoft.com/office/drawing/2014/main" id="{2F1FBD3C-743F-7089-0D0C-DA7CC5462B50}"/>
-              </a:ext>
-            </a:extLst>
-          </p:cNvPr>
-          <p:cNvSpPr/>
-          <p:nvPr/>
-        </p:nvSpPr>
-        <p:spPr>
-          <a:xfrm>
-            <a:off x="0" y="369332"/>
-            <a:ext cx="12192000" cy="115410"/>
-          </a:xfrm>
-          <a:prstGeom prst="rect">
-            <a:avLst/>
-          </a:prstGeom>
-          <a:solidFill>
-            <a:schemeClr val="bg1">
-              <a:lumMod val="95000"/>
-            </a:schemeClr>
-          </a:solidFill>
-          <a:ln>
-            <a:noFill/>
-          </a:ln>
-        </p:spPr>
-        <p:style>
-          <a:lnRef idx="2">
-            <a:schemeClr val="accent1">
-              <a:shade val="50000"/>
-            </a:schemeClr>
-          </a:lnRef>
-          <a:fillRef idx="1">
-            <a:schemeClr val="accent1"/>
-          </a:fillRef>
-          <a:effectRef idx="0">
-            <a:schemeClr val="accent1"/>
-          </a:effectRef>
-          <a:fontRef idx="minor">
-            <a:schemeClr val="lt1"/>
-          </a:fontRef>
-        </p:style>
-        <p:txBody>
-          <a:bodyPr rtlCol="0" anchor="ctr"/>
-          <a:lstStyle/>
-          <a:p>
-            <a:pPr algn="ctr"/>
-            <a:endParaRPr lang="pt-BR"/>
-          </a:p>
-        </p:txBody>
-      </p:sp>
-      <p:sp>
-        <p:nvSpPr>
-          <p:cNvPr id="8" name="CaixaDeTexto 7">
-            <a:extLst>
-              <a:ext uri="{FF2B5EF4-FFF2-40B4-BE49-F238E27FC236}">
-                <a16:creationId xmlns:a16="http://schemas.microsoft.com/office/drawing/2014/main" id="{3461DDC4-7834-928F-6FF1-90D55E914CB6}"/>
-              </a:ext>
-            </a:extLst>
-          </p:cNvPr>
-          <p:cNvSpPr txBox="1"/>
-          <p:nvPr/>
-        </p:nvSpPr>
-        <p:spPr>
-          <a:xfrm>
-            <a:off x="696000" y="2203"/>
-            <a:ext cx="2160000" cy="369332"/>
-          </a:xfrm>
-          <a:prstGeom prst="rect">
-            <a:avLst/>
-          </a:prstGeom>
-          <a:noFill/>
-          <a:ln>
-            <a:noFill/>
-          </a:ln>
-        </p:spPr>
-        <p:txBody>
-          <a:bodyPr wrap="square" rtlCol="0">
-            <a:spAutoFit/>
-          </a:bodyPr>
-          <a:lstStyle/>
-          <a:p>
-            <a:pPr algn="ctr"/>
-            <a:r>
-              <a:rPr lang="pt-BR" b="1" dirty="0">
-                <a:solidFill>
-                  <a:schemeClr val="bg1">
-                    <a:lumMod val="85000"/>
-                  </a:schemeClr>
-                </a:solidFill>
-              </a:rPr>
-              <a:t>INTRODUÇÃO</a:t>
-            </a:r>
-          </a:p>
-        </p:txBody>
-      </p:sp>
-      <p:sp>
-        <p:nvSpPr>
-          <p:cNvPr id="18" name="Retângulo 17">
-            <a:extLst>
-              <a:ext uri="{FF2B5EF4-FFF2-40B4-BE49-F238E27FC236}">
-                <a16:creationId xmlns:a16="http://schemas.microsoft.com/office/drawing/2014/main" id="{025DF50E-30FE-1AF8-C932-20C65186C3F7}"/>
-              </a:ext>
-            </a:extLst>
-          </p:cNvPr>
-          <p:cNvSpPr/>
-          <p:nvPr/>
-        </p:nvSpPr>
-        <p:spPr>
-          <a:xfrm>
-            <a:off x="0" y="6751467"/>
-            <a:ext cx="12192000" cy="115410"/>
-          </a:xfrm>
-          <a:prstGeom prst="rect">
-            <a:avLst/>
-          </a:prstGeom>
-          <a:solidFill>
-            <a:srgbClr val="339966"/>
-          </a:solidFill>
-          <a:ln>
-            <a:noFill/>
-          </a:ln>
-        </p:spPr>
-        <p:style>
-          <a:lnRef idx="2">
-            <a:schemeClr val="accent1">
-              <a:shade val="50000"/>
-            </a:schemeClr>
-          </a:lnRef>
-          <a:fillRef idx="1">
-            <a:schemeClr val="accent1"/>
-          </a:fillRef>
-          <a:effectRef idx="0">
-            <a:schemeClr val="accent1"/>
-          </a:effectRef>
-          <a:fontRef idx="minor">
-            <a:schemeClr val="lt1"/>
-          </a:fontRef>
-        </p:style>
-        <p:txBody>
-          <a:bodyPr rtlCol="0" anchor="ctr"/>
-          <a:lstStyle/>
-          <a:p>
-            <a:pPr algn="ctr"/>
-            <a:endParaRPr lang="pt-BR"/>
-          </a:p>
-        </p:txBody>
-      </p:sp>
-      <p:sp>
-        <p:nvSpPr>
-          <p:cNvPr id="3" name="CaixaDeTexto 2">
-            <a:extLst>
-              <a:ext uri="{FF2B5EF4-FFF2-40B4-BE49-F238E27FC236}">
-                <a16:creationId xmlns:a16="http://schemas.microsoft.com/office/drawing/2014/main" id="{F48F51F9-85BE-89C0-5C6F-4FC0DBA1EC41}"/>
-              </a:ext>
-            </a:extLst>
-          </p:cNvPr>
-          <p:cNvSpPr txBox="1"/>
-          <p:nvPr/>
-        </p:nvSpPr>
-        <p:spPr>
-          <a:xfrm>
-            <a:off x="2856000" y="2203"/>
-            <a:ext cx="2160000" cy="369332"/>
-          </a:xfrm>
-          <a:prstGeom prst="rect">
-            <a:avLst/>
-          </a:prstGeom>
-          <a:noFill/>
-          <a:ln>
-            <a:noFill/>
-          </a:ln>
-        </p:spPr>
-        <p:txBody>
-          <a:bodyPr wrap="square" rtlCol="0">
-            <a:spAutoFit/>
-          </a:bodyPr>
-          <a:lstStyle/>
-          <a:p>
-            <a:pPr algn="ctr"/>
-            <a:r>
-              <a:rPr lang="pt-BR" b="1" dirty="0">
-                <a:solidFill>
-                  <a:schemeClr val="bg1">
-                    <a:lumMod val="85000"/>
-                  </a:schemeClr>
-                </a:solidFill>
-              </a:rPr>
-              <a:t>ESPECIFICAÇÕES</a:t>
-            </a:r>
-          </a:p>
-        </p:txBody>
-      </p:sp>
-      <p:sp>
-        <p:nvSpPr>
-          <p:cNvPr id="4" name="CaixaDeTexto 3">
-            <a:extLst>
-              <a:ext uri="{FF2B5EF4-FFF2-40B4-BE49-F238E27FC236}">
-                <a16:creationId xmlns:a16="http://schemas.microsoft.com/office/drawing/2014/main" id="{E04C7952-57DC-46E9-E136-2F022066A217}"/>
-              </a:ext>
-            </a:extLst>
-          </p:cNvPr>
-          <p:cNvSpPr txBox="1"/>
-          <p:nvPr/>
-        </p:nvSpPr>
-        <p:spPr>
-          <a:xfrm>
-            <a:off x="5016000" y="0"/>
-            <a:ext cx="2160000" cy="369332"/>
-          </a:xfrm>
-          <a:prstGeom prst="rect">
-            <a:avLst/>
-          </a:prstGeom>
-          <a:noFill/>
-          <a:ln>
-            <a:noFill/>
-          </a:ln>
-        </p:spPr>
-        <p:txBody>
-          <a:bodyPr wrap="square" rtlCol="0">
-            <a:spAutoFit/>
-          </a:bodyPr>
-          <a:lstStyle/>
-          <a:p>
-            <a:pPr algn="ctr"/>
-            <a:r>
-              <a:rPr lang="pt-BR" b="1" dirty="0">
-                <a:solidFill>
-                  <a:schemeClr val="bg1">
-                    <a:lumMod val="85000"/>
-                  </a:schemeClr>
-                </a:solidFill>
-              </a:rPr>
-              <a:t>METODOLOGIA</a:t>
-            </a:r>
-          </a:p>
-        </p:txBody>
-      </p:sp>
-      <p:sp>
-        <p:nvSpPr>
-          <p:cNvPr id="5" name="CaixaDeTexto 4">
-            <a:extLst>
-              <a:ext uri="{FF2B5EF4-FFF2-40B4-BE49-F238E27FC236}">
-                <a16:creationId xmlns:a16="http://schemas.microsoft.com/office/drawing/2014/main" id="{9565DBA7-51CE-BB4F-5614-5E7D8C23877B}"/>
-              </a:ext>
-            </a:extLst>
-          </p:cNvPr>
-          <p:cNvSpPr txBox="1"/>
-          <p:nvPr/>
-        </p:nvSpPr>
-        <p:spPr>
-          <a:xfrm>
-            <a:off x="7176000" y="0"/>
-            <a:ext cx="2160000" cy="369332"/>
-          </a:xfrm>
-          <a:prstGeom prst="rect">
-            <a:avLst/>
-          </a:prstGeom>
-          <a:noFill/>
-          <a:ln>
-            <a:noFill/>
-          </a:ln>
-        </p:spPr>
-        <p:txBody>
-          <a:bodyPr wrap="square" rtlCol="0">
-            <a:spAutoFit/>
-          </a:bodyPr>
-          <a:lstStyle/>
-          <a:p>
-            <a:pPr algn="ctr"/>
-            <a:r>
-              <a:rPr lang="pt-BR" b="1" dirty="0">
-                <a:solidFill>
-                  <a:schemeClr val="bg1">
-                    <a:lumMod val="85000"/>
-                  </a:schemeClr>
-                </a:solidFill>
-              </a:rPr>
-              <a:t>ARQUITETURA</a:t>
-            </a:r>
-          </a:p>
-        </p:txBody>
-      </p:sp>
-      <p:sp>
-        <p:nvSpPr>
-          <p:cNvPr id="6" name="CaixaDeTexto 5">
-            <a:extLst>
-              <a:ext uri="{FF2B5EF4-FFF2-40B4-BE49-F238E27FC236}">
-                <a16:creationId xmlns:a16="http://schemas.microsoft.com/office/drawing/2014/main" id="{6FA43461-C92B-27EB-1661-D33A0C4B7AB5}"/>
-              </a:ext>
-            </a:extLst>
-          </p:cNvPr>
-          <p:cNvSpPr txBox="1"/>
-          <p:nvPr/>
-        </p:nvSpPr>
-        <p:spPr>
-          <a:xfrm>
-            <a:off x="9336000" y="0"/>
-            <a:ext cx="2160000" cy="369332"/>
-          </a:xfrm>
-          <a:prstGeom prst="rect">
-            <a:avLst/>
-          </a:prstGeom>
-          <a:noFill/>
-          <a:ln>
-            <a:noFill/>
-          </a:ln>
-        </p:spPr>
-        <p:txBody>
-          <a:bodyPr wrap="square" rtlCol="0">
-            <a:spAutoFit/>
-          </a:bodyPr>
-          <a:lstStyle/>
-          <a:p>
-            <a:pPr algn="ctr"/>
-            <a:r>
-              <a:rPr lang="pt-BR" b="1" dirty="0">
-                <a:solidFill>
-                  <a:srgbClr val="339966"/>
-                </a:solidFill>
-              </a:rPr>
-              <a:t>FECHAMENTO</a:t>
-            </a:r>
-          </a:p>
-        </p:txBody>
-      </p:sp>
-      <p:sp>
-        <p:nvSpPr>
-          <p:cNvPr id="7" name="Retângulo 6">
-            <a:extLst>
-              <a:ext uri="{FF2B5EF4-FFF2-40B4-BE49-F238E27FC236}">
-                <a16:creationId xmlns:a16="http://schemas.microsoft.com/office/drawing/2014/main" id="{68A5726B-985F-ACE4-08D4-45F192E5D698}"/>
-              </a:ext>
-            </a:extLst>
-          </p:cNvPr>
-          <p:cNvSpPr/>
-          <p:nvPr/>
-        </p:nvSpPr>
-        <p:spPr>
-          <a:xfrm>
-            <a:off x="9336000" y="369332"/>
-            <a:ext cx="2160000" cy="115410"/>
-          </a:xfrm>
-          <a:prstGeom prst="rect">
-            <a:avLst/>
-          </a:prstGeom>
-          <a:solidFill>
-            <a:srgbClr val="339966"/>
-          </a:solidFill>
-          <a:ln>
-            <a:noFill/>
-          </a:ln>
-        </p:spPr>
-        <p:style>
-          <a:lnRef idx="2">
-            <a:schemeClr val="accent1">
-              <a:shade val="50000"/>
-            </a:schemeClr>
-          </a:lnRef>
-          <a:fillRef idx="1">
-            <a:schemeClr val="accent1"/>
-          </a:fillRef>
-          <a:effectRef idx="0">
-            <a:schemeClr val="accent1"/>
-          </a:effectRef>
-          <a:fontRef idx="minor">
-            <a:schemeClr val="lt1"/>
-          </a:fontRef>
-        </p:style>
-        <p:txBody>
-          <a:bodyPr rtlCol="0" anchor="ctr"/>
-          <a:lstStyle/>
-          <a:p>
-            <a:pPr algn="ctr"/>
-            <a:endParaRPr lang="pt-BR"/>
-          </a:p>
-        </p:txBody>
-      </p:sp>
       <p:sp>
         <p:nvSpPr>
           <p:cNvPr id="9" name="CaixaDeTexto 8">
@@ -16297,10 +15596,10 @@
       </p:pic>
       <p:grpSp>
         <p:nvGrpSpPr>
-          <p:cNvPr id="30" name="Agrupar 29">
-            <a:extLst>
-              <a:ext uri="{FF2B5EF4-FFF2-40B4-BE49-F238E27FC236}">
-                <a16:creationId xmlns:a16="http://schemas.microsoft.com/office/drawing/2014/main" id="{152F445F-4969-ABF4-E8BF-3A273CA5E717}"/>
+          <p:cNvPr id="11" name="Agrupar 10">
+            <a:extLst>
+              <a:ext uri="{FF2B5EF4-FFF2-40B4-BE49-F238E27FC236}">
+                <a16:creationId xmlns:a16="http://schemas.microsoft.com/office/drawing/2014/main" id="{C422A67A-C3D3-03DC-C940-90EF17587174}"/>
               </a:ext>
             </a:extLst>
           </p:cNvPr>
@@ -16311,188 +15610,16 @@
           <a:xfrm>
             <a:off x="3915824" y="2262186"/>
             <a:ext cx="3948113" cy="1156792"/>
-            <a:chOff x="3915824" y="2835289"/>
+            <a:chOff x="3915824" y="2262186"/>
             <a:chExt cx="3948113" cy="1156792"/>
           </a:xfrm>
         </p:grpSpPr>
-        <p:sp>
-          <p:nvSpPr>
-            <p:cNvPr id="15" name="Paralelogramo 14">
+        <p:grpSp>
+          <p:nvGrpSpPr>
+            <p:cNvPr id="30" name="Agrupar 29">
               <a:extLst>
                 <a:ext uri="{FF2B5EF4-FFF2-40B4-BE49-F238E27FC236}">
-                  <a16:creationId xmlns:a16="http://schemas.microsoft.com/office/drawing/2014/main" id="{85D693AA-36C4-CDB5-095D-DB6A31869E0F}"/>
-                </a:ext>
-              </a:extLst>
-            </p:cNvPr>
-            <p:cNvSpPr/>
-            <p:nvPr/>
-          </p:nvSpPr>
-          <p:spPr>
-            <a:xfrm>
-              <a:off x="3944399" y="2898884"/>
-              <a:ext cx="3919538" cy="1093197"/>
-            </a:xfrm>
-            <a:prstGeom prst="parallelogram">
-              <a:avLst/>
-            </a:prstGeom>
-            <a:solidFill>
-              <a:srgbClr val="FF523B"/>
-            </a:solidFill>
-            <a:ln>
-              <a:noFill/>
-            </a:ln>
-          </p:spPr>
-          <p:style>
-            <a:lnRef idx="2">
-              <a:schemeClr val="accent1">
-                <a:shade val="50000"/>
-              </a:schemeClr>
-            </a:lnRef>
-            <a:fillRef idx="1">
-              <a:schemeClr val="accent1"/>
-            </a:fillRef>
-            <a:effectRef idx="0">
-              <a:schemeClr val="accent1"/>
-            </a:effectRef>
-            <a:fontRef idx="minor">
-              <a:schemeClr val="lt1"/>
-            </a:fontRef>
-          </p:style>
-          <p:txBody>
-            <a:bodyPr rtlCol="0" anchor="ctr"/>
-            <a:lstStyle/>
-            <a:p>
-              <a:pPr algn="ctr"/>
-              <a:endParaRPr lang="pt-BR"/>
-            </a:p>
-          </p:txBody>
-        </p:sp>
-        <p:sp>
-          <p:nvSpPr>
-            <p:cNvPr id="21" name="Paralelogramo 20">
-              <a:extLst>
-                <a:ext uri="{FF2B5EF4-FFF2-40B4-BE49-F238E27FC236}">
-                  <a16:creationId xmlns:a16="http://schemas.microsoft.com/office/drawing/2014/main" id="{EBFC95A8-6E64-6029-09D2-151A4CD5FD2B}"/>
-                </a:ext>
-              </a:extLst>
-            </p:cNvPr>
-            <p:cNvSpPr/>
-            <p:nvPr/>
-          </p:nvSpPr>
-          <p:spPr>
-            <a:xfrm>
-              <a:off x="3915824" y="2835289"/>
-              <a:ext cx="3919538" cy="1093197"/>
-            </a:xfrm>
-            <a:prstGeom prst="parallelogram">
-              <a:avLst/>
-            </a:prstGeom>
-            <a:solidFill>
-              <a:srgbClr val="339966"/>
-            </a:solidFill>
-            <a:ln>
-              <a:noFill/>
-            </a:ln>
-            <a:effectLst>
-              <a:outerShdw blurRad="50800" dist="38100" dir="8100000" algn="tr" rotWithShape="0">
-                <a:prstClr val="black">
-                  <a:alpha val="40000"/>
-                </a:prstClr>
-              </a:outerShdw>
-            </a:effectLst>
-          </p:spPr>
-          <p:style>
-            <a:lnRef idx="2">
-              <a:schemeClr val="accent1">
-                <a:shade val="50000"/>
-              </a:schemeClr>
-            </a:lnRef>
-            <a:fillRef idx="1">
-              <a:schemeClr val="accent1"/>
-            </a:fillRef>
-            <a:effectRef idx="0">
-              <a:schemeClr val="accent1"/>
-            </a:effectRef>
-            <a:fontRef idx="minor">
-              <a:schemeClr val="lt1"/>
-            </a:fontRef>
-          </p:style>
-          <p:txBody>
-            <a:bodyPr rtlCol="0" anchor="ctr"/>
-            <a:lstStyle/>
-            <a:p>
-              <a:pPr algn="ctr"/>
-              <a:endParaRPr lang="pt-BR"/>
-            </a:p>
-          </p:txBody>
-        </p:sp>
-        <p:sp>
-          <p:nvSpPr>
-            <p:cNvPr id="23" name="CaixaDeTexto 22">
-              <a:extLst>
-                <a:ext uri="{FF2B5EF4-FFF2-40B4-BE49-F238E27FC236}">
-                  <a16:creationId xmlns:a16="http://schemas.microsoft.com/office/drawing/2014/main" id="{F67A8437-044A-DB8D-9E63-22BB2032F94E}"/>
-                </a:ext>
-              </a:extLst>
-            </p:cNvPr>
-            <p:cNvSpPr txBox="1"/>
-            <p:nvPr/>
-          </p:nvSpPr>
-          <p:spPr>
-            <a:xfrm>
-              <a:off x="5084175" y="3038967"/>
-              <a:ext cx="2501362" cy="769441"/>
-            </a:xfrm>
-            <a:prstGeom prst="rect">
-              <a:avLst/>
-            </a:prstGeom>
-            <a:noFill/>
-          </p:spPr>
-          <p:txBody>
-            <a:bodyPr wrap="square" rtlCol="0">
-              <a:spAutoFit/>
-            </a:bodyPr>
-            <a:lstStyle/>
-            <a:p>
-              <a:r>
-                <a:rPr lang="pt-BR" sz="4400" b="1" i="1" dirty="0">
-                  <a:solidFill>
-                    <a:schemeClr val="bg1"/>
-                  </a:solidFill>
-                  <a:latin typeface="Aharoni" panose="02010803020104030203" pitchFamily="2" charset="-79"/>
-                  <a:cs typeface="Aharoni" panose="02010803020104030203" pitchFamily="2" charset="-79"/>
-                </a:rPr>
-                <a:t>BU</a:t>
-              </a:r>
-              <a:r>
-                <a:rPr lang="pt-BR" sz="4400" b="1" i="1" dirty="0">
-                  <a:solidFill>
-                    <a:srgbClr val="FFC000"/>
-                  </a:solidFill>
-                  <a:latin typeface="Aharoni" panose="02010803020104030203" pitchFamily="2" charset="-79"/>
-                  <a:cs typeface="Aharoni" panose="02010803020104030203" pitchFamily="2" charset="-79"/>
-                </a:rPr>
-                <a:t>ZZ</a:t>
-              </a:r>
-              <a:r>
-                <a:rPr lang="pt-BR" sz="4400" b="1" i="1" dirty="0">
-                  <a:solidFill>
-                    <a:schemeClr val="bg1"/>
-                  </a:solidFill>
-                  <a:latin typeface="Aharoni" panose="02010803020104030203" pitchFamily="2" charset="-79"/>
-                  <a:cs typeface="Aharoni" panose="02010803020104030203" pitchFamily="2" charset="-79"/>
-                </a:rPr>
-                <a:t>ÃO</a:t>
-              </a:r>
-            </a:p>
-          </p:txBody>
-        </p:sp>
-        <p:grpSp>
-          <p:nvGrpSpPr>
-            <p:cNvPr id="24" name="Gráfico 20">
-              <a:extLst>
-                <a:ext uri="{FF2B5EF4-FFF2-40B4-BE49-F238E27FC236}">
-                  <a16:creationId xmlns:a16="http://schemas.microsoft.com/office/drawing/2014/main" id="{83D32297-0AD1-8911-0A3C-D800D40F36D8}"/>
+                  <a16:creationId xmlns:a16="http://schemas.microsoft.com/office/drawing/2014/main" id="{152F445F-4969-ABF4-E8BF-3A273CA5E717}"/>
                 </a:ext>
               </a:extLst>
             </p:cNvPr>
@@ -16501,21 +15628,18 @@
           </p:nvGrpSpPr>
           <p:grpSpPr>
             <a:xfrm>
-              <a:off x="4212312" y="2870693"/>
-              <a:ext cx="951701" cy="1018411"/>
-              <a:chOff x="1789664" y="3554964"/>
-              <a:chExt cx="1662401" cy="1662401"/>
+              <a:off x="3915824" y="2262186"/>
+              <a:ext cx="3948113" cy="1156792"/>
+              <a:chOff x="3915824" y="2835289"/>
+              <a:chExt cx="3948113" cy="1156792"/>
             </a:xfrm>
-            <a:solidFill>
-              <a:schemeClr val="bg1"/>
-            </a:solidFill>
           </p:grpSpPr>
           <p:sp>
             <p:nvSpPr>
-              <p:cNvPr id="25" name="Forma Livre: Forma 24">
+              <p:cNvPr id="15" name="Paralelogramo 14">
                 <a:extLst>
                   <a:ext uri="{FF2B5EF4-FFF2-40B4-BE49-F238E27FC236}">
-                    <a16:creationId xmlns:a16="http://schemas.microsoft.com/office/drawing/2014/main" id="{31F8DAA6-866F-DEAD-9EC3-F560A09949C1}"/>
+                    <a16:creationId xmlns:a16="http://schemas.microsoft.com/office/drawing/2014/main" id="{85D693AA-36C4-CDB5-095D-DB6A31869E0F}"/>
                   </a:ext>
                 </a:extLst>
               </p:cNvPr>
@@ -16524,141 +15648,198 @@
             </p:nvSpPr>
             <p:spPr>
               <a:xfrm>
-                <a:off x="1789664" y="3554964"/>
-                <a:ext cx="1662401" cy="1662401"/>
+                <a:off x="3944399" y="2898884"/>
+                <a:ext cx="3919538" cy="1093197"/>
               </a:xfrm>
-              <a:custGeom>
+              <a:prstGeom prst="parallelogram">
                 <a:avLst/>
-                <a:gdLst>
-                  <a:gd name="connsiteX0" fmla="*/ 831200 w 1662401"/>
-                  <a:gd name="connsiteY0" fmla="*/ 0 h 1662401"/>
-                  <a:gd name="connsiteX1" fmla="*/ 0 w 1662401"/>
-                  <a:gd name="connsiteY1" fmla="*/ 831200 h 1662401"/>
-                  <a:gd name="connsiteX2" fmla="*/ 831200 w 1662401"/>
-                  <a:gd name="connsiteY2" fmla="*/ 1662402 h 1662401"/>
-                  <a:gd name="connsiteX3" fmla="*/ 1662402 w 1662401"/>
-                  <a:gd name="connsiteY3" fmla="*/ 831200 h 1662401"/>
-                  <a:gd name="connsiteX4" fmla="*/ 831200 w 1662401"/>
-                  <a:gd name="connsiteY4" fmla="*/ 0 h 1662401"/>
-                  <a:gd name="connsiteX5" fmla="*/ 1605339 w 1662401"/>
-                  <a:gd name="connsiteY5" fmla="*/ 831200 h 1662401"/>
-                  <a:gd name="connsiteX6" fmla="*/ 831200 w 1662401"/>
-                  <a:gd name="connsiteY6" fmla="*/ 1605371 h 1662401"/>
-                  <a:gd name="connsiteX7" fmla="*/ 57036 w 1662401"/>
-                  <a:gd name="connsiteY7" fmla="*/ 831200 h 1662401"/>
-                  <a:gd name="connsiteX8" fmla="*/ 831200 w 1662401"/>
-                  <a:gd name="connsiteY8" fmla="*/ 57060 h 1662401"/>
-                  <a:gd name="connsiteX9" fmla="*/ 1605339 w 1662401"/>
-                  <a:gd name="connsiteY9" fmla="*/ 831200 h 1662401"/>
-                </a:gdLst>
-                <a:ahLst/>
-                <a:cxnLst>
-                  <a:cxn ang="0">
-                    <a:pos x="connsiteX0" y="connsiteY0"/>
-                  </a:cxn>
-                  <a:cxn ang="0">
-                    <a:pos x="connsiteX1" y="connsiteY1"/>
-                  </a:cxn>
-                  <a:cxn ang="0">
-                    <a:pos x="connsiteX2" y="connsiteY2"/>
-                  </a:cxn>
-                  <a:cxn ang="0">
-                    <a:pos x="connsiteX3" y="connsiteY3"/>
-                  </a:cxn>
-                  <a:cxn ang="0">
-                    <a:pos x="connsiteX4" y="connsiteY4"/>
-                  </a:cxn>
-                  <a:cxn ang="0">
-                    <a:pos x="connsiteX5" y="connsiteY5"/>
-                  </a:cxn>
-                  <a:cxn ang="0">
-                    <a:pos x="connsiteX6" y="connsiteY6"/>
-                  </a:cxn>
-                  <a:cxn ang="0">
-                    <a:pos x="connsiteX7" y="connsiteY7"/>
-                  </a:cxn>
-                  <a:cxn ang="0">
-                    <a:pos x="connsiteX8" y="connsiteY8"/>
-                  </a:cxn>
-                  <a:cxn ang="0">
-                    <a:pos x="connsiteX9" y="connsiteY9"/>
-                  </a:cxn>
-                </a:cxnLst>
-                <a:rect l="l" t="t" r="r" b="b"/>
-                <a:pathLst>
-                  <a:path w="1662401" h="1662401">
-                    <a:moveTo>
-                      <a:pt x="831200" y="0"/>
-                    </a:moveTo>
-                    <a:cubicBezTo>
-                      <a:pt x="372875" y="0"/>
-                      <a:pt x="0" y="372875"/>
-                      <a:pt x="0" y="831200"/>
-                    </a:cubicBezTo>
-                    <a:cubicBezTo>
-                      <a:pt x="0" y="1289526"/>
-                      <a:pt x="372875" y="1662402"/>
-                      <a:pt x="831200" y="1662402"/>
-                    </a:cubicBezTo>
-                    <a:cubicBezTo>
-                      <a:pt x="1289526" y="1662402"/>
-                      <a:pt x="1662402" y="1289526"/>
-                      <a:pt x="1662402" y="831200"/>
-                    </a:cubicBezTo>
-                    <a:cubicBezTo>
-                      <a:pt x="1662402" y="372875"/>
-                      <a:pt x="1289526" y="0"/>
-                      <a:pt x="831200" y="0"/>
-                    </a:cubicBezTo>
-                    <a:close/>
-                    <a:moveTo>
-                      <a:pt x="1605339" y="831200"/>
-                    </a:moveTo>
-                    <a:cubicBezTo>
-                      <a:pt x="1605339" y="1258070"/>
-                      <a:pt x="1258072" y="1605371"/>
-                      <a:pt x="831200" y="1605371"/>
-                    </a:cubicBezTo>
-                    <a:cubicBezTo>
-                      <a:pt x="404330" y="1605371"/>
-                      <a:pt x="57036" y="1258070"/>
-                      <a:pt x="57036" y="831200"/>
-                    </a:cubicBezTo>
-                    <a:cubicBezTo>
-                      <a:pt x="57036" y="404330"/>
-                      <a:pt x="404329" y="57060"/>
-                      <a:pt x="831200" y="57060"/>
-                    </a:cubicBezTo>
-                    <a:cubicBezTo>
-                      <a:pt x="1258072" y="57060"/>
-                      <a:pt x="1605339" y="404330"/>
-                      <a:pt x="1605339" y="831200"/>
-                    </a:cubicBezTo>
-                    <a:close/>
-                  </a:path>
-                </a:pathLst>
-              </a:custGeom>
-              <a:grpFill/>
-              <a:ln w="1588" cap="flat">
+              </a:prstGeom>
+              <a:solidFill>
+                <a:srgbClr val="FF523B"/>
+              </a:solidFill>
+              <a:ln>
                 <a:noFill/>
-                <a:prstDash val="solid"/>
-                <a:miter/>
               </a:ln>
             </p:spPr>
+            <p:style>
+              <a:lnRef idx="2">
+                <a:schemeClr val="accent1">
+                  <a:shade val="50000"/>
+                </a:schemeClr>
+              </a:lnRef>
+              <a:fillRef idx="1">
+                <a:schemeClr val="accent1"/>
+              </a:fillRef>
+              <a:effectRef idx="0">
+                <a:schemeClr val="accent1"/>
+              </a:effectRef>
+              <a:fontRef idx="minor">
+                <a:schemeClr val="lt1"/>
+              </a:fontRef>
+            </p:style>
             <p:txBody>
               <a:bodyPr rtlCol="0" anchor="ctr"/>
               <a:lstStyle/>
               <a:p>
+                <a:pPr algn="ctr"/>
                 <a:endParaRPr lang="pt-BR"/>
+              </a:p>
+            </p:txBody>
+          </p:sp>
+          <p:sp>
+            <p:nvSpPr>
+              <p:cNvPr id="21" name="Paralelogramo 20">
+                <a:extLst>
+                  <a:ext uri="{FF2B5EF4-FFF2-40B4-BE49-F238E27FC236}">
+                    <a16:creationId xmlns:a16="http://schemas.microsoft.com/office/drawing/2014/main" id="{EBFC95A8-6E64-6029-09D2-151A4CD5FD2B}"/>
+                  </a:ext>
+                </a:extLst>
+              </p:cNvPr>
+              <p:cNvSpPr/>
+              <p:nvPr/>
+            </p:nvSpPr>
+            <p:spPr>
+              <a:xfrm>
+                <a:off x="3915824" y="2835289"/>
+                <a:ext cx="3919538" cy="1093197"/>
+              </a:xfrm>
+              <a:prstGeom prst="parallelogram">
+                <a:avLst/>
+              </a:prstGeom>
+              <a:solidFill>
+                <a:srgbClr val="339966"/>
+              </a:solidFill>
+              <a:ln>
+                <a:noFill/>
+              </a:ln>
+              <a:effectLst>
+                <a:outerShdw blurRad="50800" dist="38100" dir="8100000" algn="tr" rotWithShape="0">
+                  <a:prstClr val="black">
+                    <a:alpha val="40000"/>
+                  </a:prstClr>
+                </a:outerShdw>
+              </a:effectLst>
+            </p:spPr>
+            <p:style>
+              <a:lnRef idx="2">
+                <a:schemeClr val="accent1">
+                  <a:shade val="50000"/>
+                </a:schemeClr>
+              </a:lnRef>
+              <a:fillRef idx="1">
+                <a:schemeClr val="accent1"/>
+              </a:fillRef>
+              <a:effectRef idx="0">
+                <a:schemeClr val="accent1"/>
+              </a:effectRef>
+              <a:fontRef idx="minor">
+                <a:schemeClr val="lt1"/>
+              </a:fontRef>
+            </p:style>
+            <p:txBody>
+              <a:bodyPr rtlCol="0" anchor="ctr"/>
+              <a:lstStyle/>
+              <a:p>
+                <a:pPr algn="ctr"/>
+                <a:endParaRPr lang="pt-BR"/>
+              </a:p>
+            </p:txBody>
+          </p:sp>
+          <p:sp>
+            <p:nvSpPr>
+              <p:cNvPr id="23" name="CaixaDeTexto 22">
+                <a:extLst>
+                  <a:ext uri="{FF2B5EF4-FFF2-40B4-BE49-F238E27FC236}">
+                    <a16:creationId xmlns:a16="http://schemas.microsoft.com/office/drawing/2014/main" id="{F67A8437-044A-DB8D-9E63-22BB2032F94E}"/>
+                  </a:ext>
+                </a:extLst>
+              </p:cNvPr>
+              <p:cNvSpPr txBox="1"/>
+              <p:nvPr/>
+            </p:nvSpPr>
+            <p:spPr>
+              <a:xfrm>
+                <a:off x="5084175" y="3038967"/>
+                <a:ext cx="2501362" cy="769441"/>
+              </a:xfrm>
+              <a:prstGeom prst="rect">
+                <a:avLst/>
+              </a:prstGeom>
+              <a:noFill/>
+            </p:spPr>
+            <p:txBody>
+              <a:bodyPr wrap="square" rtlCol="0">
+                <a:spAutoFit/>
+              </a:bodyPr>
+              <a:lstStyle/>
+              <a:p>
+                <a:r>
+                  <a:rPr lang="pt-BR" sz="4400" b="1" i="1" dirty="0">
+                    <a:solidFill>
+                      <a:schemeClr val="bg1"/>
+                    </a:solidFill>
+                    <a:latin typeface="Aharoni" panose="02010803020104030203" pitchFamily="2" charset="-79"/>
+                    <a:cs typeface="Aharoni" panose="02010803020104030203" pitchFamily="2" charset="-79"/>
+                    <a:hlinkClick r:id="rId4">
+                      <a:extLst>
+                        <a:ext uri="{A12FA001-AC4F-418D-AE19-62706E023703}">
+                          <ahyp:hlinkClr xmlns:ahyp="http://schemas.microsoft.com/office/drawing/2018/hyperlinkcolor" val="tx"/>
+                        </a:ext>
+                      </a:extLst>
+                    </a:hlinkClick>
+                  </a:rPr>
+                  <a:t>BU</a:t>
+                </a:r>
+                <a:r>
+                  <a:rPr lang="pt-BR" sz="4400" b="1" i="1" dirty="0">
+                    <a:solidFill>
+                      <a:srgbClr val="FFC000"/>
+                    </a:solidFill>
+                    <a:latin typeface="Aharoni" panose="02010803020104030203" pitchFamily="2" charset="-79"/>
+                    <a:cs typeface="Aharoni" panose="02010803020104030203" pitchFamily="2" charset="-79"/>
+                    <a:hlinkClick r:id="rId4">
+                      <a:extLst>
+                        <a:ext uri="{A12FA001-AC4F-418D-AE19-62706E023703}">
+                          <ahyp:hlinkClr xmlns:ahyp="http://schemas.microsoft.com/office/drawing/2018/hyperlinkcolor" val="tx"/>
+                        </a:ext>
+                      </a:extLst>
+                    </a:hlinkClick>
+                  </a:rPr>
+                  <a:t>ZZ</a:t>
+                </a:r>
+                <a:r>
+                  <a:rPr lang="pt-BR" sz="4400" b="1" i="1" dirty="0">
+                    <a:solidFill>
+                      <a:schemeClr val="bg1"/>
+                    </a:solidFill>
+                    <a:latin typeface="Aharoni" panose="02010803020104030203" pitchFamily="2" charset="-79"/>
+                    <a:cs typeface="Aharoni" panose="02010803020104030203" pitchFamily="2" charset="-79"/>
+                    <a:hlinkClick r:id="rId4">
+                      <a:extLst>
+                        <a:ext uri="{A12FA001-AC4F-418D-AE19-62706E023703}">
+                          <ahyp:hlinkClr xmlns:ahyp="http://schemas.microsoft.com/office/drawing/2018/hyperlinkcolor" val="tx"/>
+                        </a:ext>
+                      </a:extLst>
+                    </a:hlinkClick>
+                  </a:rPr>
+                  <a:t>ÃO</a:t>
+                </a:r>
+                <a:endParaRPr lang="pt-BR" sz="4400" b="1" i="1" dirty="0">
+                  <a:solidFill>
+                    <a:schemeClr val="bg1"/>
+                  </a:solidFill>
+                  <a:latin typeface="Aharoni" panose="02010803020104030203" pitchFamily="2" charset="-79"/>
+                  <a:cs typeface="Aharoni" panose="02010803020104030203" pitchFamily="2" charset="-79"/>
+                </a:endParaRPr>
               </a:p>
             </p:txBody>
           </p:sp>
           <p:grpSp>
             <p:nvGrpSpPr>
-              <p:cNvPr id="26" name="Gráfico 20">
+              <p:cNvPr id="24" name="Gráfico 20">
                 <a:extLst>
                   <a:ext uri="{FF2B5EF4-FFF2-40B4-BE49-F238E27FC236}">
-                    <a16:creationId xmlns:a16="http://schemas.microsoft.com/office/drawing/2014/main" id="{3B7CDCF8-2DFB-938E-552B-1692DBFC395E}"/>
+                    <a16:creationId xmlns:a16="http://schemas.microsoft.com/office/drawing/2014/main" id="{83D32297-0AD1-8911-0A3C-D800D40F36D8}"/>
                   </a:ext>
                 </a:extLst>
               </p:cNvPr>
@@ -16667,19 +15848,21 @@
             </p:nvGrpSpPr>
             <p:grpSpPr>
               <a:xfrm>
-                <a:off x="2135328" y="3891584"/>
-                <a:ext cx="971072" cy="989157"/>
-                <a:chOff x="2135328" y="3891584"/>
-                <a:chExt cx="971072" cy="989157"/>
+                <a:off x="4212312" y="2870693"/>
+                <a:ext cx="951701" cy="1018411"/>
+                <a:chOff x="1789664" y="3554964"/>
+                <a:chExt cx="1662401" cy="1662401"/>
               </a:xfrm>
-              <a:grpFill/>
+              <a:solidFill>
+                <a:schemeClr val="bg1"/>
+              </a:solidFill>
             </p:grpSpPr>
             <p:sp>
               <p:nvSpPr>
-                <p:cNvPr id="27" name="Forma Livre: Forma 26">
+                <p:cNvPr id="25" name="Forma Livre: Forma 24">
                   <a:extLst>
                     <a:ext uri="{FF2B5EF4-FFF2-40B4-BE49-F238E27FC236}">
-                      <a16:creationId xmlns:a16="http://schemas.microsoft.com/office/drawing/2014/main" id="{6B5C1C10-79E6-9466-9561-AE41279909A2}"/>
+                      <a16:creationId xmlns:a16="http://schemas.microsoft.com/office/drawing/2014/main" id="{31F8DAA6-866F-DEAD-9EC3-F560A09949C1}"/>
                     </a:ext>
                   </a:extLst>
                 </p:cNvPr>
@@ -16688,348 +15871,32 @@
               </p:nvSpPr>
               <p:spPr>
                 <a:xfrm>
-                  <a:off x="2135328" y="4154918"/>
-                  <a:ext cx="65055" cy="197627"/>
+                  <a:off x="1789664" y="3554964"/>
+                  <a:ext cx="1662401" cy="1662401"/>
                 </a:xfrm>
                 <a:custGeom>
                   <a:avLst/>
                   <a:gdLst>
-                    <a:gd name="connsiteX0" fmla="*/ 0 w 65055"/>
-                    <a:gd name="connsiteY0" fmla="*/ 25584 h 197627"/>
-                    <a:gd name="connsiteX1" fmla="*/ 42473 w 65055"/>
-                    <a:gd name="connsiteY1" fmla="*/ 246 h 197627"/>
-                    <a:gd name="connsiteX2" fmla="*/ 65055 w 65055"/>
-                    <a:gd name="connsiteY2" fmla="*/ 351 h 197627"/>
-                    <a:gd name="connsiteX3" fmla="*/ 65055 w 65055"/>
-                    <a:gd name="connsiteY3" fmla="*/ 197321 h 197627"/>
-                    <a:gd name="connsiteX4" fmla="*/ 26488 w 65055"/>
-                    <a:gd name="connsiteY4" fmla="*/ 197101 h 197627"/>
-                    <a:gd name="connsiteX5" fmla="*/ 2 w 65055"/>
-                    <a:gd name="connsiteY5" fmla="*/ 173978 h 197627"/>
-                    <a:gd name="connsiteX6" fmla="*/ 0 w 65055"/>
-                    <a:gd name="connsiteY6" fmla="*/ 25584 h 197627"/>
-                  </a:gdLst>
-                  <a:ahLst/>
-                  <a:cxnLst>
-                    <a:cxn ang="0">
-                      <a:pos x="connsiteX0" y="connsiteY0"/>
-                    </a:cxn>
-                    <a:cxn ang="0">
-                      <a:pos x="connsiteX1" y="connsiteY1"/>
-                    </a:cxn>
-                    <a:cxn ang="0">
-                      <a:pos x="connsiteX2" y="connsiteY2"/>
-                    </a:cxn>
-                    <a:cxn ang="0">
-                      <a:pos x="connsiteX3" y="connsiteY3"/>
-                    </a:cxn>
-                    <a:cxn ang="0">
-                      <a:pos x="connsiteX4" y="connsiteY4"/>
-                    </a:cxn>
-                    <a:cxn ang="0">
-                      <a:pos x="connsiteX5" y="connsiteY5"/>
-                    </a:cxn>
-                    <a:cxn ang="0">
-                      <a:pos x="connsiteX6" y="connsiteY6"/>
-                    </a:cxn>
-                  </a:cxnLst>
-                  <a:rect l="l" t="t" r="r" b="b"/>
-                  <a:pathLst>
-                    <a:path w="65055" h="197627">
-                      <a:moveTo>
-                        <a:pt x="0" y="25584"/>
-                      </a:moveTo>
-                      <a:cubicBezTo>
-                        <a:pt x="7782" y="6450"/>
-                        <a:pt x="22053" y="-1550"/>
-                        <a:pt x="42473" y="246"/>
-                      </a:cubicBezTo>
-                      <a:cubicBezTo>
-                        <a:pt x="49710" y="884"/>
-                        <a:pt x="57049" y="351"/>
-                        <a:pt x="65055" y="351"/>
-                      </a:cubicBezTo>
-                      <a:cubicBezTo>
-                        <a:pt x="65055" y="66034"/>
-                        <a:pt x="65055" y="131460"/>
-                        <a:pt x="65055" y="197321"/>
-                      </a:cubicBezTo>
-                      <a:cubicBezTo>
-                        <a:pt x="52110" y="197321"/>
-                        <a:pt x="39223" y="198138"/>
-                        <a:pt x="26488" y="197101"/>
-                      </a:cubicBezTo>
-                      <a:cubicBezTo>
-                        <a:pt x="12576" y="195969"/>
-                        <a:pt x="5992" y="184968"/>
-                        <a:pt x="2" y="173978"/>
-                      </a:cubicBezTo>
-                      <a:cubicBezTo>
-                        <a:pt x="0" y="124512"/>
-                        <a:pt x="0" y="75048"/>
-                        <a:pt x="0" y="25584"/>
-                      </a:cubicBezTo>
-                      <a:close/>
-                    </a:path>
-                  </a:pathLst>
-                </a:custGeom>
-                <a:grpFill/>
-                <a:ln w="1588" cap="flat">
-                  <a:noFill/>
-                  <a:prstDash val="solid"/>
-                  <a:miter/>
-                </a:ln>
-              </p:spPr>
-              <p:txBody>
-                <a:bodyPr rtlCol="0" anchor="ctr"/>
-                <a:lstStyle/>
-                <a:p>
-                  <a:endParaRPr lang="pt-BR"/>
-                </a:p>
-              </p:txBody>
-            </p:sp>
-            <p:sp>
-              <p:nvSpPr>
-                <p:cNvPr id="28" name="Forma Livre: Forma 27">
-                  <a:extLst>
-                    <a:ext uri="{FF2B5EF4-FFF2-40B4-BE49-F238E27FC236}">
-                      <a16:creationId xmlns:a16="http://schemas.microsoft.com/office/drawing/2014/main" id="{3D0055B7-7A01-B4A9-DB7A-C861AE1C8B85}"/>
-                    </a:ext>
-                  </a:extLst>
-                </p:cNvPr>
-                <p:cNvSpPr/>
-                <p:nvPr/>
-              </p:nvSpPr>
-              <p:spPr>
-                <a:xfrm>
-                  <a:off x="3040954" y="4155188"/>
-                  <a:ext cx="65446" cy="197839"/>
-                </a:xfrm>
-                <a:custGeom>
-                  <a:avLst/>
-                  <a:gdLst>
-                    <a:gd name="connsiteX0" fmla="*/ 65446 w 65446"/>
-                    <a:gd name="connsiteY0" fmla="*/ 173707 h 197839"/>
-                    <a:gd name="connsiteX1" fmla="*/ 56114 w 65446"/>
-                    <a:gd name="connsiteY1" fmla="*/ 187246 h 197839"/>
-                    <a:gd name="connsiteX2" fmla="*/ 34712 w 65446"/>
-                    <a:gd name="connsiteY2" fmla="*/ 196994 h 197839"/>
-                    <a:gd name="connsiteX3" fmla="*/ 0 w 65446"/>
-                    <a:gd name="connsiteY3" fmla="*/ 197415 h 197839"/>
-                    <a:gd name="connsiteX4" fmla="*/ 0 w 65446"/>
-                    <a:gd name="connsiteY4" fmla="*/ 362 h 197839"/>
-                    <a:gd name="connsiteX5" fmla="*/ 37242 w 65446"/>
-                    <a:gd name="connsiteY5" fmla="*/ 611 h 197839"/>
-                    <a:gd name="connsiteX6" fmla="*/ 65446 w 65446"/>
-                    <a:gd name="connsiteY6" fmla="*/ 25313 h 197839"/>
-                    <a:gd name="connsiteX7" fmla="*/ 65446 w 65446"/>
-                    <a:gd name="connsiteY7" fmla="*/ 173707 h 197839"/>
-                  </a:gdLst>
-                  <a:ahLst/>
-                  <a:cxnLst>
-                    <a:cxn ang="0">
-                      <a:pos x="connsiteX0" y="connsiteY0"/>
-                    </a:cxn>
-                    <a:cxn ang="0">
-                      <a:pos x="connsiteX1" y="connsiteY1"/>
-                    </a:cxn>
-                    <a:cxn ang="0">
-                      <a:pos x="connsiteX2" y="connsiteY2"/>
-                    </a:cxn>
-                    <a:cxn ang="0">
-                      <a:pos x="connsiteX3" y="connsiteY3"/>
-                    </a:cxn>
-                    <a:cxn ang="0">
-                      <a:pos x="connsiteX4" y="connsiteY4"/>
-                    </a:cxn>
-                    <a:cxn ang="0">
-                      <a:pos x="connsiteX5" y="connsiteY5"/>
-                    </a:cxn>
-                    <a:cxn ang="0">
-                      <a:pos x="connsiteX6" y="connsiteY6"/>
-                    </a:cxn>
-                    <a:cxn ang="0">
-                      <a:pos x="connsiteX7" y="connsiteY7"/>
-                    </a:cxn>
-                  </a:cxnLst>
-                  <a:rect l="l" t="t" r="r" b="b"/>
-                  <a:pathLst>
-                    <a:path w="65446" h="197839">
-                      <a:moveTo>
-                        <a:pt x="65446" y="173707"/>
-                      </a:moveTo>
-                      <a:cubicBezTo>
-                        <a:pt x="62407" y="178326"/>
-                        <a:pt x="60317" y="184278"/>
-                        <a:pt x="56114" y="187246"/>
-                      </a:cubicBezTo>
-                      <a:cubicBezTo>
-                        <a:pt x="49773" y="191728"/>
-                        <a:pt x="42217" y="195912"/>
-                        <a:pt x="34712" y="196994"/>
-                      </a:cubicBezTo>
-                      <a:cubicBezTo>
-                        <a:pt x="23503" y="198608"/>
-                        <a:pt x="11893" y="197415"/>
-                        <a:pt x="0" y="197415"/>
-                      </a:cubicBezTo>
-                      <a:cubicBezTo>
-                        <a:pt x="0" y="131407"/>
-                        <a:pt x="0" y="66159"/>
-                        <a:pt x="0" y="362"/>
-                      </a:cubicBezTo>
-                      <a:cubicBezTo>
-                        <a:pt x="12716" y="362"/>
-                        <a:pt x="25086" y="-599"/>
-                        <a:pt x="37242" y="611"/>
-                      </a:cubicBezTo>
-                      <a:cubicBezTo>
-                        <a:pt x="51888" y="2065"/>
-                        <a:pt x="59848" y="12709"/>
-                        <a:pt x="65446" y="25313"/>
-                      </a:cubicBezTo>
-                      <a:cubicBezTo>
-                        <a:pt x="65446" y="74778"/>
-                        <a:pt x="65446" y="124241"/>
-                        <a:pt x="65446" y="173707"/>
-                      </a:cubicBezTo>
-                      <a:close/>
-                    </a:path>
-                  </a:pathLst>
-                </a:custGeom>
-                <a:grpFill/>
-                <a:ln w="1588" cap="flat">
-                  <a:noFill/>
-                  <a:prstDash val="solid"/>
-                  <a:miter/>
-                </a:ln>
-              </p:spPr>
-              <p:txBody>
-                <a:bodyPr rtlCol="0" anchor="ctr"/>
-                <a:lstStyle/>
-                <a:p>
-                  <a:endParaRPr lang="pt-BR"/>
-                </a:p>
-              </p:txBody>
-            </p:sp>
-            <p:sp>
-              <p:nvSpPr>
-                <p:cNvPr id="29" name="Forma Livre: Forma 28">
-                  <a:extLst>
-                    <a:ext uri="{FF2B5EF4-FFF2-40B4-BE49-F238E27FC236}">
-                      <a16:creationId xmlns:a16="http://schemas.microsoft.com/office/drawing/2014/main" id="{EF20901C-902E-3633-5C6E-6701DD2CC263}"/>
-                    </a:ext>
-                  </a:extLst>
-                </p:cNvPr>
-                <p:cNvSpPr/>
-                <p:nvPr/>
-              </p:nvSpPr>
-              <p:spPr>
-                <a:xfrm>
-                  <a:off x="2223958" y="3891584"/>
-                  <a:ext cx="791991" cy="989157"/>
-                </a:xfrm>
-                <a:custGeom>
-                  <a:avLst/>
-                  <a:gdLst>
-                    <a:gd name="connsiteX0" fmla="*/ 66437 w 791991"/>
-                    <a:gd name="connsiteY0" fmla="*/ 857487 h 989157"/>
-                    <a:gd name="connsiteX1" fmla="*/ 12630 w 791991"/>
-                    <a:gd name="connsiteY1" fmla="*/ 829890 h 989157"/>
-                    <a:gd name="connsiteX2" fmla="*/ 45 w 791991"/>
-                    <a:gd name="connsiteY2" fmla="*/ 785346 h 989157"/>
-                    <a:gd name="connsiteX3" fmla="*/ 80 w 791991"/>
-                    <a:gd name="connsiteY3" fmla="*/ 398351 h 989157"/>
-                    <a:gd name="connsiteX4" fmla="*/ 3 w 791991"/>
-                    <a:gd name="connsiteY4" fmla="*/ 203587 h 989157"/>
-                    <a:gd name="connsiteX5" fmla="*/ 45336 w 791991"/>
-                    <a:gd name="connsiteY5" fmla="*/ 71866 h 989157"/>
-                    <a:gd name="connsiteX6" fmla="*/ 186103 w 791991"/>
-                    <a:gd name="connsiteY6" fmla="*/ 981 h 989157"/>
-                    <a:gd name="connsiteX7" fmla="*/ 364833 w 791991"/>
-                    <a:gd name="connsiteY7" fmla="*/ 378 h 989157"/>
-                    <a:gd name="connsiteX8" fmla="*/ 589948 w 791991"/>
-                    <a:gd name="connsiteY8" fmla="*/ 231 h 989157"/>
-                    <a:gd name="connsiteX9" fmla="*/ 687182 w 791991"/>
-                    <a:gd name="connsiteY9" fmla="*/ 23278 h 989157"/>
-                    <a:gd name="connsiteX10" fmla="*/ 767265 w 791991"/>
-                    <a:gd name="connsiteY10" fmla="*/ 102825 h 989157"/>
-                    <a:gd name="connsiteX11" fmla="*/ 791588 w 791991"/>
-                    <a:gd name="connsiteY11" fmla="*/ 203139 h 989157"/>
-                    <a:gd name="connsiteX12" fmla="*/ 791990 w 791991"/>
-                    <a:gd name="connsiteY12" fmla="*/ 779839 h 989157"/>
-                    <a:gd name="connsiteX13" fmla="*/ 725201 w 791991"/>
-                    <a:gd name="connsiteY13" fmla="*/ 857913 h 989157"/>
-                    <a:gd name="connsiteX14" fmla="*/ 725041 w 791991"/>
-                    <a:gd name="connsiteY14" fmla="*/ 918300 h 989157"/>
-                    <a:gd name="connsiteX15" fmla="*/ 721466 w 791991"/>
-                    <a:gd name="connsiteY15" fmla="*/ 944803 h 989157"/>
-                    <a:gd name="connsiteX16" fmla="*/ 667101 w 791991"/>
-                    <a:gd name="connsiteY16" fmla="*/ 988347 h 989157"/>
-                    <a:gd name="connsiteX17" fmla="*/ 586201 w 791991"/>
-                    <a:gd name="connsiteY17" fmla="*/ 988296 h 989157"/>
-                    <a:gd name="connsiteX18" fmla="*/ 528878 w 791991"/>
-                    <a:gd name="connsiteY18" fmla="*/ 931611 h 989157"/>
-                    <a:gd name="connsiteX19" fmla="*/ 527896 w 791991"/>
-                    <a:gd name="connsiteY19" fmla="*/ 869268 h 989157"/>
-                    <a:gd name="connsiteX20" fmla="*/ 527892 w 791991"/>
-                    <a:gd name="connsiteY20" fmla="*/ 857811 h 989157"/>
-                    <a:gd name="connsiteX21" fmla="*/ 263724 w 791991"/>
-                    <a:gd name="connsiteY21" fmla="*/ 857811 h 989157"/>
-                    <a:gd name="connsiteX22" fmla="*/ 263536 w 791991"/>
-                    <a:gd name="connsiteY22" fmla="*/ 918482 h 989157"/>
-                    <a:gd name="connsiteX23" fmla="*/ 259352 w 791991"/>
-                    <a:gd name="connsiteY23" fmla="*/ 945734 h 989157"/>
-                    <a:gd name="connsiteX24" fmla="*/ 205101 w 791991"/>
-                    <a:gd name="connsiteY24" fmla="*/ 988357 h 989157"/>
-                    <a:gd name="connsiteX25" fmla="*/ 124199 w 791991"/>
-                    <a:gd name="connsiteY25" fmla="*/ 988306 h 989157"/>
-                    <a:gd name="connsiteX26" fmla="*/ 67038 w 791991"/>
-                    <a:gd name="connsiteY26" fmla="*/ 930536 h 989157"/>
-                    <a:gd name="connsiteX27" fmla="*/ 66442 w 791991"/>
-                    <a:gd name="connsiteY27" fmla="*/ 867325 h 989157"/>
-                    <a:gd name="connsiteX28" fmla="*/ 66437 w 791991"/>
-                    <a:gd name="connsiteY28" fmla="*/ 857487 h 989157"/>
-                    <a:gd name="connsiteX29" fmla="*/ 725861 w 791991"/>
-                    <a:gd name="connsiteY29" fmla="*/ 198513 h 989157"/>
-                    <a:gd name="connsiteX30" fmla="*/ 66057 w 791991"/>
-                    <a:gd name="connsiteY30" fmla="*/ 198513 h 989157"/>
-                    <a:gd name="connsiteX31" fmla="*/ 66057 w 791991"/>
-                    <a:gd name="connsiteY31" fmla="*/ 593434 h 989157"/>
-                    <a:gd name="connsiteX32" fmla="*/ 725861 w 791991"/>
-                    <a:gd name="connsiteY32" fmla="*/ 593434 h 989157"/>
-                    <a:gd name="connsiteX33" fmla="*/ 725861 w 791991"/>
-                    <a:gd name="connsiteY33" fmla="*/ 198513 h 989157"/>
-                    <a:gd name="connsiteX34" fmla="*/ 264469 w 791991"/>
-                    <a:gd name="connsiteY34" fmla="*/ 65958 h 989157"/>
-                    <a:gd name="connsiteX35" fmla="*/ 264469 w 791991"/>
-                    <a:gd name="connsiteY35" fmla="*/ 131624 h 989157"/>
-                    <a:gd name="connsiteX36" fmla="*/ 527168 w 791991"/>
-                    <a:gd name="connsiteY36" fmla="*/ 131624 h 989157"/>
-                    <a:gd name="connsiteX37" fmla="*/ 527168 w 791991"/>
-                    <a:gd name="connsiteY37" fmla="*/ 65958 h 989157"/>
-                    <a:gd name="connsiteX38" fmla="*/ 264469 w 791991"/>
-                    <a:gd name="connsiteY38" fmla="*/ 65958 h 989157"/>
-                    <a:gd name="connsiteX39" fmla="*/ 66124 w 791991"/>
-                    <a:gd name="connsiteY39" fmla="*/ 727174 h 989157"/>
-                    <a:gd name="connsiteX40" fmla="*/ 134362 w 791991"/>
-                    <a:gd name="connsiteY40" fmla="*/ 791331 h 989157"/>
-                    <a:gd name="connsiteX41" fmla="*/ 197777 w 791991"/>
-                    <a:gd name="connsiteY41" fmla="*/ 724009 h 989157"/>
-                    <a:gd name="connsiteX42" fmla="*/ 129514 w 791991"/>
-                    <a:gd name="connsiteY42" fmla="*/ 659922 h 989157"/>
-                    <a:gd name="connsiteX43" fmla="*/ 66124 w 791991"/>
-                    <a:gd name="connsiteY43" fmla="*/ 727174 h 989157"/>
-                    <a:gd name="connsiteX44" fmla="*/ 659839 w 791991"/>
-                    <a:gd name="connsiteY44" fmla="*/ 791396 h 989157"/>
-                    <a:gd name="connsiteX45" fmla="*/ 725633 w 791991"/>
-                    <a:gd name="connsiteY45" fmla="*/ 725494 h 989157"/>
-                    <a:gd name="connsiteX46" fmla="*/ 659616 w 791991"/>
-                    <a:gd name="connsiteY46" fmla="*/ 659856 h 989157"/>
-                    <a:gd name="connsiteX47" fmla="*/ 593768 w 791991"/>
-                    <a:gd name="connsiteY47" fmla="*/ 725692 h 989157"/>
-                    <a:gd name="connsiteX48" fmla="*/ 659839 w 791991"/>
-                    <a:gd name="connsiteY48" fmla="*/ 791396 h 989157"/>
+                    <a:gd name="connsiteX0" fmla="*/ 831200 w 1662401"/>
+                    <a:gd name="connsiteY0" fmla="*/ 0 h 1662401"/>
+                    <a:gd name="connsiteX1" fmla="*/ 0 w 1662401"/>
+                    <a:gd name="connsiteY1" fmla="*/ 831200 h 1662401"/>
+                    <a:gd name="connsiteX2" fmla="*/ 831200 w 1662401"/>
+                    <a:gd name="connsiteY2" fmla="*/ 1662402 h 1662401"/>
+                    <a:gd name="connsiteX3" fmla="*/ 1662402 w 1662401"/>
+                    <a:gd name="connsiteY3" fmla="*/ 831200 h 1662401"/>
+                    <a:gd name="connsiteX4" fmla="*/ 831200 w 1662401"/>
+                    <a:gd name="connsiteY4" fmla="*/ 0 h 1662401"/>
+                    <a:gd name="connsiteX5" fmla="*/ 1605339 w 1662401"/>
+                    <a:gd name="connsiteY5" fmla="*/ 831200 h 1662401"/>
+                    <a:gd name="connsiteX6" fmla="*/ 831200 w 1662401"/>
+                    <a:gd name="connsiteY6" fmla="*/ 1605371 h 1662401"/>
+                    <a:gd name="connsiteX7" fmla="*/ 57036 w 1662401"/>
+                    <a:gd name="connsiteY7" fmla="*/ 831200 h 1662401"/>
+                    <a:gd name="connsiteX8" fmla="*/ 831200 w 1662401"/>
+                    <a:gd name="connsiteY8" fmla="*/ 57060 h 1662401"/>
+                    <a:gd name="connsiteX9" fmla="*/ 1605339 w 1662401"/>
+                    <a:gd name="connsiteY9" fmla="*/ 831200 h 1662401"/>
                   </a:gdLst>
                   <a:ahLst/>
                   <a:cxnLst>
@@ -17063,365 +15930,56 @@
                     <a:cxn ang="0">
                       <a:pos x="connsiteX9" y="connsiteY9"/>
                     </a:cxn>
-                    <a:cxn ang="0">
-                      <a:pos x="connsiteX10" y="connsiteY10"/>
-                    </a:cxn>
-                    <a:cxn ang="0">
-                      <a:pos x="connsiteX11" y="connsiteY11"/>
-                    </a:cxn>
-                    <a:cxn ang="0">
-                      <a:pos x="connsiteX12" y="connsiteY12"/>
-                    </a:cxn>
-                    <a:cxn ang="0">
-                      <a:pos x="connsiteX13" y="connsiteY13"/>
-                    </a:cxn>
-                    <a:cxn ang="0">
-                      <a:pos x="connsiteX14" y="connsiteY14"/>
-                    </a:cxn>
-                    <a:cxn ang="0">
-                      <a:pos x="connsiteX15" y="connsiteY15"/>
-                    </a:cxn>
-                    <a:cxn ang="0">
-                      <a:pos x="connsiteX16" y="connsiteY16"/>
-                    </a:cxn>
-                    <a:cxn ang="0">
-                      <a:pos x="connsiteX17" y="connsiteY17"/>
-                    </a:cxn>
-                    <a:cxn ang="0">
-                      <a:pos x="connsiteX18" y="connsiteY18"/>
-                    </a:cxn>
-                    <a:cxn ang="0">
-                      <a:pos x="connsiteX19" y="connsiteY19"/>
-                    </a:cxn>
-                    <a:cxn ang="0">
-                      <a:pos x="connsiteX20" y="connsiteY20"/>
-                    </a:cxn>
-                    <a:cxn ang="0">
-                      <a:pos x="connsiteX21" y="connsiteY21"/>
-                    </a:cxn>
-                    <a:cxn ang="0">
-                      <a:pos x="connsiteX22" y="connsiteY22"/>
-                    </a:cxn>
-                    <a:cxn ang="0">
-                      <a:pos x="connsiteX23" y="connsiteY23"/>
-                    </a:cxn>
-                    <a:cxn ang="0">
-                      <a:pos x="connsiteX24" y="connsiteY24"/>
-                    </a:cxn>
-                    <a:cxn ang="0">
-                      <a:pos x="connsiteX25" y="connsiteY25"/>
-                    </a:cxn>
-                    <a:cxn ang="0">
-                      <a:pos x="connsiteX26" y="connsiteY26"/>
-                    </a:cxn>
-                    <a:cxn ang="0">
-                      <a:pos x="connsiteX27" y="connsiteY27"/>
-                    </a:cxn>
-                    <a:cxn ang="0">
-                      <a:pos x="connsiteX28" y="connsiteY28"/>
-                    </a:cxn>
-                    <a:cxn ang="0">
-                      <a:pos x="connsiteX29" y="connsiteY29"/>
-                    </a:cxn>
-                    <a:cxn ang="0">
-                      <a:pos x="connsiteX30" y="connsiteY30"/>
-                    </a:cxn>
-                    <a:cxn ang="0">
-                      <a:pos x="connsiteX31" y="connsiteY31"/>
-                    </a:cxn>
-                    <a:cxn ang="0">
-                      <a:pos x="connsiteX32" y="connsiteY32"/>
-                    </a:cxn>
-                    <a:cxn ang="0">
-                      <a:pos x="connsiteX33" y="connsiteY33"/>
-                    </a:cxn>
-                    <a:cxn ang="0">
-                      <a:pos x="connsiteX34" y="connsiteY34"/>
-                    </a:cxn>
-                    <a:cxn ang="0">
-                      <a:pos x="connsiteX35" y="connsiteY35"/>
-                    </a:cxn>
-                    <a:cxn ang="0">
-                      <a:pos x="connsiteX36" y="connsiteY36"/>
-                    </a:cxn>
-                    <a:cxn ang="0">
-                      <a:pos x="connsiteX37" y="connsiteY37"/>
-                    </a:cxn>
-                    <a:cxn ang="0">
-                      <a:pos x="connsiteX38" y="connsiteY38"/>
-                    </a:cxn>
-                    <a:cxn ang="0">
-                      <a:pos x="connsiteX39" y="connsiteY39"/>
-                    </a:cxn>
-                    <a:cxn ang="0">
-                      <a:pos x="connsiteX40" y="connsiteY40"/>
-                    </a:cxn>
-                    <a:cxn ang="0">
-                      <a:pos x="connsiteX41" y="connsiteY41"/>
-                    </a:cxn>
-                    <a:cxn ang="0">
-                      <a:pos x="connsiteX42" y="connsiteY42"/>
-                    </a:cxn>
-                    <a:cxn ang="0">
-                      <a:pos x="connsiteX43" y="connsiteY43"/>
-                    </a:cxn>
-                    <a:cxn ang="0">
-                      <a:pos x="connsiteX44" y="connsiteY44"/>
-                    </a:cxn>
-                    <a:cxn ang="0">
-                      <a:pos x="connsiteX45" y="connsiteY45"/>
-                    </a:cxn>
-                    <a:cxn ang="0">
-                      <a:pos x="connsiteX46" y="connsiteY46"/>
-                    </a:cxn>
-                    <a:cxn ang="0">
-                      <a:pos x="connsiteX47" y="connsiteY47"/>
-                    </a:cxn>
-                    <a:cxn ang="0">
-                      <a:pos x="connsiteX48" y="connsiteY48"/>
-                    </a:cxn>
                   </a:cxnLst>
                   <a:rect l="l" t="t" r="r" b="b"/>
                   <a:pathLst>
-                    <a:path w="791991" h="989157">
+                    <a:path w="1662401" h="1662401">
                       <a:moveTo>
-                        <a:pt x="66437" y="857487"/>
+                        <a:pt x="831200" y="0"/>
                       </a:moveTo>
                       <a:cubicBezTo>
-                        <a:pt x="43333" y="856348"/>
-                        <a:pt x="25636" y="847574"/>
-                        <a:pt x="12630" y="829890"/>
+                        <a:pt x="372875" y="0"/>
+                        <a:pt x="0" y="372875"/>
+                        <a:pt x="0" y="831200"/>
                       </a:cubicBezTo>
                       <a:cubicBezTo>
-                        <a:pt x="2854" y="816597"/>
-                        <a:pt x="34" y="801440"/>
-                        <a:pt x="45" y="785346"/>
+                        <a:pt x="0" y="1289526"/>
+                        <a:pt x="372875" y="1662402"/>
+                        <a:pt x="831200" y="1662402"/>
                       </a:cubicBezTo>
                       <a:cubicBezTo>
-                        <a:pt x="105" y="656347"/>
-                        <a:pt x="80" y="527347"/>
-                        <a:pt x="80" y="398351"/>
+                        <a:pt x="1289526" y="1662402"/>
+                        <a:pt x="1662402" y="1289526"/>
+                        <a:pt x="1662402" y="831200"/>
                       </a:cubicBezTo>
                       <a:cubicBezTo>
-                        <a:pt x="80" y="333428"/>
-                        <a:pt x="329" y="268507"/>
-                        <a:pt x="3" y="203587"/>
-                      </a:cubicBezTo>
-                      <a:cubicBezTo>
-                        <a:pt x="-246" y="154268"/>
-                        <a:pt x="13667" y="109680"/>
-                        <a:pt x="45336" y="71866"/>
-                      </a:cubicBezTo>
-                      <a:cubicBezTo>
-                        <a:pt x="81822" y="28300"/>
-                        <a:pt x="128871" y="2704"/>
-                        <a:pt x="186103" y="981"/>
-                      </a:cubicBezTo>
-                      <a:cubicBezTo>
-                        <a:pt x="245632" y="-812"/>
-                        <a:pt x="305256" y="407"/>
-                        <a:pt x="364833" y="378"/>
-                      </a:cubicBezTo>
-                      <a:cubicBezTo>
-                        <a:pt x="439873" y="343"/>
-                        <a:pt x="514913" y="681"/>
-                        <a:pt x="589948" y="231"/>
-                      </a:cubicBezTo>
-                      <a:cubicBezTo>
-                        <a:pt x="624405" y="27"/>
-                        <a:pt x="657015" y="6959"/>
-                        <a:pt x="687182" y="23278"/>
-                      </a:cubicBezTo>
-                      <a:cubicBezTo>
-                        <a:pt x="721504" y="41850"/>
-                        <a:pt x="748393" y="68391"/>
-                        <a:pt x="767265" y="102825"/>
-                      </a:cubicBezTo>
-                      <a:cubicBezTo>
-                        <a:pt x="784412" y="134108"/>
-                        <a:pt x="791604" y="167681"/>
-                        <a:pt x="791588" y="203139"/>
-                      </a:cubicBezTo>
-                      <a:cubicBezTo>
-                        <a:pt x="791518" y="395370"/>
-                        <a:pt x="790988" y="587608"/>
-                        <a:pt x="791990" y="779839"/>
-                      </a:cubicBezTo>
-                      <a:cubicBezTo>
-                        <a:pt x="792217" y="822716"/>
-                        <a:pt x="769032" y="854952"/>
-                        <a:pt x="725201" y="857913"/>
-                      </a:cubicBezTo>
-                      <a:cubicBezTo>
-                        <a:pt x="725201" y="877985"/>
-                        <a:pt x="725552" y="898152"/>
-                        <a:pt x="725041" y="918300"/>
-                      </a:cubicBezTo>
-                      <a:cubicBezTo>
-                        <a:pt x="724815" y="927177"/>
-                        <a:pt x="723841" y="936286"/>
-                        <a:pt x="721466" y="944803"/>
-                      </a:cubicBezTo>
-                      <a:cubicBezTo>
-                        <a:pt x="714895" y="968373"/>
-                        <a:pt x="691711" y="987435"/>
-                        <a:pt x="667101" y="988347"/>
-                      </a:cubicBezTo>
-                      <a:cubicBezTo>
-                        <a:pt x="640165" y="989343"/>
-                        <a:pt x="613118" y="989521"/>
-                        <a:pt x="586201" y="988296"/>
-                      </a:cubicBezTo>
-                      <a:cubicBezTo>
-                        <a:pt x="556746" y="986953"/>
-                        <a:pt x="530965" y="961252"/>
-                        <a:pt x="528878" y="931611"/>
-                      </a:cubicBezTo>
-                      <a:cubicBezTo>
-                        <a:pt x="527420" y="910908"/>
-                        <a:pt x="528138" y="890055"/>
-                        <a:pt x="527896" y="869268"/>
-                      </a:cubicBezTo>
-                      <a:cubicBezTo>
-                        <a:pt x="527854" y="865645"/>
-                        <a:pt x="527892" y="862018"/>
-                        <a:pt x="527892" y="857811"/>
-                      </a:cubicBezTo>
-                      <a:cubicBezTo>
-                        <a:pt x="439768" y="857811"/>
-                        <a:pt x="352272" y="857811"/>
-                        <a:pt x="263724" y="857811"/>
-                      </a:cubicBezTo>
-                      <a:cubicBezTo>
-                        <a:pt x="263724" y="878198"/>
-                        <a:pt x="264146" y="898353"/>
-                        <a:pt x="263536" y="918482"/>
-                      </a:cubicBezTo>
-                      <a:cubicBezTo>
-                        <a:pt x="263259" y="927617"/>
-                        <a:pt x="261979" y="937003"/>
-                        <a:pt x="259352" y="945734"/>
-                      </a:cubicBezTo>
-                      <a:cubicBezTo>
-                        <a:pt x="252347" y="968995"/>
-                        <a:pt x="229421" y="987467"/>
-                        <a:pt x="205101" y="988357"/>
-                      </a:cubicBezTo>
-                      <a:cubicBezTo>
-                        <a:pt x="178162" y="989346"/>
-                        <a:pt x="151117" y="989518"/>
-                        <a:pt x="124199" y="988306"/>
-                      </a:cubicBezTo>
-                      <a:cubicBezTo>
-                        <a:pt x="94565" y="986972"/>
-                        <a:pt x="68487" y="960215"/>
-                        <a:pt x="67038" y="930536"/>
-                      </a:cubicBezTo>
-                      <a:cubicBezTo>
-                        <a:pt x="66011" y="909507"/>
-                        <a:pt x="66579" y="888399"/>
-                        <a:pt x="66442" y="867325"/>
-                      </a:cubicBezTo>
-                      <a:cubicBezTo>
-                        <a:pt x="66421" y="864288"/>
-                        <a:pt x="66437" y="861247"/>
-                        <a:pt x="66437" y="857487"/>
+                        <a:pt x="1662402" y="372875"/>
+                        <a:pt x="1289526" y="0"/>
+                        <a:pt x="831200" y="0"/>
                       </a:cubicBezTo>
                       <a:close/>
                       <a:moveTo>
-                        <a:pt x="725861" y="198513"/>
+                        <a:pt x="1605339" y="831200"/>
                       </a:moveTo>
                       <a:cubicBezTo>
-                        <a:pt x="505434" y="198513"/>
-                        <a:pt x="285610" y="198513"/>
-                        <a:pt x="66057" y="198513"/>
+                        <a:pt x="1605339" y="1258070"/>
+                        <a:pt x="1258072" y="1605371"/>
+                        <a:pt x="831200" y="1605371"/>
                       </a:cubicBezTo>
                       <a:cubicBezTo>
-                        <a:pt x="66057" y="330617"/>
-                        <a:pt x="66057" y="462001"/>
-                        <a:pt x="66057" y="593434"/>
+                        <a:pt x="404330" y="1605371"/>
+                        <a:pt x="57036" y="1258070"/>
+                        <a:pt x="57036" y="831200"/>
                       </a:cubicBezTo>
                       <a:cubicBezTo>
-                        <a:pt x="286302" y="593434"/>
-                        <a:pt x="505903" y="593434"/>
-                        <a:pt x="725861" y="593434"/>
+                        <a:pt x="57036" y="404330"/>
+                        <a:pt x="404329" y="57060"/>
+                        <a:pt x="831200" y="57060"/>
                       </a:cubicBezTo>
                       <a:cubicBezTo>
-                        <a:pt x="725861" y="461621"/>
-                        <a:pt x="725861" y="330436"/>
-                        <a:pt x="725861" y="198513"/>
-                      </a:cubicBezTo>
-                      <a:close/>
-                      <a:moveTo>
-                        <a:pt x="264469" y="65958"/>
-                      </a:moveTo>
-                      <a:cubicBezTo>
-                        <a:pt x="264469" y="88155"/>
-                        <a:pt x="264469" y="109846"/>
-                        <a:pt x="264469" y="131624"/>
-                      </a:cubicBezTo>
-                      <a:cubicBezTo>
-                        <a:pt x="352434" y="131624"/>
-                        <a:pt x="439666" y="131624"/>
-                        <a:pt x="527168" y="131624"/>
-                      </a:cubicBezTo>
-                      <a:cubicBezTo>
-                        <a:pt x="527168" y="109501"/>
-                        <a:pt x="527168" y="87849"/>
-                        <a:pt x="527168" y="65958"/>
-                      </a:cubicBezTo>
-                      <a:cubicBezTo>
-                        <a:pt x="439184" y="65958"/>
-                        <a:pt x="351930" y="65958"/>
-                        <a:pt x="264469" y="65958"/>
-                      </a:cubicBezTo>
-                      <a:close/>
-                      <a:moveTo>
-                        <a:pt x="66124" y="727174"/>
-                      </a:moveTo>
-                      <a:cubicBezTo>
-                        <a:pt x="67809" y="764352"/>
-                        <a:pt x="98196" y="792923"/>
-                        <a:pt x="134362" y="791331"/>
-                      </a:cubicBezTo>
-                      <a:cubicBezTo>
-                        <a:pt x="170359" y="789745"/>
-                        <a:pt x="199176" y="759154"/>
-                        <a:pt x="197777" y="724009"/>
-                      </a:cubicBezTo>
-                      <a:cubicBezTo>
-                        <a:pt x="196300" y="686882"/>
-                        <a:pt x="165681" y="658135"/>
-                        <a:pt x="129514" y="659922"/>
-                      </a:cubicBezTo>
-                      <a:cubicBezTo>
-                        <a:pt x="92973" y="661728"/>
-                        <a:pt x="64529" y="691907"/>
-                        <a:pt x="66124" y="727174"/>
-                      </a:cubicBezTo>
-                      <a:close/>
-                      <a:moveTo>
-                        <a:pt x="659839" y="791396"/>
-                      </a:moveTo>
-                      <a:cubicBezTo>
-                        <a:pt x="695954" y="791307"/>
-                        <a:pt x="725508" y="761705"/>
-                        <a:pt x="725633" y="725494"/>
-                      </a:cubicBezTo>
-                      <a:cubicBezTo>
-                        <a:pt x="725754" y="689452"/>
-                        <a:pt x="695884" y="659754"/>
-                        <a:pt x="659616" y="659856"/>
-                      </a:cubicBezTo>
-                      <a:cubicBezTo>
-                        <a:pt x="623283" y="659959"/>
-                        <a:pt x="593535" y="689701"/>
-                        <a:pt x="593768" y="725692"/>
-                      </a:cubicBezTo>
-                      <a:cubicBezTo>
-                        <a:pt x="593997" y="761852"/>
-                        <a:pt x="623799" y="791486"/>
-                        <a:pt x="659839" y="791396"/>
+                        <a:pt x="1258072" y="57060"/>
+                        <a:pt x="1605339" y="404330"/>
+                        <a:pt x="1605339" y="831200"/>
                       </a:cubicBezTo>
                       <a:close/>
                     </a:path>
@@ -17438,12 +15996,854 @@
                 <a:bodyPr rtlCol="0" anchor="ctr"/>
                 <a:lstStyle/>
                 <a:p>
-                  <a:endParaRPr lang="pt-BR" dirty="0"/>
+                  <a:endParaRPr lang="pt-BR"/>
                 </a:p>
               </p:txBody>
             </p:sp>
+            <p:grpSp>
+              <p:nvGrpSpPr>
+                <p:cNvPr id="26" name="Gráfico 20">
+                  <a:extLst>
+                    <a:ext uri="{FF2B5EF4-FFF2-40B4-BE49-F238E27FC236}">
+                      <a16:creationId xmlns:a16="http://schemas.microsoft.com/office/drawing/2014/main" id="{3B7CDCF8-2DFB-938E-552B-1692DBFC395E}"/>
+                    </a:ext>
+                  </a:extLst>
+                </p:cNvPr>
+                <p:cNvGrpSpPr/>
+                <p:nvPr/>
+              </p:nvGrpSpPr>
+              <p:grpSpPr>
+                <a:xfrm>
+                  <a:off x="2135328" y="3891584"/>
+                  <a:ext cx="971072" cy="989157"/>
+                  <a:chOff x="2135328" y="3891584"/>
+                  <a:chExt cx="971072" cy="989157"/>
+                </a:xfrm>
+                <a:grpFill/>
+              </p:grpSpPr>
+              <p:sp>
+                <p:nvSpPr>
+                  <p:cNvPr id="27" name="Forma Livre: Forma 26">
+                    <a:extLst>
+                      <a:ext uri="{FF2B5EF4-FFF2-40B4-BE49-F238E27FC236}">
+                        <a16:creationId xmlns:a16="http://schemas.microsoft.com/office/drawing/2014/main" id="{6B5C1C10-79E6-9466-9561-AE41279909A2}"/>
+                      </a:ext>
+                    </a:extLst>
+                  </p:cNvPr>
+                  <p:cNvSpPr/>
+                  <p:nvPr/>
+                </p:nvSpPr>
+                <p:spPr>
+                  <a:xfrm>
+                    <a:off x="2135328" y="4154918"/>
+                    <a:ext cx="65055" cy="197627"/>
+                  </a:xfrm>
+                  <a:custGeom>
+                    <a:avLst/>
+                    <a:gdLst>
+                      <a:gd name="connsiteX0" fmla="*/ 0 w 65055"/>
+                      <a:gd name="connsiteY0" fmla="*/ 25584 h 197627"/>
+                      <a:gd name="connsiteX1" fmla="*/ 42473 w 65055"/>
+                      <a:gd name="connsiteY1" fmla="*/ 246 h 197627"/>
+                      <a:gd name="connsiteX2" fmla="*/ 65055 w 65055"/>
+                      <a:gd name="connsiteY2" fmla="*/ 351 h 197627"/>
+                      <a:gd name="connsiteX3" fmla="*/ 65055 w 65055"/>
+                      <a:gd name="connsiteY3" fmla="*/ 197321 h 197627"/>
+                      <a:gd name="connsiteX4" fmla="*/ 26488 w 65055"/>
+                      <a:gd name="connsiteY4" fmla="*/ 197101 h 197627"/>
+                      <a:gd name="connsiteX5" fmla="*/ 2 w 65055"/>
+                      <a:gd name="connsiteY5" fmla="*/ 173978 h 197627"/>
+                      <a:gd name="connsiteX6" fmla="*/ 0 w 65055"/>
+                      <a:gd name="connsiteY6" fmla="*/ 25584 h 197627"/>
+                    </a:gdLst>
+                    <a:ahLst/>
+                    <a:cxnLst>
+                      <a:cxn ang="0">
+                        <a:pos x="connsiteX0" y="connsiteY0"/>
+                      </a:cxn>
+                      <a:cxn ang="0">
+                        <a:pos x="connsiteX1" y="connsiteY1"/>
+                      </a:cxn>
+                      <a:cxn ang="0">
+                        <a:pos x="connsiteX2" y="connsiteY2"/>
+                      </a:cxn>
+                      <a:cxn ang="0">
+                        <a:pos x="connsiteX3" y="connsiteY3"/>
+                      </a:cxn>
+                      <a:cxn ang="0">
+                        <a:pos x="connsiteX4" y="connsiteY4"/>
+                      </a:cxn>
+                      <a:cxn ang="0">
+                        <a:pos x="connsiteX5" y="connsiteY5"/>
+                      </a:cxn>
+                      <a:cxn ang="0">
+                        <a:pos x="connsiteX6" y="connsiteY6"/>
+                      </a:cxn>
+                    </a:cxnLst>
+                    <a:rect l="l" t="t" r="r" b="b"/>
+                    <a:pathLst>
+                      <a:path w="65055" h="197627">
+                        <a:moveTo>
+                          <a:pt x="0" y="25584"/>
+                        </a:moveTo>
+                        <a:cubicBezTo>
+                          <a:pt x="7782" y="6450"/>
+                          <a:pt x="22053" y="-1550"/>
+                          <a:pt x="42473" y="246"/>
+                        </a:cubicBezTo>
+                        <a:cubicBezTo>
+                          <a:pt x="49710" y="884"/>
+                          <a:pt x="57049" y="351"/>
+                          <a:pt x="65055" y="351"/>
+                        </a:cubicBezTo>
+                        <a:cubicBezTo>
+                          <a:pt x="65055" y="66034"/>
+                          <a:pt x="65055" y="131460"/>
+                          <a:pt x="65055" y="197321"/>
+                        </a:cubicBezTo>
+                        <a:cubicBezTo>
+                          <a:pt x="52110" y="197321"/>
+                          <a:pt x="39223" y="198138"/>
+                          <a:pt x="26488" y="197101"/>
+                        </a:cubicBezTo>
+                        <a:cubicBezTo>
+                          <a:pt x="12576" y="195969"/>
+                          <a:pt x="5992" y="184968"/>
+                          <a:pt x="2" y="173978"/>
+                        </a:cubicBezTo>
+                        <a:cubicBezTo>
+                          <a:pt x="0" y="124512"/>
+                          <a:pt x="0" y="75048"/>
+                          <a:pt x="0" y="25584"/>
+                        </a:cubicBezTo>
+                        <a:close/>
+                      </a:path>
+                    </a:pathLst>
+                  </a:custGeom>
+                  <a:grpFill/>
+                  <a:ln w="1588" cap="flat">
+                    <a:noFill/>
+                    <a:prstDash val="solid"/>
+                    <a:miter/>
+                  </a:ln>
+                </p:spPr>
+                <p:txBody>
+                  <a:bodyPr rtlCol="0" anchor="ctr"/>
+                  <a:lstStyle/>
+                  <a:p>
+                    <a:endParaRPr lang="pt-BR"/>
+                  </a:p>
+                </p:txBody>
+              </p:sp>
+              <p:sp>
+                <p:nvSpPr>
+                  <p:cNvPr id="28" name="Forma Livre: Forma 27">
+                    <a:extLst>
+                      <a:ext uri="{FF2B5EF4-FFF2-40B4-BE49-F238E27FC236}">
+                        <a16:creationId xmlns:a16="http://schemas.microsoft.com/office/drawing/2014/main" id="{3D0055B7-7A01-B4A9-DB7A-C861AE1C8B85}"/>
+                      </a:ext>
+                    </a:extLst>
+                  </p:cNvPr>
+                  <p:cNvSpPr/>
+                  <p:nvPr/>
+                </p:nvSpPr>
+                <p:spPr>
+                  <a:xfrm>
+                    <a:off x="3040954" y="4155188"/>
+                    <a:ext cx="65446" cy="197839"/>
+                  </a:xfrm>
+                  <a:custGeom>
+                    <a:avLst/>
+                    <a:gdLst>
+                      <a:gd name="connsiteX0" fmla="*/ 65446 w 65446"/>
+                      <a:gd name="connsiteY0" fmla="*/ 173707 h 197839"/>
+                      <a:gd name="connsiteX1" fmla="*/ 56114 w 65446"/>
+                      <a:gd name="connsiteY1" fmla="*/ 187246 h 197839"/>
+                      <a:gd name="connsiteX2" fmla="*/ 34712 w 65446"/>
+                      <a:gd name="connsiteY2" fmla="*/ 196994 h 197839"/>
+                      <a:gd name="connsiteX3" fmla="*/ 0 w 65446"/>
+                      <a:gd name="connsiteY3" fmla="*/ 197415 h 197839"/>
+                      <a:gd name="connsiteX4" fmla="*/ 0 w 65446"/>
+                      <a:gd name="connsiteY4" fmla="*/ 362 h 197839"/>
+                      <a:gd name="connsiteX5" fmla="*/ 37242 w 65446"/>
+                      <a:gd name="connsiteY5" fmla="*/ 611 h 197839"/>
+                      <a:gd name="connsiteX6" fmla="*/ 65446 w 65446"/>
+                      <a:gd name="connsiteY6" fmla="*/ 25313 h 197839"/>
+                      <a:gd name="connsiteX7" fmla="*/ 65446 w 65446"/>
+                      <a:gd name="connsiteY7" fmla="*/ 173707 h 197839"/>
+                    </a:gdLst>
+                    <a:ahLst/>
+                    <a:cxnLst>
+                      <a:cxn ang="0">
+                        <a:pos x="connsiteX0" y="connsiteY0"/>
+                      </a:cxn>
+                      <a:cxn ang="0">
+                        <a:pos x="connsiteX1" y="connsiteY1"/>
+                      </a:cxn>
+                      <a:cxn ang="0">
+                        <a:pos x="connsiteX2" y="connsiteY2"/>
+                      </a:cxn>
+                      <a:cxn ang="0">
+                        <a:pos x="connsiteX3" y="connsiteY3"/>
+                      </a:cxn>
+                      <a:cxn ang="0">
+                        <a:pos x="connsiteX4" y="connsiteY4"/>
+                      </a:cxn>
+                      <a:cxn ang="0">
+                        <a:pos x="connsiteX5" y="connsiteY5"/>
+                      </a:cxn>
+                      <a:cxn ang="0">
+                        <a:pos x="connsiteX6" y="connsiteY6"/>
+                      </a:cxn>
+                      <a:cxn ang="0">
+                        <a:pos x="connsiteX7" y="connsiteY7"/>
+                      </a:cxn>
+                    </a:cxnLst>
+                    <a:rect l="l" t="t" r="r" b="b"/>
+                    <a:pathLst>
+                      <a:path w="65446" h="197839">
+                        <a:moveTo>
+                          <a:pt x="65446" y="173707"/>
+                        </a:moveTo>
+                        <a:cubicBezTo>
+                          <a:pt x="62407" y="178326"/>
+                          <a:pt x="60317" y="184278"/>
+                          <a:pt x="56114" y="187246"/>
+                        </a:cubicBezTo>
+                        <a:cubicBezTo>
+                          <a:pt x="49773" y="191728"/>
+                          <a:pt x="42217" y="195912"/>
+                          <a:pt x="34712" y="196994"/>
+                        </a:cubicBezTo>
+                        <a:cubicBezTo>
+                          <a:pt x="23503" y="198608"/>
+                          <a:pt x="11893" y="197415"/>
+                          <a:pt x="0" y="197415"/>
+                        </a:cubicBezTo>
+                        <a:cubicBezTo>
+                          <a:pt x="0" y="131407"/>
+                          <a:pt x="0" y="66159"/>
+                          <a:pt x="0" y="362"/>
+                        </a:cubicBezTo>
+                        <a:cubicBezTo>
+                          <a:pt x="12716" y="362"/>
+                          <a:pt x="25086" y="-599"/>
+                          <a:pt x="37242" y="611"/>
+                        </a:cubicBezTo>
+                        <a:cubicBezTo>
+                          <a:pt x="51888" y="2065"/>
+                          <a:pt x="59848" y="12709"/>
+                          <a:pt x="65446" y="25313"/>
+                        </a:cubicBezTo>
+                        <a:cubicBezTo>
+                          <a:pt x="65446" y="74778"/>
+                          <a:pt x="65446" y="124241"/>
+                          <a:pt x="65446" y="173707"/>
+                        </a:cubicBezTo>
+                        <a:close/>
+                      </a:path>
+                    </a:pathLst>
+                  </a:custGeom>
+                  <a:grpFill/>
+                  <a:ln w="1588" cap="flat">
+                    <a:noFill/>
+                    <a:prstDash val="solid"/>
+                    <a:miter/>
+                  </a:ln>
+                </p:spPr>
+                <p:txBody>
+                  <a:bodyPr rtlCol="0" anchor="ctr"/>
+                  <a:lstStyle/>
+                  <a:p>
+                    <a:endParaRPr lang="pt-BR"/>
+                  </a:p>
+                </p:txBody>
+              </p:sp>
+              <p:sp>
+                <p:nvSpPr>
+                  <p:cNvPr id="29" name="Forma Livre: Forma 28">
+                    <a:extLst>
+                      <a:ext uri="{FF2B5EF4-FFF2-40B4-BE49-F238E27FC236}">
+                        <a16:creationId xmlns:a16="http://schemas.microsoft.com/office/drawing/2014/main" id="{EF20901C-902E-3633-5C6E-6701DD2CC263}"/>
+                      </a:ext>
+                    </a:extLst>
+                  </p:cNvPr>
+                  <p:cNvSpPr/>
+                  <p:nvPr/>
+                </p:nvSpPr>
+                <p:spPr>
+                  <a:xfrm>
+                    <a:off x="2223958" y="3891584"/>
+                    <a:ext cx="791991" cy="989157"/>
+                  </a:xfrm>
+                  <a:custGeom>
+                    <a:avLst/>
+                    <a:gdLst>
+                      <a:gd name="connsiteX0" fmla="*/ 66437 w 791991"/>
+                      <a:gd name="connsiteY0" fmla="*/ 857487 h 989157"/>
+                      <a:gd name="connsiteX1" fmla="*/ 12630 w 791991"/>
+                      <a:gd name="connsiteY1" fmla="*/ 829890 h 989157"/>
+                      <a:gd name="connsiteX2" fmla="*/ 45 w 791991"/>
+                      <a:gd name="connsiteY2" fmla="*/ 785346 h 989157"/>
+                      <a:gd name="connsiteX3" fmla="*/ 80 w 791991"/>
+                      <a:gd name="connsiteY3" fmla="*/ 398351 h 989157"/>
+                      <a:gd name="connsiteX4" fmla="*/ 3 w 791991"/>
+                      <a:gd name="connsiteY4" fmla="*/ 203587 h 989157"/>
+                      <a:gd name="connsiteX5" fmla="*/ 45336 w 791991"/>
+                      <a:gd name="connsiteY5" fmla="*/ 71866 h 989157"/>
+                      <a:gd name="connsiteX6" fmla="*/ 186103 w 791991"/>
+                      <a:gd name="connsiteY6" fmla="*/ 981 h 989157"/>
+                      <a:gd name="connsiteX7" fmla="*/ 364833 w 791991"/>
+                      <a:gd name="connsiteY7" fmla="*/ 378 h 989157"/>
+                      <a:gd name="connsiteX8" fmla="*/ 589948 w 791991"/>
+                      <a:gd name="connsiteY8" fmla="*/ 231 h 989157"/>
+                      <a:gd name="connsiteX9" fmla="*/ 687182 w 791991"/>
+                      <a:gd name="connsiteY9" fmla="*/ 23278 h 989157"/>
+                      <a:gd name="connsiteX10" fmla="*/ 767265 w 791991"/>
+                      <a:gd name="connsiteY10" fmla="*/ 102825 h 989157"/>
+                      <a:gd name="connsiteX11" fmla="*/ 791588 w 791991"/>
+                      <a:gd name="connsiteY11" fmla="*/ 203139 h 989157"/>
+                      <a:gd name="connsiteX12" fmla="*/ 791990 w 791991"/>
+                      <a:gd name="connsiteY12" fmla="*/ 779839 h 989157"/>
+                      <a:gd name="connsiteX13" fmla="*/ 725201 w 791991"/>
+                      <a:gd name="connsiteY13" fmla="*/ 857913 h 989157"/>
+                      <a:gd name="connsiteX14" fmla="*/ 725041 w 791991"/>
+                      <a:gd name="connsiteY14" fmla="*/ 918300 h 989157"/>
+                      <a:gd name="connsiteX15" fmla="*/ 721466 w 791991"/>
+                      <a:gd name="connsiteY15" fmla="*/ 944803 h 989157"/>
+                      <a:gd name="connsiteX16" fmla="*/ 667101 w 791991"/>
+                      <a:gd name="connsiteY16" fmla="*/ 988347 h 989157"/>
+                      <a:gd name="connsiteX17" fmla="*/ 586201 w 791991"/>
+                      <a:gd name="connsiteY17" fmla="*/ 988296 h 989157"/>
+                      <a:gd name="connsiteX18" fmla="*/ 528878 w 791991"/>
+                      <a:gd name="connsiteY18" fmla="*/ 931611 h 989157"/>
+                      <a:gd name="connsiteX19" fmla="*/ 527896 w 791991"/>
+                      <a:gd name="connsiteY19" fmla="*/ 869268 h 989157"/>
+                      <a:gd name="connsiteX20" fmla="*/ 527892 w 791991"/>
+                      <a:gd name="connsiteY20" fmla="*/ 857811 h 989157"/>
+                      <a:gd name="connsiteX21" fmla="*/ 263724 w 791991"/>
+                      <a:gd name="connsiteY21" fmla="*/ 857811 h 989157"/>
+                      <a:gd name="connsiteX22" fmla="*/ 263536 w 791991"/>
+                      <a:gd name="connsiteY22" fmla="*/ 918482 h 989157"/>
+                      <a:gd name="connsiteX23" fmla="*/ 259352 w 791991"/>
+                      <a:gd name="connsiteY23" fmla="*/ 945734 h 989157"/>
+                      <a:gd name="connsiteX24" fmla="*/ 205101 w 791991"/>
+                      <a:gd name="connsiteY24" fmla="*/ 988357 h 989157"/>
+                      <a:gd name="connsiteX25" fmla="*/ 124199 w 791991"/>
+                      <a:gd name="connsiteY25" fmla="*/ 988306 h 989157"/>
+                      <a:gd name="connsiteX26" fmla="*/ 67038 w 791991"/>
+                      <a:gd name="connsiteY26" fmla="*/ 930536 h 989157"/>
+                      <a:gd name="connsiteX27" fmla="*/ 66442 w 791991"/>
+                      <a:gd name="connsiteY27" fmla="*/ 867325 h 989157"/>
+                      <a:gd name="connsiteX28" fmla="*/ 66437 w 791991"/>
+                      <a:gd name="connsiteY28" fmla="*/ 857487 h 989157"/>
+                      <a:gd name="connsiteX29" fmla="*/ 725861 w 791991"/>
+                      <a:gd name="connsiteY29" fmla="*/ 198513 h 989157"/>
+                      <a:gd name="connsiteX30" fmla="*/ 66057 w 791991"/>
+                      <a:gd name="connsiteY30" fmla="*/ 198513 h 989157"/>
+                      <a:gd name="connsiteX31" fmla="*/ 66057 w 791991"/>
+                      <a:gd name="connsiteY31" fmla="*/ 593434 h 989157"/>
+                      <a:gd name="connsiteX32" fmla="*/ 725861 w 791991"/>
+                      <a:gd name="connsiteY32" fmla="*/ 593434 h 989157"/>
+                      <a:gd name="connsiteX33" fmla="*/ 725861 w 791991"/>
+                      <a:gd name="connsiteY33" fmla="*/ 198513 h 989157"/>
+                      <a:gd name="connsiteX34" fmla="*/ 264469 w 791991"/>
+                      <a:gd name="connsiteY34" fmla="*/ 65958 h 989157"/>
+                      <a:gd name="connsiteX35" fmla="*/ 264469 w 791991"/>
+                      <a:gd name="connsiteY35" fmla="*/ 131624 h 989157"/>
+                      <a:gd name="connsiteX36" fmla="*/ 527168 w 791991"/>
+                      <a:gd name="connsiteY36" fmla="*/ 131624 h 989157"/>
+                      <a:gd name="connsiteX37" fmla="*/ 527168 w 791991"/>
+                      <a:gd name="connsiteY37" fmla="*/ 65958 h 989157"/>
+                      <a:gd name="connsiteX38" fmla="*/ 264469 w 791991"/>
+                      <a:gd name="connsiteY38" fmla="*/ 65958 h 989157"/>
+                      <a:gd name="connsiteX39" fmla="*/ 66124 w 791991"/>
+                      <a:gd name="connsiteY39" fmla="*/ 727174 h 989157"/>
+                      <a:gd name="connsiteX40" fmla="*/ 134362 w 791991"/>
+                      <a:gd name="connsiteY40" fmla="*/ 791331 h 989157"/>
+                      <a:gd name="connsiteX41" fmla="*/ 197777 w 791991"/>
+                      <a:gd name="connsiteY41" fmla="*/ 724009 h 989157"/>
+                      <a:gd name="connsiteX42" fmla="*/ 129514 w 791991"/>
+                      <a:gd name="connsiteY42" fmla="*/ 659922 h 989157"/>
+                      <a:gd name="connsiteX43" fmla="*/ 66124 w 791991"/>
+                      <a:gd name="connsiteY43" fmla="*/ 727174 h 989157"/>
+                      <a:gd name="connsiteX44" fmla="*/ 659839 w 791991"/>
+                      <a:gd name="connsiteY44" fmla="*/ 791396 h 989157"/>
+                      <a:gd name="connsiteX45" fmla="*/ 725633 w 791991"/>
+                      <a:gd name="connsiteY45" fmla="*/ 725494 h 989157"/>
+                      <a:gd name="connsiteX46" fmla="*/ 659616 w 791991"/>
+                      <a:gd name="connsiteY46" fmla="*/ 659856 h 989157"/>
+                      <a:gd name="connsiteX47" fmla="*/ 593768 w 791991"/>
+                      <a:gd name="connsiteY47" fmla="*/ 725692 h 989157"/>
+                      <a:gd name="connsiteX48" fmla="*/ 659839 w 791991"/>
+                      <a:gd name="connsiteY48" fmla="*/ 791396 h 989157"/>
+                    </a:gdLst>
+                    <a:ahLst/>
+                    <a:cxnLst>
+                      <a:cxn ang="0">
+                        <a:pos x="connsiteX0" y="connsiteY0"/>
+                      </a:cxn>
+                      <a:cxn ang="0">
+                        <a:pos x="connsiteX1" y="connsiteY1"/>
+                      </a:cxn>
+                      <a:cxn ang="0">
+                        <a:pos x="connsiteX2" y="connsiteY2"/>
+                      </a:cxn>
+                      <a:cxn ang="0">
+                        <a:pos x="connsiteX3" y="connsiteY3"/>
+                      </a:cxn>
+                      <a:cxn ang="0">
+                        <a:pos x="connsiteX4" y="connsiteY4"/>
+                      </a:cxn>
+                      <a:cxn ang="0">
+                        <a:pos x="connsiteX5" y="connsiteY5"/>
+                      </a:cxn>
+                      <a:cxn ang="0">
+                        <a:pos x="connsiteX6" y="connsiteY6"/>
+                      </a:cxn>
+                      <a:cxn ang="0">
+                        <a:pos x="connsiteX7" y="connsiteY7"/>
+                      </a:cxn>
+                      <a:cxn ang="0">
+                        <a:pos x="connsiteX8" y="connsiteY8"/>
+                      </a:cxn>
+                      <a:cxn ang="0">
+                        <a:pos x="connsiteX9" y="connsiteY9"/>
+                      </a:cxn>
+                      <a:cxn ang="0">
+                        <a:pos x="connsiteX10" y="connsiteY10"/>
+                      </a:cxn>
+                      <a:cxn ang="0">
+                        <a:pos x="connsiteX11" y="connsiteY11"/>
+                      </a:cxn>
+                      <a:cxn ang="0">
+                        <a:pos x="connsiteX12" y="connsiteY12"/>
+                      </a:cxn>
+                      <a:cxn ang="0">
+                        <a:pos x="connsiteX13" y="connsiteY13"/>
+                      </a:cxn>
+                      <a:cxn ang="0">
+                        <a:pos x="connsiteX14" y="connsiteY14"/>
+                      </a:cxn>
+                      <a:cxn ang="0">
+                        <a:pos x="connsiteX15" y="connsiteY15"/>
+                      </a:cxn>
+                      <a:cxn ang="0">
+                        <a:pos x="connsiteX16" y="connsiteY16"/>
+                      </a:cxn>
+                      <a:cxn ang="0">
+                        <a:pos x="connsiteX17" y="connsiteY17"/>
+                      </a:cxn>
+                      <a:cxn ang="0">
+                        <a:pos x="connsiteX18" y="connsiteY18"/>
+                      </a:cxn>
+                      <a:cxn ang="0">
+                        <a:pos x="connsiteX19" y="connsiteY19"/>
+                      </a:cxn>
+                      <a:cxn ang="0">
+                        <a:pos x="connsiteX20" y="connsiteY20"/>
+                      </a:cxn>
+                      <a:cxn ang="0">
+                        <a:pos x="connsiteX21" y="connsiteY21"/>
+                      </a:cxn>
+                      <a:cxn ang="0">
+                        <a:pos x="connsiteX22" y="connsiteY22"/>
+                      </a:cxn>
+                      <a:cxn ang="0">
+                        <a:pos x="connsiteX23" y="connsiteY23"/>
+                      </a:cxn>
+                      <a:cxn ang="0">
+                        <a:pos x="connsiteX24" y="connsiteY24"/>
+                      </a:cxn>
+                      <a:cxn ang="0">
+                        <a:pos x="connsiteX25" y="connsiteY25"/>
+                      </a:cxn>
+                      <a:cxn ang="0">
+                        <a:pos x="connsiteX26" y="connsiteY26"/>
+                      </a:cxn>
+                      <a:cxn ang="0">
+                        <a:pos x="connsiteX27" y="connsiteY27"/>
+                      </a:cxn>
+                      <a:cxn ang="0">
+                        <a:pos x="connsiteX28" y="connsiteY28"/>
+                      </a:cxn>
+                      <a:cxn ang="0">
+                        <a:pos x="connsiteX29" y="connsiteY29"/>
+                      </a:cxn>
+                      <a:cxn ang="0">
+                        <a:pos x="connsiteX30" y="connsiteY30"/>
+                      </a:cxn>
+                      <a:cxn ang="0">
+                        <a:pos x="connsiteX31" y="connsiteY31"/>
+                      </a:cxn>
+                      <a:cxn ang="0">
+                        <a:pos x="connsiteX32" y="connsiteY32"/>
+                      </a:cxn>
+                      <a:cxn ang="0">
+                        <a:pos x="connsiteX33" y="connsiteY33"/>
+                      </a:cxn>
+                      <a:cxn ang="0">
+                        <a:pos x="connsiteX34" y="connsiteY34"/>
+                      </a:cxn>
+                      <a:cxn ang="0">
+                        <a:pos x="connsiteX35" y="connsiteY35"/>
+                      </a:cxn>
+                      <a:cxn ang="0">
+                        <a:pos x="connsiteX36" y="connsiteY36"/>
+                      </a:cxn>
+                      <a:cxn ang="0">
+                        <a:pos x="connsiteX37" y="connsiteY37"/>
+                      </a:cxn>
+                      <a:cxn ang="0">
+                        <a:pos x="connsiteX38" y="connsiteY38"/>
+                      </a:cxn>
+                      <a:cxn ang="0">
+                        <a:pos x="connsiteX39" y="connsiteY39"/>
+                      </a:cxn>
+                      <a:cxn ang="0">
+                        <a:pos x="connsiteX40" y="connsiteY40"/>
+                      </a:cxn>
+                      <a:cxn ang="0">
+                        <a:pos x="connsiteX41" y="connsiteY41"/>
+                      </a:cxn>
+                      <a:cxn ang="0">
+                        <a:pos x="connsiteX42" y="connsiteY42"/>
+                      </a:cxn>
+                      <a:cxn ang="0">
+                        <a:pos x="connsiteX43" y="connsiteY43"/>
+                      </a:cxn>
+                      <a:cxn ang="0">
+                        <a:pos x="connsiteX44" y="connsiteY44"/>
+                      </a:cxn>
+                      <a:cxn ang="0">
+                        <a:pos x="connsiteX45" y="connsiteY45"/>
+                      </a:cxn>
+                      <a:cxn ang="0">
+                        <a:pos x="connsiteX46" y="connsiteY46"/>
+                      </a:cxn>
+                      <a:cxn ang="0">
+                        <a:pos x="connsiteX47" y="connsiteY47"/>
+                      </a:cxn>
+                      <a:cxn ang="0">
+                        <a:pos x="connsiteX48" y="connsiteY48"/>
+                      </a:cxn>
+                    </a:cxnLst>
+                    <a:rect l="l" t="t" r="r" b="b"/>
+                    <a:pathLst>
+                      <a:path w="791991" h="989157">
+                        <a:moveTo>
+                          <a:pt x="66437" y="857487"/>
+                        </a:moveTo>
+                        <a:cubicBezTo>
+                          <a:pt x="43333" y="856348"/>
+                          <a:pt x="25636" y="847574"/>
+                          <a:pt x="12630" y="829890"/>
+                        </a:cubicBezTo>
+                        <a:cubicBezTo>
+                          <a:pt x="2854" y="816597"/>
+                          <a:pt x="34" y="801440"/>
+                          <a:pt x="45" y="785346"/>
+                        </a:cubicBezTo>
+                        <a:cubicBezTo>
+                          <a:pt x="105" y="656347"/>
+                          <a:pt x="80" y="527347"/>
+                          <a:pt x="80" y="398351"/>
+                        </a:cubicBezTo>
+                        <a:cubicBezTo>
+                          <a:pt x="80" y="333428"/>
+                          <a:pt x="329" y="268507"/>
+                          <a:pt x="3" y="203587"/>
+                        </a:cubicBezTo>
+                        <a:cubicBezTo>
+                          <a:pt x="-246" y="154268"/>
+                          <a:pt x="13667" y="109680"/>
+                          <a:pt x="45336" y="71866"/>
+                        </a:cubicBezTo>
+                        <a:cubicBezTo>
+                          <a:pt x="81822" y="28300"/>
+                          <a:pt x="128871" y="2704"/>
+                          <a:pt x="186103" y="981"/>
+                        </a:cubicBezTo>
+                        <a:cubicBezTo>
+                          <a:pt x="245632" y="-812"/>
+                          <a:pt x="305256" y="407"/>
+                          <a:pt x="364833" y="378"/>
+                        </a:cubicBezTo>
+                        <a:cubicBezTo>
+                          <a:pt x="439873" y="343"/>
+                          <a:pt x="514913" y="681"/>
+                          <a:pt x="589948" y="231"/>
+                        </a:cubicBezTo>
+                        <a:cubicBezTo>
+                          <a:pt x="624405" y="27"/>
+                          <a:pt x="657015" y="6959"/>
+                          <a:pt x="687182" y="23278"/>
+                        </a:cubicBezTo>
+                        <a:cubicBezTo>
+                          <a:pt x="721504" y="41850"/>
+                          <a:pt x="748393" y="68391"/>
+                          <a:pt x="767265" y="102825"/>
+                        </a:cubicBezTo>
+                        <a:cubicBezTo>
+                          <a:pt x="784412" y="134108"/>
+                          <a:pt x="791604" y="167681"/>
+                          <a:pt x="791588" y="203139"/>
+                        </a:cubicBezTo>
+                        <a:cubicBezTo>
+                          <a:pt x="791518" y="395370"/>
+                          <a:pt x="790988" y="587608"/>
+                          <a:pt x="791990" y="779839"/>
+                        </a:cubicBezTo>
+                        <a:cubicBezTo>
+                          <a:pt x="792217" y="822716"/>
+                          <a:pt x="769032" y="854952"/>
+                          <a:pt x="725201" y="857913"/>
+                        </a:cubicBezTo>
+                        <a:cubicBezTo>
+                          <a:pt x="725201" y="877985"/>
+                          <a:pt x="725552" y="898152"/>
+                          <a:pt x="725041" y="918300"/>
+                        </a:cubicBezTo>
+                        <a:cubicBezTo>
+                          <a:pt x="724815" y="927177"/>
+                          <a:pt x="723841" y="936286"/>
+                          <a:pt x="721466" y="944803"/>
+                        </a:cubicBezTo>
+                        <a:cubicBezTo>
+                          <a:pt x="714895" y="968373"/>
+                          <a:pt x="691711" y="987435"/>
+                          <a:pt x="667101" y="988347"/>
+                        </a:cubicBezTo>
+                        <a:cubicBezTo>
+                          <a:pt x="640165" y="989343"/>
+                          <a:pt x="613118" y="989521"/>
+                          <a:pt x="586201" y="988296"/>
+                        </a:cubicBezTo>
+                        <a:cubicBezTo>
+                          <a:pt x="556746" y="986953"/>
+                          <a:pt x="530965" y="961252"/>
+                          <a:pt x="528878" y="931611"/>
+                        </a:cubicBezTo>
+                        <a:cubicBezTo>
+                          <a:pt x="527420" y="910908"/>
+                          <a:pt x="528138" y="890055"/>
+                          <a:pt x="527896" y="869268"/>
+                        </a:cubicBezTo>
+                        <a:cubicBezTo>
+                          <a:pt x="527854" y="865645"/>
+                          <a:pt x="527892" y="862018"/>
+                          <a:pt x="527892" y="857811"/>
+                        </a:cubicBezTo>
+                        <a:cubicBezTo>
+                          <a:pt x="439768" y="857811"/>
+                          <a:pt x="352272" y="857811"/>
+                          <a:pt x="263724" y="857811"/>
+                        </a:cubicBezTo>
+                        <a:cubicBezTo>
+                          <a:pt x="263724" y="878198"/>
+                          <a:pt x="264146" y="898353"/>
+                          <a:pt x="263536" y="918482"/>
+                        </a:cubicBezTo>
+                        <a:cubicBezTo>
+                          <a:pt x="263259" y="927617"/>
+                          <a:pt x="261979" y="937003"/>
+                          <a:pt x="259352" y="945734"/>
+                        </a:cubicBezTo>
+                        <a:cubicBezTo>
+                          <a:pt x="252347" y="968995"/>
+                          <a:pt x="229421" y="987467"/>
+                          <a:pt x="205101" y="988357"/>
+                        </a:cubicBezTo>
+                        <a:cubicBezTo>
+                          <a:pt x="178162" y="989346"/>
+                          <a:pt x="151117" y="989518"/>
+                          <a:pt x="124199" y="988306"/>
+                        </a:cubicBezTo>
+                        <a:cubicBezTo>
+                          <a:pt x="94565" y="986972"/>
+                          <a:pt x="68487" y="960215"/>
+                          <a:pt x="67038" y="930536"/>
+                        </a:cubicBezTo>
+                        <a:cubicBezTo>
+                          <a:pt x="66011" y="909507"/>
+                          <a:pt x="66579" y="888399"/>
+                          <a:pt x="66442" y="867325"/>
+                        </a:cubicBezTo>
+                        <a:cubicBezTo>
+                          <a:pt x="66421" y="864288"/>
+                          <a:pt x="66437" y="861247"/>
+                          <a:pt x="66437" y="857487"/>
+                        </a:cubicBezTo>
+                        <a:close/>
+                        <a:moveTo>
+                          <a:pt x="725861" y="198513"/>
+                        </a:moveTo>
+                        <a:cubicBezTo>
+                          <a:pt x="505434" y="198513"/>
+                          <a:pt x="285610" y="198513"/>
+                          <a:pt x="66057" y="198513"/>
+                        </a:cubicBezTo>
+                        <a:cubicBezTo>
+                          <a:pt x="66057" y="330617"/>
+                          <a:pt x="66057" y="462001"/>
+                          <a:pt x="66057" y="593434"/>
+                        </a:cubicBezTo>
+                        <a:cubicBezTo>
+                          <a:pt x="286302" y="593434"/>
+                          <a:pt x="505903" y="593434"/>
+                          <a:pt x="725861" y="593434"/>
+                        </a:cubicBezTo>
+                        <a:cubicBezTo>
+                          <a:pt x="725861" y="461621"/>
+                          <a:pt x="725861" y="330436"/>
+                          <a:pt x="725861" y="198513"/>
+                        </a:cubicBezTo>
+                        <a:close/>
+                        <a:moveTo>
+                          <a:pt x="264469" y="65958"/>
+                        </a:moveTo>
+                        <a:cubicBezTo>
+                          <a:pt x="264469" y="88155"/>
+                          <a:pt x="264469" y="109846"/>
+                          <a:pt x="264469" y="131624"/>
+                        </a:cubicBezTo>
+                        <a:cubicBezTo>
+                          <a:pt x="352434" y="131624"/>
+                          <a:pt x="439666" y="131624"/>
+                          <a:pt x="527168" y="131624"/>
+                        </a:cubicBezTo>
+                        <a:cubicBezTo>
+                          <a:pt x="527168" y="109501"/>
+                          <a:pt x="527168" y="87849"/>
+                          <a:pt x="527168" y="65958"/>
+                        </a:cubicBezTo>
+                        <a:cubicBezTo>
+                          <a:pt x="439184" y="65958"/>
+                          <a:pt x="351930" y="65958"/>
+                          <a:pt x="264469" y="65958"/>
+                        </a:cubicBezTo>
+                        <a:close/>
+                        <a:moveTo>
+                          <a:pt x="66124" y="727174"/>
+                        </a:moveTo>
+                        <a:cubicBezTo>
+                          <a:pt x="67809" y="764352"/>
+                          <a:pt x="98196" y="792923"/>
+                          <a:pt x="134362" y="791331"/>
+                        </a:cubicBezTo>
+                        <a:cubicBezTo>
+                          <a:pt x="170359" y="789745"/>
+                          <a:pt x="199176" y="759154"/>
+                          <a:pt x="197777" y="724009"/>
+                        </a:cubicBezTo>
+                        <a:cubicBezTo>
+                          <a:pt x="196300" y="686882"/>
+                          <a:pt x="165681" y="658135"/>
+                          <a:pt x="129514" y="659922"/>
+                        </a:cubicBezTo>
+                        <a:cubicBezTo>
+                          <a:pt x="92973" y="661728"/>
+                          <a:pt x="64529" y="691907"/>
+                          <a:pt x="66124" y="727174"/>
+                        </a:cubicBezTo>
+                        <a:close/>
+                        <a:moveTo>
+                          <a:pt x="659839" y="791396"/>
+                        </a:moveTo>
+                        <a:cubicBezTo>
+                          <a:pt x="695954" y="791307"/>
+                          <a:pt x="725508" y="761705"/>
+                          <a:pt x="725633" y="725494"/>
+                        </a:cubicBezTo>
+                        <a:cubicBezTo>
+                          <a:pt x="725754" y="689452"/>
+                          <a:pt x="695884" y="659754"/>
+                          <a:pt x="659616" y="659856"/>
+                        </a:cubicBezTo>
+                        <a:cubicBezTo>
+                          <a:pt x="623283" y="659959"/>
+                          <a:pt x="593535" y="689701"/>
+                          <a:pt x="593768" y="725692"/>
+                        </a:cubicBezTo>
+                        <a:cubicBezTo>
+                          <a:pt x="593997" y="761852"/>
+                          <a:pt x="623799" y="791486"/>
+                          <a:pt x="659839" y="791396"/>
+                        </a:cubicBezTo>
+                        <a:close/>
+                      </a:path>
+                    </a:pathLst>
+                  </a:custGeom>
+                  <a:grpFill/>
+                  <a:ln w="1588" cap="flat">
+                    <a:noFill/>
+                    <a:prstDash val="solid"/>
+                    <a:miter/>
+                  </a:ln>
+                </p:spPr>
+                <p:txBody>
+                  <a:bodyPr rtlCol="0" anchor="ctr"/>
+                  <a:lstStyle/>
+                  <a:p>
+                    <a:endParaRPr lang="pt-BR" dirty="0"/>
+                  </a:p>
+                </p:txBody>
+              </p:sp>
+            </p:grpSp>
           </p:grpSp>
         </p:grpSp>
+        <p:sp>
+          <p:nvSpPr>
+            <p:cNvPr id="10" name="Retângulo 9">
+              <a:extLst>
+                <a:ext uri="{FF2B5EF4-FFF2-40B4-BE49-F238E27FC236}">
+                  <a16:creationId xmlns:a16="http://schemas.microsoft.com/office/drawing/2014/main" id="{C245BE9D-1575-CC95-7DD6-B46D1E121B73}"/>
+                </a:ext>
+              </a:extLst>
+            </p:cNvPr>
+            <p:cNvSpPr/>
+            <p:nvPr/>
+          </p:nvSpPr>
+          <p:spPr>
+            <a:xfrm>
+              <a:off x="5164013" y="3052763"/>
+              <a:ext cx="2365500" cy="90487"/>
+            </a:xfrm>
+            <a:prstGeom prst="rect">
+              <a:avLst/>
+            </a:prstGeom>
+            <a:solidFill>
+              <a:srgbClr val="339966"/>
+            </a:solidFill>
+            <a:ln>
+              <a:noFill/>
+            </a:ln>
+          </p:spPr>
+          <p:style>
+            <a:lnRef idx="2">
+              <a:schemeClr val="accent1">
+                <a:shade val="50000"/>
+              </a:schemeClr>
+            </a:lnRef>
+            <a:fillRef idx="1">
+              <a:schemeClr val="accent1"/>
+            </a:fillRef>
+            <a:effectRef idx="0">
+              <a:schemeClr val="accent1"/>
+            </a:effectRef>
+            <a:fontRef idx="minor">
+              <a:schemeClr val="lt1"/>
+            </a:fontRef>
+          </p:style>
+          <p:txBody>
+            <a:bodyPr rtlCol="0" anchor="ctr"/>
+            <a:lstStyle/>
+            <a:p>
+              <a:pPr algn="ctr"/>
+              <a:endParaRPr lang="pt-BR"/>
+            </a:p>
+          </p:txBody>
+        </p:sp>
       </p:grpSp>
     </p:spTree>
     <p:extLst>
@@ -18417,11 +17817,7 @@
           <a:lstStyle/>
           <a:p>
             <a:pPr algn="ctr"/>
-            <a:endParaRPr lang="pt-BR">
-              <a:highlight>
-                <a:srgbClr val="FFFF00"/>
-              </a:highlight>
-            </a:endParaRPr>
+            <a:endParaRPr lang="pt-BR"/>
           </a:p>
         </p:txBody>
       </p:sp>
@@ -18473,11 +17869,7 @@
           <a:lstStyle/>
           <a:p>
             <a:pPr algn="ctr"/>
-            <a:endParaRPr lang="pt-BR">
-              <a:highlight>
-                <a:srgbClr val="FFFF00"/>
-              </a:highlight>
-            </a:endParaRPr>
+            <a:endParaRPr lang="pt-BR"/>
           </a:p>
         </p:txBody>
       </p:sp>
@@ -18671,10 +18063,102 @@
           </a:p>
         </p:txBody>
       </p:sp>
+      <p:sp>
+        <p:nvSpPr>
+          <p:cNvPr id="19" name="CaixaDeTexto 18">
+            <a:extLst>
+              <a:ext uri="{FF2B5EF4-FFF2-40B4-BE49-F238E27FC236}">
+                <a16:creationId xmlns:a16="http://schemas.microsoft.com/office/drawing/2014/main" id="{DA13C255-C6B2-7AC3-CB02-CDFB189E06F3}"/>
+              </a:ext>
+            </a:extLst>
+          </p:cNvPr>
+          <p:cNvSpPr txBox="1"/>
+          <p:nvPr/>
+        </p:nvSpPr>
+        <p:spPr>
+          <a:xfrm>
+            <a:off x="2895210" y="2708356"/>
+            <a:ext cx="8600789" cy="1143070"/>
+          </a:xfrm>
+          <a:prstGeom prst="rect">
+            <a:avLst/>
+          </a:prstGeom>
+          <a:noFill/>
+        </p:spPr>
+        <p:txBody>
+          <a:bodyPr wrap="square">
+            <a:spAutoFit/>
+          </a:bodyPr>
+          <a:lstStyle/>
+          <a:p>
+            <a:pPr>
+              <a:lnSpc>
+                <a:spcPct val="150000"/>
+              </a:lnSpc>
+            </a:pPr>
+            <a:r>
+              <a:rPr lang="pt-BR" sz="2400" dirty="0">
+                <a:solidFill>
+                  <a:srgbClr val="339966"/>
+                </a:solidFill>
+              </a:rPr>
+              <a:t>A</a:t>
+            </a:r>
+            <a:r>
+              <a:rPr lang="pt-BR" sz="2400" b="0" i="0" dirty="0">
+                <a:solidFill>
+                  <a:srgbClr val="339966"/>
+                </a:solidFill>
+                <a:effectLst/>
+              </a:rPr>
+              <a:t>valiamos um grupo composto em 87% por jovens de 19 a 30 anos, 68% deles utilizam o ônibus como principal meio de transporte.</a:t>
+            </a:r>
+          </a:p>
+        </p:txBody>
+      </p:sp>
+      <p:pic>
+        <p:nvPicPr>
+          <p:cNvPr id="20" name="Gráfico 19" descr="Voltar com preenchimento sólido">
+            <a:extLst>
+              <a:ext uri="{FF2B5EF4-FFF2-40B4-BE49-F238E27FC236}">
+                <a16:creationId xmlns:a16="http://schemas.microsoft.com/office/drawing/2014/main" id="{617927B8-2FAA-127F-127F-E9D52A779BD2}"/>
+              </a:ext>
+            </a:extLst>
+          </p:cNvPr>
+          <p:cNvPicPr>
+            <a:picLocks noChangeAspect="1"/>
+          </p:cNvPicPr>
+          <p:nvPr/>
+        </p:nvPicPr>
+        <p:blipFill>
+          <a:blip r:embed="rId2">
+            <a:extLst>
+              <a:ext uri="{28A0092B-C50C-407E-A947-70E740481C1C}">
+                <a14:useLocalDpi xmlns:a14="http://schemas.microsoft.com/office/drawing/2010/main" val="0"/>
+              </a:ext>
+              <a:ext uri="{96DAC541-7B7A-43D3-8B79-37D633B846F1}">
+                <asvg:svgBlip xmlns:asvg="http://schemas.microsoft.com/office/drawing/2016/SVG/main" r:embed="rId3"/>
+              </a:ext>
+            </a:extLst>
+          </a:blip>
+          <a:stretch>
+            <a:fillRect/>
+          </a:stretch>
+        </p:blipFill>
+        <p:spPr>
+          <a:xfrm rot="10800000">
+            <a:off x="1941600" y="2641645"/>
+            <a:ext cx="914400" cy="914400"/>
+          </a:xfrm>
+          <a:prstGeom prst="rect">
+            <a:avLst/>
+          </a:prstGeom>
+        </p:spPr>
+      </p:pic>
     </p:spTree>
     <p:extLst>
       <p:ext uri="{BB962C8B-B14F-4D97-AF65-F5344CB8AC3E}">
-        <p14:creationId xmlns:p14="http://schemas.microsoft.com/office/powerpoint/2010/main" val="1753690929"/>
+        <p14:creationId xmlns:p14="http://schemas.microsoft.com/office/powerpoint/2010/main" val="414694147"/>
       </p:ext>
     </p:extLst>
   </p:cSld>
@@ -19297,7 +18781,7 @@
         <p:spPr>
           <a:xfrm>
             <a:off x="695999" y="1323995"/>
-            <a:ext cx="11340425" cy="1405769"/>
+            <a:ext cx="11340425" cy="4868256"/>
           </a:xfrm>
           <a:prstGeom prst="rect">
             <a:avLst/>
@@ -19342,816 +18826,7 @@
                 </a:solidFill>
                 <a:effectLst/>
               </a:rPr>
-              <a:t>, 65% da população utilizada o transporte público como principal forma de deslocamento nas capitais. </a:t>
-            </a:r>
-          </a:p>
-        </p:txBody>
-      </p:sp>
-      <p:sp>
-        <p:nvSpPr>
-          <p:cNvPr id="16" name="CaixaDeTexto 15">
-            <a:extLst>
-              <a:ext uri="{FF2B5EF4-FFF2-40B4-BE49-F238E27FC236}">
-                <a16:creationId xmlns:a16="http://schemas.microsoft.com/office/drawing/2014/main" id="{DD0E5C68-0030-5CC9-8D81-72288568B358}"/>
-              </a:ext>
-            </a:extLst>
-          </p:cNvPr>
-          <p:cNvSpPr txBox="1"/>
-          <p:nvPr/>
-        </p:nvSpPr>
-        <p:spPr>
-          <a:xfrm>
-            <a:off x="695999" y="6434062"/>
-            <a:ext cx="6918325" cy="323165"/>
-          </a:xfrm>
-          <a:prstGeom prst="rect">
-            <a:avLst/>
-          </a:prstGeom>
-          <a:noFill/>
-        </p:spPr>
-        <p:txBody>
-          <a:bodyPr wrap="square" rtlCol="0">
-            <a:spAutoFit/>
-          </a:bodyPr>
-          <a:lstStyle/>
-          <a:p>
-            <a:r>
-              <a:rPr lang="pt-BR" sz="1500" b="1" dirty="0">
-                <a:solidFill>
-                  <a:schemeClr val="bg1">
-                    <a:lumMod val="65000"/>
-                  </a:schemeClr>
-                </a:solidFill>
-              </a:rPr>
-              <a:t>¹Dados fornecidos pelo IPEA (Instituto de Pesquisa Econômica Aplicada), 2015</a:t>
-            </a:r>
-          </a:p>
-        </p:txBody>
-      </p:sp>
-      <p:sp>
-        <p:nvSpPr>
-          <p:cNvPr id="19" name="CaixaDeTexto 18">
-            <a:extLst>
-              <a:ext uri="{FF2B5EF4-FFF2-40B4-BE49-F238E27FC236}">
-                <a16:creationId xmlns:a16="http://schemas.microsoft.com/office/drawing/2014/main" id="{DA13C255-C6B2-7AC3-CB02-CDFB189E06F3}"/>
-              </a:ext>
-            </a:extLst>
-          </p:cNvPr>
-          <p:cNvSpPr txBox="1"/>
-          <p:nvPr/>
-        </p:nvSpPr>
-        <p:spPr>
-          <a:xfrm>
-            <a:off x="2895210" y="2708356"/>
-            <a:ext cx="8600789" cy="1143070"/>
-          </a:xfrm>
-          <a:prstGeom prst="rect">
-            <a:avLst/>
-          </a:prstGeom>
-          <a:noFill/>
-        </p:spPr>
-        <p:txBody>
-          <a:bodyPr wrap="square">
-            <a:spAutoFit/>
-          </a:bodyPr>
-          <a:lstStyle/>
-          <a:p>
-            <a:pPr>
-              <a:lnSpc>
-                <a:spcPct val="150000"/>
-              </a:lnSpc>
-            </a:pPr>
-            <a:r>
-              <a:rPr lang="pt-BR" sz="2400" dirty="0">
-                <a:solidFill>
-                  <a:srgbClr val="339966"/>
-                </a:solidFill>
-              </a:rPr>
-              <a:t>A</a:t>
-            </a:r>
-            <a:r>
-              <a:rPr lang="pt-BR" sz="2400" b="0" i="0" dirty="0">
-                <a:solidFill>
-                  <a:srgbClr val="339966"/>
-                </a:solidFill>
-                <a:effectLst/>
-              </a:rPr>
-              <a:t>valiamos um grupo composto em 87% por jovens de 19 a 30 anos, 68% deles utilizam o ônibus como principal meio de transporte.</a:t>
-            </a:r>
-          </a:p>
-        </p:txBody>
-      </p:sp>
-      <p:pic>
-        <p:nvPicPr>
-          <p:cNvPr id="20" name="Gráfico 19" descr="Voltar com preenchimento sólido">
-            <a:extLst>
-              <a:ext uri="{FF2B5EF4-FFF2-40B4-BE49-F238E27FC236}">
-                <a16:creationId xmlns:a16="http://schemas.microsoft.com/office/drawing/2014/main" id="{617927B8-2FAA-127F-127F-E9D52A779BD2}"/>
-              </a:ext>
-            </a:extLst>
-          </p:cNvPr>
-          <p:cNvPicPr>
-            <a:picLocks noChangeAspect="1"/>
-          </p:cNvPicPr>
-          <p:nvPr/>
-        </p:nvPicPr>
-        <p:blipFill>
-          <a:blip r:embed="rId2">
-            <a:extLst>
-              <a:ext uri="{28A0092B-C50C-407E-A947-70E740481C1C}">
-                <a14:useLocalDpi xmlns:a14="http://schemas.microsoft.com/office/drawing/2010/main" val="0"/>
-              </a:ext>
-              <a:ext uri="{96DAC541-7B7A-43D3-8B79-37D633B846F1}">
-                <asvg:svgBlip xmlns:asvg="http://schemas.microsoft.com/office/drawing/2016/SVG/main" r:embed="rId3"/>
-              </a:ext>
-            </a:extLst>
-          </a:blip>
-          <a:stretch>
-            <a:fillRect/>
-          </a:stretch>
-        </p:blipFill>
-        <p:spPr>
-          <a:xfrm rot="10800000">
-            <a:off x="1941600" y="2641645"/>
-            <a:ext cx="914400" cy="914400"/>
-          </a:xfrm>
-          <a:prstGeom prst="rect">
-            <a:avLst/>
-          </a:prstGeom>
-        </p:spPr>
-      </p:pic>
-    </p:spTree>
-    <p:extLst>
-      <p:ext uri="{BB962C8B-B14F-4D97-AF65-F5344CB8AC3E}">
-        <p14:creationId xmlns:p14="http://schemas.microsoft.com/office/powerpoint/2010/main" val="414694147"/>
-      </p:ext>
-    </p:extLst>
-  </p:cSld>
-  <p:clrMapOvr>
-    <a:masterClrMapping/>
-  </p:clrMapOvr>
-  <mc:AlternateContent xmlns:mc="http://schemas.openxmlformats.org/markup-compatibility/2006" xmlns:p159="http://schemas.microsoft.com/office/powerpoint/2015/09/main">
-    <mc:Choice Requires="p159">
-      <p:transition spd="slow">
-        <p159:morph option="byObject"/>
-      </p:transition>
-    </mc:Choice>
-    <mc:Fallback xmlns="">
-      <p:transition spd="slow">
-        <p:fade/>
-      </p:transition>
-    </mc:Fallback>
-  </mc:AlternateContent>
-</p:sld>
-</file>
-
-<file path=ppt/slides/slide5.xml><?xml version="1.0" encoding="utf-8"?>
-<p:sld xmlns:a="http://schemas.openxmlformats.org/drawingml/2006/main" xmlns:r="http://schemas.openxmlformats.org/officeDocument/2006/relationships" xmlns:p="http://schemas.openxmlformats.org/presentationml/2006/main">
-  <p:cSld>
-    <p:spTree>
-      <p:nvGrpSpPr>
-        <p:cNvPr id="1" name=""/>
-        <p:cNvGrpSpPr/>
-        <p:nvPr/>
-      </p:nvGrpSpPr>
-      <p:grpSpPr>
-        <a:xfrm>
-          <a:off x="0" y="0"/>
-          <a:ext cx="0" cy="0"/>
-          <a:chOff x="0" y="0"/>
-          <a:chExt cx="0" cy="0"/>
-        </a:xfrm>
-      </p:grpSpPr>
-      <p:sp>
-        <p:nvSpPr>
-          <p:cNvPr id="2" name="Retângulo 1">
-            <a:extLst>
-              <a:ext uri="{FF2B5EF4-FFF2-40B4-BE49-F238E27FC236}">
-                <a16:creationId xmlns:a16="http://schemas.microsoft.com/office/drawing/2014/main" id="{2F1FBD3C-743F-7089-0D0C-DA7CC5462B50}"/>
-              </a:ext>
-            </a:extLst>
-          </p:cNvPr>
-          <p:cNvSpPr/>
-          <p:nvPr/>
-        </p:nvSpPr>
-        <p:spPr>
-          <a:xfrm>
-            <a:off x="0" y="369332"/>
-            <a:ext cx="12192000" cy="115410"/>
-          </a:xfrm>
-          <a:prstGeom prst="rect">
-            <a:avLst/>
-          </a:prstGeom>
-          <a:solidFill>
-            <a:schemeClr val="bg1">
-              <a:lumMod val="95000"/>
-            </a:schemeClr>
-          </a:solidFill>
-          <a:ln>
-            <a:noFill/>
-          </a:ln>
-        </p:spPr>
-        <p:style>
-          <a:lnRef idx="2">
-            <a:schemeClr val="accent1">
-              <a:shade val="50000"/>
-            </a:schemeClr>
-          </a:lnRef>
-          <a:fillRef idx="1">
-            <a:schemeClr val="accent1"/>
-          </a:fillRef>
-          <a:effectRef idx="0">
-            <a:schemeClr val="accent1"/>
-          </a:effectRef>
-          <a:fontRef idx="minor">
-            <a:schemeClr val="lt1"/>
-          </a:fontRef>
-        </p:style>
-        <p:txBody>
-          <a:bodyPr rtlCol="0" anchor="ctr"/>
-          <a:lstStyle/>
-          <a:p>
-            <a:pPr algn="ctr"/>
-            <a:endParaRPr lang="pt-BR"/>
-          </a:p>
-        </p:txBody>
-      </p:sp>
-      <p:sp>
-        <p:nvSpPr>
-          <p:cNvPr id="8" name="CaixaDeTexto 7">
-            <a:extLst>
-              <a:ext uri="{FF2B5EF4-FFF2-40B4-BE49-F238E27FC236}">
-                <a16:creationId xmlns:a16="http://schemas.microsoft.com/office/drawing/2014/main" id="{3461DDC4-7834-928F-6FF1-90D55E914CB6}"/>
-              </a:ext>
-            </a:extLst>
-          </p:cNvPr>
-          <p:cNvSpPr txBox="1"/>
-          <p:nvPr/>
-        </p:nvSpPr>
-        <p:spPr>
-          <a:xfrm>
-            <a:off x="696000" y="2203"/>
-            <a:ext cx="2160000" cy="369332"/>
-          </a:xfrm>
-          <a:prstGeom prst="rect">
-            <a:avLst/>
-          </a:prstGeom>
-          <a:noFill/>
-          <a:ln>
-            <a:noFill/>
-          </a:ln>
-        </p:spPr>
-        <p:txBody>
-          <a:bodyPr wrap="square" rtlCol="0">
-            <a:spAutoFit/>
-          </a:bodyPr>
-          <a:lstStyle/>
-          <a:p>
-            <a:pPr algn="ctr"/>
-            <a:r>
-              <a:rPr lang="pt-BR" b="1" dirty="0">
-                <a:solidFill>
-                  <a:srgbClr val="339966"/>
-                </a:solidFill>
-              </a:rPr>
-              <a:t>PROBLEMA</a:t>
-            </a:r>
-          </a:p>
-        </p:txBody>
-      </p:sp>
-      <p:sp>
-        <p:nvSpPr>
-          <p:cNvPr id="18" name="Retângulo 17">
-            <a:extLst>
-              <a:ext uri="{FF2B5EF4-FFF2-40B4-BE49-F238E27FC236}">
-                <a16:creationId xmlns:a16="http://schemas.microsoft.com/office/drawing/2014/main" id="{025DF50E-30FE-1AF8-C932-20C65186C3F7}"/>
-              </a:ext>
-            </a:extLst>
-          </p:cNvPr>
-          <p:cNvSpPr/>
-          <p:nvPr/>
-        </p:nvSpPr>
-        <p:spPr>
-          <a:xfrm>
-            <a:off x="0" y="6751467"/>
-            <a:ext cx="12192000" cy="115410"/>
-          </a:xfrm>
-          <a:prstGeom prst="rect">
-            <a:avLst/>
-          </a:prstGeom>
-          <a:solidFill>
-            <a:srgbClr val="339966"/>
-          </a:solidFill>
-          <a:ln>
-            <a:noFill/>
-          </a:ln>
-        </p:spPr>
-        <p:style>
-          <a:lnRef idx="2">
-            <a:schemeClr val="accent1">
-              <a:shade val="50000"/>
-            </a:schemeClr>
-          </a:lnRef>
-          <a:fillRef idx="1">
-            <a:schemeClr val="accent1"/>
-          </a:fillRef>
-          <a:effectRef idx="0">
-            <a:schemeClr val="accent1"/>
-          </a:effectRef>
-          <a:fontRef idx="minor">
-            <a:schemeClr val="lt1"/>
-          </a:fontRef>
-        </p:style>
-        <p:txBody>
-          <a:bodyPr rtlCol="0" anchor="ctr"/>
-          <a:lstStyle/>
-          <a:p>
-            <a:pPr algn="ctr"/>
-            <a:endParaRPr lang="pt-BR"/>
-          </a:p>
-        </p:txBody>
-      </p:sp>
-      <p:sp>
-        <p:nvSpPr>
-          <p:cNvPr id="3" name="CaixaDeTexto 2">
-            <a:extLst>
-              <a:ext uri="{FF2B5EF4-FFF2-40B4-BE49-F238E27FC236}">
-                <a16:creationId xmlns:a16="http://schemas.microsoft.com/office/drawing/2014/main" id="{F48F51F9-85BE-89C0-5C6F-4FC0DBA1EC41}"/>
-              </a:ext>
-            </a:extLst>
-          </p:cNvPr>
-          <p:cNvSpPr txBox="1"/>
-          <p:nvPr/>
-        </p:nvSpPr>
-        <p:spPr>
-          <a:xfrm>
-            <a:off x="2856000" y="2203"/>
-            <a:ext cx="2160000" cy="369332"/>
-          </a:xfrm>
-          <a:prstGeom prst="rect">
-            <a:avLst/>
-          </a:prstGeom>
-          <a:noFill/>
-          <a:ln>
-            <a:noFill/>
-          </a:ln>
-        </p:spPr>
-        <p:txBody>
-          <a:bodyPr wrap="square" rtlCol="0">
-            <a:spAutoFit/>
-          </a:bodyPr>
-          <a:lstStyle/>
-          <a:p>
-            <a:pPr algn="ctr"/>
-            <a:r>
-              <a:rPr lang="pt-BR" b="1" dirty="0">
-                <a:solidFill>
-                  <a:schemeClr val="bg1">
-                    <a:lumMod val="85000"/>
-                  </a:schemeClr>
-                </a:solidFill>
-              </a:rPr>
-              <a:t>PROPOSTA</a:t>
-            </a:r>
-          </a:p>
-        </p:txBody>
-      </p:sp>
-      <p:sp>
-        <p:nvSpPr>
-          <p:cNvPr id="4" name="CaixaDeTexto 3">
-            <a:extLst>
-              <a:ext uri="{FF2B5EF4-FFF2-40B4-BE49-F238E27FC236}">
-                <a16:creationId xmlns:a16="http://schemas.microsoft.com/office/drawing/2014/main" id="{E04C7952-57DC-46E9-E136-2F022066A217}"/>
-              </a:ext>
-            </a:extLst>
-          </p:cNvPr>
-          <p:cNvSpPr txBox="1"/>
-          <p:nvPr/>
-        </p:nvSpPr>
-        <p:spPr>
-          <a:xfrm>
-            <a:off x="5016000" y="0"/>
-            <a:ext cx="2160000" cy="369332"/>
-          </a:xfrm>
-          <a:prstGeom prst="rect">
-            <a:avLst/>
-          </a:prstGeom>
-          <a:noFill/>
-          <a:ln>
-            <a:noFill/>
-          </a:ln>
-        </p:spPr>
-        <p:txBody>
-          <a:bodyPr wrap="square" rtlCol="0">
-            <a:spAutoFit/>
-          </a:bodyPr>
-          <a:lstStyle/>
-          <a:p>
-            <a:pPr algn="ctr"/>
-            <a:r>
-              <a:rPr lang="pt-BR" b="1" dirty="0">
-                <a:solidFill>
-                  <a:schemeClr val="bg1">
-                    <a:lumMod val="85000"/>
-                  </a:schemeClr>
-                </a:solidFill>
-              </a:rPr>
-              <a:t>METODOLOGIA</a:t>
-            </a:r>
-          </a:p>
-        </p:txBody>
-      </p:sp>
-      <p:sp>
-        <p:nvSpPr>
-          <p:cNvPr id="5" name="CaixaDeTexto 4">
-            <a:extLst>
-              <a:ext uri="{FF2B5EF4-FFF2-40B4-BE49-F238E27FC236}">
-                <a16:creationId xmlns:a16="http://schemas.microsoft.com/office/drawing/2014/main" id="{9565DBA7-51CE-BB4F-5614-5E7D8C23877B}"/>
-              </a:ext>
-            </a:extLst>
-          </p:cNvPr>
-          <p:cNvSpPr txBox="1"/>
-          <p:nvPr/>
-        </p:nvSpPr>
-        <p:spPr>
-          <a:xfrm>
-            <a:off x="7176000" y="0"/>
-            <a:ext cx="2160000" cy="369332"/>
-          </a:xfrm>
-          <a:prstGeom prst="rect">
-            <a:avLst/>
-          </a:prstGeom>
-          <a:noFill/>
-          <a:ln>
-            <a:noFill/>
-          </a:ln>
-        </p:spPr>
-        <p:txBody>
-          <a:bodyPr wrap="square" rtlCol="0">
-            <a:spAutoFit/>
-          </a:bodyPr>
-          <a:lstStyle/>
-          <a:p>
-            <a:pPr algn="ctr"/>
-            <a:r>
-              <a:rPr lang="pt-BR" b="1" dirty="0">
-                <a:solidFill>
-                  <a:schemeClr val="bg1">
-                    <a:lumMod val="85000"/>
-                  </a:schemeClr>
-                </a:solidFill>
-              </a:rPr>
-              <a:t>ARQUITETURA</a:t>
-            </a:r>
-          </a:p>
-        </p:txBody>
-      </p:sp>
-      <p:sp>
-        <p:nvSpPr>
-          <p:cNvPr id="6" name="CaixaDeTexto 5">
-            <a:extLst>
-              <a:ext uri="{FF2B5EF4-FFF2-40B4-BE49-F238E27FC236}">
-                <a16:creationId xmlns:a16="http://schemas.microsoft.com/office/drawing/2014/main" id="{6FA43461-C92B-27EB-1661-D33A0C4B7AB5}"/>
-              </a:ext>
-            </a:extLst>
-          </p:cNvPr>
-          <p:cNvSpPr txBox="1"/>
-          <p:nvPr/>
-        </p:nvSpPr>
-        <p:spPr>
-          <a:xfrm>
-            <a:off x="9336000" y="0"/>
-            <a:ext cx="2160000" cy="369332"/>
-          </a:xfrm>
-          <a:prstGeom prst="rect">
-            <a:avLst/>
-          </a:prstGeom>
-          <a:noFill/>
-          <a:ln>
-            <a:noFill/>
-          </a:ln>
-        </p:spPr>
-        <p:txBody>
-          <a:bodyPr wrap="square" rtlCol="0">
-            <a:spAutoFit/>
-          </a:bodyPr>
-          <a:lstStyle/>
-          <a:p>
-            <a:pPr algn="ctr"/>
-            <a:r>
-              <a:rPr lang="pt-BR" b="1" dirty="0">
-                <a:solidFill>
-                  <a:schemeClr val="bg1">
-                    <a:lumMod val="85000"/>
-                  </a:schemeClr>
-                </a:solidFill>
-              </a:rPr>
-              <a:t>FECHAMENTO</a:t>
-            </a:r>
-          </a:p>
-        </p:txBody>
-      </p:sp>
-      <p:sp>
-        <p:nvSpPr>
-          <p:cNvPr id="7" name="Retângulo 6">
-            <a:extLst>
-              <a:ext uri="{FF2B5EF4-FFF2-40B4-BE49-F238E27FC236}">
-                <a16:creationId xmlns:a16="http://schemas.microsoft.com/office/drawing/2014/main" id="{68A5726B-985F-ACE4-08D4-45F192E5D698}"/>
-              </a:ext>
-            </a:extLst>
-          </p:cNvPr>
-          <p:cNvSpPr/>
-          <p:nvPr/>
-        </p:nvSpPr>
-        <p:spPr>
-          <a:xfrm>
-            <a:off x="696000" y="369332"/>
-            <a:ext cx="2160000" cy="115410"/>
-          </a:xfrm>
-          <a:prstGeom prst="rect">
-            <a:avLst/>
-          </a:prstGeom>
-          <a:solidFill>
-            <a:srgbClr val="339966"/>
-          </a:solidFill>
-          <a:ln>
-            <a:noFill/>
-          </a:ln>
-        </p:spPr>
-        <p:style>
-          <a:lnRef idx="2">
-            <a:schemeClr val="accent1">
-              <a:shade val="50000"/>
-            </a:schemeClr>
-          </a:lnRef>
-          <a:fillRef idx="1">
-            <a:schemeClr val="accent1"/>
-          </a:fillRef>
-          <a:effectRef idx="0">
-            <a:schemeClr val="accent1"/>
-          </a:effectRef>
-          <a:fontRef idx="minor">
-            <a:schemeClr val="lt1"/>
-          </a:fontRef>
-        </p:style>
-        <p:txBody>
-          <a:bodyPr rtlCol="0" anchor="ctr"/>
-          <a:lstStyle/>
-          <a:p>
-            <a:pPr algn="ctr"/>
-            <a:endParaRPr lang="pt-BR"/>
-          </a:p>
-        </p:txBody>
-      </p:sp>
-      <p:sp>
-        <p:nvSpPr>
-          <p:cNvPr id="9" name="Retângulo 8">
-            <a:extLst>
-              <a:ext uri="{FF2B5EF4-FFF2-40B4-BE49-F238E27FC236}">
-                <a16:creationId xmlns:a16="http://schemas.microsoft.com/office/drawing/2014/main" id="{57F32A42-7EB8-5068-8B3D-EFE52A01CDBF}"/>
-              </a:ext>
-            </a:extLst>
-          </p:cNvPr>
-          <p:cNvSpPr/>
-          <p:nvPr/>
-        </p:nvSpPr>
-        <p:spPr>
-          <a:xfrm>
-            <a:off x="11311850" y="6069568"/>
-            <a:ext cx="299125" cy="419100"/>
-          </a:xfrm>
-          <a:prstGeom prst="rect">
-            <a:avLst/>
-          </a:prstGeom>
-          <a:solidFill>
-            <a:srgbClr val="9DDFBE"/>
-          </a:solidFill>
-          <a:ln>
-            <a:noFill/>
-          </a:ln>
-        </p:spPr>
-        <p:style>
-          <a:lnRef idx="2">
-            <a:schemeClr val="accent1">
-              <a:shade val="50000"/>
-            </a:schemeClr>
-          </a:lnRef>
-          <a:fillRef idx="1">
-            <a:schemeClr val="accent1"/>
-          </a:fillRef>
-          <a:effectRef idx="0">
-            <a:schemeClr val="accent1"/>
-          </a:effectRef>
-          <a:fontRef idx="minor">
-            <a:schemeClr val="lt1"/>
-          </a:fontRef>
-        </p:style>
-        <p:txBody>
-          <a:bodyPr rtlCol="0" anchor="ctr"/>
-          <a:lstStyle/>
-          <a:p>
-            <a:pPr algn="ctr"/>
-            <a:endParaRPr lang="pt-BR"/>
-          </a:p>
-        </p:txBody>
-      </p:sp>
-      <p:sp>
-        <p:nvSpPr>
-          <p:cNvPr id="13" name="Retângulo 12">
-            <a:extLst>
-              <a:ext uri="{FF2B5EF4-FFF2-40B4-BE49-F238E27FC236}">
-                <a16:creationId xmlns:a16="http://schemas.microsoft.com/office/drawing/2014/main" id="{A8A10BE3-27D9-35DF-D08A-519B5D8CB11B}"/>
-              </a:ext>
-            </a:extLst>
-          </p:cNvPr>
-          <p:cNvSpPr/>
-          <p:nvPr/>
-        </p:nvSpPr>
-        <p:spPr>
-          <a:xfrm>
-            <a:off x="11311849" y="6393656"/>
-            <a:ext cx="299125" cy="95012"/>
-          </a:xfrm>
-          <a:prstGeom prst="rect">
-            <a:avLst/>
-          </a:prstGeom>
-          <a:solidFill>
-            <a:srgbClr val="339966"/>
-          </a:solidFill>
-          <a:ln>
-            <a:noFill/>
-          </a:ln>
-        </p:spPr>
-        <p:style>
-          <a:lnRef idx="2">
-            <a:schemeClr val="accent1">
-              <a:shade val="50000"/>
-            </a:schemeClr>
-          </a:lnRef>
-          <a:fillRef idx="1">
-            <a:schemeClr val="accent1"/>
-          </a:fillRef>
-          <a:effectRef idx="0">
-            <a:schemeClr val="accent1"/>
-          </a:effectRef>
-          <a:fontRef idx="minor">
-            <a:schemeClr val="lt1"/>
-          </a:fontRef>
-        </p:style>
-        <p:txBody>
-          <a:bodyPr rtlCol="0" anchor="ctr"/>
-          <a:lstStyle/>
-          <a:p>
-            <a:pPr algn="ctr"/>
-            <a:endParaRPr lang="pt-BR"/>
-          </a:p>
-        </p:txBody>
-      </p:sp>
-      <p:sp>
-        <p:nvSpPr>
-          <p:cNvPr id="14" name="CaixaDeTexto 13">
-            <a:extLst>
-              <a:ext uri="{FF2B5EF4-FFF2-40B4-BE49-F238E27FC236}">
-                <a16:creationId xmlns:a16="http://schemas.microsoft.com/office/drawing/2014/main" id="{1BA6A81C-D2D7-1CB9-B415-EA4FCF0B8860}"/>
-              </a:ext>
-            </a:extLst>
-          </p:cNvPr>
-          <p:cNvSpPr txBox="1"/>
-          <p:nvPr/>
-        </p:nvSpPr>
-        <p:spPr>
-          <a:xfrm>
-            <a:off x="11311848" y="6085879"/>
-            <a:ext cx="299125" cy="307777"/>
-          </a:xfrm>
-          <a:prstGeom prst="rect">
-            <a:avLst/>
-          </a:prstGeom>
-          <a:noFill/>
-        </p:spPr>
-        <p:txBody>
-          <a:bodyPr wrap="square" rtlCol="0">
-            <a:spAutoFit/>
-          </a:bodyPr>
-          <a:lstStyle/>
-          <a:p>
-            <a:pPr algn="ctr"/>
-            <a:r>
-              <a:rPr lang="pt-BR" sz="1400" b="1" dirty="0">
-                <a:solidFill>
-                  <a:schemeClr val="bg1"/>
-                </a:solidFill>
-              </a:rPr>
-              <a:t>1</a:t>
-            </a:r>
-            <a:endParaRPr lang="pt-BR" b="1" dirty="0">
-              <a:solidFill>
-                <a:schemeClr val="bg1"/>
-              </a:solidFill>
-            </a:endParaRPr>
-          </a:p>
-        </p:txBody>
-      </p:sp>
-      <p:sp>
-        <p:nvSpPr>
-          <p:cNvPr id="10" name="CaixaDeTexto 9">
-            <a:extLst>
-              <a:ext uri="{FF2B5EF4-FFF2-40B4-BE49-F238E27FC236}">
-                <a16:creationId xmlns:a16="http://schemas.microsoft.com/office/drawing/2014/main" id="{980CE54D-9520-7596-2B1D-B61F698E3B00}"/>
-              </a:ext>
-            </a:extLst>
-          </p:cNvPr>
-          <p:cNvSpPr txBox="1"/>
-          <p:nvPr/>
-        </p:nvSpPr>
-        <p:spPr>
-          <a:xfrm>
-            <a:off x="515937" y="765175"/>
-            <a:ext cx="5580063" cy="584775"/>
-          </a:xfrm>
-          <a:prstGeom prst="rect">
-            <a:avLst/>
-          </a:prstGeom>
-          <a:noFill/>
-        </p:spPr>
-        <p:txBody>
-          <a:bodyPr wrap="square" rtlCol="0">
-            <a:spAutoFit/>
-          </a:bodyPr>
-          <a:lstStyle/>
-          <a:p>
-            <a:r>
-              <a:rPr lang="pt-BR" sz="3200" b="1" dirty="0">
-                <a:solidFill>
-                  <a:srgbClr val="339966"/>
-                </a:solidFill>
-              </a:rPr>
-              <a:t>Qual é a dor?</a:t>
-            </a:r>
-          </a:p>
-        </p:txBody>
-      </p:sp>
-      <p:sp>
-        <p:nvSpPr>
-          <p:cNvPr id="12" name="CaixaDeTexto 11">
-            <a:extLst>
-              <a:ext uri="{FF2B5EF4-FFF2-40B4-BE49-F238E27FC236}">
-                <a16:creationId xmlns:a16="http://schemas.microsoft.com/office/drawing/2014/main" id="{21D901EE-ADC3-69A8-EB8E-5C599F6B583F}"/>
-              </a:ext>
-            </a:extLst>
-          </p:cNvPr>
-          <p:cNvSpPr txBox="1"/>
-          <p:nvPr/>
-        </p:nvSpPr>
-        <p:spPr>
-          <a:xfrm>
-            <a:off x="695999" y="1323995"/>
-            <a:ext cx="11340425" cy="4868256"/>
-          </a:xfrm>
-          <a:prstGeom prst="rect">
-            <a:avLst/>
-          </a:prstGeom>
-          <a:noFill/>
-        </p:spPr>
-        <p:txBody>
-          <a:bodyPr wrap="square">
-            <a:spAutoFit/>
-          </a:bodyPr>
-          <a:lstStyle/>
-          <a:p>
-            <a:pPr marL="285750" indent="-285750" algn="l">
-              <a:lnSpc>
-                <a:spcPct val="150000"/>
-              </a:lnSpc>
-              <a:buFont typeface="Arial" panose="020B0604020202020204" pitchFamily="34" charset="0"/>
-              <a:buChar char="•"/>
-            </a:pPr>
-            <a:r>
-              <a:rPr lang="pt-BR" sz="3000" b="0" i="0" dirty="0">
-                <a:solidFill>
-                  <a:srgbClr val="57606A"/>
-                </a:solidFill>
-                <a:effectLst/>
-              </a:rPr>
-              <a:t>Segundo dados do IPEA</a:t>
-            </a:r>
-            <a:r>
-              <a:rPr lang="pt-BR" sz="3000" b="1" i="0" dirty="0">
-                <a:solidFill>
-                  <a:srgbClr val="339966"/>
-                </a:solidFill>
-                <a:effectLst/>
-              </a:rPr>
-              <a:t>¹</a:t>
-            </a:r>
-            <a:r>
-              <a:rPr lang="pt-BR" sz="3000" b="0" i="0" dirty="0">
-                <a:solidFill>
-                  <a:srgbClr val="57606A"/>
-                </a:solidFill>
-                <a:effectLst/>
-              </a:rPr>
-              <a:t>, 65% da população utilizada o transporte público como principal forma de deslocamento nas capitais. </a:t>
+              <a:t>, 65% da população utiliza o transporte público como principal forma de deslocamento nas capitais. </a:t>
             </a:r>
           </a:p>
           <a:p>
@@ -20320,7 +18995,7 @@
 </p:sld>
 </file>
 
-<file path=ppt/slides/slide6.xml><?xml version="1.0" encoding="utf-8"?>
+<file path=ppt/slides/slide5.xml><?xml version="1.0" encoding="utf-8"?>
 <p:sld xmlns:a="http://schemas.openxmlformats.org/drawingml/2006/main" xmlns:r="http://schemas.openxmlformats.org/officeDocument/2006/relationships" xmlns:p="http://schemas.openxmlformats.org/presentationml/2006/main">
   <p:cSld>
     <p:spTree>
@@ -21748,7 +20423,7 @@
 </p:sld>
 </file>
 
-<file path=ppt/slides/slide7.xml><?xml version="1.0" encoding="utf-8"?>
+<file path=ppt/slides/slide6.xml><?xml version="1.0" encoding="utf-8"?>
 <p:sld xmlns:a="http://schemas.openxmlformats.org/drawingml/2006/main" xmlns:r="http://schemas.openxmlformats.org/officeDocument/2006/relationships" xmlns:p="http://schemas.openxmlformats.org/presentationml/2006/main">
   <p:cSld>
     <p:spTree>
@@ -23600,7 +22275,7 @@
 </p:sld>
 </file>
 
-<file path=ppt/slides/slide8.xml><?xml version="1.0" encoding="utf-8"?>
+<file path=ppt/slides/slide7.xml><?xml version="1.0" encoding="utf-8"?>
 <p:sld xmlns:a="http://schemas.openxmlformats.org/drawingml/2006/main" xmlns:r="http://schemas.openxmlformats.org/officeDocument/2006/relationships" xmlns:p="http://schemas.openxmlformats.org/presentationml/2006/main">
   <p:cSld>
     <p:spTree>
@@ -24101,7 +22776,7 @@
 </p:sld>
 </file>
 
-<file path=ppt/slides/slide9.xml><?xml version="1.0" encoding="utf-8"?>
+<file path=ppt/slides/slide8.xml><?xml version="1.0" encoding="utf-8"?>
 <p:sld xmlns:a="http://schemas.openxmlformats.org/drawingml/2006/main" xmlns:r="http://schemas.openxmlformats.org/officeDocument/2006/relationships" xmlns:p="http://schemas.openxmlformats.org/presentationml/2006/main">
   <p:cSld>
     <p:spTree>
@@ -26943,6 +25618,737 @@
     <p:extLst>
       <p:ext uri="{BB962C8B-B14F-4D97-AF65-F5344CB8AC3E}">
         <p14:creationId xmlns:p14="http://schemas.microsoft.com/office/powerpoint/2010/main" val="1189825655"/>
+      </p:ext>
+    </p:extLst>
+  </p:cSld>
+  <p:clrMapOvr>
+    <a:masterClrMapping/>
+  </p:clrMapOvr>
+  <mc:AlternateContent xmlns:mc="http://schemas.openxmlformats.org/markup-compatibility/2006" xmlns:p159="http://schemas.microsoft.com/office/powerpoint/2015/09/main">
+    <mc:Choice Requires="p159">
+      <p:transition spd="slow">
+        <p159:morph option="byObject"/>
+      </p:transition>
+    </mc:Choice>
+    <mc:Fallback xmlns="">
+      <p:transition spd="slow">
+        <p:fade/>
+      </p:transition>
+    </mc:Fallback>
+  </mc:AlternateContent>
+</p:sld>
+</file>
+
+<file path=ppt/slides/slide9.xml><?xml version="1.0" encoding="utf-8"?>
+<p:sld xmlns:a="http://schemas.openxmlformats.org/drawingml/2006/main" xmlns:r="http://schemas.openxmlformats.org/officeDocument/2006/relationships" xmlns:p="http://schemas.openxmlformats.org/presentationml/2006/main">
+  <p:cSld>
+    <p:spTree>
+      <p:nvGrpSpPr>
+        <p:cNvPr id="1" name=""/>
+        <p:cNvGrpSpPr/>
+        <p:nvPr/>
+      </p:nvGrpSpPr>
+      <p:grpSpPr>
+        <a:xfrm>
+          <a:off x="0" y="0"/>
+          <a:ext cx="0" cy="0"/>
+          <a:chOff x="0" y="0"/>
+          <a:chExt cx="0" cy="0"/>
+        </a:xfrm>
+      </p:grpSpPr>
+      <p:sp>
+        <p:nvSpPr>
+          <p:cNvPr id="2" name="Retângulo 1">
+            <a:extLst>
+              <a:ext uri="{FF2B5EF4-FFF2-40B4-BE49-F238E27FC236}">
+                <a16:creationId xmlns:a16="http://schemas.microsoft.com/office/drawing/2014/main" id="{2F1FBD3C-743F-7089-0D0C-DA7CC5462B50}"/>
+              </a:ext>
+            </a:extLst>
+          </p:cNvPr>
+          <p:cNvSpPr/>
+          <p:nvPr/>
+        </p:nvSpPr>
+        <p:spPr>
+          <a:xfrm>
+            <a:off x="0" y="369332"/>
+            <a:ext cx="12192000" cy="115410"/>
+          </a:xfrm>
+          <a:prstGeom prst="rect">
+            <a:avLst/>
+          </a:prstGeom>
+          <a:solidFill>
+            <a:schemeClr val="bg1">
+              <a:lumMod val="95000"/>
+            </a:schemeClr>
+          </a:solidFill>
+          <a:ln>
+            <a:noFill/>
+          </a:ln>
+        </p:spPr>
+        <p:style>
+          <a:lnRef idx="2">
+            <a:schemeClr val="accent1">
+              <a:shade val="50000"/>
+            </a:schemeClr>
+          </a:lnRef>
+          <a:fillRef idx="1">
+            <a:schemeClr val="accent1"/>
+          </a:fillRef>
+          <a:effectRef idx="0">
+            <a:schemeClr val="accent1"/>
+          </a:effectRef>
+          <a:fontRef idx="minor">
+            <a:schemeClr val="lt1"/>
+          </a:fontRef>
+        </p:style>
+        <p:txBody>
+          <a:bodyPr rtlCol="0" anchor="ctr"/>
+          <a:lstStyle/>
+          <a:p>
+            <a:pPr algn="ctr"/>
+            <a:endParaRPr lang="pt-BR"/>
+          </a:p>
+        </p:txBody>
+      </p:sp>
+      <p:sp>
+        <p:nvSpPr>
+          <p:cNvPr id="8" name="CaixaDeTexto 7">
+            <a:extLst>
+              <a:ext uri="{FF2B5EF4-FFF2-40B4-BE49-F238E27FC236}">
+                <a16:creationId xmlns:a16="http://schemas.microsoft.com/office/drawing/2014/main" id="{3461DDC4-7834-928F-6FF1-90D55E914CB6}"/>
+              </a:ext>
+            </a:extLst>
+          </p:cNvPr>
+          <p:cNvSpPr txBox="1"/>
+          <p:nvPr/>
+        </p:nvSpPr>
+        <p:spPr>
+          <a:xfrm>
+            <a:off x="696000" y="2203"/>
+            <a:ext cx="2160000" cy="369332"/>
+          </a:xfrm>
+          <a:prstGeom prst="rect">
+            <a:avLst/>
+          </a:prstGeom>
+          <a:noFill/>
+          <a:ln>
+            <a:noFill/>
+          </a:ln>
+        </p:spPr>
+        <p:txBody>
+          <a:bodyPr wrap="square" rtlCol="0">
+            <a:spAutoFit/>
+          </a:bodyPr>
+          <a:lstStyle/>
+          <a:p>
+            <a:pPr algn="ctr"/>
+            <a:r>
+              <a:rPr lang="pt-BR" b="1" dirty="0">
+                <a:solidFill>
+                  <a:schemeClr val="bg1">
+                    <a:lumMod val="85000"/>
+                  </a:schemeClr>
+                </a:solidFill>
+              </a:rPr>
+              <a:t>PROBLEMA</a:t>
+            </a:r>
+          </a:p>
+        </p:txBody>
+      </p:sp>
+      <p:sp>
+        <p:nvSpPr>
+          <p:cNvPr id="18" name="Retângulo 17">
+            <a:extLst>
+              <a:ext uri="{FF2B5EF4-FFF2-40B4-BE49-F238E27FC236}">
+                <a16:creationId xmlns:a16="http://schemas.microsoft.com/office/drawing/2014/main" id="{025DF50E-30FE-1AF8-C932-20C65186C3F7}"/>
+              </a:ext>
+            </a:extLst>
+          </p:cNvPr>
+          <p:cNvSpPr/>
+          <p:nvPr/>
+        </p:nvSpPr>
+        <p:spPr>
+          <a:xfrm>
+            <a:off x="0" y="6751467"/>
+            <a:ext cx="12192000" cy="115410"/>
+          </a:xfrm>
+          <a:prstGeom prst="rect">
+            <a:avLst/>
+          </a:prstGeom>
+          <a:solidFill>
+            <a:srgbClr val="C9B638"/>
+          </a:solidFill>
+          <a:ln>
+            <a:noFill/>
+          </a:ln>
+        </p:spPr>
+        <p:style>
+          <a:lnRef idx="2">
+            <a:schemeClr val="accent1">
+              <a:shade val="50000"/>
+            </a:schemeClr>
+          </a:lnRef>
+          <a:fillRef idx="1">
+            <a:schemeClr val="accent1"/>
+          </a:fillRef>
+          <a:effectRef idx="0">
+            <a:schemeClr val="accent1"/>
+          </a:effectRef>
+          <a:fontRef idx="minor">
+            <a:schemeClr val="lt1"/>
+          </a:fontRef>
+        </p:style>
+        <p:txBody>
+          <a:bodyPr rtlCol="0" anchor="ctr"/>
+          <a:lstStyle/>
+          <a:p>
+            <a:pPr algn="ctr"/>
+            <a:endParaRPr lang="pt-BR"/>
+          </a:p>
+        </p:txBody>
+      </p:sp>
+      <p:sp>
+        <p:nvSpPr>
+          <p:cNvPr id="3" name="CaixaDeTexto 2">
+            <a:extLst>
+              <a:ext uri="{FF2B5EF4-FFF2-40B4-BE49-F238E27FC236}">
+                <a16:creationId xmlns:a16="http://schemas.microsoft.com/office/drawing/2014/main" id="{F48F51F9-85BE-89C0-5C6F-4FC0DBA1EC41}"/>
+              </a:ext>
+            </a:extLst>
+          </p:cNvPr>
+          <p:cNvSpPr txBox="1"/>
+          <p:nvPr/>
+        </p:nvSpPr>
+        <p:spPr>
+          <a:xfrm>
+            <a:off x="2856000" y="2203"/>
+            <a:ext cx="2160000" cy="369332"/>
+          </a:xfrm>
+          <a:prstGeom prst="rect">
+            <a:avLst/>
+          </a:prstGeom>
+          <a:noFill/>
+          <a:ln>
+            <a:noFill/>
+          </a:ln>
+        </p:spPr>
+        <p:txBody>
+          <a:bodyPr wrap="square" rtlCol="0">
+            <a:spAutoFit/>
+          </a:bodyPr>
+          <a:lstStyle/>
+          <a:p>
+            <a:pPr algn="ctr"/>
+            <a:r>
+              <a:rPr lang="pt-BR" b="1" dirty="0">
+                <a:solidFill>
+                  <a:schemeClr val="bg1">
+                    <a:lumMod val="85000"/>
+                  </a:schemeClr>
+                </a:solidFill>
+              </a:rPr>
+              <a:t>PROPOSTA</a:t>
+            </a:r>
+          </a:p>
+        </p:txBody>
+      </p:sp>
+      <p:sp>
+        <p:nvSpPr>
+          <p:cNvPr id="4" name="CaixaDeTexto 3">
+            <a:extLst>
+              <a:ext uri="{FF2B5EF4-FFF2-40B4-BE49-F238E27FC236}">
+                <a16:creationId xmlns:a16="http://schemas.microsoft.com/office/drawing/2014/main" id="{E04C7952-57DC-46E9-E136-2F022066A217}"/>
+              </a:ext>
+            </a:extLst>
+          </p:cNvPr>
+          <p:cNvSpPr txBox="1"/>
+          <p:nvPr/>
+        </p:nvSpPr>
+        <p:spPr>
+          <a:xfrm>
+            <a:off x="5016000" y="0"/>
+            <a:ext cx="2160000" cy="369332"/>
+          </a:xfrm>
+          <a:prstGeom prst="rect">
+            <a:avLst/>
+          </a:prstGeom>
+          <a:noFill/>
+          <a:ln>
+            <a:noFill/>
+          </a:ln>
+        </p:spPr>
+        <p:txBody>
+          <a:bodyPr wrap="square" rtlCol="0">
+            <a:spAutoFit/>
+          </a:bodyPr>
+          <a:lstStyle/>
+          <a:p>
+            <a:pPr algn="ctr"/>
+            <a:r>
+              <a:rPr lang="pt-BR" b="1" dirty="0">
+                <a:solidFill>
+                  <a:srgbClr val="C9B638"/>
+                </a:solidFill>
+              </a:rPr>
+              <a:t>METODOLOGIA</a:t>
+            </a:r>
+          </a:p>
+        </p:txBody>
+      </p:sp>
+      <p:sp>
+        <p:nvSpPr>
+          <p:cNvPr id="5" name="CaixaDeTexto 4">
+            <a:extLst>
+              <a:ext uri="{FF2B5EF4-FFF2-40B4-BE49-F238E27FC236}">
+                <a16:creationId xmlns:a16="http://schemas.microsoft.com/office/drawing/2014/main" id="{9565DBA7-51CE-BB4F-5614-5E7D8C23877B}"/>
+              </a:ext>
+            </a:extLst>
+          </p:cNvPr>
+          <p:cNvSpPr txBox="1"/>
+          <p:nvPr/>
+        </p:nvSpPr>
+        <p:spPr>
+          <a:xfrm>
+            <a:off x="7176000" y="0"/>
+            <a:ext cx="2160000" cy="369332"/>
+          </a:xfrm>
+          <a:prstGeom prst="rect">
+            <a:avLst/>
+          </a:prstGeom>
+          <a:noFill/>
+          <a:ln>
+            <a:noFill/>
+          </a:ln>
+        </p:spPr>
+        <p:txBody>
+          <a:bodyPr wrap="square" rtlCol="0">
+            <a:spAutoFit/>
+          </a:bodyPr>
+          <a:lstStyle/>
+          <a:p>
+            <a:pPr algn="ctr"/>
+            <a:r>
+              <a:rPr lang="pt-BR" b="1" dirty="0">
+                <a:solidFill>
+                  <a:schemeClr val="bg1">
+                    <a:lumMod val="85000"/>
+                  </a:schemeClr>
+                </a:solidFill>
+              </a:rPr>
+              <a:t>ARQUITETURA</a:t>
+            </a:r>
+            <a:endParaRPr lang="pt-BR" b="1" dirty="0">
+              <a:solidFill>
+                <a:srgbClr val="C9B638"/>
+              </a:solidFill>
+            </a:endParaRPr>
+          </a:p>
+        </p:txBody>
+      </p:sp>
+      <p:sp>
+        <p:nvSpPr>
+          <p:cNvPr id="6" name="CaixaDeTexto 5">
+            <a:extLst>
+              <a:ext uri="{FF2B5EF4-FFF2-40B4-BE49-F238E27FC236}">
+                <a16:creationId xmlns:a16="http://schemas.microsoft.com/office/drawing/2014/main" id="{6FA43461-C92B-27EB-1661-D33A0C4B7AB5}"/>
+              </a:ext>
+            </a:extLst>
+          </p:cNvPr>
+          <p:cNvSpPr txBox="1"/>
+          <p:nvPr/>
+        </p:nvSpPr>
+        <p:spPr>
+          <a:xfrm>
+            <a:off x="9336000" y="0"/>
+            <a:ext cx="2160000" cy="369332"/>
+          </a:xfrm>
+          <a:prstGeom prst="rect">
+            <a:avLst/>
+          </a:prstGeom>
+          <a:noFill/>
+          <a:ln>
+            <a:noFill/>
+          </a:ln>
+        </p:spPr>
+        <p:txBody>
+          <a:bodyPr wrap="square" rtlCol="0">
+            <a:spAutoFit/>
+          </a:bodyPr>
+          <a:lstStyle/>
+          <a:p>
+            <a:pPr algn="ctr"/>
+            <a:r>
+              <a:rPr lang="pt-BR" b="1" dirty="0">
+                <a:solidFill>
+                  <a:schemeClr val="bg1">
+                    <a:lumMod val="85000"/>
+                  </a:schemeClr>
+                </a:solidFill>
+              </a:rPr>
+              <a:t>FECHAMENTO</a:t>
+            </a:r>
+          </a:p>
+        </p:txBody>
+      </p:sp>
+      <p:pic>
+        <p:nvPicPr>
+          <p:cNvPr id="39" name="Gráfico 38" descr="Grupo de homens com preenchimento sólido">
+            <a:extLst>
+              <a:ext uri="{FF2B5EF4-FFF2-40B4-BE49-F238E27FC236}">
+                <a16:creationId xmlns:a16="http://schemas.microsoft.com/office/drawing/2014/main" id="{80279019-44C4-49B3-EC7E-FE235F9070FB}"/>
+              </a:ext>
+            </a:extLst>
+          </p:cNvPr>
+          <p:cNvPicPr>
+            <a:picLocks noChangeAspect="1"/>
+          </p:cNvPicPr>
+          <p:nvPr/>
+        </p:nvPicPr>
+        <p:blipFill>
+          <a:blip r:embed="rId2">
+            <a:extLst>
+              <a:ext uri="{28A0092B-C50C-407E-A947-70E740481C1C}">
+                <a14:useLocalDpi xmlns:a14="http://schemas.microsoft.com/office/drawing/2010/main" val="0"/>
+              </a:ext>
+              <a:ext uri="{96DAC541-7B7A-43D3-8B79-37D633B846F1}">
+                <asvg:svgBlip xmlns:asvg="http://schemas.microsoft.com/office/drawing/2016/SVG/main" r:embed="rId3"/>
+              </a:ext>
+            </a:extLst>
+          </a:blip>
+          <a:stretch>
+            <a:fillRect/>
+          </a:stretch>
+        </p:blipFill>
+        <p:spPr>
+          <a:xfrm>
+            <a:off x="245503" y="6024021"/>
+            <a:ext cx="900994" cy="900994"/>
+          </a:xfrm>
+          <a:prstGeom prst="rect">
+            <a:avLst/>
+          </a:prstGeom>
+        </p:spPr>
+      </p:pic>
+      <p:sp>
+        <p:nvSpPr>
+          <p:cNvPr id="153" name="Retângulo 152">
+            <a:extLst>
+              <a:ext uri="{FF2B5EF4-FFF2-40B4-BE49-F238E27FC236}">
+                <a16:creationId xmlns:a16="http://schemas.microsoft.com/office/drawing/2014/main" id="{7B987F0D-8D3E-173F-E204-021332A2A626}"/>
+              </a:ext>
+            </a:extLst>
+          </p:cNvPr>
+          <p:cNvSpPr/>
+          <p:nvPr/>
+        </p:nvSpPr>
+        <p:spPr>
+          <a:xfrm>
+            <a:off x="11311850" y="6069568"/>
+            <a:ext cx="299125" cy="419100"/>
+          </a:xfrm>
+          <a:prstGeom prst="rect">
+            <a:avLst/>
+          </a:prstGeom>
+          <a:solidFill>
+            <a:srgbClr val="EDE6BD"/>
+          </a:solidFill>
+          <a:ln>
+            <a:noFill/>
+          </a:ln>
+        </p:spPr>
+        <p:style>
+          <a:lnRef idx="2">
+            <a:schemeClr val="accent1">
+              <a:shade val="50000"/>
+            </a:schemeClr>
+          </a:lnRef>
+          <a:fillRef idx="1">
+            <a:schemeClr val="accent1"/>
+          </a:fillRef>
+          <a:effectRef idx="0">
+            <a:schemeClr val="accent1"/>
+          </a:effectRef>
+          <a:fontRef idx="minor">
+            <a:schemeClr val="lt1"/>
+          </a:fontRef>
+        </p:style>
+        <p:txBody>
+          <a:bodyPr rtlCol="0" anchor="ctr"/>
+          <a:lstStyle/>
+          <a:p>
+            <a:pPr algn="ctr"/>
+            <a:endParaRPr lang="pt-BR"/>
+          </a:p>
+        </p:txBody>
+      </p:sp>
+      <p:sp>
+        <p:nvSpPr>
+          <p:cNvPr id="154" name="Retângulo 153">
+            <a:extLst>
+              <a:ext uri="{FF2B5EF4-FFF2-40B4-BE49-F238E27FC236}">
+                <a16:creationId xmlns:a16="http://schemas.microsoft.com/office/drawing/2014/main" id="{10EC0A72-0DDA-141B-CED0-579C616E51BC}"/>
+              </a:ext>
+            </a:extLst>
+          </p:cNvPr>
+          <p:cNvSpPr/>
+          <p:nvPr/>
+        </p:nvSpPr>
+        <p:spPr>
+          <a:xfrm>
+            <a:off x="11311849" y="6393656"/>
+            <a:ext cx="299125" cy="95012"/>
+          </a:xfrm>
+          <a:prstGeom prst="rect">
+            <a:avLst/>
+          </a:prstGeom>
+          <a:solidFill>
+            <a:srgbClr val="C9B638"/>
+          </a:solidFill>
+          <a:ln>
+            <a:noFill/>
+          </a:ln>
+        </p:spPr>
+        <p:style>
+          <a:lnRef idx="2">
+            <a:schemeClr val="accent1">
+              <a:shade val="50000"/>
+            </a:schemeClr>
+          </a:lnRef>
+          <a:fillRef idx="1">
+            <a:schemeClr val="accent1"/>
+          </a:fillRef>
+          <a:effectRef idx="0">
+            <a:schemeClr val="accent1"/>
+          </a:effectRef>
+          <a:fontRef idx="minor">
+            <a:schemeClr val="lt1"/>
+          </a:fontRef>
+        </p:style>
+        <p:txBody>
+          <a:bodyPr rtlCol="0" anchor="ctr"/>
+          <a:lstStyle/>
+          <a:p>
+            <a:pPr algn="ctr"/>
+            <a:endParaRPr lang="pt-BR"/>
+          </a:p>
+        </p:txBody>
+      </p:sp>
+      <p:sp>
+        <p:nvSpPr>
+          <p:cNvPr id="155" name="CaixaDeTexto 154">
+            <a:extLst>
+              <a:ext uri="{FF2B5EF4-FFF2-40B4-BE49-F238E27FC236}">
+                <a16:creationId xmlns:a16="http://schemas.microsoft.com/office/drawing/2014/main" id="{FA85C3B3-2DC2-F754-4F64-D51B01D2CDC8}"/>
+              </a:ext>
+            </a:extLst>
+          </p:cNvPr>
+          <p:cNvSpPr txBox="1"/>
+          <p:nvPr/>
+        </p:nvSpPr>
+        <p:spPr>
+          <a:xfrm>
+            <a:off x="11311848" y="6085879"/>
+            <a:ext cx="299125" cy="307777"/>
+          </a:xfrm>
+          <a:prstGeom prst="rect">
+            <a:avLst/>
+          </a:prstGeom>
+          <a:noFill/>
+        </p:spPr>
+        <p:txBody>
+          <a:bodyPr wrap="square" rtlCol="0">
+            <a:spAutoFit/>
+          </a:bodyPr>
+          <a:lstStyle/>
+          <a:p>
+            <a:pPr algn="ctr"/>
+            <a:r>
+              <a:rPr lang="pt-BR" sz="1400" b="1" dirty="0">
+                <a:solidFill>
+                  <a:schemeClr val="bg1"/>
+                </a:solidFill>
+              </a:rPr>
+              <a:t>4</a:t>
+            </a:r>
+            <a:endParaRPr lang="pt-BR" b="1" dirty="0">
+              <a:solidFill>
+                <a:schemeClr val="bg1"/>
+              </a:solidFill>
+            </a:endParaRPr>
+          </a:p>
+        </p:txBody>
+      </p:sp>
+      <p:sp>
+        <p:nvSpPr>
+          <p:cNvPr id="9" name="Retângulo 8">
+            <a:extLst>
+              <a:ext uri="{FF2B5EF4-FFF2-40B4-BE49-F238E27FC236}">
+                <a16:creationId xmlns:a16="http://schemas.microsoft.com/office/drawing/2014/main" id="{0158540E-CEE2-8BAB-A840-FC63927E8AFE}"/>
+              </a:ext>
+            </a:extLst>
+          </p:cNvPr>
+          <p:cNvSpPr/>
+          <p:nvPr/>
+        </p:nvSpPr>
+        <p:spPr>
+          <a:xfrm>
+            <a:off x="5016000" y="369332"/>
+            <a:ext cx="2160000" cy="115410"/>
+          </a:xfrm>
+          <a:prstGeom prst="rect">
+            <a:avLst/>
+          </a:prstGeom>
+          <a:solidFill>
+            <a:srgbClr val="C9B638"/>
+          </a:solidFill>
+          <a:ln>
+            <a:noFill/>
+          </a:ln>
+        </p:spPr>
+        <p:style>
+          <a:lnRef idx="2">
+            <a:schemeClr val="accent1">
+              <a:shade val="50000"/>
+            </a:schemeClr>
+          </a:lnRef>
+          <a:fillRef idx="1">
+            <a:schemeClr val="accent1"/>
+          </a:fillRef>
+          <a:effectRef idx="0">
+            <a:schemeClr val="accent1"/>
+          </a:effectRef>
+          <a:fontRef idx="minor">
+            <a:schemeClr val="lt1"/>
+          </a:fontRef>
+        </p:style>
+        <p:txBody>
+          <a:bodyPr rtlCol="0" anchor="ctr"/>
+          <a:lstStyle/>
+          <a:p>
+            <a:pPr algn="ctr"/>
+            <a:endParaRPr lang="pt-BR"/>
+          </a:p>
+        </p:txBody>
+      </p:sp>
+      <p:sp>
+        <p:nvSpPr>
+          <p:cNvPr id="7" name="CaixaDeTexto 6">
+            <a:extLst>
+              <a:ext uri="{FF2B5EF4-FFF2-40B4-BE49-F238E27FC236}">
+                <a16:creationId xmlns:a16="http://schemas.microsoft.com/office/drawing/2014/main" id="{FD8EA869-928E-DEF5-D154-5952B7267913}"/>
+              </a:ext>
+            </a:extLst>
+          </p:cNvPr>
+          <p:cNvSpPr txBox="1"/>
+          <p:nvPr/>
+        </p:nvSpPr>
+        <p:spPr>
+          <a:xfrm>
+            <a:off x="515937" y="765175"/>
+            <a:ext cx="5856871" cy="584775"/>
+          </a:xfrm>
+          <a:prstGeom prst="rect">
+            <a:avLst/>
+          </a:prstGeom>
+          <a:noFill/>
+        </p:spPr>
+        <p:txBody>
+          <a:bodyPr wrap="square" rtlCol="0">
+            <a:spAutoFit/>
+          </a:bodyPr>
+          <a:lstStyle/>
+          <a:p>
+            <a:r>
+              <a:rPr lang="pt-BR" sz="3200" b="1" dirty="0">
+                <a:solidFill>
+                  <a:srgbClr val="C9B638"/>
+                </a:solidFill>
+              </a:rPr>
+              <a:t>Divisão de papéis e atividades:</a:t>
+            </a:r>
+          </a:p>
+        </p:txBody>
+      </p:sp>
+      <p:sp>
+        <p:nvSpPr>
+          <p:cNvPr id="14" name="CaixaDeTexto 13">
+            <a:extLst>
+              <a:ext uri="{FF2B5EF4-FFF2-40B4-BE49-F238E27FC236}">
+                <a16:creationId xmlns:a16="http://schemas.microsoft.com/office/drawing/2014/main" id="{3A324958-849A-228A-DA2D-F6E6F70D258B}"/>
+              </a:ext>
+            </a:extLst>
+          </p:cNvPr>
+          <p:cNvSpPr txBox="1"/>
+          <p:nvPr/>
+        </p:nvSpPr>
+        <p:spPr>
+          <a:xfrm>
+            <a:off x="695999" y="1323995"/>
+            <a:ext cx="11340425" cy="1405769"/>
+          </a:xfrm>
+          <a:prstGeom prst="rect">
+            <a:avLst/>
+          </a:prstGeom>
+          <a:noFill/>
+        </p:spPr>
+        <p:txBody>
+          <a:bodyPr wrap="square">
+            <a:spAutoFit/>
+          </a:bodyPr>
+          <a:lstStyle/>
+          <a:p>
+            <a:pPr algn="l">
+              <a:lnSpc>
+                <a:spcPct val="150000"/>
+              </a:lnSpc>
+            </a:pPr>
+            <a:r>
+              <a:rPr lang="pt-BR" sz="3000" dirty="0">
+                <a:solidFill>
+                  <a:srgbClr val="57606A"/>
+                </a:solidFill>
+              </a:rPr>
+              <a:t>F</a:t>
+            </a:r>
+            <a:r>
+              <a:rPr lang="pt-BR" sz="3000" b="0" i="0" dirty="0">
+                <a:solidFill>
+                  <a:srgbClr val="57606A"/>
+                </a:solidFill>
+                <a:effectLst/>
+              </a:rPr>
+              <a:t>oram utilizadas práticas do </a:t>
+            </a:r>
+            <a:r>
+              <a:rPr lang="pt-BR" sz="3000" b="1" i="0" dirty="0">
+                <a:solidFill>
+                  <a:srgbClr val="C9B638"/>
+                </a:solidFill>
+                <a:effectLst/>
+              </a:rPr>
+              <a:t>SCRUM e KANBAN</a:t>
+            </a:r>
+            <a:r>
+              <a:rPr lang="pt-BR" sz="3000" b="0" i="0" dirty="0">
+                <a:solidFill>
+                  <a:srgbClr val="57606A"/>
+                </a:solidFill>
+                <a:effectLst/>
+              </a:rPr>
+              <a:t>, como reuniões diárias. Fizemos a divisão do grupo por funções e tarefas, revisando as sprints.</a:t>
+            </a:r>
+            <a:endParaRPr lang="pt-BR" sz="3000" dirty="0">
+              <a:solidFill>
+                <a:srgbClr val="57606A"/>
+              </a:solidFill>
+            </a:endParaRPr>
+          </a:p>
+        </p:txBody>
+      </p:sp>
+    </p:spTree>
+    <p:extLst>
+      <p:ext uri="{BB962C8B-B14F-4D97-AF65-F5344CB8AC3E}">
+        <p14:creationId xmlns:p14="http://schemas.microsoft.com/office/powerpoint/2010/main" val="3476068948"/>
       </p:ext>
     </p:extLst>
   </p:cSld>
